--- a/Presentacion final .pptx
+++ b/Presentacion final .pptx
@@ -5,7 +5,7 @@
     <p:sldMasterId id="2147483840" r:id="rId1"/>
   </p:sldMasterIdLst>
   <p:notesMasterIdLst>
-    <p:notesMasterId r:id="rId33"/>
+    <p:notesMasterId r:id="rId34"/>
   </p:notesMasterIdLst>
   <p:sldIdLst>
     <p:sldId id="256" r:id="rId2"/>
@@ -17,28 +17,29 @@
     <p:sldId id="262" r:id="rId8"/>
     <p:sldId id="283" r:id="rId9"/>
     <p:sldId id="284" r:id="rId10"/>
-    <p:sldId id="263" r:id="rId11"/>
-    <p:sldId id="267" r:id="rId12"/>
-    <p:sldId id="266" r:id="rId13"/>
-    <p:sldId id="268" r:id="rId14"/>
-    <p:sldId id="294" r:id="rId15"/>
-    <p:sldId id="292" r:id="rId16"/>
-    <p:sldId id="291" r:id="rId17"/>
-    <p:sldId id="293" r:id="rId18"/>
-    <p:sldId id="295" r:id="rId19"/>
-    <p:sldId id="285" r:id="rId20"/>
-    <p:sldId id="269" r:id="rId21"/>
-    <p:sldId id="296" r:id="rId22"/>
-    <p:sldId id="270" r:id="rId23"/>
-    <p:sldId id="271" r:id="rId24"/>
-    <p:sldId id="272" r:id="rId25"/>
-    <p:sldId id="273" r:id="rId26"/>
-    <p:sldId id="276" r:id="rId27"/>
-    <p:sldId id="275" r:id="rId28"/>
-    <p:sldId id="274" r:id="rId29"/>
-    <p:sldId id="277" r:id="rId30"/>
-    <p:sldId id="279" r:id="rId31"/>
-    <p:sldId id="281" r:id="rId32"/>
+    <p:sldId id="297" r:id="rId11"/>
+    <p:sldId id="263" r:id="rId12"/>
+    <p:sldId id="267" r:id="rId13"/>
+    <p:sldId id="266" r:id="rId14"/>
+    <p:sldId id="268" r:id="rId15"/>
+    <p:sldId id="294" r:id="rId16"/>
+    <p:sldId id="292" r:id="rId17"/>
+    <p:sldId id="291" r:id="rId18"/>
+    <p:sldId id="293" r:id="rId19"/>
+    <p:sldId id="295" r:id="rId20"/>
+    <p:sldId id="285" r:id="rId21"/>
+    <p:sldId id="269" r:id="rId22"/>
+    <p:sldId id="296" r:id="rId23"/>
+    <p:sldId id="270" r:id="rId24"/>
+    <p:sldId id="271" r:id="rId25"/>
+    <p:sldId id="272" r:id="rId26"/>
+    <p:sldId id="273" r:id="rId27"/>
+    <p:sldId id="276" r:id="rId28"/>
+    <p:sldId id="275" r:id="rId29"/>
+    <p:sldId id="274" r:id="rId30"/>
+    <p:sldId id="277" r:id="rId31"/>
+    <p:sldId id="279" r:id="rId32"/>
+    <p:sldId id="281" r:id="rId33"/>
   </p:sldIdLst>
   <p:sldSz cx="9144000" cy="6858000" type="screen4x3"/>
   <p:notesSz cx="6858000" cy="9144000"/>
@@ -147,15 +148,6 @@
 </p:cmAuthorLst>
 </file>
 
-<file path=ppt/comments/comment1.xml><?xml version="1.0" encoding="utf-8"?>
-<p:cmLst xmlns:a="http://schemas.openxmlformats.org/drawingml/2006/main" xmlns:r="http://schemas.openxmlformats.org/officeDocument/2006/relationships" xmlns:p="http://schemas.openxmlformats.org/presentationml/2006/main">
-  <p:cm authorId="0" dt="2015-10-21T10:38:54.448" idx="13">
-    <p:pos x="4641" y="308"/>
-    <p:text>llevar esta transparencias a antes de los metamodelos, creemos que se entenderá mejor así el metamodelo</p:text>
-  </p:cm>
-</p:cmLst>
-</file>
-
 <file path=ppt/notesMasters/notesMaster1.xml><?xml version="1.0" encoding="utf-8"?>
 <p:notesMaster xmlns:a="http://schemas.openxmlformats.org/drawingml/2006/main" xmlns:r="http://schemas.openxmlformats.org/officeDocument/2006/relationships" xmlns:p="http://schemas.openxmlformats.org/presentationml/2006/main">
   <p:cSld>
@@ -239,7 +231,7 @@
             <a:fld id="{FFF104F8-57FB-438D-98F1-A2F687608648}" type="datetimeFigureOut">
               <a:rPr lang="es-PY" smtClean="0"/>
               <a:pPr/>
-              <a:t>22/03/2016</a:t>
+              <a:t>19/04/2016</a:t>
             </a:fld>
             <a:endParaRPr lang="es-PY"/>
           </a:p>
@@ -410,7 +402,7 @@
     </p:spTree>
     <p:extLst>
       <p:ext uri="{BB962C8B-B14F-4D97-AF65-F5344CB8AC3E}">
-        <p14:creationId xmlns:p14="http://schemas.microsoft.com/office/powerpoint/2010/main" val="3924664184"/>
+        <p14:creationId xmlns="" xmlns:p14="http://schemas.microsoft.com/office/powerpoint/2010/main" val="3924664184"/>
       </p:ext>
     </p:extLst>
   </p:cSld>
@@ -556,10 +548,6 @@
           </a:bodyPr>
           <a:lstStyle/>
           <a:p>
-            <a:r>
-              <a:rPr lang="es-PY" dirty="0" smtClean="0"/>
-              <a:t>Numero de paginas a las diapositivas</a:t>
-            </a:r>
             <a:endParaRPr lang="es-PY" dirty="0"/>
           </a:p>
         </p:txBody>
@@ -687,7 +675,7 @@
             <a:fld id="{F281F6FB-2DDC-455D-B27B-ACF9902ABC11}" type="slidenum">
               <a:rPr lang="es-PY" smtClean="0"/>
               <a:pPr/>
-              <a:t>10</a:t>
+              <a:t>11</a:t>
             </a:fld>
             <a:endParaRPr lang="es-PY"/>
           </a:p>
@@ -777,7 +765,7 @@
             <a:fld id="{F281F6FB-2DDC-455D-B27B-ACF9902ABC11}" type="slidenum">
               <a:rPr lang="es-PY" smtClean="0"/>
               <a:pPr/>
-              <a:t>12</a:t>
+              <a:t>13</a:t>
             </a:fld>
             <a:endParaRPr lang="es-PY"/>
           </a:p>
@@ -867,7 +855,7 @@
             <a:fld id="{F281F6FB-2DDC-455D-B27B-ACF9902ABC11}" type="slidenum">
               <a:rPr lang="es-PY" smtClean="0"/>
               <a:pPr/>
-              <a:t>13</a:t>
+              <a:t>14</a:t>
             </a:fld>
             <a:endParaRPr lang="es-PY"/>
           </a:p>
@@ -957,7 +945,7 @@
             <a:fld id="{F281F6FB-2DDC-455D-B27B-ACF9902ABC11}" type="slidenum">
               <a:rPr lang="es-PY" smtClean="0"/>
               <a:pPr/>
-              <a:t>14</a:t>
+              <a:t>15</a:t>
             </a:fld>
             <a:endParaRPr lang="es-PY"/>
           </a:p>
@@ -1047,7 +1035,7 @@
             <a:fld id="{F281F6FB-2DDC-455D-B27B-ACF9902ABC11}" type="slidenum">
               <a:rPr lang="es-PY" smtClean="0"/>
               <a:pPr/>
-              <a:t>15</a:t>
+              <a:t>16</a:t>
             </a:fld>
             <a:endParaRPr lang="es-PY"/>
           </a:p>
@@ -1137,7 +1125,7 @@
             <a:fld id="{F281F6FB-2DDC-455D-B27B-ACF9902ABC11}" type="slidenum">
               <a:rPr lang="es-PY" smtClean="0"/>
               <a:pPr/>
-              <a:t>16</a:t>
+              <a:t>17</a:t>
             </a:fld>
             <a:endParaRPr lang="es-PY"/>
           </a:p>
@@ -1227,7 +1215,7 @@
             <a:fld id="{F281F6FB-2DDC-455D-B27B-ACF9902ABC11}" type="slidenum">
               <a:rPr lang="es-PY" smtClean="0"/>
               <a:pPr/>
-              <a:t>17</a:t>
+              <a:t>18</a:t>
             </a:fld>
             <a:endParaRPr lang="es-PY"/>
           </a:p>
@@ -1317,7 +1305,7 @@
             <a:fld id="{F281F6FB-2DDC-455D-B27B-ACF9902ABC11}" type="slidenum">
               <a:rPr lang="es-PY" smtClean="0"/>
               <a:pPr/>
-              <a:t>18</a:t>
+              <a:t>19</a:t>
             </a:fld>
             <a:endParaRPr lang="es-PY"/>
           </a:p>
@@ -1429,7 +1417,7 @@
             <a:fld id="{F281F6FB-2DDC-455D-B27B-ACF9902ABC11}" type="slidenum">
               <a:rPr lang="es-PY" smtClean="0"/>
               <a:pPr/>
-              <a:t>19</a:t>
+              <a:t>20</a:t>
             </a:fld>
             <a:endParaRPr lang="es-PY"/>
           </a:p>
@@ -1625,7 +1613,7 @@
             <a:fld id="{F281F6FB-2DDC-455D-B27B-ACF9902ABC11}" type="slidenum">
               <a:rPr lang="es-PY" smtClean="0"/>
               <a:pPr/>
-              <a:t>20</a:t>
+              <a:t>21</a:t>
             </a:fld>
             <a:endParaRPr lang="es-PY"/>
           </a:p>
@@ -1867,7 +1855,7 @@
             <a:fld id="{F281F6FB-2DDC-455D-B27B-ACF9902ABC11}" type="slidenum">
               <a:rPr lang="es-PY" smtClean="0"/>
               <a:pPr/>
-              <a:t>22</a:t>
+              <a:t>23</a:t>
             </a:fld>
             <a:endParaRPr lang="es-PY"/>
           </a:p>
@@ -1965,7 +1953,7 @@
             <a:fld id="{F281F6FB-2DDC-455D-B27B-ACF9902ABC11}" type="slidenum">
               <a:rPr lang="es-PY" smtClean="0"/>
               <a:pPr/>
-              <a:t>23</a:t>
+              <a:t>24</a:t>
             </a:fld>
             <a:endParaRPr lang="es-PY"/>
           </a:p>
@@ -2071,7 +2059,7 @@
             <a:fld id="{F281F6FB-2DDC-455D-B27B-ACF9902ABC11}" type="slidenum">
               <a:rPr lang="es-PY" smtClean="0"/>
               <a:pPr/>
-              <a:t>24</a:t>
+              <a:t>25</a:t>
             </a:fld>
             <a:endParaRPr lang="es-PY"/>
           </a:p>
@@ -2381,7 +2369,7 @@
             <a:fld id="{F281F6FB-2DDC-455D-B27B-ACF9902ABC11}" type="slidenum">
               <a:rPr lang="es-PY" smtClean="0"/>
               <a:pPr/>
-              <a:t>25</a:t>
+              <a:t>26</a:t>
             </a:fld>
             <a:endParaRPr lang="es-PY"/>
           </a:p>
@@ -2471,7 +2459,7 @@
             <a:fld id="{F281F6FB-2DDC-455D-B27B-ACF9902ABC11}" type="slidenum">
               <a:rPr lang="es-PY" smtClean="0"/>
               <a:pPr/>
-              <a:t>26</a:t>
+              <a:t>27</a:t>
             </a:fld>
             <a:endParaRPr lang="es-PY"/>
           </a:p>
@@ -2561,7 +2549,7 @@
             <a:fld id="{F281F6FB-2DDC-455D-B27B-ACF9902ABC11}" type="slidenum">
               <a:rPr lang="es-PY" smtClean="0"/>
               <a:pPr/>
-              <a:t>27</a:t>
+              <a:t>28</a:t>
             </a:fld>
             <a:endParaRPr lang="es-PY"/>
           </a:p>
@@ -2992,7 +2980,7 @@
             <a:fld id="{F281F6FB-2DDC-455D-B27B-ACF9902ABC11}" type="slidenum">
               <a:rPr lang="es-PY" smtClean="0"/>
               <a:pPr/>
-              <a:t>28</a:t>
+              <a:t>29</a:t>
             </a:fld>
             <a:endParaRPr lang="es-PY"/>
           </a:p>
@@ -3977,7 +3965,7 @@
             <a:fld id="{F281F6FB-2DDC-455D-B27B-ACF9902ABC11}" type="slidenum">
               <a:rPr lang="es-PY" smtClean="0"/>
               <a:pPr/>
-              <a:t>29</a:t>
+              <a:t>30</a:t>
             </a:fld>
             <a:endParaRPr lang="es-PY"/>
           </a:p>
@@ -4142,7 +4130,7 @@
             <a:fld id="{F281F6FB-2DDC-455D-B27B-ACF9902ABC11}" type="slidenum">
               <a:rPr lang="es-PY" smtClean="0"/>
               <a:pPr/>
-              <a:t>30</a:t>
+              <a:t>31</a:t>
             </a:fld>
             <a:endParaRPr lang="es-PY"/>
           </a:p>
@@ -4224,7 +4212,7 @@
             <a:fld id="{F281F6FB-2DDC-455D-B27B-ACF9902ABC11}" type="slidenum">
               <a:rPr lang="es-PY" smtClean="0"/>
               <a:pPr/>
-              <a:t>31</a:t>
+              <a:t>32</a:t>
             </a:fld>
             <a:endParaRPr lang="es-PY"/>
           </a:p>
@@ -4612,7 +4600,7 @@
     </p:spTree>
     <p:extLst>
       <p:ext uri="{BB962C8B-B14F-4D97-AF65-F5344CB8AC3E}">
-        <p14:creationId xmlns:p14="http://schemas.microsoft.com/office/powerpoint/2010/main" val="574261693"/>
+        <p14:creationId xmlns="" xmlns:p14="http://schemas.microsoft.com/office/powerpoint/2010/main" val="574261693"/>
       </p:ext>
     </p:extLst>
   </p:cSld>
@@ -4735,7 +4723,7 @@
     </p:spTree>
     <p:extLst>
       <p:ext uri="{BB962C8B-B14F-4D97-AF65-F5344CB8AC3E}">
-        <p14:creationId xmlns:p14="http://schemas.microsoft.com/office/powerpoint/2010/main" val="3670050513"/>
+        <p14:creationId xmlns="" xmlns:p14="http://schemas.microsoft.com/office/powerpoint/2010/main" val="3670050513"/>
       </p:ext>
     </p:extLst>
   </p:cSld>
@@ -4957,6 +4945,15 @@
               <a:t>y estos fueron los aportes.</a:t>
             </a:r>
           </a:p>
+          <a:p>
+            <a:endParaRPr lang="es-PY" baseline="0" dirty="0" smtClean="0"/>
+          </a:p>
+          <a:p>
+            <a:r>
+              <a:rPr lang="es-PY" baseline="0" dirty="0" smtClean="0"/>
+              <a:t>Nace MoWebA4RIA</a:t>
+            </a:r>
+          </a:p>
         </p:txBody>
       </p:sp>
       <p:sp>
@@ -5052,6 +5049,24 @@
             <a:r>
               <a:rPr lang="es-PY" baseline="0" dirty="0" smtClean="0"/>
               <a:t>.</a:t>
+            </a:r>
+          </a:p>
+          <a:p>
+            <a:r>
+              <a:rPr lang="es-PY" baseline="0" dirty="0" smtClean="0"/>
+              <a:t>Cambiar el </a:t>
+            </a:r>
+            <a:r>
+              <a:rPr lang="es-PY" baseline="0" dirty="0" err="1" smtClean="0"/>
+              <a:t>datePicker</a:t>
+            </a:r>
+            <a:r>
+              <a:rPr lang="es-PY" baseline="0" dirty="0" smtClean="0"/>
+              <a:t> falta el </a:t>
+            </a:r>
+            <a:r>
+              <a:rPr lang="es-PY" baseline="0" dirty="0" err="1" smtClean="0"/>
+              <a:t>textInput</a:t>
             </a:r>
             <a:endParaRPr lang="es-PY" dirty="0"/>
           </a:p>
@@ -5474,7 +5489,7 @@
             <a:fld id="{F9D938DB-2712-4B75-9ECC-5FF39B93EE92}" type="datetime1">
               <a:rPr lang="es-PY" smtClean="0"/>
               <a:pPr/>
-              <a:t>22/03/2016</a:t>
+              <a:t>19/04/2016</a:t>
             </a:fld>
             <a:endParaRPr lang="es-PY"/>
           </a:p>
@@ -5641,7 +5656,7 @@
             <a:fld id="{C26D8CC1-8F2B-418A-894E-AA99F3399059}" type="datetime1">
               <a:rPr lang="es-PY" smtClean="0"/>
               <a:pPr/>
-              <a:t>22/03/2016</a:t>
+              <a:t>19/04/2016</a:t>
             </a:fld>
             <a:endParaRPr lang="es-PY"/>
           </a:p>
@@ -5818,7 +5833,7 @@
             <a:fld id="{F9280942-B390-4075-A70B-C691442EACEC}" type="datetime1">
               <a:rPr lang="es-PY" smtClean="0"/>
               <a:pPr/>
-              <a:t>22/03/2016</a:t>
+              <a:t>19/04/2016</a:t>
             </a:fld>
             <a:endParaRPr lang="es-PY"/>
           </a:p>
@@ -5989,7 +6004,7 @@
             <a:fld id="{4F62BB0F-0E80-401F-AEF2-55A0BBD86A68}" type="datetime1">
               <a:rPr lang="es-PY" smtClean="0"/>
               <a:pPr/>
-              <a:t>22/03/2016</a:t>
+              <a:t>19/04/2016</a:t>
             </a:fld>
             <a:endParaRPr lang="es-PY"/>
           </a:p>
@@ -6446,7 +6461,7 @@
             <a:fld id="{1DD06FC2-4FA1-4FB2-A4D0-8E70ECCE4C9D}" type="datetime1">
               <a:rPr lang="es-PY" smtClean="0"/>
               <a:pPr/>
-              <a:t>22/03/2016</a:t>
+              <a:t>19/04/2016</a:t>
             </a:fld>
             <a:endParaRPr lang="es-PY"/>
           </a:p>
@@ -6712,7 +6727,7 @@
             <a:fld id="{57144004-A67E-445B-8073-7C2CA80AA148}" type="datetime1">
               <a:rPr lang="es-PY" smtClean="0"/>
               <a:pPr/>
-              <a:t>22/03/2016</a:t>
+              <a:t>19/04/2016</a:t>
             </a:fld>
             <a:endParaRPr lang="es-PY"/>
           </a:p>
@@ -7088,7 +7103,7 @@
             <a:fld id="{E4D0ACFD-966A-4B01-9C1D-CD30714D564E}" type="datetime1">
               <a:rPr lang="es-PY" smtClean="0"/>
               <a:pPr/>
-              <a:t>22/03/2016</a:t>
+              <a:t>19/04/2016</a:t>
             </a:fld>
             <a:endParaRPr lang="es-PY"/>
           </a:p>
@@ -7212,7 +7227,7 @@
             <a:fld id="{3F99BCB0-E733-4A43-960B-58DAEFEA5AFE}" type="datetime1">
               <a:rPr lang="es-PY" smtClean="0"/>
               <a:pPr/>
-              <a:t>22/03/2016</a:t>
+              <a:t>19/04/2016</a:t>
             </a:fld>
             <a:endParaRPr lang="es-PY"/>
           </a:p>
@@ -7304,7 +7319,7 @@
             <a:fld id="{C81642C3-5A4E-400F-894E-7CFBC5B80474}" type="datetime1">
               <a:rPr lang="es-PY" smtClean="0"/>
               <a:pPr/>
-              <a:t>22/03/2016</a:t>
+              <a:t>19/04/2016</a:t>
             </a:fld>
             <a:endParaRPr lang="es-PY"/>
           </a:p>
@@ -7555,7 +7570,7 @@
             <a:fld id="{7B1814FC-0BDA-4697-B9E3-93AB60699B74}" type="datetime1">
               <a:rPr lang="es-PY" smtClean="0"/>
               <a:pPr/>
-              <a:t>22/03/2016</a:t>
+              <a:t>19/04/2016</a:t>
             </a:fld>
             <a:endParaRPr lang="es-PY"/>
           </a:p>
@@ -7816,7 +7831,7 @@
             <a:fld id="{70859DAC-2290-4B12-92F5-40164BFAB346}" type="datetime1">
               <a:rPr lang="es-PY" smtClean="0"/>
               <a:pPr/>
-              <a:t>22/03/2016</a:t>
+              <a:t>19/04/2016</a:t>
             </a:fld>
             <a:endParaRPr lang="es-PY"/>
           </a:p>
@@ -8222,7 +8237,7 @@
             <a:fld id="{A58CA89E-EE52-47E6-B8E6-5B85B82D161E}" type="datetime1">
               <a:rPr lang="es-PY" smtClean="0"/>
               <a:pPr/>
-              <a:t>22/03/2016</a:t>
+              <a:t>19/04/2016</a:t>
             </a:fld>
             <a:endParaRPr lang="es-PY"/>
           </a:p>
@@ -8664,7 +8679,7 @@
         </p:nvSpPr>
         <p:spPr>
           <a:xfrm>
-            <a:off x="611560" y="4149080"/>
+            <a:off x="1187624" y="3789040"/>
             <a:ext cx="6480048" cy="1752600"/>
           </a:xfrm>
         </p:spPr>
@@ -8676,19 +8691,16 @@
           <a:p>
             <a:r>
               <a:rPr lang="es-ES" dirty="0" smtClean="0"/>
-              <a:t>Alumno: Iván María López</a:t>
-            </a:r>
+              <a:t>Autores: </a:t>
+            </a:r>
+          </a:p>
+          <a:p>
+            <a:endParaRPr lang="es-ES" dirty="0" smtClean="0"/>
           </a:p>
           <a:p>
             <a:r>
               <a:rPr lang="es-ES" dirty="0" smtClean="0"/>
-              <a:t>Tutores</a:t>
-            </a:r>
-          </a:p>
-          <a:p>
-            <a:r>
-              <a:rPr lang="es-ES" dirty="0" smtClean="0"/>
-              <a:t>Ing. </a:t>
+              <a:t>Iván López, </a:t>
             </a:r>
             <a:r>
               <a:rPr lang="es-ES" dirty="0" err="1" smtClean="0"/>
@@ -8696,25 +8708,21 @@
             </a:r>
             <a:r>
               <a:rPr lang="es-ES" dirty="0" smtClean="0"/>
-              <a:t> González</a:t>
-            </a:r>
-          </a:p>
-          <a:p>
-            <a:r>
-              <a:rPr lang="es-ES" dirty="0" err="1" smtClean="0"/>
-              <a:t>Msc.</a:t>
-            </a:r>
-            <a:r>
-              <a:rPr lang="es-ES" dirty="0" smtClean="0"/>
-              <a:t> Ing. </a:t>
-            </a:r>
+              <a:t> González, </a:t>
+            </a:r>
+          </a:p>
+          <a:p>
             <a:r>
               <a:rPr lang="es-ES" dirty="0" err="1" smtClean="0"/>
               <a:t>Nathalie</a:t>
             </a:r>
             <a:r>
               <a:rPr lang="es-ES" dirty="0" smtClean="0"/>
-              <a:t> Aquino</a:t>
+              <a:t> Aquino y Luca </a:t>
+            </a:r>
+            <a:r>
+              <a:rPr lang="es-ES" dirty="0" err="1" smtClean="0"/>
+              <a:t>Cernuzzi</a:t>
             </a:r>
             <a:endParaRPr lang="es-ES" dirty="0"/>
           </a:p>
@@ -8786,92 +8794,71 @@
             <p:ph type="title"/>
           </p:nvPr>
         </p:nvSpPr>
-        <p:spPr>
-          <a:xfrm>
-            <a:off x="539552" y="188640"/>
-            <a:ext cx="7467600" cy="1143000"/>
-          </a:xfrm>
-        </p:spPr>
-        <p:txBody>
-          <a:bodyPr>
-            <a:noAutofit/>
-          </a:bodyPr>
-          <a:lstStyle/>
-          <a:p>
-            <a:pPr algn="ctr"/>
-            <a:r>
-              <a:rPr lang="es-PY" sz="3600" b="1" dirty="0" smtClean="0"/>
-              <a:t>Extensiones al </a:t>
-            </a:r>
-            <a:r>
-              <a:rPr lang="es-PY" sz="3600" b="1" dirty="0" err="1" smtClean="0"/>
-              <a:t>Metamodelo</a:t>
-            </a:r>
-            <a:r>
-              <a:rPr lang="es-PY" sz="3600" b="1" dirty="0" smtClean="0"/>
-              <a:t> de Contenido y Estructura de </a:t>
-            </a:r>
-            <a:r>
-              <a:rPr lang="es-PY" sz="3600" b="1" i="1" dirty="0" err="1" smtClean="0"/>
-              <a:t>MoWebA</a:t>
-            </a:r>
-            <a:endParaRPr lang="es-PY" sz="3600" b="1" i="1" dirty="0"/>
+        <p:spPr/>
+        <p:txBody>
+          <a:bodyPr/>
+          <a:lstStyle/>
+          <a:p>
+            <a:r>
+              <a:rPr lang="es-PY" b="1" dirty="0" smtClean="0"/>
+              <a:t>		 Live </a:t>
+            </a:r>
+            <a:r>
+              <a:rPr lang="es-PY" b="1" dirty="0" err="1" smtClean="0"/>
+              <a:t>Validation</a:t>
+            </a:r>
+            <a:endParaRPr lang="es-PY" b="1" dirty="0"/>
+          </a:p>
+        </p:txBody>
+      </p:sp>
+      <p:sp>
+        <p:nvSpPr>
+          <p:cNvPr id="4" name="3 Marcador de número de diapositiva"/>
+          <p:cNvSpPr>
+            <a:spLocks noGrp="1"/>
+          </p:cNvSpPr>
+          <p:nvPr>
+            <p:ph type="sldNum" sz="quarter" idx="12"/>
+          </p:nvPr>
+        </p:nvSpPr>
+        <p:spPr/>
+        <p:txBody>
+          <a:bodyPr/>
+          <a:lstStyle/>
+          <a:p>
+            <a:fld id="{00983F03-8C2A-4E24-982B-C5C1359E5E45}" type="slidenum">
+              <a:rPr lang="es-PY" smtClean="0"/>
+              <a:pPr/>
+              <a:t>10</a:t>
+            </a:fld>
+            <a:endParaRPr lang="es-PY"/>
           </a:p>
         </p:txBody>
       </p:sp>
       <p:pic>
         <p:nvPicPr>
-          <p:cNvPr id="4" name="3 Marcador de contenido"/>
+          <p:cNvPr id="5" name="4 Imagen" descr="validaciones_v3.jpg"/>
           <p:cNvPicPr>
-            <a:picLocks noGrp="1" noChangeAspect="1"/>
+            <a:picLocks noChangeAspect="1"/>
           </p:cNvPicPr>
-          <p:nvPr>
-            <p:ph idx="1"/>
-          </p:nvPr>
+          <p:nvPr/>
         </p:nvPicPr>
         <p:blipFill>
-          <a:blip r:embed="rId3" cstate="print">
-            <a:extLst>
-              <a:ext uri="{28A0092B-C50C-407E-A947-70E740481C1C}">
-                <a14:useLocalDpi xmlns:a14="http://schemas.microsoft.com/office/drawing/2010/main" val="0"/>
-              </a:ext>
-            </a:extLst>
-          </a:blip>
+          <a:blip r:embed="rId2" cstate="print"/>
           <a:stretch>
             <a:fillRect/>
           </a:stretch>
         </p:blipFill>
         <p:spPr>
           <a:xfrm>
-            <a:off x="179512" y="1412776"/>
-            <a:ext cx="8890898" cy="5184576"/>
+            <a:off x="755576" y="1340768"/>
+            <a:ext cx="7589370" cy="5040560"/>
           </a:xfrm>
+          <a:prstGeom prst="rect">
+            <a:avLst/>
+          </a:prstGeom>
         </p:spPr>
       </p:pic>
-      <p:sp>
-        <p:nvSpPr>
-          <p:cNvPr id="5" name="4 Marcador de número de diapositiva"/>
-          <p:cNvSpPr>
-            <a:spLocks noGrp="1"/>
-          </p:cNvSpPr>
-          <p:nvPr>
-            <p:ph type="sldNum" sz="quarter" idx="12"/>
-          </p:nvPr>
-        </p:nvSpPr>
-        <p:spPr/>
-        <p:txBody>
-          <a:bodyPr/>
-          <a:lstStyle/>
-          <a:p>
-            <a:fld id="{00983F03-8C2A-4E24-982B-C5C1359E5E45}" type="slidenum">
-              <a:rPr lang="es-PY" sz="1600" smtClean="0"/>
-              <a:pPr/>
-              <a:t>10</a:t>
-            </a:fld>
-            <a:endParaRPr lang="es-PY" sz="1600" dirty="0"/>
-          </a:p>
-        </p:txBody>
-      </p:sp>
     </p:spTree>
   </p:cSld>
   <p:clrMapOvr>
@@ -8914,25 +8901,42 @@
             <p:ph type="title"/>
           </p:nvPr>
         </p:nvSpPr>
-        <p:spPr/>
+        <p:spPr>
+          <a:xfrm>
+            <a:off x="539552" y="188640"/>
+            <a:ext cx="7467600" cy="1143000"/>
+          </a:xfrm>
+        </p:spPr>
         <p:txBody>
           <a:bodyPr>
-            <a:normAutofit/>
+            <a:noAutofit/>
           </a:bodyPr>
           <a:lstStyle/>
           <a:p>
             <a:pPr algn="ctr"/>
             <a:r>
-              <a:rPr lang="es-PY" b="1" dirty="0" smtClean="0"/>
-              <a:t>Ejemplo de Interfaz RIA</a:t>
-            </a:r>
-            <a:endParaRPr lang="es-PY" b="1" dirty="0"/>
+              <a:rPr lang="es-PY" sz="3600" b="1" dirty="0" smtClean="0"/>
+              <a:t>Extensiones al </a:t>
+            </a:r>
+            <a:r>
+              <a:rPr lang="es-PY" sz="3600" b="1" dirty="0" err="1" smtClean="0"/>
+              <a:t>Metamodelo</a:t>
+            </a:r>
+            <a:r>
+              <a:rPr lang="es-PY" sz="3600" b="1" dirty="0" smtClean="0"/>
+              <a:t> de Contenido y Estructura de </a:t>
+            </a:r>
+            <a:r>
+              <a:rPr lang="es-PY" sz="3600" b="1" i="1" dirty="0" err="1" smtClean="0"/>
+              <a:t>MoWebA</a:t>
+            </a:r>
+            <a:endParaRPr lang="es-PY" sz="3600" b="1" i="1" dirty="0"/>
           </a:p>
         </p:txBody>
       </p:sp>
       <p:pic>
         <p:nvPicPr>
-          <p:cNvPr id="4" name="3 Marcador de contenido" descr="ivan_2.png"/>
+          <p:cNvPr id="4" name="3 Marcador de contenido"/>
           <p:cNvPicPr>
             <a:picLocks noGrp="1" noChangeAspect="1"/>
           </p:cNvPicPr>
@@ -8941,15 +8945,21 @@
           </p:nvPr>
         </p:nvPicPr>
         <p:blipFill>
-          <a:blip r:embed="rId2" cstate="print"/>
+          <a:blip r:embed="rId3" cstate="print">
+            <a:extLst>
+              <a:ext uri="{28A0092B-C50C-407E-A947-70E740481C1C}">
+                <a14:useLocalDpi xmlns="" xmlns:a14="http://schemas.microsoft.com/office/drawing/2010/main" val="0"/>
+              </a:ext>
+            </a:extLst>
+          </a:blip>
           <a:stretch>
             <a:fillRect/>
           </a:stretch>
         </p:blipFill>
         <p:spPr>
           <a:xfrm>
-            <a:off x="1115616" y="1556792"/>
-            <a:ext cx="7056784" cy="4989961"/>
+            <a:off x="179512" y="1412776"/>
+            <a:ext cx="8890898" cy="5184576"/>
           </a:xfrm>
         </p:spPr>
       </p:pic>
@@ -9019,41 +9029,25 @@
             <p:ph type="title"/>
           </p:nvPr>
         </p:nvSpPr>
-        <p:spPr>
-          <a:xfrm>
-            <a:off x="539552" y="404664"/>
-            <a:ext cx="7467600" cy="1143000"/>
-          </a:xfrm>
-        </p:spPr>
+        <p:spPr/>
         <p:txBody>
           <a:bodyPr>
-            <a:noAutofit/>
+            <a:normAutofit/>
           </a:bodyPr>
           <a:lstStyle/>
           <a:p>
             <a:pPr algn="ctr"/>
             <a:r>
-              <a:rPr lang="es-PY" sz="4000" b="1" dirty="0" smtClean="0"/>
-              <a:t>PIM de ejemplo con </a:t>
-            </a:r>
-            <a:r>
-              <a:rPr lang="es-PY" sz="4000" b="1" dirty="0" err="1" smtClean="0"/>
-              <a:t>MoWebA</a:t>
-            </a:r>
-            <a:r>
-              <a:rPr lang="es-PY" sz="4800" dirty="0" smtClean="0"/>
-              <a:t/>
-            </a:r>
-            <a:br>
-              <a:rPr lang="es-PY" sz="4800" dirty="0" smtClean="0"/>
-            </a:br>
-            <a:endParaRPr lang="es-PY" sz="4800" dirty="0"/>
+              <a:rPr lang="es-PY" b="1" dirty="0" smtClean="0"/>
+              <a:t>Ejemplo de Interfaz RIA</a:t>
+            </a:r>
+            <a:endParaRPr lang="es-PY" b="1" dirty="0"/>
           </a:p>
         </p:txBody>
       </p:sp>
       <p:pic>
         <p:nvPicPr>
-          <p:cNvPr id="4" name="3 Marcador de contenido" descr="PIM cap4_v2_horizontal.jpg"/>
+          <p:cNvPr id="4" name="3 Marcador de contenido" descr="ivan_2.png"/>
           <p:cNvPicPr>
             <a:picLocks noGrp="1" noChangeAspect="1"/>
           </p:cNvPicPr>
@@ -9062,15 +9056,15 @@
           </p:nvPr>
         </p:nvPicPr>
         <p:blipFill>
-          <a:blip r:embed="rId3" cstate="print"/>
+          <a:blip r:embed="rId2" cstate="print"/>
           <a:stretch>
             <a:fillRect/>
           </a:stretch>
         </p:blipFill>
         <p:spPr>
           <a:xfrm>
-            <a:off x="180504" y="1124744"/>
-            <a:ext cx="8963496" cy="5328592"/>
+            <a:off x="377058" y="1340768"/>
+            <a:ext cx="8083374" cy="5409642"/>
           </a:xfrm>
         </p:spPr>
       </p:pic>
@@ -9142,43 +9136,39 @@
         </p:nvSpPr>
         <p:spPr>
           <a:xfrm>
-            <a:off x="467544" y="332656"/>
+            <a:off x="539552" y="404664"/>
             <a:ext cx="7467600" cy="1143000"/>
           </a:xfrm>
         </p:spPr>
         <p:txBody>
           <a:bodyPr>
-            <a:normAutofit fontScale="90000"/>
+            <a:noAutofit/>
           </a:bodyPr>
           <a:lstStyle/>
           <a:p>
             <a:pPr algn="ctr"/>
             <a:r>
-              <a:rPr lang="es-PY" sz="3600" b="1" dirty="0" smtClean="0"/>
-              <a:t>El enfoque utilizado con </a:t>
-            </a:r>
-            <a:r>
-              <a:rPr lang="es-PY" sz="3600" b="1" i="1" dirty="0" err="1" smtClean="0"/>
+              <a:rPr lang="es-PY" sz="4000" b="1" dirty="0" smtClean="0"/>
+              <a:t>PIM de ejemplo con </a:t>
+            </a:r>
+            <a:r>
+              <a:rPr lang="es-PY" sz="4000" b="1" dirty="0" err="1" smtClean="0"/>
               <a:t>MoWebA</a:t>
             </a:r>
             <a:r>
-              <a:rPr lang="es-PY" sz="3600" b="1" dirty="0" smtClean="0"/>
-              <a:t> para la generación de interfaces enriquecidas</a:t>
-            </a:r>
-            <a:r>
-              <a:rPr lang="es-PY" dirty="0" smtClean="0"/>
+              <a:rPr lang="es-PY" sz="4800" dirty="0" smtClean="0"/>
               <a:t/>
             </a:r>
             <a:br>
-              <a:rPr lang="es-PY" dirty="0" smtClean="0"/>
+              <a:rPr lang="es-PY" sz="4800" dirty="0" smtClean="0"/>
             </a:br>
-            <a:endParaRPr lang="es-PY" dirty="0"/>
+            <a:endParaRPr lang="es-PY" sz="4800" dirty="0"/>
           </a:p>
         </p:txBody>
       </p:sp>
       <p:pic>
         <p:nvPicPr>
-          <p:cNvPr id="4" name="3 Marcador de contenido" descr="metodologiaFinalv2.jpg"/>
+          <p:cNvPr id="4" name="3 Marcador de contenido" descr="PIM cap4_v2_horizontal.jpg"/>
           <p:cNvPicPr>
             <a:picLocks noGrp="1" noChangeAspect="1"/>
           </p:cNvPicPr>
@@ -9194,8 +9184,8 @@
         </p:blipFill>
         <p:spPr>
           <a:xfrm>
-            <a:off x="1043609" y="1340768"/>
-            <a:ext cx="7037604" cy="5356398"/>
+            <a:off x="180504" y="1052736"/>
+            <a:ext cx="8963496" cy="5472607"/>
           </a:xfrm>
         </p:spPr>
       </p:pic>
@@ -9228,7 +9218,6 @@
   <p:clrMapOvr>
     <a:masterClrMapping/>
   </p:clrMapOvr>
-  <p:transition/>
   <p:timing>
     <p:tnLst>
       <p:par>
@@ -9321,7 +9310,7 @@
         <p:spPr>
           <a:xfrm>
             <a:off x="1043609" y="1340768"/>
-            <a:ext cx="7037603" cy="5356398"/>
+            <a:ext cx="7037604" cy="5356398"/>
           </a:xfrm>
         </p:spPr>
       </p:pic>
@@ -9825,7 +9814,7 @@
         <p:spPr>
           <a:xfrm>
             <a:off x="1043609" y="1340768"/>
-            <a:ext cx="7037603" cy="5356397"/>
+            <a:ext cx="7037603" cy="5356398"/>
           </a:xfrm>
         </p:spPr>
       </p:pic>
@@ -9898,49 +9887,43 @@
         </p:nvSpPr>
         <p:spPr>
           <a:xfrm>
-            <a:off x="1043608" y="260648"/>
+            <a:off x="467544" y="332656"/>
             <a:ext cx="7467600" cy="1143000"/>
           </a:xfrm>
         </p:spPr>
         <p:txBody>
-          <a:bodyPr/>
-          <a:lstStyle/>
-          <a:p>
-            <a:r>
-              <a:rPr lang="es-PY" b="1" dirty="0" smtClean="0"/>
-              <a:t>Ejemplo de transformación</a:t>
-            </a:r>
-            <a:endParaRPr lang="es-PY" b="1" dirty="0"/>
-          </a:p>
-        </p:txBody>
-      </p:sp>
-      <p:sp>
-        <p:nvSpPr>
-          <p:cNvPr id="6" name="5 Marcador de número de diapositiva"/>
-          <p:cNvSpPr>
-            <a:spLocks noGrp="1"/>
-          </p:cNvSpPr>
-          <p:nvPr>
-            <p:ph type="sldNum" sz="quarter" idx="12"/>
-          </p:nvPr>
-        </p:nvSpPr>
-        <p:spPr/>
-        <p:txBody>
-          <a:bodyPr/>
-          <a:lstStyle/>
-          <a:p>
-            <a:fld id="{00983F03-8C2A-4E24-982B-C5C1359E5E45}" type="slidenum">
-              <a:rPr lang="es-PY" sz="1600" smtClean="0"/>
-              <a:pPr/>
-              <a:t>19</a:t>
-            </a:fld>
-            <a:endParaRPr lang="es-PY" sz="1600" dirty="0"/>
+          <a:bodyPr>
+            <a:normAutofit fontScale="90000"/>
+          </a:bodyPr>
+          <a:lstStyle/>
+          <a:p>
+            <a:pPr algn="ctr"/>
+            <a:r>
+              <a:rPr lang="es-PY" sz="3600" b="1" dirty="0" smtClean="0"/>
+              <a:t>El enfoque utilizado con </a:t>
+            </a:r>
+            <a:r>
+              <a:rPr lang="es-PY" sz="3600" b="1" i="1" dirty="0" err="1" smtClean="0"/>
+              <a:t>MoWebA</a:t>
+            </a:r>
+            <a:r>
+              <a:rPr lang="es-PY" sz="3600" b="1" dirty="0" smtClean="0"/>
+              <a:t> para la generación de interfaces enriquecidas</a:t>
+            </a:r>
+            <a:r>
+              <a:rPr lang="es-PY" dirty="0" smtClean="0"/>
+              <a:t/>
+            </a:r>
+            <a:br>
+              <a:rPr lang="es-PY" dirty="0" smtClean="0"/>
+            </a:br>
+            <a:endParaRPr lang="es-PY" dirty="0"/>
           </a:p>
         </p:txBody>
       </p:sp>
       <p:pic>
         <p:nvPicPr>
-          <p:cNvPr id="9" name="8 Marcador de contenido" descr="reglas de tranformacion.png"/>
+          <p:cNvPr id="4" name="3 Marcador de contenido" descr="metodologiaFinalv2.jpg"/>
           <p:cNvPicPr>
             <a:picLocks noGrp="1" noChangeAspect="1"/>
           </p:cNvPicPr>
@@ -9956,16 +9939,41 @@
         </p:blipFill>
         <p:spPr>
           <a:xfrm>
-            <a:off x="179511" y="1556792"/>
-            <a:ext cx="8913045" cy="4752528"/>
+            <a:off x="1043609" y="1340768"/>
+            <a:ext cx="7037603" cy="5356397"/>
           </a:xfrm>
         </p:spPr>
       </p:pic>
+      <p:sp>
+        <p:nvSpPr>
+          <p:cNvPr id="5" name="4 Marcador de número de diapositiva"/>
+          <p:cNvSpPr>
+            <a:spLocks noGrp="1"/>
+          </p:cNvSpPr>
+          <p:nvPr>
+            <p:ph type="sldNum" sz="quarter" idx="12"/>
+          </p:nvPr>
+        </p:nvSpPr>
+        <p:spPr/>
+        <p:txBody>
+          <a:bodyPr/>
+          <a:lstStyle/>
+          <a:p>
+            <a:fld id="{00983F03-8C2A-4E24-982B-C5C1359E5E45}" type="slidenum">
+              <a:rPr lang="es-PY" sz="1600" smtClean="0"/>
+              <a:pPr/>
+              <a:t>19</a:t>
+            </a:fld>
+            <a:endParaRPr lang="es-PY" sz="1600" dirty="0"/>
+          </a:p>
+        </p:txBody>
+      </p:sp>
     </p:spTree>
   </p:cSld>
   <p:clrMapOvr>
     <a:masterClrMapping/>
   </p:clrMapOvr>
+  <p:transition/>
   <p:timing>
     <p:tnLst>
       <p:par>
@@ -10168,7 +10176,11 @@
             </a:r>
             <a:r>
               <a:rPr lang="es-PY" dirty="0" smtClean="0"/>
-              <a:t>) para la plataforma destino </a:t>
+              <a:t>) para </a:t>
+            </a:r>
+            <a:r>
+              <a:rPr lang="es-PY" dirty="0" smtClean="0"/>
+              <a:t>las librerías </a:t>
             </a:r>
             <a:r>
               <a:rPr lang="es-PY" i="1" dirty="0" err="1" smtClean="0"/>
@@ -10286,8 +10298,8 @@
         </p:nvSpPr>
         <p:spPr>
           <a:xfrm>
-            <a:off x="1115616" y="2204864"/>
-            <a:ext cx="7470648" cy="1143000"/>
+            <a:off x="1043608" y="260648"/>
+            <a:ext cx="7467600" cy="1143000"/>
           </a:xfrm>
         </p:spPr>
         <p:txBody>
@@ -10296,7 +10308,7 @@
           <a:p>
             <a:r>
               <a:rPr lang="es-PY" b="1" dirty="0" smtClean="0"/>
-              <a:t>Ilustración de la propuesta</a:t>
+              <a:t>Ejemplo de transformación</a:t>
             </a:r>
             <a:endParaRPr lang="es-PY" b="1" dirty="0"/>
           </a:p>
@@ -10304,12 +10316,12 @@
       </p:sp>
       <p:sp>
         <p:nvSpPr>
-          <p:cNvPr id="3" name="2 Marcador de número de diapositiva"/>
-          <p:cNvSpPr>
-            <a:spLocks noGrp="1"/>
-          </p:cNvSpPr>
-          <p:nvPr>
-            <p:ph type="sldNum" sz="quarter" idx="11"/>
+          <p:cNvPr id="6" name="5 Marcador de número de diapositiva"/>
+          <p:cNvSpPr>
+            <a:spLocks noGrp="1"/>
+          </p:cNvSpPr>
+          <p:nvPr>
+            <p:ph type="sldNum" sz="quarter" idx="12"/>
           </p:nvPr>
         </p:nvSpPr>
         <p:spPr/>
@@ -10326,6 +10338,29 @@
           </a:p>
         </p:txBody>
       </p:sp>
+      <p:pic>
+        <p:nvPicPr>
+          <p:cNvPr id="9" name="8 Marcador de contenido" descr="reglas de tranformacion.png"/>
+          <p:cNvPicPr>
+            <a:picLocks noGrp="1" noChangeAspect="1"/>
+          </p:cNvPicPr>
+          <p:nvPr>
+            <p:ph idx="1"/>
+          </p:nvPr>
+        </p:nvPicPr>
+        <p:blipFill>
+          <a:blip r:embed="rId3" cstate="print"/>
+          <a:stretch>
+            <a:fillRect/>
+          </a:stretch>
+        </p:blipFill>
+        <p:spPr>
+          <a:xfrm>
+            <a:off x="101210" y="1284541"/>
+            <a:ext cx="9042790" cy="5312811"/>
+          </a:xfrm>
+        </p:spPr>
+      </p:pic>
     </p:spTree>
   </p:cSld>
   <p:clrMapOvr>
@@ -10368,70 +10403,21 @@
             <p:ph type="title"/>
           </p:nvPr>
         </p:nvSpPr>
-        <p:spPr/>
-        <p:txBody>
-          <a:bodyPr>
-            <a:normAutofit fontScale="90000"/>
-          </a:bodyPr>
-          <a:lstStyle/>
-          <a:p>
-            <a:r>
-              <a:rPr lang="es-PY" b="1" cap="all" dirty="0" smtClean="0"/>
-              <a:t>UN SISTEMA DE GESTIÓN DE PERSONAS - </a:t>
-            </a:r>
-            <a:r>
-              <a:rPr lang="es-PY" b="1" i="1" cap="all" dirty="0" smtClean="0"/>
-              <a:t>PERSON MANAGER</a:t>
-            </a:r>
-            <a:endParaRPr lang="es-PY" b="1" cap="all" dirty="0"/>
-          </a:p>
-        </p:txBody>
-      </p:sp>
-      <p:sp>
-        <p:nvSpPr>
-          <p:cNvPr id="4" name="3 Marcador de contenido"/>
-          <p:cNvSpPr>
-            <a:spLocks noGrp="1"/>
-          </p:cNvSpPr>
-          <p:nvPr>
-            <p:ph idx="1"/>
-          </p:nvPr>
-        </p:nvSpPr>
-        <p:spPr/>
+        <p:spPr>
+          <a:xfrm>
+            <a:off x="1115616" y="2204864"/>
+            <a:ext cx="7470648" cy="1143000"/>
+          </a:xfrm>
+        </p:spPr>
         <p:txBody>
           <a:bodyPr/>
           <a:lstStyle/>
           <a:p>
-            <a:pPr>
-              <a:buNone/>
-            </a:pPr>
-            <a:endParaRPr lang="es-PY" dirty="0" smtClean="0"/>
-          </a:p>
-          <a:p>
-            <a:r>
-              <a:rPr lang="es-ES" i="1" dirty="0" err="1" smtClean="0"/>
-              <a:t>Person</a:t>
-            </a:r>
-            <a:r>
-              <a:rPr lang="es-ES" i="1" dirty="0" smtClean="0"/>
-              <a:t> Manager</a:t>
-            </a:r>
-            <a:r>
-              <a:rPr lang="es-ES" dirty="0" smtClean="0"/>
-              <a:t> es una aplicación basada en el trabajo de </a:t>
-            </a:r>
-            <a:r>
-              <a:rPr lang="es-ES" dirty="0" err="1" smtClean="0"/>
-              <a:t>Gharavi</a:t>
-            </a:r>
-            <a:r>
-              <a:rPr lang="es-ES" dirty="0" smtClean="0"/>
-              <a:t>, que contiene funciones de creación, listado y borrado de registros correspondiente a personas. </a:t>
-            </a:r>
-            <a:endParaRPr lang="es-PY" dirty="0" smtClean="0"/>
-          </a:p>
-          <a:p>
-            <a:endParaRPr lang="es-PY" dirty="0"/>
+            <a:r>
+              <a:rPr lang="es-PY" b="1" dirty="0" smtClean="0"/>
+              <a:t>Ilustración de la propuesta</a:t>
+            </a:r>
+            <a:endParaRPr lang="es-PY" b="1" dirty="0"/>
           </a:p>
         </p:txBody>
       </p:sp>
@@ -10442,7 +10428,7 @@
             <a:spLocks noGrp="1"/>
           </p:cNvSpPr>
           <p:nvPr>
-            <p:ph type="sldNum" sz="quarter" idx="12"/>
+            <p:ph type="sldNum" sz="quarter" idx="11"/>
           </p:nvPr>
         </p:nvSpPr>
         <p:spPr/>
@@ -10508,41 +10494,69 @@
           </a:bodyPr>
           <a:lstStyle/>
           <a:p>
-            <a:pPr algn="ctr"/>
-            <a:r>
-              <a:rPr lang="es-PY" b="1" dirty="0" smtClean="0"/>
-              <a:t> El caso y las unidades de análisis</a:t>
-            </a:r>
+            <a:r>
+              <a:rPr lang="es-PY" b="1" cap="all" dirty="0" smtClean="0"/>
+              <a:t>UN SISTEMA DE GESTIÓN DE PERSONAS - </a:t>
+            </a:r>
+            <a:r>
+              <a:rPr lang="es-PY" b="1" i="1" cap="all" dirty="0" smtClean="0"/>
+              <a:t>PERSON MANAGER</a:t>
+            </a:r>
+            <a:endParaRPr lang="es-PY" b="1" cap="all" dirty="0"/>
+          </a:p>
+        </p:txBody>
+      </p:sp>
+      <p:sp>
+        <p:nvSpPr>
+          <p:cNvPr id="4" name="3 Marcador de contenido"/>
+          <p:cNvSpPr>
+            <a:spLocks noGrp="1"/>
+          </p:cNvSpPr>
+          <p:nvPr>
+            <p:ph idx="1"/>
+          </p:nvPr>
+        </p:nvSpPr>
+        <p:spPr/>
+        <p:txBody>
+          <a:bodyPr/>
+          <a:lstStyle/>
+          <a:p>
+            <a:pPr>
+              <a:buNone/>
+            </a:pPr>
+            <a:endParaRPr lang="es-PY" dirty="0" smtClean="0"/>
+          </a:p>
+          <a:p>
+            <a:r>
+              <a:rPr lang="es-ES" i="1" dirty="0" err="1" smtClean="0"/>
+              <a:t>Person</a:t>
+            </a:r>
+            <a:r>
+              <a:rPr lang="es-ES" i="1" dirty="0" smtClean="0"/>
+              <a:t> Manager</a:t>
+            </a:r>
+            <a:r>
+              <a:rPr lang="es-ES" dirty="0" smtClean="0"/>
+              <a:t> es una aplicación basada en el trabajo de </a:t>
+            </a:r>
+            <a:r>
+              <a:rPr lang="es-ES" dirty="0" err="1" smtClean="0"/>
+              <a:t>Gharavi</a:t>
+            </a:r>
+            <a:r>
+              <a:rPr lang="es-ES" dirty="0" smtClean="0"/>
+              <a:t>, que contiene funciones de creación, listado y borrado de registros correspondiente a personas. </a:t>
+            </a:r>
+            <a:endParaRPr lang="es-PY" dirty="0" smtClean="0"/>
+          </a:p>
+          <a:p>
             <a:endParaRPr lang="es-PY" dirty="0"/>
           </a:p>
         </p:txBody>
       </p:sp>
-      <p:pic>
-        <p:nvPicPr>
-          <p:cNvPr id="5" name="4 Marcador de contenido" descr="ilustración.png"/>
-          <p:cNvPicPr>
-            <a:picLocks noGrp="1" noChangeAspect="1"/>
-          </p:cNvPicPr>
-          <p:nvPr>
-            <p:ph idx="1"/>
-          </p:nvPr>
-        </p:nvPicPr>
-        <p:blipFill>
-          <a:blip r:embed="rId3" cstate="print"/>
-          <a:stretch>
-            <a:fillRect/>
-          </a:stretch>
-        </p:blipFill>
-        <p:spPr>
-          <a:xfrm>
-            <a:off x="1641665" y="1630484"/>
-            <a:ext cx="5666639" cy="4962820"/>
-          </a:xfrm>
-        </p:spPr>
-      </p:pic>
-      <p:sp>
-        <p:nvSpPr>
-          <p:cNvPr id="4" name="3 Marcador de número de diapositiva"/>
+      <p:sp>
+        <p:nvSpPr>
+          <p:cNvPr id="3" name="2 Marcador de número de diapositiva"/>
           <p:cNvSpPr>
             <a:spLocks noGrp="1"/>
           </p:cNvSpPr>
@@ -10606,12 +10620,7 @@
             <p:ph type="title"/>
           </p:nvPr>
         </p:nvSpPr>
-        <p:spPr>
-          <a:xfrm>
-            <a:off x="683568" y="2708920"/>
-            <a:ext cx="7470648" cy="1143000"/>
-          </a:xfrm>
-        </p:spPr>
+        <p:spPr/>
         <p:txBody>
           <a:bodyPr>
             <a:normAutofit fontScale="90000"/>
@@ -10621,23 +10630,43 @@
             <a:pPr algn="ctr"/>
             <a:r>
               <a:rPr lang="es-PY" b="1" dirty="0" smtClean="0"/>
-              <a:t> Preguntas de investigación</a:t>
-            </a:r>
-            <a:br>
-              <a:rPr lang="es-PY" b="1" dirty="0" smtClean="0"/>
-            </a:br>
-            <a:endParaRPr lang="es-PY" b="1" dirty="0"/>
-          </a:p>
-        </p:txBody>
-      </p:sp>
-      <p:sp>
-        <p:nvSpPr>
-          <p:cNvPr id="3" name="2 Marcador de número de diapositiva"/>
-          <p:cNvSpPr>
-            <a:spLocks noGrp="1"/>
-          </p:cNvSpPr>
-          <p:nvPr>
-            <p:ph type="sldNum" sz="quarter" idx="11"/>
+              <a:t> El caso y las unidades de análisis</a:t>
+            </a:r>
+            <a:endParaRPr lang="es-PY" dirty="0"/>
+          </a:p>
+        </p:txBody>
+      </p:sp>
+      <p:pic>
+        <p:nvPicPr>
+          <p:cNvPr id="5" name="4 Marcador de contenido" descr="ilustración.png"/>
+          <p:cNvPicPr>
+            <a:picLocks noGrp="1" noChangeAspect="1"/>
+          </p:cNvPicPr>
+          <p:nvPr>
+            <p:ph idx="1"/>
+          </p:nvPr>
+        </p:nvPicPr>
+        <p:blipFill>
+          <a:blip r:embed="rId3" cstate="print"/>
+          <a:stretch>
+            <a:fillRect/>
+          </a:stretch>
+        </p:blipFill>
+        <p:spPr>
+          <a:xfrm>
+            <a:off x="1641665" y="1630484"/>
+            <a:ext cx="5666639" cy="4962820"/>
+          </a:xfrm>
+        </p:spPr>
+      </p:pic>
+      <p:sp>
+        <p:nvSpPr>
+          <p:cNvPr id="4" name="3 Marcador de número de diapositiva"/>
+          <p:cNvSpPr>
+            <a:spLocks noGrp="1"/>
+          </p:cNvSpPr>
+          <p:nvPr>
+            <p:ph type="sldNum" sz="quarter" idx="12"/>
           </p:nvPr>
         </p:nvSpPr>
         <p:spPr/>
@@ -10698,95 +10727,36 @@
         </p:nvSpPr>
         <p:spPr>
           <a:xfrm>
-            <a:off x="467544" y="476672"/>
-            <a:ext cx="7467600" cy="1143000"/>
+            <a:off x="683568" y="2708920"/>
+            <a:ext cx="7470648" cy="1143000"/>
           </a:xfrm>
         </p:spPr>
         <p:txBody>
           <a:bodyPr>
-            <a:noAutofit/>
+            <a:normAutofit fontScale="90000"/>
           </a:bodyPr>
           <a:lstStyle/>
           <a:p>
             <a:pPr algn="ctr"/>
             <a:r>
-              <a:rPr lang="es-ES" sz="2800" b="1" dirty="0" smtClean="0"/>
-              <a:t>PI1: ¿Consume una mayor cantidad de tiempo modelar la aplicación aplicando </a:t>
-            </a:r>
-            <a:r>
-              <a:rPr lang="es-ES" sz="2800" b="1" i="1" dirty="0" err="1" smtClean="0"/>
-              <a:t>MoWebA</a:t>
-            </a:r>
-            <a:r>
-              <a:rPr lang="es-ES" sz="2800" b="1" dirty="0" smtClean="0"/>
-              <a:t> con </a:t>
-            </a:r>
-            <a:r>
-              <a:rPr lang="es-ES" sz="2800" b="1" i="1" dirty="0" smtClean="0"/>
-              <a:t>RIA</a:t>
-            </a:r>
-            <a:r>
-              <a:rPr lang="es-ES" sz="2800" b="1" dirty="0" smtClean="0"/>
-              <a:t> que </a:t>
-            </a:r>
-            <a:r>
-              <a:rPr lang="es-ES" sz="2800" b="1" i="1" dirty="0" err="1" smtClean="0"/>
-              <a:t>MoWebA</a:t>
-            </a:r>
-            <a:r>
-              <a:rPr lang="es-ES" sz="2800" b="1" dirty="0" smtClean="0"/>
-              <a:t> sin </a:t>
-            </a:r>
-            <a:r>
-              <a:rPr lang="es-ES" sz="2800" b="1" i="1" dirty="0" smtClean="0"/>
-              <a:t>RIA</a:t>
-            </a:r>
-            <a:r>
-              <a:rPr lang="es-ES" sz="2800" b="1" dirty="0" smtClean="0"/>
-              <a:t>?</a:t>
-            </a:r>
-            <a:r>
-              <a:rPr lang="es-PY" sz="2800" dirty="0" smtClean="0"/>
-              <a:t/>
+              <a:rPr lang="es-PY" b="1" dirty="0" smtClean="0"/>
+              <a:t> Preguntas de investigación</a:t>
             </a:r>
             <a:br>
-              <a:rPr lang="es-PY" sz="2800" dirty="0" smtClean="0"/>
+              <a:rPr lang="es-PY" b="1" dirty="0" smtClean="0"/>
             </a:br>
-            <a:endParaRPr lang="es-PY" sz="2800" dirty="0"/>
-          </a:p>
-        </p:txBody>
-      </p:sp>
-      <p:pic>
-        <p:nvPicPr>
-          <p:cNvPr id="7" name="6 Marcador de contenido" descr="tiempos de modelado.png"/>
-          <p:cNvPicPr>
-            <a:picLocks noGrp="1" noChangeAspect="1"/>
-          </p:cNvPicPr>
-          <p:nvPr>
-            <p:ph idx="1"/>
-          </p:nvPr>
-        </p:nvPicPr>
-        <p:blipFill>
-          <a:blip r:embed="rId3" cstate="print"/>
-          <a:stretch>
-            <a:fillRect/>
-          </a:stretch>
-        </p:blipFill>
-        <p:spPr>
-          <a:xfrm>
-            <a:off x="107504" y="1988840"/>
-            <a:ext cx="8960339" cy="2999709"/>
-          </a:xfrm>
-        </p:spPr>
-      </p:pic>
-      <p:sp>
-        <p:nvSpPr>
-          <p:cNvPr id="4" name="3 Marcador de número de diapositiva"/>
-          <p:cNvSpPr>
-            <a:spLocks noGrp="1"/>
-          </p:cNvSpPr>
-          <p:nvPr>
-            <p:ph type="sldNum" sz="quarter" idx="12"/>
+            <a:endParaRPr lang="es-PY" b="1" dirty="0"/>
+          </a:p>
+        </p:txBody>
+      </p:sp>
+      <p:sp>
+        <p:nvSpPr>
+          <p:cNvPr id="3" name="2 Marcador de número de diapositiva"/>
+          <p:cNvSpPr>
+            <a:spLocks noGrp="1"/>
+          </p:cNvSpPr>
+          <p:nvPr>
+            <p:ph type="sldNum" sz="quarter" idx="11"/>
           </p:nvPr>
         </p:nvSpPr>
         <p:spPr/>
@@ -10800,60 +10770,6 @@
               <a:t>24</a:t>
             </a:fld>
             <a:endParaRPr lang="es-PY" sz="1600" dirty="0"/>
-          </a:p>
-        </p:txBody>
-      </p:sp>
-      <p:sp>
-        <p:nvSpPr>
-          <p:cNvPr id="8" name="7 CuadroTexto"/>
-          <p:cNvSpPr txBox="1"/>
-          <p:nvPr/>
-        </p:nvSpPr>
-        <p:spPr>
-          <a:xfrm>
-            <a:off x="1331640" y="5301208"/>
-            <a:ext cx="6768752" cy="369332"/>
-          </a:xfrm>
-          <a:prstGeom prst="rect">
-            <a:avLst/>
-          </a:prstGeom>
-          <a:noFill/>
-        </p:spPr>
-        <p:txBody>
-          <a:bodyPr wrap="square" rtlCol="0">
-            <a:spAutoFit/>
-          </a:bodyPr>
-          <a:lstStyle/>
-          <a:p>
-            <a:r>
-              <a:rPr lang="es-PY" i="1" dirty="0" err="1" smtClean="0"/>
-              <a:t>MoWebA</a:t>
-            </a:r>
-            <a:r>
-              <a:rPr lang="es-PY" dirty="0" smtClean="0"/>
-              <a:t> con </a:t>
-            </a:r>
-            <a:r>
-              <a:rPr lang="es-PY" i="1" dirty="0" smtClean="0"/>
-              <a:t>RIA</a:t>
-            </a:r>
-            <a:r>
-              <a:rPr lang="es-PY" dirty="0" smtClean="0"/>
-              <a:t> demoró 8 minutos más que </a:t>
-            </a:r>
-            <a:r>
-              <a:rPr lang="es-PY" i="1" dirty="0" err="1" smtClean="0"/>
-              <a:t>MoWebA</a:t>
-            </a:r>
-            <a:r>
-              <a:rPr lang="es-PY" dirty="0" smtClean="0"/>
-              <a:t> sin </a:t>
-            </a:r>
-            <a:r>
-              <a:rPr lang="es-PY" i="1" dirty="0" smtClean="0"/>
-              <a:t>RIA</a:t>
-            </a:r>
-            <a:endParaRPr lang="es-PY" i="1" dirty="0"/>
           </a:p>
         </p:txBody>
       </p:sp>
@@ -10901,7 +10817,7 @@
         </p:nvSpPr>
         <p:spPr>
           <a:xfrm>
-            <a:off x="395536" y="413792"/>
+            <a:off x="467544" y="476672"/>
             <a:ext cx="7467600" cy="1143000"/>
           </a:xfrm>
         </p:spPr>
@@ -10913,23 +10829,55 @@
           <a:p>
             <a:pPr algn="ctr"/>
             <a:r>
-              <a:rPr lang="es-PY" sz="2400" b="1" i="1" dirty="0" smtClean="0"/>
-              <a:t>PI2: ¿Para cuál de los enfoques  es necesaria  una mayor cantidad de generaciones de código para obtener la interfaz de usuario final?</a:t>
-            </a:r>
-            <a:r>
-              <a:rPr lang="es-PY" sz="2400" b="1" dirty="0" smtClean="0"/>
+              <a:rPr lang="es-ES" sz="2800" b="1" dirty="0" smtClean="0"/>
+              <a:t>PI1: ¿Consume una mayor cantidad de tiempo modelar la aplicación aplicando </a:t>
+            </a:r>
+            <a:r>
+              <a:rPr lang="es-ES" sz="2800" b="1" i="1" dirty="0" err="1" smtClean="0"/>
+              <a:t>MoWebA</a:t>
+            </a:r>
+            <a:r>
+              <a:rPr lang="es-ES" sz="2800" b="1" dirty="0" smtClean="0"/>
+              <a:t> con </a:t>
+            </a:r>
+            <a:r>
+              <a:rPr lang="es-ES" sz="2800" b="1" i="1" dirty="0" smtClean="0"/>
+              <a:t>RIA</a:t>
+            </a:r>
+            <a:r>
+              <a:rPr lang="es-ES" sz="2800" b="1" dirty="0" smtClean="0"/>
+              <a:t> que </a:t>
+            </a:r>
+            <a:r>
+              <a:rPr lang="es-ES" sz="2800" b="1" i="1" dirty="0" err="1" smtClean="0"/>
+              <a:t>MoWebA</a:t>
+            </a:r>
+            <a:r>
+              <a:rPr lang="es-ES" sz="2800" b="1" dirty="0" smtClean="0"/>
+              <a:t> sin </a:t>
+            </a:r>
+            <a:r>
+              <a:rPr lang="es-ES" sz="2800" b="1" i="1" dirty="0" smtClean="0"/>
+              <a:t>RIA</a:t>
+            </a:r>
+            <a:r>
+              <a:rPr lang="es-ES" sz="2800" b="1" dirty="0" smtClean="0"/>
+              <a:t>?</a:t>
+            </a:r>
+            <a:r>
+              <a:rPr lang="es-PY" sz="2800" dirty="0" smtClean="0"/>
               <a:t/>
             </a:r>
             <a:br>
-              <a:rPr lang="es-PY" sz="2400" b="1" dirty="0" smtClean="0"/>
+              <a:rPr lang="es-PY" sz="2800" dirty="0" smtClean="0"/>
             </a:br>
-            <a:endParaRPr lang="es-PY" sz="2400" b="1" dirty="0"/>
+            <a:endParaRPr lang="es-PY" sz="2800" dirty="0"/>
           </a:p>
         </p:txBody>
       </p:sp>
       <p:pic>
         <p:nvPicPr>
-          <p:cNvPr id="4" name="3 Marcador de contenido" descr="numeroDeGeneraciones.png"/>
+          <p:cNvPr id="7" name="6 Marcador de contenido" descr="tiempos de modelado.png"/>
           <p:cNvPicPr>
             <a:picLocks noGrp="1" noChangeAspect="1"/>
           </p:cNvPicPr>
@@ -10945,14 +10893,14 @@
         </p:blipFill>
         <p:spPr>
           <a:xfrm>
-            <a:off x="194483" y="1700808"/>
-            <a:ext cx="8824550" cy="3016940"/>
+            <a:off x="107504" y="1988840"/>
+            <a:ext cx="8960339" cy="2999709"/>
           </a:xfrm>
         </p:spPr>
       </p:pic>
       <p:sp>
         <p:nvSpPr>
-          <p:cNvPr id="5" name="4 Marcador de número de diapositiva"/>
+          <p:cNvPr id="4" name="3 Marcador de número de diapositiva"/>
           <p:cNvSpPr>
             <a:spLocks noGrp="1"/>
           </p:cNvSpPr>
@@ -10976,21 +10924,22 @@
       </p:sp>
       <p:sp>
         <p:nvSpPr>
-          <p:cNvPr id="6" name="5 Rectángulo"/>
-          <p:cNvSpPr/>
+          <p:cNvPr id="8" name="7 CuadroTexto"/>
+          <p:cNvSpPr txBox="1"/>
           <p:nvPr/>
         </p:nvSpPr>
         <p:spPr>
           <a:xfrm>
-            <a:off x="395536" y="5229200"/>
-            <a:ext cx="7992888" cy="646331"/>
+            <a:off x="1331640" y="5301208"/>
+            <a:ext cx="6768752" cy="369332"/>
           </a:xfrm>
           <a:prstGeom prst="rect">
             <a:avLst/>
           </a:prstGeom>
+          <a:noFill/>
         </p:spPr>
         <p:txBody>
-          <a:bodyPr wrap="square">
+          <a:bodyPr wrap="square" rtlCol="0">
             <a:spAutoFit/>
           </a:bodyPr>
           <a:lstStyle/>
@@ -11009,7 +10958,7 @@
             </a:r>
             <a:r>
               <a:rPr lang="es-PY" dirty="0" smtClean="0"/>
-              <a:t> deparó en 2 generaciones más de código que </a:t>
+              <a:t> demoró 8 minutos más que </a:t>
             </a:r>
             <a:r>
               <a:rPr lang="es-PY" i="1" dirty="0" err="1" smtClean="0"/>
@@ -11071,7 +11020,7 @@
         </p:nvSpPr>
         <p:spPr>
           <a:xfrm>
-            <a:off x="467544" y="476672"/>
+            <a:off x="395536" y="413792"/>
             <a:ext cx="7467600" cy="1143000"/>
           </a:xfrm>
         </p:spPr>
@@ -11084,23 +11033,7 @@
             <a:pPr algn="ctr"/>
             <a:r>
               <a:rPr lang="es-PY" sz="2400" b="1" i="1" dirty="0" smtClean="0"/>
-              <a:t>PI3: Desde el punto de vista de las presentaciones enriquecidas, ¿qué ventajas aportan las características RIA presentes en la aplicación implementada con </a:t>
-            </a:r>
-            <a:r>
-              <a:rPr lang="es-PY" sz="2400" b="1" i="1" dirty="0" err="1" smtClean="0"/>
-              <a:t>MoWebA</a:t>
-            </a:r>
-            <a:r>
-              <a:rPr lang="es-PY" sz="2400" b="1" i="1" dirty="0" smtClean="0"/>
-              <a:t> con RIA con respecto a </a:t>
-            </a:r>
-            <a:r>
-              <a:rPr lang="es-PY" sz="2400" b="1" i="1" dirty="0" err="1" smtClean="0"/>
-              <a:t>MoWebA</a:t>
-            </a:r>
-            <a:r>
-              <a:rPr lang="es-PY" sz="2400" b="1" i="1" dirty="0" smtClean="0"/>
-              <a:t> sin RIA?</a:t>
+              <a:t>PI2: ¿Para cuál de los enfoques  es necesaria  una mayor cantidad de generaciones de código para obtener la interfaz de usuario final?</a:t>
             </a:r>
             <a:r>
               <a:rPr lang="es-PY" sz="2400" b="1" dirty="0" smtClean="0"/>
@@ -11115,7 +11048,7 @@
       </p:sp>
       <p:pic>
         <p:nvPicPr>
-          <p:cNvPr id="4" name="3 Marcador de contenido"/>
+          <p:cNvPr id="4" name="3 Marcador de contenido" descr="numeroDeGeneraciones.png"/>
           <p:cNvPicPr>
             <a:picLocks noGrp="1" noChangeAspect="1"/>
           </p:cNvPicPr>
@@ -11124,21 +11057,15 @@
           </p:nvPr>
         </p:nvPicPr>
         <p:blipFill>
-          <a:blip r:embed="rId3" cstate="print">
-            <a:extLst>
-              <a:ext uri="{28A0092B-C50C-407E-A947-70E740481C1C}">
-                <a14:useLocalDpi xmlns:a14="http://schemas.microsoft.com/office/drawing/2010/main" val="0"/>
-              </a:ext>
-            </a:extLst>
-          </a:blip>
+          <a:blip r:embed="rId3" cstate="print"/>
           <a:stretch>
             <a:fillRect/>
           </a:stretch>
         </p:blipFill>
         <p:spPr>
           <a:xfrm>
-            <a:off x="73750" y="1700808"/>
-            <a:ext cx="9055736" cy="4968552"/>
+            <a:off x="194483" y="1700808"/>
+            <a:ext cx="8824550" cy="3016940"/>
           </a:xfrm>
         </p:spPr>
       </p:pic>
@@ -11163,6 +11090,59 @@
               <a:t>26</a:t>
             </a:fld>
             <a:endParaRPr lang="es-PY" sz="1600" dirty="0"/>
+          </a:p>
+        </p:txBody>
+      </p:sp>
+      <p:sp>
+        <p:nvSpPr>
+          <p:cNvPr id="6" name="5 Rectángulo"/>
+          <p:cNvSpPr/>
+          <p:nvPr/>
+        </p:nvSpPr>
+        <p:spPr>
+          <a:xfrm>
+            <a:off x="395536" y="5229200"/>
+            <a:ext cx="7992888" cy="646331"/>
+          </a:xfrm>
+          <a:prstGeom prst="rect">
+            <a:avLst/>
+          </a:prstGeom>
+        </p:spPr>
+        <p:txBody>
+          <a:bodyPr wrap="square">
+            <a:spAutoFit/>
+          </a:bodyPr>
+          <a:lstStyle/>
+          <a:p>
+            <a:r>
+              <a:rPr lang="es-PY" i="1" dirty="0" err="1" smtClean="0"/>
+              <a:t>MoWebA</a:t>
+            </a:r>
+            <a:r>
+              <a:rPr lang="es-PY" dirty="0" smtClean="0"/>
+              <a:t> con </a:t>
+            </a:r>
+            <a:r>
+              <a:rPr lang="es-PY" i="1" dirty="0" smtClean="0"/>
+              <a:t>RIA</a:t>
+            </a:r>
+            <a:r>
+              <a:rPr lang="es-PY" dirty="0" smtClean="0"/>
+              <a:t> deparó en 2 generaciones más de código que </a:t>
+            </a:r>
+            <a:r>
+              <a:rPr lang="es-PY" i="1" dirty="0" err="1" smtClean="0"/>
+              <a:t>MoWebA</a:t>
+            </a:r>
+            <a:r>
+              <a:rPr lang="es-PY" dirty="0" smtClean="0"/>
+              <a:t> sin </a:t>
+            </a:r>
+            <a:r>
+              <a:rPr lang="es-PY" i="1" dirty="0" smtClean="0"/>
+              <a:t>RIA</a:t>
+            </a:r>
+            <a:endParaRPr lang="es-PY" i="1" dirty="0"/>
           </a:p>
         </p:txBody>
       </p:sp>
@@ -11210,7 +11190,7 @@
         </p:nvSpPr>
         <p:spPr>
           <a:xfrm>
-            <a:off x="467544" y="332656"/>
+            <a:off x="467544" y="476672"/>
             <a:ext cx="7467600" cy="1143000"/>
           </a:xfrm>
         </p:spPr>
@@ -11220,34 +11200,35 @@
           </a:bodyPr>
           <a:lstStyle/>
           <a:p>
-            <a:r>
-              <a:rPr lang="es-PY" sz="2000" b="1" i="1" dirty="0" smtClean="0"/>
-              <a:t>PI4: Desde el punto de vista de la lógica de negocios en el lado del cliente, ¿qué ventajas aportan las características RIA presentes en la aplicación implementada con </a:t>
-            </a:r>
-            <a:r>
-              <a:rPr lang="es-PY" sz="2000" b="1" i="1" dirty="0" err="1" smtClean="0"/>
+            <a:pPr algn="ctr"/>
+            <a:r>
+              <a:rPr lang="es-PY" sz="2400" b="1" i="1" dirty="0" smtClean="0"/>
+              <a:t>PI3: Desde el punto de vista de las presentaciones enriquecidas, ¿qué ventajas aportan las características RIA presentes en la aplicación implementada con </a:t>
+            </a:r>
+            <a:r>
+              <a:rPr lang="es-PY" sz="2400" b="1" i="1" dirty="0" err="1" smtClean="0"/>
               <a:t>MoWebA</a:t>
             </a:r>
             <a:r>
-              <a:rPr lang="es-PY" sz="2000" b="1" i="1" dirty="0" smtClean="0"/>
+              <a:rPr lang="es-PY" sz="2400" b="1" i="1" dirty="0" smtClean="0"/>
               <a:t> con RIA con respecto a </a:t>
             </a:r>
             <a:r>
-              <a:rPr lang="es-PY" sz="2000" b="1" i="1" dirty="0" err="1" smtClean="0"/>
+              <a:rPr lang="es-PY" sz="2400" b="1" i="1" dirty="0" err="1" smtClean="0"/>
               <a:t>MoWebA</a:t>
             </a:r>
             <a:r>
-              <a:rPr lang="es-PY" sz="2000" b="1" i="1" dirty="0" smtClean="0"/>
+              <a:rPr lang="es-PY" sz="2400" b="1" i="1" dirty="0" smtClean="0"/>
               <a:t> sin RIA?</a:t>
             </a:r>
             <a:r>
-              <a:rPr lang="es-PY" sz="2000" b="1" dirty="0" smtClean="0"/>
+              <a:rPr lang="es-PY" sz="2400" b="1" dirty="0" smtClean="0"/>
               <a:t/>
             </a:r>
             <a:br>
-              <a:rPr lang="es-PY" sz="2000" b="1" dirty="0" smtClean="0"/>
+              <a:rPr lang="es-PY" sz="2400" b="1" dirty="0" smtClean="0"/>
             </a:br>
-            <a:endParaRPr lang="es-PY" sz="2000" b="1" dirty="0"/>
+            <a:endParaRPr lang="es-PY" sz="2400" b="1" dirty="0"/>
           </a:p>
         </p:txBody>
       </p:sp>
@@ -11262,10 +11243,10 @@
           </p:nvPr>
         </p:nvPicPr>
         <p:blipFill>
-          <a:blip r:embed="rId3">
+          <a:blip r:embed="rId3" cstate="print">
             <a:extLst>
               <a:ext uri="{28A0092B-C50C-407E-A947-70E740481C1C}">
-                <a14:useLocalDpi xmlns:a14="http://schemas.microsoft.com/office/drawing/2010/main" val="0"/>
+                <a14:useLocalDpi xmlns="" xmlns:a14="http://schemas.microsoft.com/office/drawing/2010/main" val="0"/>
               </a:ext>
             </a:extLst>
           </a:blip>
@@ -11275,8 +11256,8 @@
         </p:blipFill>
         <p:spPr>
           <a:xfrm>
-            <a:off x="78420" y="1556792"/>
-            <a:ext cx="8958076" cy="5040560"/>
+            <a:off x="73750" y="1700808"/>
+            <a:ext cx="9055736" cy="4968552"/>
           </a:xfrm>
         </p:spPr>
       </p:pic>
@@ -11348,7 +11329,7 @@
         </p:nvSpPr>
         <p:spPr>
           <a:xfrm>
-            <a:off x="395536" y="836712"/>
+            <a:off x="467544" y="332656"/>
             <a:ext cx="7467600" cy="1143000"/>
           </a:xfrm>
         </p:spPr>
@@ -11358,33 +11339,40 @@
           </a:bodyPr>
           <a:lstStyle/>
           <a:p>
-            <a:pPr algn="ctr"/>
-            <a:r>
-              <a:rPr lang="es-PY" sz="2400" b="1" i="1" dirty="0" smtClean="0"/>
-              <a:t>PI5: Para cada una de las vistas del </a:t>
-            </a:r>
-            <a:r>
-              <a:rPr lang="es-PY" sz="2400" b="1" i="1" dirty="0" err="1" smtClean="0"/>
-              <a:t>Person</a:t>
-            </a:r>
-            <a:r>
-              <a:rPr lang="es-PY" sz="2400" b="1" i="1" dirty="0" smtClean="0"/>
-              <a:t> Manager, ¿qué cantidad de líneas de código para la interfaz de usuario se pudieron generar de manera automática a partir de los modelos, en cada uno de los enfoques implementados?</a:t>
-            </a:r>
-            <a:r>
-              <a:rPr lang="es-PY" sz="2400" b="1" dirty="0" smtClean="0"/>
+            <a:r>
+              <a:rPr lang="es-PY" sz="2000" b="1" i="1" dirty="0" smtClean="0"/>
+              <a:t>PI4: Desde el punto de vista de la lógica de negocios en el lado del cliente, ¿qué ventajas aportan las características RIA presentes en la aplicación implementada con </a:t>
+            </a:r>
+            <a:r>
+              <a:rPr lang="es-PY" sz="2000" b="1" i="1" dirty="0" err="1" smtClean="0"/>
+              <a:t>MoWebA</a:t>
+            </a:r>
+            <a:r>
+              <a:rPr lang="es-PY" sz="2000" b="1" i="1" dirty="0" smtClean="0"/>
+              <a:t> con RIA con respecto a </a:t>
+            </a:r>
+            <a:r>
+              <a:rPr lang="es-PY" sz="2000" b="1" i="1" dirty="0" err="1" smtClean="0"/>
+              <a:t>MoWebA</a:t>
+            </a:r>
+            <a:r>
+              <a:rPr lang="es-PY" sz="2000" b="1" i="1" dirty="0" smtClean="0"/>
+              <a:t> sin RIA?</a:t>
+            </a:r>
+            <a:r>
+              <a:rPr lang="es-PY" sz="2000" b="1" dirty="0" smtClean="0"/>
               <a:t/>
             </a:r>
             <a:br>
-              <a:rPr lang="es-PY" sz="2400" b="1" dirty="0" smtClean="0"/>
+              <a:rPr lang="es-PY" sz="2000" b="1" dirty="0" smtClean="0"/>
             </a:br>
-            <a:endParaRPr lang="es-PY" sz="4400" b="1" dirty="0"/>
+            <a:endParaRPr lang="es-PY" sz="2000" b="1" dirty="0"/>
           </a:p>
         </p:txBody>
       </p:sp>
       <p:pic>
         <p:nvPicPr>
-          <p:cNvPr id="4" name="3 Marcador de contenido" descr="lineas de codigo.png"/>
+          <p:cNvPr id="4" name="3 Marcador de contenido"/>
           <p:cNvPicPr>
             <a:picLocks noGrp="1" noChangeAspect="1"/>
           </p:cNvPicPr>
@@ -11393,15 +11381,21 @@
           </p:nvPr>
         </p:nvPicPr>
         <p:blipFill>
-          <a:blip r:embed="rId3" cstate="print"/>
+          <a:blip r:embed="rId3" cstate="print">
+            <a:extLst>
+              <a:ext uri="{28A0092B-C50C-407E-A947-70E740481C1C}">
+                <a14:useLocalDpi xmlns="" xmlns:a14="http://schemas.microsoft.com/office/drawing/2010/main" val="0"/>
+              </a:ext>
+            </a:extLst>
+          </a:blip>
           <a:stretch>
             <a:fillRect/>
           </a:stretch>
         </p:blipFill>
         <p:spPr>
           <a:xfrm>
-            <a:off x="323529" y="2060850"/>
-            <a:ext cx="7632847" cy="3737324"/>
+            <a:off x="78420" y="1556792"/>
+            <a:ext cx="8958076" cy="5040560"/>
           </a:xfrm>
         </p:spPr>
       </p:pic>
@@ -11426,67 +11420,6 @@
               <a:t>28</a:t>
             </a:fld>
             <a:endParaRPr lang="es-PY" sz="1600" dirty="0"/>
-          </a:p>
-        </p:txBody>
-      </p:sp>
-      <p:sp>
-        <p:nvSpPr>
-          <p:cNvPr id="6" name="5 Rectángulo"/>
-          <p:cNvSpPr/>
-          <p:nvPr/>
-        </p:nvSpPr>
-        <p:spPr>
-          <a:xfrm>
-            <a:off x="467544" y="5805264"/>
-            <a:ext cx="7920880" cy="646331"/>
-          </a:xfrm>
-          <a:prstGeom prst="rect">
-            <a:avLst/>
-          </a:prstGeom>
-        </p:spPr>
-        <p:txBody>
-          <a:bodyPr wrap="square">
-            <a:spAutoFit/>
-          </a:bodyPr>
-          <a:lstStyle/>
-          <a:p>
-            <a:r>
-              <a:rPr lang="es-PY" i="1" dirty="0" smtClean="0"/>
-              <a:t>En </a:t>
-            </a:r>
-            <a:r>
-              <a:rPr lang="es-PY" i="1" dirty="0" err="1" smtClean="0"/>
-              <a:t>MoWebA</a:t>
-            </a:r>
-            <a:r>
-              <a:rPr lang="es-PY" dirty="0" smtClean="0"/>
-              <a:t> con </a:t>
-            </a:r>
-            <a:r>
-              <a:rPr lang="es-PY" i="1" dirty="0" smtClean="0"/>
-              <a:t>RIA</a:t>
-            </a:r>
-            <a:r>
-              <a:rPr lang="es-PY" dirty="0" smtClean="0"/>
-              <a:t> el 57 % del código se genera de manera automática y en </a:t>
-            </a:r>
-            <a:r>
-              <a:rPr lang="es-PY" i="1" dirty="0" err="1" smtClean="0"/>
-              <a:t>MoWebA</a:t>
-            </a:r>
-            <a:r>
-              <a:rPr lang="es-PY" dirty="0" smtClean="0"/>
-              <a:t> sin </a:t>
-            </a:r>
-            <a:r>
-              <a:rPr lang="es-PY" i="1" dirty="0" smtClean="0"/>
-              <a:t>RIA el </a:t>
-            </a:r>
-            <a:r>
-              <a:rPr lang="es-PY" dirty="0" smtClean="0"/>
-              <a:t>47% </a:t>
-            </a:r>
-            <a:endParaRPr lang="es-PY" i="1" dirty="0"/>
           </a:p>
         </p:txBody>
       </p:sp>
@@ -11532,34 +11465,10 @@
             <p:ph type="title"/>
           </p:nvPr>
         </p:nvSpPr>
-        <p:spPr/>
-        <p:txBody>
-          <a:bodyPr/>
-          <a:lstStyle/>
-          <a:p>
-            <a:pPr algn="ctr"/>
-            <a:r>
-              <a:rPr lang="es-PY" b="1" dirty="0" smtClean="0"/>
-              <a:t>Conclusión</a:t>
-            </a:r>
-            <a:endParaRPr lang="es-PY" b="1" dirty="0"/>
-          </a:p>
-        </p:txBody>
-      </p:sp>
-      <p:sp>
-        <p:nvSpPr>
-          <p:cNvPr id="3" name="2 Marcador de contenido"/>
-          <p:cNvSpPr>
-            <a:spLocks noGrp="1"/>
-          </p:cNvSpPr>
-          <p:nvPr>
-            <p:ph idx="1"/>
-          </p:nvPr>
-        </p:nvSpPr>
         <p:spPr>
           <a:xfrm>
-            <a:off x="467544" y="1340768"/>
-            <a:ext cx="7467600" cy="4525963"/>
+            <a:off x="395536" y="836712"/>
+            <a:ext cx="7467600" cy="1143000"/>
           </a:xfrm>
         </p:spPr>
         <p:txBody>
@@ -11568,190 +11477,56 @@
           </a:bodyPr>
           <a:lstStyle/>
           <a:p>
-            <a:pPr>
-              <a:buNone/>
-            </a:pPr>
-            <a:r>
-              <a:rPr lang="es-PY" sz="1600" dirty="0" smtClean="0"/>
-              <a:t>Precisamente con este trabajo de fin de carrera se alcanzó  aportar lo siguiente:</a:t>
-            </a:r>
-          </a:p>
-          <a:p>
-            <a:pPr lvl="0"/>
-            <a:r>
-              <a:rPr lang="es-PY" sz="1800" dirty="0" smtClean="0"/>
-              <a:t>Características y tecnologías de las </a:t>
-            </a:r>
-            <a:r>
-              <a:rPr lang="es-PY" sz="1800" i="1" dirty="0" smtClean="0"/>
-              <a:t>RIA</a:t>
-            </a:r>
-            <a:endParaRPr lang="es-PY" sz="1800" dirty="0" smtClean="0"/>
-          </a:p>
-          <a:p>
-            <a:pPr lvl="0"/>
-            <a:r>
-              <a:rPr lang="es-PY" sz="1800" dirty="0" smtClean="0"/>
-              <a:t>Estado del arte de las principales metodologías Web basadas en </a:t>
-            </a:r>
-            <a:r>
-              <a:rPr lang="es-PY" sz="1800" i="1" dirty="0" smtClean="0"/>
-              <a:t>MDD</a:t>
-            </a:r>
-            <a:r>
-              <a:rPr lang="es-PY" sz="1800" dirty="0" smtClean="0"/>
-              <a:t> y </a:t>
-            </a:r>
-            <a:r>
-              <a:rPr lang="es-PY" sz="1800" i="1" dirty="0" smtClean="0"/>
-              <a:t>MDA</a:t>
-            </a:r>
-            <a:r>
-              <a:rPr lang="es-PY" sz="1800" dirty="0" smtClean="0"/>
-              <a:t> para </a:t>
-            </a:r>
-            <a:r>
-              <a:rPr lang="es-PY" sz="1800" i="1" dirty="0" smtClean="0"/>
-              <a:t>RIA</a:t>
-            </a:r>
-            <a:endParaRPr lang="es-PY" sz="1800" dirty="0" smtClean="0"/>
-          </a:p>
-          <a:p>
-            <a:pPr lvl="0"/>
-            <a:r>
-              <a:rPr lang="es-PY" sz="1800" dirty="0" smtClean="0"/>
-              <a:t>Un análisis de los elementos de interfaz enriquecidos (</a:t>
-            </a:r>
-            <a:r>
-              <a:rPr lang="es-PY" sz="1800" i="1" dirty="0" err="1" smtClean="0"/>
-              <a:t>widgets</a:t>
-            </a:r>
-            <a:r>
-              <a:rPr lang="es-PY" sz="1800" dirty="0" smtClean="0"/>
-              <a:t>) más utilizados</a:t>
-            </a:r>
-          </a:p>
-          <a:p>
-            <a:pPr lvl="0"/>
-            <a:r>
-              <a:rPr lang="es-PY" sz="1800" dirty="0" smtClean="0"/>
-              <a:t>Una extensión a los </a:t>
-            </a:r>
-            <a:r>
-              <a:rPr lang="es-PY" sz="1800" dirty="0" err="1" smtClean="0"/>
-              <a:t>metamodelos</a:t>
-            </a:r>
-            <a:r>
-              <a:rPr lang="es-PY" sz="1800" dirty="0" smtClean="0"/>
-              <a:t> de Contenido (</a:t>
-            </a:r>
-            <a:r>
-              <a:rPr lang="es-PY" sz="1800" i="1" dirty="0" smtClean="0"/>
-              <a:t>Content</a:t>
-            </a:r>
-            <a:r>
-              <a:rPr lang="es-PY" sz="1800" dirty="0" smtClean="0"/>
-              <a:t>) y Estructura (</a:t>
-            </a:r>
-            <a:r>
-              <a:rPr lang="es-PY" sz="1800" i="1" dirty="0" err="1" smtClean="0"/>
-              <a:t>Layout</a:t>
-            </a:r>
-            <a:r>
-              <a:rPr lang="es-PY" sz="1800" dirty="0" smtClean="0"/>
-              <a:t>) de </a:t>
-            </a:r>
-            <a:r>
-              <a:rPr lang="es-PY" sz="1800" i="1" dirty="0" err="1" smtClean="0"/>
-              <a:t>MoWebA</a:t>
-            </a:r>
-            <a:endParaRPr lang="es-PY" sz="1800" i="1" dirty="0" smtClean="0"/>
-          </a:p>
-          <a:p>
-            <a:pPr lvl="0"/>
-            <a:r>
-              <a:rPr lang="es-PY" sz="1800" dirty="0" smtClean="0"/>
-              <a:t>Una extensión a los perfiles de Contenido(</a:t>
-            </a:r>
-            <a:r>
-              <a:rPr lang="es-PY" sz="1800" i="1" dirty="0" smtClean="0"/>
-              <a:t>Content</a:t>
-            </a:r>
-            <a:r>
-              <a:rPr lang="es-PY" sz="1800" dirty="0" smtClean="0"/>
-              <a:t>) y Estructura (</a:t>
-            </a:r>
-            <a:r>
-              <a:rPr lang="es-PY" sz="1800" i="1" dirty="0" err="1" smtClean="0"/>
-              <a:t>Layout</a:t>
-            </a:r>
-            <a:r>
-              <a:rPr lang="es-PY" sz="1800" dirty="0" smtClean="0"/>
-              <a:t>)</a:t>
-            </a:r>
-          </a:p>
-          <a:p>
-            <a:pPr lvl="0"/>
-            <a:r>
-              <a:rPr lang="es-PY" sz="1800" dirty="0" smtClean="0"/>
-              <a:t>Un  análisis de herramientas de transformación de modelo a texto (</a:t>
-            </a:r>
-            <a:r>
-              <a:rPr lang="es-PY" sz="1800" i="1" dirty="0" smtClean="0"/>
-              <a:t>M2T)</a:t>
-            </a:r>
-            <a:endParaRPr lang="es-PY" sz="1800" dirty="0" smtClean="0"/>
-          </a:p>
-          <a:p>
-            <a:pPr lvl="0"/>
-            <a:r>
-              <a:rPr lang="es-PY" sz="1800" dirty="0" smtClean="0"/>
-              <a:t>Implementación con </a:t>
-            </a:r>
-            <a:r>
-              <a:rPr lang="es-PY" sz="1800" i="1" dirty="0" err="1" smtClean="0"/>
-              <a:t>Acceleo</a:t>
-            </a:r>
-            <a:r>
-              <a:rPr lang="es-PY" sz="1800" i="1" dirty="0" smtClean="0"/>
-              <a:t> </a:t>
-            </a:r>
-            <a:r>
-              <a:rPr lang="es-PY" sz="1800" dirty="0" smtClean="0"/>
-              <a:t>de las plantillas de presentación y estructura</a:t>
-            </a:r>
-          </a:p>
-          <a:p>
-            <a:pPr lvl="0"/>
-            <a:r>
-              <a:rPr lang="es-PY" sz="1800" dirty="0" smtClean="0"/>
-              <a:t>Una ilustración de la propuesta</a:t>
-            </a:r>
-          </a:p>
-          <a:p>
-            <a:pPr lvl="0"/>
-            <a:endParaRPr lang="es-PY" sz="1800" i="1" dirty="0" smtClean="0"/>
-          </a:p>
-          <a:p>
-            <a:pPr lvl="0"/>
-            <a:endParaRPr lang="es-PY" sz="1800" dirty="0" smtClean="0"/>
-          </a:p>
-          <a:p>
-            <a:pPr lvl="0"/>
-            <a:endParaRPr lang="es-PY" sz="1800" dirty="0" smtClean="0"/>
-          </a:p>
-          <a:p>
-            <a:pPr lvl="0"/>
-            <a:endParaRPr lang="es-PY" sz="1200" dirty="0" smtClean="0"/>
-          </a:p>
-          <a:p>
-            <a:endParaRPr lang="es-PY" sz="1200" dirty="0"/>
-          </a:p>
-        </p:txBody>
-      </p:sp>
-      <p:sp>
-        <p:nvSpPr>
-          <p:cNvPr id="4" name="3 Marcador de número de diapositiva"/>
+            <a:pPr algn="ctr"/>
+            <a:r>
+              <a:rPr lang="es-PY" sz="2400" b="1" i="1" dirty="0" smtClean="0"/>
+              <a:t>PI5: Para cada una de las vistas del </a:t>
+            </a:r>
+            <a:r>
+              <a:rPr lang="es-PY" sz="2400" b="1" i="1" dirty="0" err="1" smtClean="0"/>
+              <a:t>Person</a:t>
+            </a:r>
+            <a:r>
+              <a:rPr lang="es-PY" sz="2400" b="1" i="1" dirty="0" smtClean="0"/>
+              <a:t> Manager, ¿qué cantidad de líneas de código para la interfaz de usuario se pudieron generar de manera automática a partir de los modelos, en cada uno de los enfoques implementados?</a:t>
+            </a:r>
+            <a:r>
+              <a:rPr lang="es-PY" sz="2400" b="1" dirty="0" smtClean="0"/>
+              <a:t/>
+            </a:r>
+            <a:br>
+              <a:rPr lang="es-PY" sz="2400" b="1" dirty="0" smtClean="0"/>
+            </a:br>
+            <a:endParaRPr lang="es-PY" sz="4400" b="1" dirty="0"/>
+          </a:p>
+        </p:txBody>
+      </p:sp>
+      <p:pic>
+        <p:nvPicPr>
+          <p:cNvPr id="4" name="3 Marcador de contenido" descr="lineas de codigo.png"/>
+          <p:cNvPicPr>
+            <a:picLocks noGrp="1" noChangeAspect="1"/>
+          </p:cNvPicPr>
+          <p:nvPr>
+            <p:ph idx="1"/>
+          </p:nvPr>
+        </p:nvPicPr>
+        <p:blipFill>
+          <a:blip r:embed="rId3" cstate="print"/>
+          <a:stretch>
+            <a:fillRect/>
+          </a:stretch>
+        </p:blipFill>
+        <p:spPr>
+          <a:xfrm>
+            <a:off x="323529" y="2060850"/>
+            <a:ext cx="7632847" cy="3737324"/>
+          </a:xfrm>
+        </p:spPr>
+      </p:pic>
+      <p:sp>
+        <p:nvSpPr>
+          <p:cNvPr id="5" name="4 Marcador de número de diapositiva"/>
           <p:cNvSpPr>
             <a:spLocks noGrp="1"/>
           </p:cNvSpPr>
@@ -11770,6 +11545,67 @@
               <a:t>29</a:t>
             </a:fld>
             <a:endParaRPr lang="es-PY" sz="1600" dirty="0"/>
+          </a:p>
+        </p:txBody>
+      </p:sp>
+      <p:sp>
+        <p:nvSpPr>
+          <p:cNvPr id="6" name="5 Rectángulo"/>
+          <p:cNvSpPr/>
+          <p:nvPr/>
+        </p:nvSpPr>
+        <p:spPr>
+          <a:xfrm>
+            <a:off x="467544" y="5805264"/>
+            <a:ext cx="7920880" cy="646331"/>
+          </a:xfrm>
+          <a:prstGeom prst="rect">
+            <a:avLst/>
+          </a:prstGeom>
+        </p:spPr>
+        <p:txBody>
+          <a:bodyPr wrap="square">
+            <a:spAutoFit/>
+          </a:bodyPr>
+          <a:lstStyle/>
+          <a:p>
+            <a:r>
+              <a:rPr lang="es-PY" i="1" dirty="0" smtClean="0"/>
+              <a:t>En </a:t>
+            </a:r>
+            <a:r>
+              <a:rPr lang="es-PY" i="1" dirty="0" err="1" smtClean="0"/>
+              <a:t>MoWebA</a:t>
+            </a:r>
+            <a:r>
+              <a:rPr lang="es-PY" dirty="0" smtClean="0"/>
+              <a:t> con </a:t>
+            </a:r>
+            <a:r>
+              <a:rPr lang="es-PY" i="1" dirty="0" smtClean="0"/>
+              <a:t>RIA</a:t>
+            </a:r>
+            <a:r>
+              <a:rPr lang="es-PY" dirty="0" smtClean="0"/>
+              <a:t> el 57 % del código se genera de manera automática y en </a:t>
+            </a:r>
+            <a:r>
+              <a:rPr lang="es-PY" i="1" dirty="0" err="1" smtClean="0"/>
+              <a:t>MoWebA</a:t>
+            </a:r>
+            <a:r>
+              <a:rPr lang="es-PY" dirty="0" smtClean="0"/>
+              <a:t> sin </a:t>
+            </a:r>
+            <a:r>
+              <a:rPr lang="es-PY" i="1" dirty="0" smtClean="0"/>
+              <a:t>RIA el </a:t>
+            </a:r>
+            <a:r>
+              <a:rPr lang="es-PY" dirty="0" smtClean="0"/>
+              <a:t>47% </a:t>
+            </a:r>
+            <a:endParaRPr lang="es-PY" i="1" dirty="0"/>
           </a:p>
         </p:txBody>
       </p:sp>
@@ -12255,7 +12091,7 @@
             <a:pPr algn="ctr"/>
             <a:r>
               <a:rPr lang="es-PY" b="1" dirty="0" smtClean="0"/>
-              <a:t>Trabajos futuros</a:t>
+              <a:t>Conclusión</a:t>
             </a:r>
             <a:endParaRPr lang="es-PY" b="1" dirty="0"/>
           </a:p>
@@ -12283,69 +12119,184 @@
           </a:bodyPr>
           <a:lstStyle/>
           <a:p>
+            <a:pPr>
+              <a:buNone/>
+            </a:pPr>
+            <a:r>
+              <a:rPr lang="es-PY" sz="1600" dirty="0" smtClean="0"/>
+              <a:t>Precisamente con este trabajo de fin de carrera se alcanzó  aportar lo siguiente:</a:t>
+            </a:r>
+          </a:p>
+          <a:p>
             <a:pPr lvl="0"/>
             <a:r>
-              <a:rPr lang="es-PY" sz="2000" dirty="0" smtClean="0"/>
-              <a:t>Agregar más propiedades a los </a:t>
-            </a:r>
-            <a:r>
-              <a:rPr lang="es-PY" sz="2000" i="1" dirty="0" err="1" smtClean="0"/>
+              <a:rPr lang="es-PY" sz="1800" dirty="0" smtClean="0"/>
+              <a:t>Características y tecnologías de las </a:t>
+            </a:r>
+            <a:r>
+              <a:rPr lang="es-PY" sz="1800" i="1" dirty="0" smtClean="0"/>
+              <a:t>RIA</a:t>
+            </a:r>
+            <a:endParaRPr lang="es-PY" sz="1800" dirty="0" smtClean="0"/>
+          </a:p>
+          <a:p>
+            <a:pPr lvl="0"/>
+            <a:r>
+              <a:rPr lang="es-PY" sz="1800" dirty="0" smtClean="0"/>
+              <a:t>Estado del arte de las principales metodologías Web basadas en </a:t>
+            </a:r>
+            <a:r>
+              <a:rPr lang="es-PY" sz="1800" i="1" dirty="0" smtClean="0"/>
+              <a:t>MDD</a:t>
+            </a:r>
+            <a:r>
+              <a:rPr lang="es-PY" sz="1800" dirty="0" smtClean="0"/>
+              <a:t> y </a:t>
+            </a:r>
+            <a:r>
+              <a:rPr lang="es-PY" sz="1800" i="1" dirty="0" smtClean="0"/>
+              <a:t>MDA</a:t>
+            </a:r>
+            <a:r>
+              <a:rPr lang="es-PY" sz="1800" dirty="0" smtClean="0"/>
+              <a:t> para </a:t>
+            </a:r>
+            <a:r>
+              <a:rPr lang="es-PY" sz="1800" i="1" dirty="0" smtClean="0"/>
+              <a:t>RIA</a:t>
+            </a:r>
+            <a:endParaRPr lang="es-PY" sz="1800" dirty="0" smtClean="0"/>
+          </a:p>
+          <a:p>
+            <a:pPr lvl="0"/>
+            <a:r>
+              <a:rPr lang="es-PY" sz="1800" dirty="0" smtClean="0"/>
+              <a:t>Un análisis de los elementos de interfaz enriquecidos (</a:t>
+            </a:r>
+            <a:r>
+              <a:rPr lang="es-PY" sz="1800" i="1" dirty="0" err="1" smtClean="0"/>
               <a:t>widgets</a:t>
             </a:r>
             <a:r>
-              <a:rPr lang="es-PY" sz="2000" dirty="0" smtClean="0"/>
-              <a:t>  y a las validaciones locales de los campos</a:t>
+              <a:rPr lang="es-PY" sz="1800" dirty="0" smtClean="0"/>
+              <a:t>) más utilizados</a:t>
             </a:r>
           </a:p>
           <a:p>
             <a:pPr lvl="0"/>
             <a:r>
-              <a:rPr lang="es-PY" sz="2000" dirty="0" smtClean="0"/>
-              <a:t>Agregar más </a:t>
-            </a:r>
-            <a:r>
-              <a:rPr lang="es-PY" sz="2000" i="1" dirty="0" err="1" smtClean="0"/>
-              <a:t>widgets</a:t>
-            </a:r>
-            <a:r>
-              <a:rPr lang="es-PY" sz="2000" dirty="0" smtClean="0"/>
-              <a:t> al </a:t>
-            </a:r>
-            <a:r>
-              <a:rPr lang="es-PY" sz="2000" dirty="0" err="1" smtClean="0"/>
-              <a:t>metamodelo</a:t>
-            </a:r>
-            <a:r>
-              <a:rPr lang="es-PY" sz="2000" dirty="0" smtClean="0"/>
-              <a:t> de contenido que también forman parte de </a:t>
-            </a:r>
-            <a:r>
-              <a:rPr lang="es-PY" sz="2000" i="1" dirty="0" err="1" smtClean="0"/>
-              <a:t>jQueryUI</a:t>
-            </a:r>
-            <a:endParaRPr lang="es-PY" sz="2000" dirty="0" smtClean="0"/>
+              <a:rPr lang="es-PY" sz="1800" dirty="0" smtClean="0"/>
+              <a:t>Una extensión a los </a:t>
+            </a:r>
+            <a:r>
+              <a:rPr lang="es-PY" sz="1800" dirty="0" err="1" smtClean="0"/>
+              <a:t>metamodelos</a:t>
+            </a:r>
+            <a:r>
+              <a:rPr lang="es-PY" sz="1800" dirty="0" smtClean="0"/>
+              <a:t> de Contenido (</a:t>
+            </a:r>
+            <a:r>
+              <a:rPr lang="es-PY" sz="1800" i="1" dirty="0" smtClean="0"/>
+              <a:t>Content</a:t>
+            </a:r>
+            <a:r>
+              <a:rPr lang="es-PY" sz="1800" dirty="0" smtClean="0"/>
+              <a:t>) y Estructura (</a:t>
+            </a:r>
+            <a:r>
+              <a:rPr lang="es-PY" sz="1800" i="1" dirty="0" err="1" smtClean="0"/>
+              <a:t>Layout</a:t>
+            </a:r>
+            <a:r>
+              <a:rPr lang="es-PY" sz="1800" dirty="0" smtClean="0"/>
+              <a:t>) de </a:t>
+            </a:r>
+            <a:r>
+              <a:rPr lang="es-PY" sz="1800" i="1" dirty="0" err="1" smtClean="0"/>
+              <a:t>MoWebA</a:t>
+            </a:r>
+            <a:endParaRPr lang="es-PY" sz="1800" i="1" dirty="0" smtClean="0"/>
           </a:p>
           <a:p>
             <a:pPr lvl="0"/>
             <a:r>
-              <a:rPr lang="es-PY" sz="2000" dirty="0" smtClean="0"/>
-              <a:t>Agregar a la capa de navegación extensiones para ofrecer una interacción asíncrona entre los lados cliente y servidor</a:t>
+              <a:rPr lang="es-PY" sz="1800" dirty="0" smtClean="0"/>
+              <a:t>Una extensión a los perfiles de Contenido(</a:t>
+            </a:r>
+            <a:r>
+              <a:rPr lang="es-PY" sz="1800" i="1" dirty="0" smtClean="0"/>
+              <a:t>Content</a:t>
+            </a:r>
+            <a:r>
+              <a:rPr lang="es-PY" sz="1800" dirty="0" smtClean="0"/>
+              <a:t>) y Estructura (</a:t>
+            </a:r>
+            <a:r>
+              <a:rPr lang="es-PY" sz="1800" i="1" dirty="0" err="1" smtClean="0"/>
+              <a:t>Layout</a:t>
+            </a:r>
+            <a:r>
+              <a:rPr lang="es-PY" sz="1800" dirty="0" smtClean="0"/>
+              <a:t>)</a:t>
             </a:r>
           </a:p>
           <a:p>
             <a:pPr lvl="0"/>
             <a:r>
-              <a:rPr lang="es-PY" sz="2000" dirty="0" smtClean="0"/>
-              <a:t>Validar la propuesta llevando a cabo transformaciones a otras plataformas destino</a:t>
-            </a:r>
+              <a:rPr lang="es-PY" sz="1800" dirty="0" smtClean="0"/>
+              <a:t>Un  análisis de herramientas de transformación de modelo a texto (</a:t>
+            </a:r>
+            <a:r>
+              <a:rPr lang="es-PY" sz="1800" i="1" dirty="0" smtClean="0"/>
+              <a:t>M2T)</a:t>
+            </a:r>
+            <a:endParaRPr lang="es-PY" sz="1800" dirty="0" smtClean="0"/>
           </a:p>
           <a:p>
             <a:pPr lvl="0"/>
             <a:r>
-              <a:rPr lang="es-PY" sz="2000" dirty="0" smtClean="0"/>
-              <a:t>Efectuar la validación de la propuesta, por medio de un caso de estudio o un experimento</a:t>
-            </a:r>
-            <a:endParaRPr lang="es-PY" sz="900" dirty="0"/>
+              <a:rPr lang="es-PY" sz="1800" dirty="0" smtClean="0"/>
+              <a:t>Implementación con </a:t>
+            </a:r>
+            <a:r>
+              <a:rPr lang="es-PY" sz="1800" i="1" dirty="0" err="1" smtClean="0"/>
+              <a:t>Acceleo</a:t>
+            </a:r>
+            <a:r>
+              <a:rPr lang="es-PY" sz="1800" i="1" dirty="0" smtClean="0"/>
+              <a:t> </a:t>
+            </a:r>
+            <a:r>
+              <a:rPr lang="es-PY" sz="1800" dirty="0" smtClean="0"/>
+              <a:t>de las plantillas de presentación y estructura</a:t>
+            </a:r>
+          </a:p>
+          <a:p>
+            <a:pPr lvl="0"/>
+            <a:r>
+              <a:rPr lang="es-PY" sz="1800" dirty="0" smtClean="0"/>
+              <a:t>Una ilustración de la propuesta</a:t>
+            </a:r>
+          </a:p>
+          <a:p>
+            <a:pPr lvl="0"/>
+            <a:endParaRPr lang="es-PY" sz="1800" i="1" dirty="0" smtClean="0"/>
+          </a:p>
+          <a:p>
+            <a:pPr lvl="0"/>
+            <a:endParaRPr lang="es-PY" sz="1800" dirty="0" smtClean="0"/>
+          </a:p>
+          <a:p>
+            <a:pPr lvl="0"/>
+            <a:endParaRPr lang="es-PY" sz="1800" dirty="0" smtClean="0"/>
+          </a:p>
+          <a:p>
+            <a:pPr lvl="0"/>
+            <a:endParaRPr lang="es-PY" sz="1200" dirty="0" smtClean="0"/>
+          </a:p>
+          <a:p>
+            <a:endParaRPr lang="es-PY" sz="1200" dirty="0"/>
           </a:p>
         </p:txBody>
       </p:sp>
@@ -12420,11 +12371,12 @@
           <a:bodyPr/>
           <a:lstStyle/>
           <a:p>
-            <a:r>
-              <a:rPr lang="es-PY" dirty="0" smtClean="0"/>
-              <a:t>Preguntas?</a:t>
-            </a:r>
-            <a:endParaRPr lang="es-PY" dirty="0"/>
+            <a:pPr algn="ctr"/>
+            <a:r>
+              <a:rPr lang="es-PY" b="1" dirty="0" smtClean="0"/>
+              <a:t>Trabajos futuros</a:t>
+            </a:r>
+            <a:endParaRPr lang="es-PY" b="1" dirty="0"/>
           </a:p>
         </p:txBody>
       </p:sp>
@@ -12438,16 +12390,81 @@
             <p:ph idx="1"/>
           </p:nvPr>
         </p:nvSpPr>
-        <p:spPr/>
-        <p:txBody>
-          <a:bodyPr/>
-          <a:lstStyle/>
-          <a:p>
-            <a:r>
-              <a:rPr lang="es-PY" dirty="0" smtClean="0"/>
-              <a:t>Muchas gracias por la atención!</a:t>
-            </a:r>
-            <a:endParaRPr lang="es-PY" dirty="0"/>
+        <p:spPr>
+          <a:xfrm>
+            <a:off x="467544" y="1340768"/>
+            <a:ext cx="7467600" cy="4525963"/>
+          </a:xfrm>
+        </p:spPr>
+        <p:txBody>
+          <a:bodyPr>
+            <a:noAutofit/>
+          </a:bodyPr>
+          <a:lstStyle/>
+          <a:p>
+            <a:pPr lvl="0"/>
+            <a:r>
+              <a:rPr lang="es-PY" sz="2000" dirty="0" smtClean="0"/>
+              <a:t>Agregar más propiedades a los </a:t>
+            </a:r>
+            <a:r>
+              <a:rPr lang="es-PY" sz="2000" i="1" dirty="0" err="1" smtClean="0"/>
+              <a:t>widgets</a:t>
+            </a:r>
+            <a:r>
+              <a:rPr lang="es-PY" sz="2000" dirty="0" smtClean="0"/>
+              <a:t>  y a las validaciones locales de los campos</a:t>
+            </a:r>
+          </a:p>
+          <a:p>
+            <a:pPr lvl="0"/>
+            <a:r>
+              <a:rPr lang="es-PY" sz="2000" dirty="0" smtClean="0"/>
+              <a:t>Agregar más </a:t>
+            </a:r>
+            <a:r>
+              <a:rPr lang="es-PY" sz="2000" i="1" dirty="0" err="1" smtClean="0"/>
+              <a:t>widgets</a:t>
+            </a:r>
+            <a:r>
+              <a:rPr lang="es-PY" sz="2000" dirty="0" smtClean="0"/>
+              <a:t> al </a:t>
+            </a:r>
+            <a:r>
+              <a:rPr lang="es-PY" sz="2000" dirty="0" err="1" smtClean="0"/>
+              <a:t>metamodelo</a:t>
+            </a:r>
+            <a:r>
+              <a:rPr lang="es-PY" sz="2000" dirty="0" smtClean="0"/>
+              <a:t> de contenido que también forman parte de </a:t>
+            </a:r>
+            <a:r>
+              <a:rPr lang="es-PY" sz="2000" i="1" dirty="0" err="1" smtClean="0"/>
+              <a:t>jQueryUI</a:t>
+            </a:r>
+            <a:endParaRPr lang="es-PY" sz="2000" dirty="0" smtClean="0"/>
+          </a:p>
+          <a:p>
+            <a:pPr lvl="0"/>
+            <a:r>
+              <a:rPr lang="es-PY" sz="2000" dirty="0" smtClean="0"/>
+              <a:t>Agregar a la capa de navegación extensiones para ofrecer una interacción asíncrona entre los lados cliente y servidor</a:t>
+            </a:r>
+          </a:p>
+          <a:p>
+            <a:pPr lvl="0"/>
+            <a:r>
+              <a:rPr lang="es-PY" sz="2000" dirty="0" smtClean="0"/>
+              <a:t>Validar la propuesta llevando a cabo transformaciones a otras plataformas destino</a:t>
+            </a:r>
+          </a:p>
+          <a:p>
+            <a:pPr lvl="0"/>
+            <a:r>
+              <a:rPr lang="es-PY" sz="2000" dirty="0" smtClean="0"/>
+              <a:t>Efectuar la validación de la propuesta, por medio de un caso de estudio o un experimento</a:t>
+            </a:r>
+            <a:endParaRPr lang="es-PY" sz="900" dirty="0"/>
           </a:p>
         </p:txBody>
       </p:sp>
@@ -12470,6 +12487,108 @@
               <a:rPr lang="es-PY" sz="1600" smtClean="0"/>
               <a:pPr/>
               <a:t>31</a:t>
+            </a:fld>
+            <a:endParaRPr lang="es-PY" sz="1600" dirty="0"/>
+          </a:p>
+        </p:txBody>
+      </p:sp>
+    </p:spTree>
+  </p:cSld>
+  <p:clrMapOvr>
+    <a:masterClrMapping/>
+  </p:clrMapOvr>
+  <p:timing>
+    <p:tnLst>
+      <p:par>
+        <p:cTn id="1" dur="indefinite" restart="never" nodeType="tmRoot"/>
+      </p:par>
+    </p:tnLst>
+  </p:timing>
+</p:sld>
+</file>
+
+<file path=ppt/slides/slide32.xml><?xml version="1.0" encoding="utf-8"?>
+<p:sld xmlns:a="http://schemas.openxmlformats.org/drawingml/2006/main" xmlns:r="http://schemas.openxmlformats.org/officeDocument/2006/relationships" xmlns:p="http://schemas.openxmlformats.org/presentationml/2006/main">
+  <p:cSld>
+    <p:spTree>
+      <p:nvGrpSpPr>
+        <p:cNvPr id="1" name=""/>
+        <p:cNvGrpSpPr/>
+        <p:nvPr/>
+      </p:nvGrpSpPr>
+      <p:grpSpPr>
+        <a:xfrm>
+          <a:off x="0" y="0"/>
+          <a:ext cx="0" cy="0"/>
+          <a:chOff x="0" y="0"/>
+          <a:chExt cx="0" cy="0"/>
+        </a:xfrm>
+      </p:grpSpPr>
+      <p:sp>
+        <p:nvSpPr>
+          <p:cNvPr id="2" name="1 Título"/>
+          <p:cNvSpPr>
+            <a:spLocks noGrp="1"/>
+          </p:cNvSpPr>
+          <p:nvPr>
+            <p:ph type="title"/>
+          </p:nvPr>
+        </p:nvSpPr>
+        <p:spPr/>
+        <p:txBody>
+          <a:bodyPr/>
+          <a:lstStyle/>
+          <a:p>
+            <a:r>
+              <a:rPr lang="es-PY" dirty="0" smtClean="0"/>
+              <a:t>Preguntas?</a:t>
+            </a:r>
+            <a:endParaRPr lang="es-PY" dirty="0"/>
+          </a:p>
+        </p:txBody>
+      </p:sp>
+      <p:sp>
+        <p:nvSpPr>
+          <p:cNvPr id="3" name="2 Marcador de contenido"/>
+          <p:cNvSpPr>
+            <a:spLocks noGrp="1"/>
+          </p:cNvSpPr>
+          <p:nvPr>
+            <p:ph idx="1"/>
+          </p:nvPr>
+        </p:nvSpPr>
+        <p:spPr/>
+        <p:txBody>
+          <a:bodyPr/>
+          <a:lstStyle/>
+          <a:p>
+            <a:r>
+              <a:rPr lang="es-PY" dirty="0" smtClean="0"/>
+              <a:t>Muchas gracias por su amable atención</a:t>
+            </a:r>
+            <a:endParaRPr lang="es-PY" dirty="0"/>
+          </a:p>
+        </p:txBody>
+      </p:sp>
+      <p:sp>
+        <p:nvSpPr>
+          <p:cNvPr id="4" name="3 Marcador de número de diapositiva"/>
+          <p:cNvSpPr>
+            <a:spLocks noGrp="1"/>
+          </p:cNvSpPr>
+          <p:nvPr>
+            <p:ph type="sldNum" sz="quarter" idx="12"/>
+          </p:nvPr>
+        </p:nvSpPr>
+        <p:spPr/>
+        <p:txBody>
+          <a:bodyPr/>
+          <a:lstStyle/>
+          <a:p>
+            <a:fld id="{00983F03-8C2A-4E24-982B-C5C1359E5E45}" type="slidenum">
+              <a:rPr lang="es-PY" sz="1600" smtClean="0"/>
+              <a:pPr/>
+              <a:t>32</a:t>
             </a:fld>
             <a:endParaRPr lang="es-PY" sz="1600" dirty="0"/>
           </a:p>
@@ -12590,7 +12709,7 @@
     </p:spTree>
     <p:extLst>
       <p:ext uri="{BB962C8B-B14F-4D97-AF65-F5344CB8AC3E}">
-        <p14:creationId xmlns:p14="http://schemas.microsoft.com/office/powerpoint/2010/main" val="883043307"/>
+        <p14:creationId xmlns="" xmlns:p14="http://schemas.microsoft.com/office/powerpoint/2010/main" val="883043307"/>
       </p:ext>
     </p:extLst>
   </p:cSld>
@@ -15561,7 +15680,7 @@
     </p:spTree>
     <p:extLst>
       <p:ext uri="{BB962C8B-B14F-4D97-AF65-F5344CB8AC3E}">
-        <p14:creationId xmlns:p14="http://schemas.microsoft.com/office/powerpoint/2010/main" val="2485615847"/>
+        <p14:creationId xmlns="" xmlns:p14="http://schemas.microsoft.com/office/powerpoint/2010/main" val="2485615847"/>
       </p:ext>
     </p:extLst>
   </p:cSld>
@@ -15635,7 +15754,7 @@
             </a:r>
             <a:r>
               <a:rPr lang="es-ES" b="1" dirty="0" smtClean="0"/>
-              <a:t> 			(</a:t>
+              <a:t> (</a:t>
             </a:r>
             <a:r>
               <a:rPr lang="es-ES" b="1" i="1" dirty="0" err="1" smtClean="0"/>
@@ -15667,8 +15786,8 @@
         </p:blipFill>
         <p:spPr>
           <a:xfrm>
-            <a:off x="1475656" y="1628800"/>
-            <a:ext cx="6566884" cy="4752528"/>
+            <a:off x="971600" y="1628800"/>
+            <a:ext cx="6912768" cy="5002848"/>
           </a:xfrm>
         </p:spPr>
       </p:pic>
@@ -16075,20 +16194,16 @@
           <a:p>
             <a:pPr algn="ctr"/>
             <a:r>
+              <a:rPr lang="es-PY" b="1" i="1" dirty="0" smtClean="0"/>
+              <a:t>    </a:t>
+            </a:r>
+            <a:r>
               <a:rPr lang="es-PY" b="1" i="1" dirty="0" err="1" smtClean="0"/>
               <a:t>Widgets</a:t>
             </a:r>
             <a:r>
               <a:rPr lang="es-PY" b="1" dirty="0" smtClean="0"/>
-              <a:t> y </a:t>
-            </a:r>
-            <a:r>
-              <a:rPr lang="es-PY" b="1" i="1" dirty="0" smtClean="0"/>
-              <a:t>Live </a:t>
-            </a:r>
-            <a:r>
-              <a:rPr lang="es-PY" b="1" i="1" dirty="0" err="1" smtClean="0"/>
-              <a:t>Validation</a:t>
+              <a:t> </a:t>
             </a:r>
             <a:endParaRPr lang="es-PY" b="1" i="1" dirty="0"/>
           </a:p>
@@ -16112,8 +16227,8 @@
         </p:blipFill>
         <p:spPr>
           <a:xfrm>
-            <a:off x="0" y="1484784"/>
-            <a:ext cx="4554732" cy="2385271"/>
+            <a:off x="251520" y="1268760"/>
+            <a:ext cx="4968552" cy="2601985"/>
           </a:xfrm>
         </p:spPr>
       </p:pic>
@@ -16133,32 +16248,8 @@
         </p:blipFill>
         <p:spPr>
           <a:xfrm>
-            <a:off x="4644008" y="1484784"/>
-            <a:ext cx="4196561" cy="2376264"/>
-          </a:xfrm>
-          <a:prstGeom prst="rect">
-            <a:avLst/>
-          </a:prstGeom>
-        </p:spPr>
-      </p:pic>
-      <p:pic>
-        <p:nvPicPr>
-          <p:cNvPr id="6" name="5 Imagen" descr="validaciones_v3.jpg"/>
-          <p:cNvPicPr>
-            <a:picLocks noChangeAspect="1"/>
-          </p:cNvPicPr>
-          <p:nvPr/>
-        </p:nvPicPr>
-        <p:blipFill>
-          <a:blip r:embed="rId5" cstate="print"/>
-          <a:stretch>
-            <a:fillRect/>
-          </a:stretch>
-        </p:blipFill>
-        <p:spPr>
-          <a:xfrm>
-            <a:off x="107504" y="4077072"/>
-            <a:ext cx="3163360" cy="2100979"/>
+            <a:off x="251520" y="3968745"/>
+            <a:ext cx="4896544" cy="2772623"/>
           </a:xfrm>
           <a:prstGeom prst="rect">
             <a:avLst/>
@@ -16174,15 +16265,15 @@
           <p:nvPr/>
         </p:nvPicPr>
         <p:blipFill>
-          <a:blip r:embed="rId6" cstate="print"/>
+          <a:blip r:embed="rId5" cstate="print"/>
           <a:stretch>
             <a:fillRect/>
           </a:stretch>
         </p:blipFill>
         <p:spPr>
           <a:xfrm>
-            <a:off x="3347864" y="4005064"/>
-            <a:ext cx="2833195" cy="1080120"/>
+            <a:off x="5292080" y="5373216"/>
+            <a:ext cx="3328005" cy="1268760"/>
           </a:xfrm>
           <a:prstGeom prst="rect">
             <a:avLst/>
@@ -16198,15 +16289,15 @@
           <p:nvPr/>
         </p:nvPicPr>
         <p:blipFill>
-          <a:blip r:embed="rId7" cstate="print"/>
+          <a:blip r:embed="rId6" cstate="print"/>
           <a:stretch>
             <a:fillRect/>
           </a:stretch>
         </p:blipFill>
         <p:spPr>
           <a:xfrm>
-            <a:off x="6372200" y="4077072"/>
-            <a:ext cx="2537542" cy="2160240"/>
+            <a:off x="5724128" y="2924944"/>
+            <a:ext cx="2753566" cy="2344144"/>
           </a:xfrm>
           <a:prstGeom prst="rect">
             <a:avLst/>
@@ -16222,15 +16313,15 @@
           <p:nvPr/>
         </p:nvPicPr>
         <p:blipFill>
-          <a:blip r:embed="rId8" cstate="print"/>
+          <a:blip r:embed="rId7" cstate="print"/>
           <a:stretch>
             <a:fillRect/>
           </a:stretch>
         </p:blipFill>
         <p:spPr>
           <a:xfrm>
-            <a:off x="3986141" y="5157192"/>
-            <a:ext cx="1627033" cy="1590675"/>
+            <a:off x="6228184" y="1268760"/>
+            <a:ext cx="1627033" cy="1570928"/>
           </a:xfrm>
           <a:prstGeom prst="rect">
             <a:avLst/>

--- a/Presentacion final .pptx
+++ b/Presentacion final .pptx
@@ -5,7 +5,7 @@
     <p:sldMasterId id="2147483840" r:id="rId1"/>
   </p:sldMasterIdLst>
   <p:notesMasterIdLst>
-    <p:notesMasterId r:id="rId34"/>
+    <p:notesMasterId r:id="rId33"/>
   </p:notesMasterIdLst>
   <p:sldIdLst>
     <p:sldId id="256" r:id="rId2"/>
@@ -33,13 +33,12 @@
     <p:sldId id="270" r:id="rId24"/>
     <p:sldId id="271" r:id="rId25"/>
     <p:sldId id="272" r:id="rId26"/>
-    <p:sldId id="273" r:id="rId27"/>
-    <p:sldId id="276" r:id="rId28"/>
-    <p:sldId id="275" r:id="rId29"/>
-    <p:sldId id="274" r:id="rId30"/>
-    <p:sldId id="277" r:id="rId31"/>
-    <p:sldId id="279" r:id="rId32"/>
-    <p:sldId id="281" r:id="rId33"/>
+    <p:sldId id="276" r:id="rId27"/>
+    <p:sldId id="275" r:id="rId28"/>
+    <p:sldId id="274" r:id="rId29"/>
+    <p:sldId id="277" r:id="rId30"/>
+    <p:sldId id="279" r:id="rId31"/>
+    <p:sldId id="281" r:id="rId32"/>
   </p:sldIdLst>
   <p:sldSz cx="9144000" cy="6858000" type="screen4x3"/>
   <p:notesSz cx="6858000" cy="9144000"/>
@@ -402,7 +401,7 @@
     </p:spTree>
     <p:extLst>
       <p:ext uri="{BB962C8B-B14F-4D97-AF65-F5344CB8AC3E}">
-        <p14:creationId xmlns="" xmlns:p14="http://schemas.microsoft.com/office/powerpoint/2010/main" val="3924664184"/>
+        <p14:creationId xmlns:p14="http://schemas.microsoft.com/office/powerpoint/2010/main" xmlns="" val="3924664184"/>
       </p:ext>
     </p:extLst>
   </p:cSld>
@@ -2119,234 +2118,14 @@
           </a:bodyPr>
           <a:lstStyle/>
           <a:p>
-            <a:pPr marL="0" marR="0" lvl="0" indent="0" algn="l" defTabSz="914400" rtl="0" eaLnBrk="1" fontAlgn="auto" latinLnBrk="0" hangingPunct="1">
-              <a:lnSpc>
-                <a:spcPct val="100000"/>
-              </a:lnSpc>
-              <a:spcBef>
-                <a:spcPts val="0"/>
-              </a:spcBef>
-              <a:spcAft>
-                <a:spcPts val="0"/>
-              </a:spcAft>
-              <a:buClrTx/>
-              <a:buSzTx/>
-              <a:buFontTx/>
-              <a:buNone/>
-              <a:tabLst/>
-              <a:defRPr/>
-            </a:pPr>
-            <a:r>
-              <a:rPr lang="es-PY" sz="1200" kern="1200" dirty="0" smtClean="0">
-                <a:solidFill>
-                  <a:schemeClr val="tx1"/>
-                </a:solidFill>
-                <a:latin typeface="+mn-lt"/>
-                <a:ea typeface="+mn-ea"/>
-                <a:cs typeface="+mn-cs"/>
-              </a:rPr>
-              <a:t>Una vez que los modelos de la aplicación se encontraban listos, el siguiente paso era generar código fuente a partir de ellos. Cuando a alguno de los modelos le faltaba definir alguna propiedad para alguno de sus elementos, entonces el código fuente generado en primera instancia, no reflejaba el resultado esperado. En estos casos iterativamente se volvía a hacer los cambios al modelo y luego se generaba de vuelta la aplicación. Un leve incremento en el número de generaciones para el enfoque </a:t>
-            </a:r>
-            <a:r>
-              <a:rPr lang="es-PY" sz="1200" i="1" kern="1200" dirty="0" err="1" smtClean="0">
-                <a:solidFill>
-                  <a:schemeClr val="tx1"/>
-                </a:solidFill>
-                <a:latin typeface="+mn-lt"/>
-                <a:ea typeface="+mn-ea"/>
-                <a:cs typeface="+mn-cs"/>
-              </a:rPr>
-              <a:t>MoWebA</a:t>
-            </a:r>
-            <a:r>
-              <a:rPr lang="es-PY" sz="1200" kern="1200" dirty="0" smtClean="0">
-                <a:solidFill>
-                  <a:schemeClr val="tx1"/>
-                </a:solidFill>
-                <a:latin typeface="+mn-lt"/>
-                <a:ea typeface="+mn-ea"/>
-                <a:cs typeface="+mn-cs"/>
-              </a:rPr>
-              <a:t> con </a:t>
-            </a:r>
-            <a:r>
-              <a:rPr lang="es-PY" sz="1200" i="1" kern="1200" dirty="0" smtClean="0">
-                <a:solidFill>
-                  <a:schemeClr val="tx1"/>
-                </a:solidFill>
-                <a:latin typeface="+mn-lt"/>
-                <a:ea typeface="+mn-ea"/>
-                <a:cs typeface="+mn-cs"/>
-              </a:rPr>
-              <a:t>RIA</a:t>
-            </a:r>
-            <a:r>
-              <a:rPr lang="es-PY" sz="1200" kern="1200" dirty="0" smtClean="0">
-                <a:solidFill>
-                  <a:schemeClr val="tx1"/>
-                </a:solidFill>
-                <a:latin typeface="+mn-lt"/>
-                <a:ea typeface="+mn-ea"/>
-                <a:cs typeface="+mn-cs"/>
-              </a:rPr>
-              <a:t> se pudo apreciar de los datos recabados, con respecto a </a:t>
-            </a:r>
-            <a:r>
-              <a:rPr lang="es-PY" sz="1200" i="1" kern="1200" dirty="0" err="1" smtClean="0">
-                <a:solidFill>
-                  <a:schemeClr val="tx1"/>
-                </a:solidFill>
-                <a:latin typeface="+mn-lt"/>
-                <a:ea typeface="+mn-ea"/>
-                <a:cs typeface="+mn-cs"/>
-              </a:rPr>
-              <a:t>MoWebA</a:t>
-            </a:r>
-            <a:r>
-              <a:rPr lang="es-PY" sz="1200" kern="1200" dirty="0" smtClean="0">
-                <a:solidFill>
-                  <a:schemeClr val="tx1"/>
-                </a:solidFill>
-                <a:latin typeface="+mn-lt"/>
-                <a:ea typeface="+mn-ea"/>
-                <a:cs typeface="+mn-cs"/>
-              </a:rPr>
-              <a:t> sin </a:t>
-            </a:r>
-            <a:r>
-              <a:rPr lang="es-PY" sz="1200" i="1" kern="1200" dirty="0" smtClean="0">
-                <a:solidFill>
-                  <a:schemeClr val="tx1"/>
-                </a:solidFill>
-                <a:latin typeface="+mn-lt"/>
-                <a:ea typeface="+mn-ea"/>
-                <a:cs typeface="+mn-cs"/>
-              </a:rPr>
-              <a:t>RIA</a:t>
-            </a:r>
-            <a:r>
-              <a:rPr lang="es-PY" sz="1200" kern="1200" dirty="0" smtClean="0">
-                <a:solidFill>
-                  <a:schemeClr val="tx1"/>
-                </a:solidFill>
-                <a:latin typeface="+mn-lt"/>
-                <a:ea typeface="+mn-ea"/>
-                <a:cs typeface="+mn-cs"/>
-              </a:rPr>
-              <a:t>, en donde las vistas Agregar Persona y Remover Persona incurrieron en la mayor cantidad de generaciones de código. Debido a que los requerimientos </a:t>
-            </a:r>
-            <a:r>
-              <a:rPr lang="es-PY" sz="1200" i="1" kern="1200" dirty="0" smtClean="0">
-                <a:solidFill>
-                  <a:schemeClr val="tx1"/>
-                </a:solidFill>
-                <a:latin typeface="+mn-lt"/>
-                <a:ea typeface="+mn-ea"/>
-                <a:cs typeface="+mn-cs"/>
-              </a:rPr>
-              <a:t>RIA</a:t>
-            </a:r>
-            <a:r>
-              <a:rPr lang="es-PY" sz="1200" kern="1200" dirty="0" smtClean="0">
-                <a:solidFill>
-                  <a:schemeClr val="tx1"/>
-                </a:solidFill>
-                <a:latin typeface="+mn-lt"/>
-                <a:ea typeface="+mn-ea"/>
-                <a:cs typeface="+mn-cs"/>
-              </a:rPr>
-              <a:t> requieren un mayor nivel de detalle en los modelos para el caso de </a:t>
-            </a:r>
-            <a:r>
-              <a:rPr lang="es-PY" sz="1200" i="1" kern="1200" dirty="0" err="1" smtClean="0">
-                <a:solidFill>
-                  <a:schemeClr val="tx1"/>
-                </a:solidFill>
-                <a:latin typeface="+mn-lt"/>
-                <a:ea typeface="+mn-ea"/>
-                <a:cs typeface="+mn-cs"/>
-              </a:rPr>
-              <a:t>MoWebA</a:t>
-            </a:r>
-            <a:r>
-              <a:rPr lang="es-PY" sz="1200" kern="1200" dirty="0" smtClean="0">
-                <a:solidFill>
-                  <a:schemeClr val="tx1"/>
-                </a:solidFill>
-                <a:latin typeface="+mn-lt"/>
-                <a:ea typeface="+mn-ea"/>
-                <a:cs typeface="+mn-cs"/>
-              </a:rPr>
-              <a:t> con </a:t>
-            </a:r>
-            <a:r>
-              <a:rPr lang="es-PY" sz="1200" i="1" kern="1200" dirty="0" smtClean="0">
-                <a:solidFill>
-                  <a:schemeClr val="tx1"/>
-                </a:solidFill>
-                <a:latin typeface="+mn-lt"/>
-                <a:ea typeface="+mn-ea"/>
-                <a:cs typeface="+mn-cs"/>
-              </a:rPr>
-              <a:t>RIA</a:t>
-            </a:r>
-            <a:r>
-              <a:rPr lang="es-PY" sz="1200" kern="1200" dirty="0" smtClean="0">
-                <a:solidFill>
-                  <a:schemeClr val="tx1"/>
-                </a:solidFill>
-                <a:latin typeface="+mn-lt"/>
-                <a:ea typeface="+mn-ea"/>
-                <a:cs typeface="+mn-cs"/>
-              </a:rPr>
-              <a:t> con respecto a </a:t>
-            </a:r>
-            <a:r>
-              <a:rPr lang="es-PY" sz="1200" i="1" kern="1200" dirty="0" err="1" smtClean="0">
-                <a:solidFill>
-                  <a:schemeClr val="tx1"/>
-                </a:solidFill>
-                <a:latin typeface="+mn-lt"/>
-                <a:ea typeface="+mn-ea"/>
-                <a:cs typeface="+mn-cs"/>
-              </a:rPr>
-              <a:t>MoWebA</a:t>
-            </a:r>
-            <a:r>
-              <a:rPr lang="es-PY" sz="1200" kern="1200" dirty="0" smtClean="0">
-                <a:solidFill>
-                  <a:schemeClr val="tx1"/>
-                </a:solidFill>
-                <a:latin typeface="+mn-lt"/>
-                <a:ea typeface="+mn-ea"/>
-                <a:cs typeface="+mn-cs"/>
-              </a:rPr>
-              <a:t> sin </a:t>
-            </a:r>
-            <a:r>
-              <a:rPr lang="es-PY" sz="1200" i="1" kern="1200" dirty="0" smtClean="0">
-                <a:solidFill>
-                  <a:schemeClr val="tx1"/>
-                </a:solidFill>
-                <a:latin typeface="+mn-lt"/>
-                <a:ea typeface="+mn-ea"/>
-                <a:cs typeface="+mn-cs"/>
-              </a:rPr>
-              <a:t>RIA</a:t>
-            </a:r>
-            <a:r>
-              <a:rPr lang="es-PY" sz="1200" kern="1200" dirty="0" smtClean="0">
-                <a:solidFill>
-                  <a:schemeClr val="tx1"/>
-                </a:solidFill>
-                <a:latin typeface="+mn-lt"/>
-                <a:ea typeface="+mn-ea"/>
-                <a:cs typeface="+mn-cs"/>
-              </a:rPr>
-              <a:t>, existen una mayor posibilidad de cometer errores en los modelos y por ende una mayor cantidad de generaciones de código será necesaria llevar a cabo para ir depurando la aplicación. </a:t>
-            </a:r>
-          </a:p>
-          <a:p>
+            <a:r>
+              <a:rPr lang="es-PY" dirty="0" smtClean="0"/>
+              <a:t>Acortar, sin RIA</a:t>
+            </a:r>
+            <a:r>
+              <a:rPr lang="es-PY" baseline="0" dirty="0" smtClean="0"/>
+              <a:t> no se puede con RIA …..</a:t>
+            </a:r>
             <a:endParaRPr lang="es-PY" dirty="0"/>
           </a:p>
         </p:txBody>
@@ -2519,14 +2298,355 @@
           </a:bodyPr>
           <a:lstStyle/>
           <a:p>
-            <a:r>
-              <a:rPr lang="es-PY" dirty="0" smtClean="0"/>
-              <a:t>Acortar, sin RIA</a:t>
-            </a:r>
-            <a:r>
-              <a:rPr lang="es-PY" baseline="0" dirty="0" smtClean="0"/>
-              <a:t> no se puede con RIA …..</a:t>
-            </a:r>
+            <a:pPr marL="0" marR="0" lvl="0" indent="0" algn="l" defTabSz="914400" rtl="0" eaLnBrk="1" fontAlgn="auto" latinLnBrk="0" hangingPunct="1">
+              <a:lnSpc>
+                <a:spcPct val="100000"/>
+              </a:lnSpc>
+              <a:spcBef>
+                <a:spcPts val="0"/>
+              </a:spcBef>
+              <a:spcAft>
+                <a:spcPts val="0"/>
+              </a:spcAft>
+              <a:buClrTx/>
+              <a:buSzTx/>
+              <a:buFontTx/>
+              <a:buNone/>
+              <a:tabLst/>
+              <a:defRPr/>
+            </a:pPr>
+            <a:r>
+              <a:rPr lang="es-PY" sz="1200" kern="1200" dirty="0" smtClean="0">
+                <a:solidFill>
+                  <a:schemeClr val="tx1"/>
+                </a:solidFill>
+                <a:latin typeface="+mn-lt"/>
+                <a:ea typeface="+mn-ea"/>
+                <a:cs typeface="+mn-cs"/>
+              </a:rPr>
+              <a:t>Analizando primeramente el tamaño total del </a:t>
+            </a:r>
+            <a:r>
+              <a:rPr lang="es-PY" sz="1200" kern="1200" dirty="0" err="1" smtClean="0">
+                <a:solidFill>
+                  <a:schemeClr val="tx1"/>
+                </a:solidFill>
+                <a:latin typeface="+mn-lt"/>
+                <a:ea typeface="+mn-ea"/>
+                <a:cs typeface="+mn-cs"/>
+              </a:rPr>
+              <a:t>Person</a:t>
+            </a:r>
+            <a:r>
+              <a:rPr lang="es-PY" sz="1200" kern="1200" dirty="0" smtClean="0">
+                <a:solidFill>
+                  <a:schemeClr val="tx1"/>
+                </a:solidFill>
+                <a:latin typeface="+mn-lt"/>
+                <a:ea typeface="+mn-ea"/>
+                <a:cs typeface="+mn-cs"/>
+              </a:rPr>
+              <a:t> Manager para ambos enfoques, se puede apreciar que el enfoque sin extensiones </a:t>
+            </a:r>
+            <a:r>
+              <a:rPr lang="es-PY" sz="1200" i="1" kern="1200" dirty="0" smtClean="0">
+                <a:solidFill>
+                  <a:schemeClr val="tx1"/>
+                </a:solidFill>
+                <a:latin typeface="+mn-lt"/>
+                <a:ea typeface="+mn-ea"/>
+                <a:cs typeface="+mn-cs"/>
+              </a:rPr>
+              <a:t>RIA</a:t>
+            </a:r>
+            <a:r>
+              <a:rPr lang="es-PY" sz="1200" kern="1200" dirty="0" smtClean="0">
+                <a:solidFill>
+                  <a:schemeClr val="tx1"/>
+                </a:solidFill>
+                <a:latin typeface="+mn-lt"/>
+                <a:ea typeface="+mn-ea"/>
+                <a:cs typeface="+mn-cs"/>
+              </a:rPr>
+              <a:t> posee 123 líneas de código menos (equivalente a un 32 %) que el enfoque con extensiones </a:t>
+            </a:r>
+            <a:r>
+              <a:rPr lang="es-PY" sz="1200" i="1" kern="1200" dirty="0" smtClean="0">
+                <a:solidFill>
+                  <a:schemeClr val="tx1"/>
+                </a:solidFill>
+                <a:latin typeface="+mn-lt"/>
+                <a:ea typeface="+mn-ea"/>
+                <a:cs typeface="+mn-cs"/>
+              </a:rPr>
+              <a:t>RIA</a:t>
+            </a:r>
+            <a:r>
+              <a:rPr lang="es-PY" sz="1200" kern="1200" dirty="0" smtClean="0">
+                <a:solidFill>
+                  <a:schemeClr val="tx1"/>
+                </a:solidFill>
+                <a:latin typeface="+mn-lt"/>
+                <a:ea typeface="+mn-ea"/>
+                <a:cs typeface="+mn-cs"/>
+              </a:rPr>
+              <a:t>. Esto se debe a que en el enfoque sin </a:t>
+            </a:r>
+            <a:r>
+              <a:rPr lang="es-PY" sz="1200" i="1" kern="1200" dirty="0" smtClean="0">
+                <a:solidFill>
+                  <a:schemeClr val="tx1"/>
+                </a:solidFill>
+                <a:latin typeface="+mn-lt"/>
+                <a:ea typeface="+mn-ea"/>
+                <a:cs typeface="+mn-cs"/>
+              </a:rPr>
+              <a:t>RIA</a:t>
+            </a:r>
+            <a:r>
+              <a:rPr lang="es-PY" sz="1200" kern="1200" dirty="0" smtClean="0">
+                <a:solidFill>
+                  <a:schemeClr val="tx1"/>
+                </a:solidFill>
+                <a:latin typeface="+mn-lt"/>
+                <a:ea typeface="+mn-ea"/>
+                <a:cs typeface="+mn-cs"/>
+              </a:rPr>
+              <a:t> no se genera código </a:t>
+            </a:r>
+            <a:r>
+              <a:rPr lang="es-PY" sz="1200" kern="1200" dirty="0" err="1" smtClean="0">
+                <a:solidFill>
+                  <a:schemeClr val="tx1"/>
+                </a:solidFill>
+                <a:latin typeface="+mn-lt"/>
+                <a:ea typeface="+mn-ea"/>
+                <a:cs typeface="+mn-cs"/>
+              </a:rPr>
+              <a:t>Javascript</a:t>
+            </a:r>
+            <a:r>
+              <a:rPr lang="es-PY" sz="1200" kern="1200" dirty="0" smtClean="0">
+                <a:solidFill>
+                  <a:schemeClr val="tx1"/>
+                </a:solidFill>
+                <a:latin typeface="+mn-lt"/>
+                <a:ea typeface="+mn-ea"/>
+                <a:cs typeface="+mn-cs"/>
+              </a:rPr>
+              <a:t> en la interfaz de usuario ya que su interfaz no posee elementos enriquecidos interactivos. Teniendo en cuenta que el objetivo de este trabajo de fin de carrera está enmarcado en los </a:t>
+            </a:r>
+            <a:r>
+              <a:rPr lang="es-PY" sz="1200" kern="1200" dirty="0" err="1" smtClean="0">
+                <a:solidFill>
+                  <a:schemeClr val="tx1"/>
+                </a:solidFill>
+                <a:latin typeface="+mn-lt"/>
+                <a:ea typeface="+mn-ea"/>
+                <a:cs typeface="+mn-cs"/>
+              </a:rPr>
+              <a:t>front-ends</a:t>
+            </a:r>
+            <a:r>
+              <a:rPr lang="es-PY" sz="1200" kern="1200" dirty="0" smtClean="0">
+                <a:solidFill>
+                  <a:schemeClr val="tx1"/>
+                </a:solidFill>
+                <a:latin typeface="+mn-lt"/>
+                <a:ea typeface="+mn-ea"/>
+                <a:cs typeface="+mn-cs"/>
+              </a:rPr>
+              <a:t> de las interfaces de usuario web, el porcentaje restante de la aplicación, que fue generado de manera manual (53% y 43%) respectivamente, corresponde a código para refinar la aplicación final y código para el acceso a la capa lógica y de dominio de la aplicación. Teniendo en cuenta que el código manual introducido en cada una de las vistas (48% del total de líneas de código en el enfoque </a:t>
+            </a:r>
+            <a:r>
+              <a:rPr lang="es-PY" sz="1200" i="1" kern="1200" dirty="0" err="1" smtClean="0">
+                <a:solidFill>
+                  <a:schemeClr val="tx1"/>
+                </a:solidFill>
+                <a:latin typeface="+mn-lt"/>
+                <a:ea typeface="+mn-ea"/>
+                <a:cs typeface="+mn-cs"/>
+              </a:rPr>
+              <a:t>MoWebA</a:t>
+            </a:r>
+            <a:r>
+              <a:rPr lang="es-PY" sz="1200" kern="1200" dirty="0" smtClean="0">
+                <a:solidFill>
+                  <a:schemeClr val="tx1"/>
+                </a:solidFill>
+                <a:latin typeface="+mn-lt"/>
+                <a:ea typeface="+mn-ea"/>
+                <a:cs typeface="+mn-cs"/>
+              </a:rPr>
+              <a:t> sin </a:t>
+            </a:r>
+            <a:r>
+              <a:rPr lang="es-PY" sz="1200" i="1" kern="1200" dirty="0" smtClean="0">
+                <a:solidFill>
+                  <a:schemeClr val="tx1"/>
+                </a:solidFill>
+                <a:latin typeface="+mn-lt"/>
+                <a:ea typeface="+mn-ea"/>
+                <a:cs typeface="+mn-cs"/>
+              </a:rPr>
+              <a:t>RIA</a:t>
+            </a:r>
+            <a:r>
+              <a:rPr lang="es-PY" sz="1200" kern="1200" dirty="0" smtClean="0">
+                <a:solidFill>
+                  <a:schemeClr val="tx1"/>
+                </a:solidFill>
+                <a:latin typeface="+mn-lt"/>
+                <a:ea typeface="+mn-ea"/>
+                <a:cs typeface="+mn-cs"/>
+              </a:rPr>
+              <a:t> y el 33% del total de líneas de código en el enfoque </a:t>
+            </a:r>
+            <a:r>
+              <a:rPr lang="es-PY" sz="1200" i="1" kern="1200" dirty="0" err="1" smtClean="0">
+                <a:solidFill>
+                  <a:schemeClr val="tx1"/>
+                </a:solidFill>
+                <a:latin typeface="+mn-lt"/>
+                <a:ea typeface="+mn-ea"/>
+                <a:cs typeface="+mn-cs"/>
+              </a:rPr>
+              <a:t>MoWebA</a:t>
+            </a:r>
+            <a:r>
+              <a:rPr lang="es-PY" sz="1200" kern="1200" dirty="0" smtClean="0">
+                <a:solidFill>
+                  <a:schemeClr val="tx1"/>
+                </a:solidFill>
+                <a:latin typeface="+mn-lt"/>
+                <a:ea typeface="+mn-ea"/>
+                <a:cs typeface="+mn-cs"/>
+              </a:rPr>
+              <a:t>  con </a:t>
+            </a:r>
+            <a:r>
+              <a:rPr lang="es-PY" sz="1200" i="1" kern="1200" dirty="0" smtClean="0">
+                <a:solidFill>
+                  <a:schemeClr val="tx1"/>
+                </a:solidFill>
+                <a:latin typeface="+mn-lt"/>
+                <a:ea typeface="+mn-ea"/>
+                <a:cs typeface="+mn-cs"/>
+              </a:rPr>
+              <a:t>RIA</a:t>
+            </a:r>
+            <a:r>
+              <a:rPr lang="es-PY" sz="1200" kern="1200" dirty="0" smtClean="0">
+                <a:solidFill>
+                  <a:schemeClr val="tx1"/>
+                </a:solidFill>
+                <a:latin typeface="+mn-lt"/>
+                <a:ea typeface="+mn-ea"/>
+                <a:cs typeface="+mn-cs"/>
+              </a:rPr>
+              <a:t>) corresponde a la lógica de negocios de cada una y no forma parte de la extensión de este trabajo, se puede concluir que el 52% del código de la interfaz de usuario para el enfoque </a:t>
+            </a:r>
+            <a:r>
+              <a:rPr lang="es-PY" sz="1200" i="1" kern="1200" dirty="0" err="1" smtClean="0">
+                <a:solidFill>
+                  <a:schemeClr val="tx1"/>
+                </a:solidFill>
+                <a:latin typeface="+mn-lt"/>
+                <a:ea typeface="+mn-ea"/>
+                <a:cs typeface="+mn-cs"/>
+              </a:rPr>
+              <a:t>MoWebA</a:t>
+            </a:r>
+            <a:r>
+              <a:rPr lang="es-PY" sz="1200" kern="1200" dirty="0" smtClean="0">
+                <a:solidFill>
+                  <a:schemeClr val="tx1"/>
+                </a:solidFill>
+                <a:latin typeface="+mn-lt"/>
+                <a:ea typeface="+mn-ea"/>
+                <a:cs typeface="+mn-cs"/>
+              </a:rPr>
+              <a:t> sin </a:t>
+            </a:r>
+            <a:r>
+              <a:rPr lang="es-PY" sz="1200" i="1" kern="1200" dirty="0" smtClean="0">
+                <a:solidFill>
+                  <a:schemeClr val="tx1"/>
+                </a:solidFill>
+                <a:latin typeface="+mn-lt"/>
+                <a:ea typeface="+mn-ea"/>
+                <a:cs typeface="+mn-cs"/>
+              </a:rPr>
+              <a:t>RIA</a:t>
+            </a:r>
+            <a:r>
+              <a:rPr lang="es-PY" sz="1200" kern="1200" dirty="0" smtClean="0">
+                <a:solidFill>
+                  <a:schemeClr val="tx1"/>
+                </a:solidFill>
+                <a:latin typeface="+mn-lt"/>
+                <a:ea typeface="+mn-ea"/>
+                <a:cs typeface="+mn-cs"/>
+              </a:rPr>
+              <a:t> se pudo generar de manera automática y el 67% para su contraparte con </a:t>
+            </a:r>
+            <a:r>
+              <a:rPr lang="es-PY" sz="1200" i="1" kern="1200" dirty="0" smtClean="0">
+                <a:solidFill>
+                  <a:schemeClr val="tx1"/>
+                </a:solidFill>
+                <a:latin typeface="+mn-lt"/>
+                <a:ea typeface="+mn-ea"/>
+                <a:cs typeface="+mn-cs"/>
+              </a:rPr>
+              <a:t>RIA</a:t>
+            </a:r>
+            <a:r>
+              <a:rPr lang="es-PY" sz="1200" kern="1200" dirty="0" smtClean="0">
+                <a:solidFill>
+                  <a:schemeClr val="tx1"/>
+                </a:solidFill>
+                <a:latin typeface="+mn-lt"/>
+                <a:ea typeface="+mn-ea"/>
+                <a:cs typeface="+mn-cs"/>
+              </a:rPr>
+              <a:t>. Finalmente se puede concluir de que es posible generar más del 50% por ciento de la aplicación final </a:t>
+            </a:r>
+            <a:r>
+              <a:rPr lang="es-PY" sz="1200" i="1" kern="1200" dirty="0" err="1" smtClean="0">
+                <a:solidFill>
+                  <a:schemeClr val="tx1"/>
+                </a:solidFill>
+                <a:latin typeface="+mn-lt"/>
+                <a:ea typeface="+mn-ea"/>
+                <a:cs typeface="+mn-cs"/>
+              </a:rPr>
+              <a:t>Person</a:t>
+            </a:r>
+            <a:r>
+              <a:rPr lang="es-PY" sz="1200" i="1" kern="1200" dirty="0" smtClean="0">
+                <a:solidFill>
+                  <a:schemeClr val="tx1"/>
+                </a:solidFill>
+                <a:latin typeface="+mn-lt"/>
+                <a:ea typeface="+mn-ea"/>
+                <a:cs typeface="+mn-cs"/>
+              </a:rPr>
+              <a:t> Manager</a:t>
+            </a:r>
+            <a:r>
+              <a:rPr lang="es-PY" sz="1200" kern="1200" dirty="0" smtClean="0">
+                <a:solidFill>
+                  <a:schemeClr val="tx1"/>
+                </a:solidFill>
+                <a:latin typeface="+mn-lt"/>
+                <a:ea typeface="+mn-ea"/>
+                <a:cs typeface="+mn-cs"/>
+              </a:rPr>
+              <a:t> de manera automática para ambos enfoques. </a:t>
+            </a:r>
+          </a:p>
+          <a:p>
             <a:endParaRPr lang="es-PY" dirty="0"/>
           </a:p>
         </p:txBody>
@@ -2605,11 +2725,160 @@
         <p:spPr/>
         <p:txBody>
           <a:bodyPr>
-            <a:normAutofit/>
+            <a:normAutofit lnSpcReduction="10000"/>
           </a:bodyPr>
           <a:lstStyle/>
           <a:p>
-            <a:pPr marL="0" marR="0" lvl="0" indent="0" algn="l" defTabSz="914400" rtl="0" eaLnBrk="1" fontAlgn="auto" latinLnBrk="0" hangingPunct="1">
+            <a:pPr lvl="1"/>
+            <a:r>
+              <a:rPr lang="es-PY" sz="1400" dirty="0" smtClean="0"/>
+              <a:t>3-</a:t>
+            </a:r>
+            <a:r>
+              <a:rPr lang="es-PY" sz="1400" baseline="0" dirty="0" smtClean="0"/>
+              <a:t> </a:t>
+            </a:r>
+            <a:r>
+              <a:rPr lang="es-PY" sz="1400" dirty="0" smtClean="0"/>
+              <a:t>En base a un análisis efectuado a portales Web  de uso extendido como </a:t>
+            </a:r>
+            <a:r>
+              <a:rPr lang="es-PY" sz="1400" i="1" dirty="0" err="1" smtClean="0"/>
+              <a:t>Facebook</a:t>
+            </a:r>
+            <a:r>
+              <a:rPr lang="es-PY" sz="1400" dirty="0" smtClean="0"/>
+              <a:t>, </a:t>
+            </a:r>
+            <a:r>
+              <a:rPr lang="es-PY" sz="1400" i="1" dirty="0" err="1" smtClean="0"/>
+              <a:t>Youtube</a:t>
+            </a:r>
+            <a:r>
+              <a:rPr lang="es-PY" sz="1400" dirty="0" smtClean="0"/>
+              <a:t>, </a:t>
+            </a:r>
+            <a:r>
+              <a:rPr lang="es-PY" sz="1400" i="1" dirty="0" err="1" smtClean="0"/>
+              <a:t>Gmail</a:t>
+            </a:r>
+            <a:r>
+              <a:rPr lang="es-PY" sz="1400" dirty="0" smtClean="0"/>
+              <a:t> y </a:t>
+            </a:r>
+            <a:r>
+              <a:rPr lang="es-PY" sz="1400" i="1" dirty="0" smtClean="0"/>
+              <a:t>Amazon</a:t>
+            </a:r>
+            <a:endParaRPr lang="es-PY" sz="1400" dirty="0" smtClean="0"/>
+          </a:p>
+          <a:p>
+            <a:pPr lvl="1"/>
+            <a:r>
+              <a:rPr lang="es-PY" sz="1400" dirty="0" smtClean="0"/>
+              <a:t>4.1 Una reestructuración y clasificación de los elementos de interfaz con los que cuenta la aproximación </a:t>
+            </a:r>
+            <a:r>
+              <a:rPr lang="es-PY" sz="1400" i="1" dirty="0" err="1" smtClean="0"/>
+              <a:t>MoWebA</a:t>
+            </a:r>
+            <a:r>
+              <a:rPr lang="es-PY" sz="1400" dirty="0" smtClean="0"/>
+              <a:t>, separando a los distintos componentes de interfaz en elementos de entrada, salida y control.</a:t>
+            </a:r>
+          </a:p>
+          <a:p>
+            <a:pPr lvl="1"/>
+            <a:r>
+              <a:rPr lang="es-PY" sz="1400" dirty="0" smtClean="0"/>
+              <a:t>El agregado del patrón </a:t>
+            </a:r>
+            <a:r>
+              <a:rPr lang="es-PY" sz="1400" i="1" dirty="0" err="1" smtClean="0"/>
+              <a:t>composite</a:t>
+            </a:r>
+            <a:r>
+              <a:rPr lang="es-PY" sz="1400" dirty="0" smtClean="0"/>
+              <a:t>, para definir una jerarquía entre los distintos elementos de interfaz simples y compuestos. </a:t>
+            </a:r>
+          </a:p>
+          <a:p>
+            <a:pPr lvl="1"/>
+            <a:r>
+              <a:rPr lang="es-PY" sz="1400" i="1" dirty="0" err="1" smtClean="0"/>
+              <a:t>Widgets</a:t>
+            </a:r>
+            <a:r>
+              <a:rPr lang="es-PY" sz="1400" i="1" dirty="0" smtClean="0"/>
+              <a:t> interactivos </a:t>
+            </a:r>
+            <a:r>
+              <a:rPr lang="es-PY" sz="1400" dirty="0" smtClean="0"/>
+              <a:t>comunes en las aplicaciones </a:t>
+            </a:r>
+            <a:r>
+              <a:rPr lang="es-PY" sz="1400" i="1" dirty="0" smtClean="0"/>
+              <a:t>RIA</a:t>
+            </a:r>
+            <a:r>
+              <a:rPr lang="es-PY" sz="1400" dirty="0" smtClean="0"/>
+              <a:t>, precisamente </a:t>
+            </a:r>
+            <a:r>
+              <a:rPr lang="es-PY" sz="1400" i="1" dirty="0" err="1" smtClean="0"/>
+              <a:t>richAccordion</a:t>
+            </a:r>
+            <a:r>
+              <a:rPr lang="es-PY" sz="1400" dirty="0" smtClean="0"/>
+              <a:t>, </a:t>
+            </a:r>
+            <a:r>
+              <a:rPr lang="es-PY" sz="1400" i="1" dirty="0" err="1" smtClean="0"/>
+              <a:t>richTabs</a:t>
+            </a:r>
+            <a:r>
+              <a:rPr lang="es-PY" sz="1400" dirty="0" smtClean="0"/>
+              <a:t>, </a:t>
+            </a:r>
+            <a:r>
+              <a:rPr lang="es-PY" sz="1400" i="1" dirty="0" err="1" smtClean="0"/>
+              <a:t>richAutoSuggest</a:t>
+            </a:r>
+            <a:r>
+              <a:rPr lang="es-PY" sz="1400" dirty="0" smtClean="0"/>
+              <a:t>, </a:t>
+            </a:r>
+            <a:r>
+              <a:rPr lang="es-PY" sz="1400" i="1" dirty="0" err="1" smtClean="0"/>
+              <a:t>richDatePicker</a:t>
+            </a:r>
+            <a:r>
+              <a:rPr lang="es-PY" sz="1400" dirty="0" smtClean="0"/>
+              <a:t> y </a:t>
+            </a:r>
+            <a:r>
+              <a:rPr lang="es-PY" sz="1400" i="1" dirty="0" err="1" smtClean="0"/>
+              <a:t>richToolTip</a:t>
+            </a:r>
+            <a:r>
+              <a:rPr lang="es-PY" sz="1400" dirty="0" smtClean="0"/>
+              <a:t> y la  validación de diversos campos de entrada (</a:t>
+            </a:r>
+            <a:r>
+              <a:rPr lang="es-PY" sz="1400" i="1" dirty="0" smtClean="0"/>
+              <a:t>Live </a:t>
+            </a:r>
+            <a:r>
+              <a:rPr lang="es-PY" sz="1400" i="1" dirty="0" err="1" smtClean="0"/>
+              <a:t>Validation</a:t>
+            </a:r>
+            <a:r>
+              <a:rPr lang="es-PY" sz="1400" dirty="0" smtClean="0"/>
+              <a:t>).</a:t>
+            </a:r>
+          </a:p>
+          <a:p>
+            <a:pPr marL="457200" marR="0" lvl="1" indent="0" algn="l" defTabSz="914400" rtl="0" eaLnBrk="1" fontAlgn="auto" latinLnBrk="0" hangingPunct="1">
               <a:lnSpc>
                 <a:spcPct val="100000"/>
               </a:lnSpc>
@@ -2627,335 +2896,740 @@
               <a:defRPr/>
             </a:pPr>
             <a:r>
-              <a:rPr lang="es-PY" sz="1200" kern="1200" dirty="0" smtClean="0">
-                <a:solidFill>
-                  <a:schemeClr val="tx1"/>
-                </a:solidFill>
-                <a:latin typeface="+mn-lt"/>
-                <a:ea typeface="+mn-ea"/>
-                <a:cs typeface="+mn-cs"/>
-              </a:rPr>
-              <a:t>Analizando primeramente el tamaño total del </a:t>
-            </a:r>
-            <a:r>
-              <a:rPr lang="es-PY" sz="1200" kern="1200" dirty="0" err="1" smtClean="0">
-                <a:solidFill>
-                  <a:schemeClr val="tx1"/>
-                </a:solidFill>
-                <a:latin typeface="+mn-lt"/>
-                <a:ea typeface="+mn-ea"/>
-                <a:cs typeface="+mn-cs"/>
-              </a:rPr>
-              <a:t>Person</a:t>
-            </a:r>
-            <a:r>
-              <a:rPr lang="es-PY" sz="1200" kern="1200" dirty="0" smtClean="0">
-                <a:solidFill>
-                  <a:schemeClr val="tx1"/>
-                </a:solidFill>
-                <a:latin typeface="+mn-lt"/>
-                <a:ea typeface="+mn-ea"/>
-                <a:cs typeface="+mn-cs"/>
-              </a:rPr>
-              <a:t> Manager para ambos enfoques, se puede apreciar que el enfoque sin extensiones </a:t>
-            </a:r>
-            <a:r>
-              <a:rPr lang="es-PY" sz="1200" i="1" kern="1200" dirty="0" smtClean="0">
-                <a:solidFill>
-                  <a:schemeClr val="tx1"/>
-                </a:solidFill>
-                <a:latin typeface="+mn-lt"/>
-                <a:ea typeface="+mn-ea"/>
-                <a:cs typeface="+mn-cs"/>
-              </a:rPr>
-              <a:t>RIA</a:t>
-            </a:r>
-            <a:r>
-              <a:rPr lang="es-PY" sz="1200" kern="1200" dirty="0" smtClean="0">
-                <a:solidFill>
-                  <a:schemeClr val="tx1"/>
-                </a:solidFill>
-                <a:latin typeface="+mn-lt"/>
-                <a:ea typeface="+mn-ea"/>
-                <a:cs typeface="+mn-cs"/>
-              </a:rPr>
-              <a:t> posee 123 líneas de código menos (equivalente a un 32 %) que el enfoque con extensiones </a:t>
-            </a:r>
-            <a:r>
-              <a:rPr lang="es-PY" sz="1200" i="1" kern="1200" dirty="0" smtClean="0">
-                <a:solidFill>
-                  <a:schemeClr val="tx1"/>
-                </a:solidFill>
-                <a:latin typeface="+mn-lt"/>
-                <a:ea typeface="+mn-ea"/>
-                <a:cs typeface="+mn-cs"/>
-              </a:rPr>
-              <a:t>RIA</a:t>
-            </a:r>
-            <a:r>
-              <a:rPr lang="es-PY" sz="1200" kern="1200" dirty="0" smtClean="0">
-                <a:solidFill>
-                  <a:schemeClr val="tx1"/>
-                </a:solidFill>
-                <a:latin typeface="+mn-lt"/>
-                <a:ea typeface="+mn-ea"/>
-                <a:cs typeface="+mn-cs"/>
-              </a:rPr>
-              <a:t>. Esto se debe a que en el enfoque sin </a:t>
-            </a:r>
-            <a:r>
-              <a:rPr lang="es-PY" sz="1200" i="1" kern="1200" dirty="0" smtClean="0">
-                <a:solidFill>
-                  <a:schemeClr val="tx1"/>
-                </a:solidFill>
-                <a:latin typeface="+mn-lt"/>
-                <a:ea typeface="+mn-ea"/>
-                <a:cs typeface="+mn-cs"/>
-              </a:rPr>
-              <a:t>RIA</a:t>
-            </a:r>
-            <a:r>
-              <a:rPr lang="es-PY" sz="1200" kern="1200" dirty="0" smtClean="0">
-                <a:solidFill>
-                  <a:schemeClr val="tx1"/>
-                </a:solidFill>
-                <a:latin typeface="+mn-lt"/>
-                <a:ea typeface="+mn-ea"/>
-                <a:cs typeface="+mn-cs"/>
-              </a:rPr>
-              <a:t> no se genera código </a:t>
-            </a:r>
-            <a:r>
-              <a:rPr lang="es-PY" sz="1200" kern="1200" dirty="0" err="1" smtClean="0">
-                <a:solidFill>
-                  <a:schemeClr val="tx1"/>
-                </a:solidFill>
-                <a:latin typeface="+mn-lt"/>
-                <a:ea typeface="+mn-ea"/>
-                <a:cs typeface="+mn-cs"/>
-              </a:rPr>
-              <a:t>Javascript</a:t>
-            </a:r>
-            <a:r>
-              <a:rPr lang="es-PY" sz="1200" kern="1200" dirty="0" smtClean="0">
-                <a:solidFill>
-                  <a:schemeClr val="tx1"/>
-                </a:solidFill>
-                <a:latin typeface="+mn-lt"/>
-                <a:ea typeface="+mn-ea"/>
-                <a:cs typeface="+mn-cs"/>
-              </a:rPr>
-              <a:t> en la interfaz de usuario ya que su interfaz no posee elementos enriquecidos interactivos. Teniendo en cuenta que el objetivo de este trabajo de fin de carrera está enmarcado en los </a:t>
-            </a:r>
-            <a:r>
-              <a:rPr lang="es-PY" sz="1200" kern="1200" dirty="0" err="1" smtClean="0">
-                <a:solidFill>
-                  <a:schemeClr val="tx1"/>
-                </a:solidFill>
-                <a:latin typeface="+mn-lt"/>
-                <a:ea typeface="+mn-ea"/>
-                <a:cs typeface="+mn-cs"/>
-              </a:rPr>
-              <a:t>front-ends</a:t>
-            </a:r>
-            <a:r>
-              <a:rPr lang="es-PY" sz="1200" kern="1200" dirty="0" smtClean="0">
-                <a:solidFill>
-                  <a:schemeClr val="tx1"/>
-                </a:solidFill>
-                <a:latin typeface="+mn-lt"/>
-                <a:ea typeface="+mn-ea"/>
-                <a:cs typeface="+mn-cs"/>
-              </a:rPr>
-              <a:t> de las interfaces de usuario web, el porcentaje restante de la aplicación, que fue generado de manera manual (53% y 43%) respectivamente, corresponde a código para refinar la aplicación final y código para el acceso a la capa lógica y de dominio de la aplicación. Teniendo en cuenta que el código manual introducido en cada una de las vistas (48% del total de líneas de código en el enfoque </a:t>
-            </a:r>
-            <a:r>
-              <a:rPr lang="es-PY" sz="1200" i="1" kern="1200" dirty="0" err="1" smtClean="0">
-                <a:solidFill>
-                  <a:schemeClr val="tx1"/>
-                </a:solidFill>
-                <a:latin typeface="+mn-lt"/>
-                <a:ea typeface="+mn-ea"/>
-                <a:cs typeface="+mn-cs"/>
-              </a:rPr>
+              <a:rPr lang="es-PY" sz="1400" dirty="0" smtClean="0"/>
+              <a:t>4.2 para permitir la definición de las posiciones de los elementos en pixeles o en porcentajes.</a:t>
+            </a:r>
+          </a:p>
+          <a:p>
+            <a:pPr marL="457200" marR="0" lvl="1" indent="0" algn="l" defTabSz="914400" rtl="0" eaLnBrk="1" fontAlgn="auto" latinLnBrk="0" hangingPunct="1">
+              <a:lnSpc>
+                <a:spcPct val="100000"/>
+              </a:lnSpc>
+              <a:spcBef>
+                <a:spcPts val="0"/>
+              </a:spcBef>
+              <a:spcAft>
+                <a:spcPts val="0"/>
+              </a:spcAft>
+              <a:buClrTx/>
+              <a:buSzTx/>
+              <a:buFontTx/>
+              <a:buNone/>
+              <a:tabLst/>
+              <a:defRPr/>
+            </a:pPr>
+            <a:r>
+              <a:rPr lang="es-PY" sz="1400" dirty="0" smtClean="0"/>
+              <a:t>5-Para la definición de la sintaxis concreta de la presentación, se agregaron los nuevos </a:t>
+            </a:r>
+            <a:r>
+              <a:rPr lang="es-PY" sz="1400" dirty="0" err="1" smtClean="0"/>
+              <a:t>widgets</a:t>
+            </a:r>
+            <a:r>
+              <a:rPr lang="es-PY" sz="1400" dirty="0" smtClean="0"/>
+              <a:t> y la validación de campos al perfil de Contenido, como así también la nueva definición de coordenadas al perfil de </a:t>
+            </a:r>
+            <a:r>
+              <a:rPr lang="es-PY" sz="1400" dirty="0" err="1" smtClean="0"/>
+              <a:t>Layout</a:t>
+            </a:r>
+            <a:r>
+              <a:rPr lang="es-PY" sz="1400" dirty="0" smtClean="0"/>
+              <a:t> de </a:t>
+            </a:r>
+            <a:r>
+              <a:rPr lang="es-PY" sz="1400" dirty="0" err="1" smtClean="0"/>
               <a:t>MoWebA</a:t>
             </a:r>
             <a:r>
-              <a:rPr lang="es-PY" sz="1200" kern="1200" dirty="0" smtClean="0">
-                <a:solidFill>
-                  <a:schemeClr val="tx1"/>
-                </a:solidFill>
-                <a:latin typeface="+mn-lt"/>
-                <a:ea typeface="+mn-ea"/>
-                <a:cs typeface="+mn-cs"/>
-              </a:rPr>
-              <a:t> sin </a:t>
-            </a:r>
-            <a:r>
-              <a:rPr lang="es-PY" sz="1200" i="1" kern="1200" dirty="0" smtClean="0">
-                <a:solidFill>
-                  <a:schemeClr val="tx1"/>
-                </a:solidFill>
-                <a:latin typeface="+mn-lt"/>
-                <a:ea typeface="+mn-ea"/>
-                <a:cs typeface="+mn-cs"/>
-              </a:rPr>
-              <a:t>RIA</a:t>
-            </a:r>
-            <a:r>
-              <a:rPr lang="es-PY" sz="1200" kern="1200" dirty="0" smtClean="0">
-                <a:solidFill>
-                  <a:schemeClr val="tx1"/>
-                </a:solidFill>
-                <a:latin typeface="+mn-lt"/>
-                <a:ea typeface="+mn-ea"/>
-                <a:cs typeface="+mn-cs"/>
-              </a:rPr>
-              <a:t> y el 33% del total de líneas de código en el enfoque </a:t>
-            </a:r>
-            <a:r>
-              <a:rPr lang="es-PY" sz="1200" i="1" kern="1200" dirty="0" err="1" smtClean="0">
-                <a:solidFill>
-                  <a:schemeClr val="tx1"/>
-                </a:solidFill>
-                <a:latin typeface="+mn-lt"/>
-                <a:ea typeface="+mn-ea"/>
-                <a:cs typeface="+mn-cs"/>
-              </a:rPr>
+              <a:rPr lang="es-PY" sz="1400" dirty="0" smtClean="0"/>
+              <a:t>.</a:t>
+            </a:r>
+          </a:p>
+          <a:p>
+            <a:pPr marL="457200" marR="0" lvl="1" indent="0" algn="l" defTabSz="914400" rtl="0" eaLnBrk="1" fontAlgn="auto" latinLnBrk="0" hangingPunct="1">
+              <a:lnSpc>
+                <a:spcPct val="100000"/>
+              </a:lnSpc>
+              <a:spcBef>
+                <a:spcPts val="0"/>
+              </a:spcBef>
+              <a:spcAft>
+                <a:spcPts val="0"/>
+              </a:spcAft>
+              <a:buClrTx/>
+              <a:buSzTx/>
+              <a:buFontTx/>
+              <a:buNone/>
+              <a:tabLst/>
+              <a:defRPr/>
+            </a:pPr>
+            <a:r>
+              <a:rPr lang="es-PY" sz="1400" dirty="0" smtClean="0"/>
+              <a:t>6-Un análisis de las principales herramientas de transformación de modelo a texto (M2T) basado en plantillas.</a:t>
+            </a:r>
+          </a:p>
+          <a:p>
+            <a:pPr lvl="1"/>
+            <a:r>
+              <a:rPr lang="es-PY" sz="1400" dirty="0" smtClean="0"/>
+              <a:t>7-</a:t>
+            </a:r>
+            <a:r>
+              <a:rPr lang="es-PY" dirty="0" smtClean="0"/>
+              <a:t>La plantilla de presentación, la cual permite generar código para cada uno de los elementos definidos en el perfil de contenido de </a:t>
+            </a:r>
+            <a:r>
+              <a:rPr lang="es-PY" dirty="0" err="1" smtClean="0"/>
               <a:t>MoWebA</a:t>
             </a:r>
             <a:r>
-              <a:rPr lang="es-PY" sz="1200" kern="1200" dirty="0" smtClean="0">
-                <a:solidFill>
-                  <a:schemeClr val="tx1"/>
-                </a:solidFill>
-                <a:latin typeface="+mn-lt"/>
-                <a:ea typeface="+mn-ea"/>
-                <a:cs typeface="+mn-cs"/>
-              </a:rPr>
-              <a:t>  con </a:t>
-            </a:r>
-            <a:r>
-              <a:rPr lang="es-PY" sz="1200" i="1" kern="1200" dirty="0" smtClean="0">
-                <a:solidFill>
-                  <a:schemeClr val="tx1"/>
-                </a:solidFill>
-                <a:latin typeface="+mn-lt"/>
-                <a:ea typeface="+mn-ea"/>
-                <a:cs typeface="+mn-cs"/>
-              </a:rPr>
-              <a:t>RIA</a:t>
-            </a:r>
-            <a:r>
-              <a:rPr lang="es-PY" sz="1200" kern="1200" dirty="0" smtClean="0">
-                <a:solidFill>
-                  <a:schemeClr val="tx1"/>
-                </a:solidFill>
-                <a:latin typeface="+mn-lt"/>
-                <a:ea typeface="+mn-ea"/>
-                <a:cs typeface="+mn-cs"/>
-              </a:rPr>
-              <a:t>) corresponde a la lógica de negocios de cada una y no forma parte de la extensión de este trabajo, se puede concluir que el 52% del código de la interfaz de usuario para el enfoque </a:t>
-            </a:r>
-            <a:r>
-              <a:rPr lang="es-PY" sz="1200" i="1" kern="1200" dirty="0" err="1" smtClean="0">
-                <a:solidFill>
-                  <a:schemeClr val="tx1"/>
-                </a:solidFill>
-                <a:latin typeface="+mn-lt"/>
-                <a:ea typeface="+mn-ea"/>
-                <a:cs typeface="+mn-cs"/>
-              </a:rPr>
+              <a:rPr lang="es-PY" dirty="0" smtClean="0"/>
+              <a:t> a partir de los PIM de entrada. Para los </a:t>
+            </a:r>
+            <a:r>
+              <a:rPr lang="es-PY" dirty="0" err="1" smtClean="0"/>
+              <a:t>widgets</a:t>
+            </a:r>
+            <a:r>
+              <a:rPr lang="es-PY" dirty="0" smtClean="0"/>
+              <a:t> se genera código para la plataforma destino </a:t>
+            </a:r>
+            <a:r>
+              <a:rPr lang="es-PY" dirty="0" err="1" smtClean="0"/>
+              <a:t>jQueryUI</a:t>
+            </a:r>
+            <a:r>
+              <a:rPr lang="es-PY" dirty="0" smtClean="0"/>
+              <a:t> y </a:t>
+            </a:r>
+            <a:r>
+              <a:rPr lang="es-PY" dirty="0" err="1" smtClean="0"/>
+              <a:t>jQuery</a:t>
+            </a:r>
+            <a:r>
+              <a:rPr lang="es-PY" dirty="0" smtClean="0"/>
+              <a:t> </a:t>
+            </a:r>
+            <a:r>
+              <a:rPr lang="es-PY" dirty="0" err="1" smtClean="0"/>
+              <a:t>validation</a:t>
+            </a:r>
+            <a:r>
+              <a:rPr lang="es-PY" dirty="0" smtClean="0"/>
+              <a:t> </a:t>
+            </a:r>
+            <a:r>
+              <a:rPr lang="es-PY" dirty="0" err="1" smtClean="0"/>
+              <a:t>plug</a:t>
+            </a:r>
+            <a:r>
+              <a:rPr lang="es-PY" dirty="0" smtClean="0"/>
+              <a:t>-in. </a:t>
+            </a:r>
+          </a:p>
+          <a:p>
+            <a:pPr lvl="1"/>
+            <a:r>
+              <a:rPr lang="es-PY" dirty="0" smtClean="0"/>
+              <a:t>La plantilla de estructura, la cual genera código CSS con las posiciones establecidas en el PIM de entrada.</a:t>
+            </a:r>
+          </a:p>
+          <a:p>
+            <a:pPr lvl="1"/>
+            <a:endParaRPr lang="es-PY" dirty="0" smtClean="0"/>
+          </a:p>
+          <a:p>
+            <a:pPr>
+              <a:buNone/>
+            </a:pPr>
+            <a:r>
+              <a:rPr lang="es-PY" dirty="0" smtClean="0"/>
+              <a:t>¿Qué tan independiente de la plataforma destino son los PIM presentados a partir de las extensiones llevadas a cabo al </a:t>
+            </a:r>
+            <a:r>
+              <a:rPr lang="es-PY" dirty="0" err="1" smtClean="0"/>
+              <a:t>metamodelo</a:t>
+            </a:r>
+            <a:r>
+              <a:rPr lang="es-PY" dirty="0" smtClean="0"/>
+              <a:t> de Contenido de </a:t>
+            </a:r>
+            <a:r>
+              <a:rPr lang="es-PY" dirty="0" err="1" smtClean="0"/>
               <a:t>MoWebA</a:t>
             </a:r>
             <a:r>
-              <a:rPr lang="es-PY" sz="1200" kern="1200" dirty="0" smtClean="0">
-                <a:solidFill>
-                  <a:schemeClr val="tx1"/>
-                </a:solidFill>
-                <a:latin typeface="+mn-lt"/>
-                <a:ea typeface="+mn-ea"/>
-                <a:cs typeface="+mn-cs"/>
-              </a:rPr>
-              <a:t> sin </a:t>
-            </a:r>
-            <a:r>
-              <a:rPr lang="es-PY" sz="1200" i="1" kern="1200" dirty="0" smtClean="0">
-                <a:solidFill>
-                  <a:schemeClr val="tx1"/>
-                </a:solidFill>
-                <a:latin typeface="+mn-lt"/>
-                <a:ea typeface="+mn-ea"/>
-                <a:cs typeface="+mn-cs"/>
-              </a:rPr>
-              <a:t>RIA</a:t>
-            </a:r>
-            <a:r>
-              <a:rPr lang="es-PY" sz="1200" kern="1200" dirty="0" smtClean="0">
-                <a:solidFill>
-                  <a:schemeClr val="tx1"/>
-                </a:solidFill>
-                <a:latin typeface="+mn-lt"/>
-                <a:ea typeface="+mn-ea"/>
-                <a:cs typeface="+mn-cs"/>
-              </a:rPr>
-              <a:t> se pudo generar de manera automática y el 67% para su contraparte con </a:t>
-            </a:r>
-            <a:r>
-              <a:rPr lang="es-PY" sz="1200" i="1" kern="1200" dirty="0" smtClean="0">
-                <a:solidFill>
-                  <a:schemeClr val="tx1"/>
-                </a:solidFill>
-                <a:latin typeface="+mn-lt"/>
-                <a:ea typeface="+mn-ea"/>
-                <a:cs typeface="+mn-cs"/>
-              </a:rPr>
-              <a:t>RIA</a:t>
-            </a:r>
-            <a:r>
-              <a:rPr lang="es-PY" sz="1200" kern="1200" dirty="0" smtClean="0">
-                <a:solidFill>
-                  <a:schemeClr val="tx1"/>
-                </a:solidFill>
-                <a:latin typeface="+mn-lt"/>
-                <a:ea typeface="+mn-ea"/>
-                <a:cs typeface="+mn-cs"/>
-              </a:rPr>
-              <a:t>. Finalmente se puede concluir de que es posible generar más del 50% por ciento de la aplicación final </a:t>
-            </a:r>
-            <a:r>
-              <a:rPr lang="es-PY" sz="1200" i="1" kern="1200" dirty="0" err="1" smtClean="0">
-                <a:solidFill>
-                  <a:schemeClr val="tx1"/>
-                </a:solidFill>
-                <a:latin typeface="+mn-lt"/>
-                <a:ea typeface="+mn-ea"/>
-                <a:cs typeface="+mn-cs"/>
-              </a:rPr>
-              <a:t>Person</a:t>
-            </a:r>
-            <a:r>
-              <a:rPr lang="es-PY" sz="1200" i="1" kern="1200" dirty="0" smtClean="0">
-                <a:solidFill>
-                  <a:schemeClr val="tx1"/>
-                </a:solidFill>
-                <a:latin typeface="+mn-lt"/>
-                <a:ea typeface="+mn-ea"/>
-                <a:cs typeface="+mn-cs"/>
-              </a:rPr>
-              <a:t> Manager</a:t>
-            </a:r>
-            <a:r>
-              <a:rPr lang="es-PY" sz="1200" kern="1200" dirty="0" smtClean="0">
-                <a:solidFill>
-                  <a:schemeClr val="tx1"/>
-                </a:solidFill>
-                <a:latin typeface="+mn-lt"/>
-                <a:ea typeface="+mn-ea"/>
-                <a:cs typeface="+mn-cs"/>
-              </a:rPr>
-              <a:t> de manera automática para ambos enfoques. </a:t>
-            </a:r>
+              <a:rPr lang="es-PY" dirty="0" smtClean="0"/>
+              <a:t>?</a:t>
+            </a:r>
+          </a:p>
+          <a:p>
+            <a:pPr lvl="0"/>
+            <a:r>
+              <a:rPr lang="es-PY" dirty="0" smtClean="0"/>
+              <a:t>El </a:t>
+            </a:r>
+            <a:r>
+              <a:rPr lang="es-PY" i="1" dirty="0" err="1" smtClean="0"/>
+              <a:t>richAutoSuggest</a:t>
+            </a:r>
+            <a:r>
+              <a:rPr lang="es-PY" dirty="0" smtClean="0"/>
+              <a:t> puede desplegarse en plataformas destino como: </a:t>
+            </a:r>
+            <a:r>
+              <a:rPr lang="es-PY" i="1" dirty="0" err="1" smtClean="0"/>
+              <a:t>Flex</a:t>
+            </a:r>
+            <a:r>
+              <a:rPr lang="es-PY" i="1" dirty="0" smtClean="0"/>
+              <a:t>, </a:t>
+            </a:r>
+            <a:r>
+              <a:rPr lang="es-PY" i="1" dirty="0" err="1" smtClean="0"/>
+              <a:t>Laszlo</a:t>
+            </a:r>
+            <a:r>
+              <a:rPr lang="es-PY" i="1" dirty="0" smtClean="0"/>
+              <a:t>, </a:t>
+            </a:r>
+            <a:r>
+              <a:rPr lang="es-PY" i="1" dirty="0" err="1" smtClean="0"/>
+              <a:t>ExtJs</a:t>
+            </a:r>
+            <a:r>
+              <a:rPr lang="es-PY" i="1" dirty="0" smtClean="0"/>
+              <a:t>, </a:t>
+            </a:r>
+            <a:r>
+              <a:rPr lang="es-PY" i="1" dirty="0" err="1" smtClean="0"/>
+              <a:t>Dojo</a:t>
+            </a:r>
+            <a:r>
+              <a:rPr lang="es-PY" i="1" dirty="0" smtClean="0"/>
+              <a:t>, YUI, Google Web </a:t>
+            </a:r>
+            <a:r>
+              <a:rPr lang="es-PY" i="1" dirty="0" err="1" smtClean="0"/>
+              <a:t>Toolkit</a:t>
+            </a:r>
+            <a:r>
+              <a:rPr lang="es-PY" i="1" dirty="0" smtClean="0"/>
+              <a:t>, </a:t>
+            </a:r>
+            <a:r>
+              <a:rPr lang="es-PY" i="1" dirty="0" err="1" smtClean="0"/>
+              <a:t>Prototype</a:t>
+            </a:r>
+            <a:r>
+              <a:rPr lang="es-PY" i="1" dirty="0" smtClean="0"/>
+              <a:t>/script.aculo.us, </a:t>
+            </a:r>
+            <a:r>
+              <a:rPr lang="es-PY" i="1" dirty="0" err="1" smtClean="0"/>
+              <a:t>JQuery</a:t>
+            </a:r>
+            <a:r>
+              <a:rPr lang="es-PY" i="1" dirty="0" smtClean="0"/>
+              <a:t>, </a:t>
+            </a:r>
+            <a:r>
+              <a:rPr lang="es-PY" i="1" dirty="0" err="1" smtClean="0"/>
+              <a:t>MooTools</a:t>
+            </a:r>
+            <a:r>
+              <a:rPr lang="es-PY" i="1" dirty="0" smtClean="0"/>
+              <a:t>, </a:t>
+            </a:r>
+            <a:r>
+              <a:rPr lang="es-PY" i="1" dirty="0" err="1" smtClean="0"/>
+              <a:t>MochaUI</a:t>
+            </a:r>
+            <a:r>
+              <a:rPr lang="es-PY" i="1" dirty="0" smtClean="0"/>
+              <a:t>, IT </a:t>
+            </a:r>
+            <a:r>
+              <a:rPr lang="es-PY" i="1" dirty="0" err="1" smtClean="0"/>
+              <a:t>Mill</a:t>
+            </a:r>
+            <a:r>
+              <a:rPr lang="es-PY" i="1" dirty="0" smtClean="0"/>
+              <a:t>, </a:t>
+            </a:r>
+            <a:r>
+              <a:rPr lang="es-PY" i="1" dirty="0" err="1" smtClean="0"/>
+              <a:t>Backbase</a:t>
+            </a:r>
+            <a:r>
+              <a:rPr lang="es-PY" i="1" dirty="0" smtClean="0"/>
+              <a:t> </a:t>
+            </a:r>
+            <a:r>
+              <a:rPr lang="es-PY" dirty="0" smtClean="0"/>
+              <a:t>y</a:t>
+            </a:r>
+            <a:r>
+              <a:rPr lang="es-PY" i="1" dirty="0" smtClean="0"/>
+              <a:t>  </a:t>
+            </a:r>
+            <a:r>
+              <a:rPr lang="es-PY" i="1" dirty="0" err="1" smtClean="0"/>
+              <a:t>Silverlight</a:t>
+            </a:r>
+            <a:r>
+              <a:rPr lang="es-PY" dirty="0" smtClean="0"/>
+              <a:t>.</a:t>
+            </a:r>
+          </a:p>
+          <a:p>
+            <a:pPr lvl="0"/>
+            <a:r>
+              <a:rPr lang="es-PY" dirty="0" smtClean="0"/>
+              <a:t>El </a:t>
+            </a:r>
+            <a:r>
+              <a:rPr lang="es-PY" i="1" dirty="0" err="1" smtClean="0"/>
+              <a:t>richDatePicker</a:t>
+            </a:r>
+            <a:r>
+              <a:rPr lang="es-PY" dirty="0" smtClean="0"/>
+              <a:t> puede desplegarse en plataformas destino como: </a:t>
+            </a:r>
+            <a:r>
+              <a:rPr lang="es-PY" i="1" dirty="0" err="1" smtClean="0"/>
+              <a:t>Flex</a:t>
+            </a:r>
+            <a:r>
+              <a:rPr lang="es-PY" i="1" dirty="0" smtClean="0"/>
+              <a:t>, </a:t>
+            </a:r>
+            <a:r>
+              <a:rPr lang="es-PY" i="1" dirty="0" err="1" smtClean="0"/>
+              <a:t>Laszlo</a:t>
+            </a:r>
+            <a:r>
+              <a:rPr lang="es-PY" i="1" dirty="0" smtClean="0"/>
+              <a:t>, </a:t>
+            </a:r>
+            <a:r>
+              <a:rPr lang="es-PY" i="1" dirty="0" err="1" smtClean="0"/>
+              <a:t>ExtJS</a:t>
+            </a:r>
+            <a:r>
+              <a:rPr lang="es-PY" i="1" dirty="0" smtClean="0"/>
+              <a:t>, </a:t>
+            </a:r>
+            <a:r>
+              <a:rPr lang="es-PY" i="1" dirty="0" err="1" smtClean="0"/>
+              <a:t>Dojo</a:t>
+            </a:r>
+            <a:r>
+              <a:rPr lang="es-PY" i="1" dirty="0" smtClean="0"/>
+              <a:t>, YUI, </a:t>
+            </a:r>
+            <a:r>
+              <a:rPr lang="es-PY" i="1" dirty="0" err="1" smtClean="0"/>
+              <a:t>JQuery</a:t>
+            </a:r>
+            <a:r>
+              <a:rPr lang="es-PY" i="1" dirty="0" smtClean="0"/>
+              <a:t>, </a:t>
+            </a:r>
+            <a:r>
+              <a:rPr lang="es-PY" i="1" dirty="0" err="1" smtClean="0"/>
+              <a:t>MooTools</a:t>
+            </a:r>
+            <a:r>
+              <a:rPr lang="es-PY" i="1" dirty="0" smtClean="0"/>
+              <a:t>, </a:t>
+            </a:r>
+            <a:r>
+              <a:rPr lang="es-PY" i="1" dirty="0" err="1" smtClean="0"/>
+              <a:t>MochUI</a:t>
+            </a:r>
+            <a:r>
+              <a:rPr lang="es-PY" i="1" dirty="0" smtClean="0"/>
+              <a:t>, IT </a:t>
+            </a:r>
+            <a:r>
+              <a:rPr lang="es-PY" i="1" dirty="0" err="1" smtClean="0"/>
+              <a:t>Mill</a:t>
+            </a:r>
+            <a:r>
+              <a:rPr lang="es-PY" i="1" dirty="0" smtClean="0"/>
+              <a:t>, </a:t>
+            </a:r>
+            <a:r>
+              <a:rPr lang="es-PY" i="1" dirty="0" err="1" smtClean="0"/>
+              <a:t>Backbase</a:t>
+            </a:r>
+            <a:r>
+              <a:rPr lang="es-PY" i="1" dirty="0" smtClean="0"/>
+              <a:t> </a:t>
+            </a:r>
+            <a:r>
+              <a:rPr lang="es-PY" dirty="0" smtClean="0"/>
+              <a:t>y </a:t>
+            </a:r>
+            <a:r>
+              <a:rPr lang="es-PY" i="1" dirty="0" smtClean="0"/>
+              <a:t> </a:t>
+            </a:r>
+            <a:r>
+              <a:rPr lang="es-PY" i="1" dirty="0" err="1" smtClean="0"/>
+              <a:t>Silverlight</a:t>
+            </a:r>
+            <a:r>
+              <a:rPr lang="es-PY" dirty="0" smtClean="0"/>
+              <a:t>.</a:t>
+            </a:r>
+          </a:p>
+          <a:p>
+            <a:pPr lvl="0"/>
+            <a:r>
+              <a:rPr lang="es-PY" dirty="0" smtClean="0"/>
+              <a:t>El </a:t>
+            </a:r>
+            <a:r>
+              <a:rPr lang="es-PY" i="1" dirty="0" err="1" smtClean="0"/>
+              <a:t>richToolTip</a:t>
+            </a:r>
+            <a:r>
+              <a:rPr lang="es-PY" dirty="0" smtClean="0"/>
+              <a:t> puede desplegarse en plataformas destino como: </a:t>
+            </a:r>
+            <a:r>
+              <a:rPr lang="es-PY" i="1" dirty="0" err="1" smtClean="0"/>
+              <a:t>Flex</a:t>
+            </a:r>
+            <a:r>
+              <a:rPr lang="es-PY" i="1" dirty="0" smtClean="0"/>
+              <a:t>, </a:t>
+            </a:r>
+            <a:r>
+              <a:rPr lang="es-PY" i="1" dirty="0" err="1" smtClean="0"/>
+              <a:t>Laszlo</a:t>
+            </a:r>
+            <a:r>
+              <a:rPr lang="es-PY" i="1" dirty="0" smtClean="0"/>
+              <a:t>, </a:t>
+            </a:r>
+            <a:r>
+              <a:rPr lang="es-PY" i="1" dirty="0" err="1" smtClean="0"/>
+              <a:t>ExtJs</a:t>
+            </a:r>
+            <a:r>
+              <a:rPr lang="es-PY" i="1" dirty="0" smtClean="0"/>
+              <a:t>, </a:t>
+            </a:r>
+            <a:r>
+              <a:rPr lang="es-PY" i="1" dirty="0" err="1" smtClean="0"/>
+              <a:t>Dojo</a:t>
+            </a:r>
+            <a:r>
+              <a:rPr lang="es-PY" i="1" dirty="0" smtClean="0"/>
+              <a:t>, YUI, Google Web </a:t>
+            </a:r>
+            <a:r>
+              <a:rPr lang="es-PY" i="1" dirty="0" err="1" smtClean="0"/>
+              <a:t>Toolkit</a:t>
+            </a:r>
+            <a:r>
+              <a:rPr lang="es-PY" i="1" dirty="0" smtClean="0"/>
+              <a:t>, </a:t>
+            </a:r>
+            <a:r>
+              <a:rPr lang="es-PY" i="1" dirty="0" err="1" smtClean="0"/>
+              <a:t>Prototype</a:t>
+            </a:r>
+            <a:r>
+              <a:rPr lang="es-PY" i="1" dirty="0" smtClean="0"/>
+              <a:t>, </a:t>
+            </a:r>
+            <a:r>
+              <a:rPr lang="es-PY" i="1" dirty="0" err="1" smtClean="0"/>
+              <a:t>JQuery</a:t>
+            </a:r>
+            <a:r>
+              <a:rPr lang="es-PY" i="1" dirty="0" smtClean="0"/>
+              <a:t>, </a:t>
+            </a:r>
+            <a:r>
+              <a:rPr lang="es-PY" i="1" dirty="0" err="1" smtClean="0"/>
+              <a:t>MooTools</a:t>
+            </a:r>
+            <a:r>
+              <a:rPr lang="es-PY" i="1" dirty="0" smtClean="0"/>
+              <a:t>, </a:t>
+            </a:r>
+            <a:r>
+              <a:rPr lang="es-PY" i="1" dirty="0" err="1" smtClean="0"/>
+              <a:t>MochaUI</a:t>
+            </a:r>
+            <a:r>
+              <a:rPr lang="es-PY" i="1" dirty="0" smtClean="0"/>
+              <a:t>, IT </a:t>
+            </a:r>
+            <a:r>
+              <a:rPr lang="es-PY" i="1" dirty="0" err="1" smtClean="0"/>
+              <a:t>Mill</a:t>
+            </a:r>
+            <a:r>
+              <a:rPr lang="es-PY" i="1" dirty="0" smtClean="0"/>
+              <a:t>, </a:t>
+            </a:r>
+            <a:r>
+              <a:rPr lang="es-PY" i="1" dirty="0" err="1" smtClean="0"/>
+              <a:t>Backbase</a:t>
+            </a:r>
+            <a:r>
+              <a:rPr lang="es-PY" i="1" dirty="0" smtClean="0"/>
+              <a:t>, </a:t>
+            </a:r>
+            <a:r>
+              <a:rPr lang="es-PY" i="1" dirty="0" err="1" smtClean="0"/>
+              <a:t>Silverlight</a:t>
+            </a:r>
+            <a:r>
+              <a:rPr lang="es-PY" dirty="0" smtClean="0"/>
+              <a:t>.</a:t>
+            </a:r>
+          </a:p>
+          <a:p>
+            <a:pPr lvl="0"/>
+            <a:r>
+              <a:rPr lang="es-PY" dirty="0" smtClean="0"/>
+              <a:t>El </a:t>
+            </a:r>
+            <a:r>
+              <a:rPr lang="es-PY" i="1" dirty="0" err="1" smtClean="0"/>
+              <a:t>richAccordion</a:t>
+            </a:r>
+            <a:r>
+              <a:rPr lang="es-PY" dirty="0" smtClean="0"/>
+              <a:t> y el </a:t>
+            </a:r>
+            <a:r>
+              <a:rPr lang="es-PY" i="1" dirty="0" err="1" smtClean="0"/>
+              <a:t>richTabs</a:t>
+            </a:r>
+            <a:r>
+              <a:rPr lang="es-PY" dirty="0" smtClean="0"/>
+              <a:t> pueden puede desplegarse en plataformas destino como: </a:t>
+            </a:r>
+            <a:r>
+              <a:rPr lang="es-PY" i="1" dirty="0" err="1" smtClean="0"/>
+              <a:t>Flex</a:t>
+            </a:r>
+            <a:r>
+              <a:rPr lang="es-PY" i="1" dirty="0" smtClean="0"/>
+              <a:t>, </a:t>
+            </a:r>
+            <a:r>
+              <a:rPr lang="es-PY" i="1" dirty="0" err="1" smtClean="0"/>
+              <a:t>Laszlo</a:t>
+            </a:r>
+            <a:r>
+              <a:rPr lang="es-PY" i="1" dirty="0" smtClean="0"/>
+              <a:t>, </a:t>
+            </a:r>
+            <a:r>
+              <a:rPr lang="es-PY" i="1" dirty="0" err="1" smtClean="0"/>
+              <a:t>ExtJs</a:t>
+            </a:r>
+            <a:r>
+              <a:rPr lang="es-PY" i="1" dirty="0" smtClean="0"/>
+              <a:t>, </a:t>
+            </a:r>
+            <a:r>
+              <a:rPr lang="es-PY" i="1" dirty="0" err="1" smtClean="0"/>
+              <a:t>Dojo</a:t>
+            </a:r>
+            <a:r>
+              <a:rPr lang="es-PY" i="1" dirty="0" smtClean="0"/>
+              <a:t>, Google Web </a:t>
+            </a:r>
+            <a:r>
+              <a:rPr lang="es-PY" i="1" dirty="0" err="1" smtClean="0"/>
+              <a:t>Toolkit</a:t>
+            </a:r>
+            <a:r>
+              <a:rPr lang="es-PY" i="1" dirty="0" smtClean="0"/>
+              <a:t>, </a:t>
+            </a:r>
+            <a:r>
+              <a:rPr lang="es-PY" i="1" dirty="0" err="1" smtClean="0"/>
+              <a:t>Prototype</a:t>
+            </a:r>
+            <a:r>
+              <a:rPr lang="es-PY" i="1" dirty="0" smtClean="0"/>
+              <a:t>, script.aculo.us, </a:t>
+            </a:r>
+            <a:r>
+              <a:rPr lang="es-PY" i="1" dirty="0" err="1" smtClean="0"/>
+              <a:t>JQuery</a:t>
+            </a:r>
+            <a:r>
+              <a:rPr lang="es-PY" i="1" dirty="0" smtClean="0"/>
+              <a:t>, </a:t>
+            </a:r>
+            <a:r>
+              <a:rPr lang="es-PY" i="1" dirty="0" err="1" smtClean="0"/>
+              <a:t>MooTools</a:t>
+            </a:r>
+            <a:r>
+              <a:rPr lang="es-PY" i="1" dirty="0" smtClean="0"/>
+              <a:t>, </a:t>
+            </a:r>
+            <a:r>
+              <a:rPr lang="es-PY" i="1" dirty="0" err="1" smtClean="0"/>
+              <a:t>MochaUI</a:t>
+            </a:r>
+            <a:r>
+              <a:rPr lang="es-PY" i="1" dirty="0" smtClean="0"/>
+              <a:t>, IT </a:t>
+            </a:r>
+            <a:r>
+              <a:rPr lang="es-PY" i="1" dirty="0" err="1" smtClean="0"/>
+              <a:t>Mill</a:t>
+            </a:r>
+            <a:r>
+              <a:rPr lang="es-PY" i="1" dirty="0" smtClean="0"/>
+              <a:t>, </a:t>
+            </a:r>
+            <a:r>
+              <a:rPr lang="es-PY" i="1" dirty="0" err="1" smtClean="0"/>
+              <a:t>Silverlight</a:t>
+            </a:r>
+            <a:r>
+              <a:rPr lang="es-PY" dirty="0" smtClean="0"/>
+              <a:t>.</a:t>
+            </a:r>
+          </a:p>
+          <a:p>
+            <a:pPr lvl="0"/>
+            <a:r>
+              <a:rPr lang="es-PY" dirty="0" smtClean="0"/>
+              <a:t>Para los </a:t>
+            </a:r>
+            <a:r>
+              <a:rPr lang="es-PY" i="1" dirty="0" err="1" smtClean="0"/>
+              <a:t>live</a:t>
+            </a:r>
+            <a:r>
+              <a:rPr lang="es-PY" i="1" dirty="0" smtClean="0"/>
+              <a:t> </a:t>
+            </a:r>
+            <a:r>
+              <a:rPr lang="es-PY" i="1" dirty="0" err="1" smtClean="0"/>
+              <a:t>Validation</a:t>
+            </a:r>
+            <a:r>
+              <a:rPr lang="es-PY" dirty="0" smtClean="0"/>
+              <a:t> pueden llevarse a plataformas destino como </a:t>
+            </a:r>
+            <a:r>
+              <a:rPr lang="es-PY" i="1" dirty="0" err="1" smtClean="0"/>
+              <a:t>Protoype</a:t>
+            </a:r>
+            <a:r>
+              <a:rPr lang="es-PY" dirty="0" smtClean="0"/>
+              <a:t>, </a:t>
+            </a:r>
+            <a:r>
+              <a:rPr lang="es-PY" i="1" dirty="0" err="1" smtClean="0"/>
+              <a:t>MooTools</a:t>
+            </a:r>
+            <a:r>
+              <a:rPr lang="es-PY" dirty="0" smtClean="0"/>
+              <a:t>, </a:t>
+            </a:r>
+            <a:r>
+              <a:rPr lang="es-PY" i="1" dirty="0" err="1" smtClean="0"/>
+              <a:t>AngularJS</a:t>
+            </a:r>
+            <a:r>
+              <a:rPr lang="es-PY" i="1" dirty="0" smtClean="0"/>
+              <a:t> </a:t>
+            </a:r>
+            <a:r>
+              <a:rPr lang="es-PY" i="1" dirty="0" err="1" smtClean="0"/>
+              <a:t>Form</a:t>
+            </a:r>
+            <a:r>
+              <a:rPr lang="es-PY" i="1" dirty="0" smtClean="0"/>
+              <a:t> </a:t>
+            </a:r>
+            <a:r>
+              <a:rPr lang="es-PY" i="1" dirty="0" err="1" smtClean="0"/>
+              <a:t>Validation</a:t>
+            </a:r>
+            <a:r>
+              <a:rPr lang="es-PY" dirty="0" smtClean="0"/>
+              <a:t>, </a:t>
+            </a:r>
+            <a:r>
+              <a:rPr lang="es-PY" i="1" dirty="0" err="1" smtClean="0"/>
+              <a:t>Dojo</a:t>
+            </a:r>
+            <a:r>
+              <a:rPr lang="es-PY" dirty="0" smtClean="0"/>
+              <a:t>.</a:t>
+            </a:r>
+          </a:p>
+          <a:p>
+            <a:pPr lvl="1"/>
+            <a:endParaRPr lang="es-PY" dirty="0" smtClean="0"/>
+          </a:p>
+          <a:p>
+            <a:pPr marL="457200" marR="0" lvl="1" indent="0" algn="l" defTabSz="914400" rtl="0" eaLnBrk="1" fontAlgn="auto" latinLnBrk="0" hangingPunct="1">
+              <a:lnSpc>
+                <a:spcPct val="100000"/>
+              </a:lnSpc>
+              <a:spcBef>
+                <a:spcPts val="0"/>
+              </a:spcBef>
+              <a:spcAft>
+                <a:spcPts val="0"/>
+              </a:spcAft>
+              <a:buClrTx/>
+              <a:buSzTx/>
+              <a:buFontTx/>
+              <a:buNone/>
+              <a:tabLst/>
+              <a:defRPr/>
+            </a:pPr>
+            <a:endParaRPr lang="es-PY" sz="1400" dirty="0" smtClean="0"/>
+          </a:p>
+          <a:p>
+            <a:pPr marL="457200" marR="0" lvl="1" indent="0" algn="l" defTabSz="914400" rtl="0" eaLnBrk="1" fontAlgn="auto" latinLnBrk="0" hangingPunct="1">
+              <a:lnSpc>
+                <a:spcPct val="100000"/>
+              </a:lnSpc>
+              <a:spcBef>
+                <a:spcPts val="0"/>
+              </a:spcBef>
+              <a:spcAft>
+                <a:spcPts val="0"/>
+              </a:spcAft>
+              <a:buClrTx/>
+              <a:buSzTx/>
+              <a:buFontTx/>
+              <a:buNone/>
+              <a:tabLst/>
+              <a:defRPr/>
+            </a:pPr>
+            <a:endParaRPr lang="es-PY" sz="1400" dirty="0" smtClean="0"/>
+          </a:p>
+          <a:p>
+            <a:pPr lvl="1"/>
+            <a:endParaRPr lang="es-PY" sz="1400" dirty="0" smtClean="0"/>
+          </a:p>
+          <a:p>
+            <a:endParaRPr lang="es-PY" dirty="0" smtClean="0"/>
           </a:p>
           <a:p>
             <a:endParaRPr lang="es-PY" dirty="0"/>
@@ -3036,160 +3710,11 @@
         <p:spPr/>
         <p:txBody>
           <a:bodyPr>
-            <a:normAutofit lnSpcReduction="10000"/>
+            <a:normAutofit/>
           </a:bodyPr>
           <a:lstStyle/>
           <a:p>
-            <a:pPr lvl="1"/>
-            <a:r>
-              <a:rPr lang="es-PY" sz="1400" dirty="0" smtClean="0"/>
-              <a:t>3-</a:t>
-            </a:r>
-            <a:r>
-              <a:rPr lang="es-PY" sz="1400" baseline="0" dirty="0" smtClean="0"/>
-              <a:t> </a:t>
-            </a:r>
-            <a:r>
-              <a:rPr lang="es-PY" sz="1400" dirty="0" smtClean="0"/>
-              <a:t>En base a un análisis efectuado a portales Web  de uso extendido como </a:t>
-            </a:r>
-            <a:r>
-              <a:rPr lang="es-PY" sz="1400" i="1" dirty="0" err="1" smtClean="0"/>
-              <a:t>Facebook</a:t>
-            </a:r>
-            <a:r>
-              <a:rPr lang="es-PY" sz="1400" dirty="0" smtClean="0"/>
-              <a:t>, </a:t>
-            </a:r>
-            <a:r>
-              <a:rPr lang="es-PY" sz="1400" i="1" dirty="0" err="1" smtClean="0"/>
-              <a:t>Youtube</a:t>
-            </a:r>
-            <a:r>
-              <a:rPr lang="es-PY" sz="1400" dirty="0" smtClean="0"/>
-              <a:t>, </a:t>
-            </a:r>
-            <a:r>
-              <a:rPr lang="es-PY" sz="1400" i="1" dirty="0" err="1" smtClean="0"/>
-              <a:t>Gmail</a:t>
-            </a:r>
-            <a:r>
-              <a:rPr lang="es-PY" sz="1400" dirty="0" smtClean="0"/>
-              <a:t> y </a:t>
-            </a:r>
-            <a:r>
-              <a:rPr lang="es-PY" sz="1400" i="1" dirty="0" smtClean="0"/>
-              <a:t>Amazon</a:t>
-            </a:r>
-            <a:endParaRPr lang="es-PY" sz="1400" dirty="0" smtClean="0"/>
-          </a:p>
-          <a:p>
-            <a:pPr lvl="1"/>
-            <a:r>
-              <a:rPr lang="es-PY" sz="1400" dirty="0" smtClean="0"/>
-              <a:t>4.1 Una reestructuración y clasificación de los elementos de interfaz con los que cuenta la aproximación </a:t>
-            </a:r>
-            <a:r>
-              <a:rPr lang="es-PY" sz="1400" i="1" dirty="0" err="1" smtClean="0"/>
-              <a:t>MoWebA</a:t>
-            </a:r>
-            <a:r>
-              <a:rPr lang="es-PY" sz="1400" dirty="0" smtClean="0"/>
-              <a:t>, separando a los distintos componentes de interfaz en elementos de entrada, salida y control.</a:t>
-            </a:r>
-          </a:p>
-          <a:p>
-            <a:pPr lvl="1"/>
-            <a:r>
-              <a:rPr lang="es-PY" sz="1400" dirty="0" smtClean="0"/>
-              <a:t>El agregado del patrón </a:t>
-            </a:r>
-            <a:r>
-              <a:rPr lang="es-PY" sz="1400" i="1" dirty="0" err="1" smtClean="0"/>
-              <a:t>composite</a:t>
-            </a:r>
-            <a:r>
-              <a:rPr lang="es-PY" sz="1400" dirty="0" smtClean="0"/>
-              <a:t>, para definir una jerarquía entre los distintos elementos de interfaz simples y compuestos. </a:t>
-            </a:r>
-          </a:p>
-          <a:p>
-            <a:pPr lvl="1"/>
-            <a:r>
-              <a:rPr lang="es-PY" sz="1400" i="1" dirty="0" err="1" smtClean="0"/>
-              <a:t>Widgets</a:t>
-            </a:r>
-            <a:r>
-              <a:rPr lang="es-PY" sz="1400" i="1" dirty="0" smtClean="0"/>
-              <a:t> interactivos </a:t>
-            </a:r>
-            <a:r>
-              <a:rPr lang="es-PY" sz="1400" dirty="0" smtClean="0"/>
-              <a:t>comunes en las aplicaciones </a:t>
-            </a:r>
-            <a:r>
-              <a:rPr lang="es-PY" sz="1400" i="1" dirty="0" smtClean="0"/>
-              <a:t>RIA</a:t>
-            </a:r>
-            <a:r>
-              <a:rPr lang="es-PY" sz="1400" dirty="0" smtClean="0"/>
-              <a:t>, precisamente </a:t>
-            </a:r>
-            <a:r>
-              <a:rPr lang="es-PY" sz="1400" i="1" dirty="0" err="1" smtClean="0"/>
-              <a:t>richAccordion</a:t>
-            </a:r>
-            <a:r>
-              <a:rPr lang="es-PY" sz="1400" dirty="0" smtClean="0"/>
-              <a:t>, </a:t>
-            </a:r>
-            <a:r>
-              <a:rPr lang="es-PY" sz="1400" i="1" dirty="0" err="1" smtClean="0"/>
-              <a:t>richTabs</a:t>
-            </a:r>
-            <a:r>
-              <a:rPr lang="es-PY" sz="1400" dirty="0" smtClean="0"/>
-              <a:t>, </a:t>
-            </a:r>
-            <a:r>
-              <a:rPr lang="es-PY" sz="1400" i="1" dirty="0" err="1" smtClean="0"/>
-              <a:t>richAutoSuggest</a:t>
-            </a:r>
-            <a:r>
-              <a:rPr lang="es-PY" sz="1400" dirty="0" smtClean="0"/>
-              <a:t>, </a:t>
-            </a:r>
-            <a:r>
-              <a:rPr lang="es-PY" sz="1400" i="1" dirty="0" err="1" smtClean="0"/>
-              <a:t>richDatePicker</a:t>
-            </a:r>
-            <a:r>
-              <a:rPr lang="es-PY" sz="1400" dirty="0" smtClean="0"/>
-              <a:t> y </a:t>
-            </a:r>
-            <a:r>
-              <a:rPr lang="es-PY" sz="1400" i="1" dirty="0" err="1" smtClean="0"/>
-              <a:t>richToolTip</a:t>
-            </a:r>
-            <a:r>
-              <a:rPr lang="es-PY" sz="1400" dirty="0" smtClean="0"/>
-              <a:t> y la  validación de diversos campos de entrada (</a:t>
-            </a:r>
-            <a:r>
-              <a:rPr lang="es-PY" sz="1400" i="1" dirty="0" smtClean="0"/>
-              <a:t>Live </a:t>
-            </a:r>
-            <a:r>
-              <a:rPr lang="es-PY" sz="1400" i="1" dirty="0" err="1" smtClean="0"/>
-              <a:t>Validation</a:t>
-            </a:r>
-            <a:r>
-              <a:rPr lang="es-PY" sz="1400" dirty="0" smtClean="0"/>
-              <a:t>).</a:t>
-            </a:r>
-          </a:p>
-          <a:p>
-            <a:pPr marL="457200" marR="0" lvl="1" indent="0" algn="l" defTabSz="914400" rtl="0" eaLnBrk="1" fontAlgn="auto" latinLnBrk="0" hangingPunct="1">
+            <a:pPr marL="0" marR="0" lvl="0" indent="0" algn="l" defTabSz="914400" rtl="0" eaLnBrk="1" fontAlgn="auto" latinLnBrk="0" hangingPunct="1">
               <a:lnSpc>
                 <a:spcPct val="100000"/>
               </a:lnSpc>
@@ -3207,12 +3732,12 @@
               <a:defRPr/>
             </a:pPr>
             <a:r>
-              <a:rPr lang="es-PY" sz="1400" dirty="0" smtClean="0"/>
-              <a:t>4.2 para permitir la definición de las posiciones de los elementos en pixeles o en porcentajes.</a:t>
-            </a:r>
-          </a:p>
-          <a:p>
-            <a:pPr marL="457200" marR="0" lvl="1" indent="0" algn="l" defTabSz="914400" rtl="0" eaLnBrk="1" fontAlgn="auto" latinLnBrk="0" hangingPunct="1">
+              <a:rPr lang="es-PY" sz="1200" dirty="0" smtClean="0"/>
+              <a:t>Reducir….</a:t>
+            </a:r>
+          </a:p>
+          <a:p>
+            <a:pPr marL="0" marR="0" lvl="0" indent="0" algn="l" defTabSz="914400" rtl="0" eaLnBrk="1" fontAlgn="auto" latinLnBrk="0" hangingPunct="1">
               <a:lnSpc>
                 <a:spcPct val="100000"/>
               </a:lnSpc>
@@ -3229,37 +3754,10 @@
               <a:tabLst/>
               <a:defRPr/>
             </a:pPr>
-            <a:r>
-              <a:rPr lang="es-PY" sz="1400" dirty="0" smtClean="0"/>
-              <a:t>5-Para la definición de la sintaxis concreta de la presentación, se agregaron los nuevos </a:t>
-            </a:r>
-            <a:r>
-              <a:rPr lang="es-PY" sz="1400" dirty="0" err="1" smtClean="0"/>
-              <a:t>widgets</a:t>
-            </a:r>
-            <a:r>
-              <a:rPr lang="es-PY" sz="1400" dirty="0" smtClean="0"/>
-              <a:t> y la validación de campos al perfil de Contenido, como así también la nueva definición de coordenadas al perfil de </a:t>
-            </a:r>
-            <a:r>
-              <a:rPr lang="es-PY" sz="1400" dirty="0" err="1" smtClean="0"/>
-              <a:t>Layout</a:t>
-            </a:r>
-            <a:r>
-              <a:rPr lang="es-PY" sz="1400" dirty="0" smtClean="0"/>
-              <a:t> de </a:t>
-            </a:r>
-            <a:r>
-              <a:rPr lang="es-PY" sz="1400" dirty="0" err="1" smtClean="0"/>
-              <a:t>MoWebA</a:t>
-            </a:r>
-            <a:r>
-              <a:rPr lang="es-PY" sz="1400" dirty="0" smtClean="0"/>
-              <a:t>.</a:t>
-            </a:r>
-          </a:p>
-          <a:p>
-            <a:pPr marL="457200" marR="0" lvl="1" indent="0" algn="l" defTabSz="914400" rtl="0" eaLnBrk="1" fontAlgn="auto" latinLnBrk="0" hangingPunct="1">
+            <a:endParaRPr lang="es-PY" sz="1200" dirty="0" smtClean="0"/>
+          </a:p>
+          <a:p>
+            <a:pPr marL="0" marR="0" lvl="0" indent="0" algn="l" defTabSz="914400" rtl="0" eaLnBrk="1" fontAlgn="auto" latinLnBrk="0" hangingPunct="1">
               <a:lnSpc>
                 <a:spcPct val="100000"/>
               </a:lnSpc>
@@ -3276,627 +3774,10 @@
               <a:tabLst/>
               <a:defRPr/>
             </a:pPr>
-            <a:r>
-              <a:rPr lang="es-PY" sz="1400" dirty="0" smtClean="0"/>
-              <a:t>6-Un análisis de las principales herramientas de transformación de modelo a texto (M2T) basado en plantillas.</a:t>
-            </a:r>
-          </a:p>
-          <a:p>
-            <a:pPr lvl="1"/>
-            <a:r>
-              <a:rPr lang="es-PY" sz="1400" dirty="0" smtClean="0"/>
-              <a:t>7-</a:t>
-            </a:r>
-            <a:r>
-              <a:rPr lang="es-PY" dirty="0" smtClean="0"/>
-              <a:t>La plantilla de presentación, la cual permite generar código para cada uno de los elementos definidos en el perfil de contenido de </a:t>
-            </a:r>
-            <a:r>
-              <a:rPr lang="es-PY" dirty="0" err="1" smtClean="0"/>
-              <a:t>MoWebA</a:t>
-            </a:r>
-            <a:r>
-              <a:rPr lang="es-PY" dirty="0" smtClean="0"/>
-              <a:t> a partir de los PIM de entrada. Para los </a:t>
-            </a:r>
-            <a:r>
-              <a:rPr lang="es-PY" dirty="0" err="1" smtClean="0"/>
-              <a:t>widgets</a:t>
-            </a:r>
-            <a:r>
-              <a:rPr lang="es-PY" dirty="0" smtClean="0"/>
-              <a:t> se genera código para la plataforma destino </a:t>
-            </a:r>
-            <a:r>
-              <a:rPr lang="es-PY" dirty="0" err="1" smtClean="0"/>
-              <a:t>jQueryUI</a:t>
-            </a:r>
-            <a:r>
-              <a:rPr lang="es-PY" dirty="0" smtClean="0"/>
-              <a:t> y </a:t>
-            </a:r>
-            <a:r>
-              <a:rPr lang="es-PY" dirty="0" err="1" smtClean="0"/>
-              <a:t>jQuery</a:t>
-            </a:r>
-            <a:r>
-              <a:rPr lang="es-PY" dirty="0" smtClean="0"/>
-              <a:t> </a:t>
-            </a:r>
-            <a:r>
-              <a:rPr lang="es-PY" dirty="0" err="1" smtClean="0"/>
-              <a:t>validation</a:t>
-            </a:r>
-            <a:r>
-              <a:rPr lang="es-PY" dirty="0" smtClean="0"/>
-              <a:t> </a:t>
-            </a:r>
-            <a:r>
-              <a:rPr lang="es-PY" dirty="0" err="1" smtClean="0"/>
-              <a:t>plug</a:t>
-            </a:r>
-            <a:r>
-              <a:rPr lang="es-PY" dirty="0" smtClean="0"/>
-              <a:t>-in. </a:t>
-            </a:r>
-          </a:p>
-          <a:p>
-            <a:pPr lvl="1"/>
-            <a:r>
-              <a:rPr lang="es-PY" dirty="0" smtClean="0"/>
-              <a:t>La plantilla de estructura, la cual genera código CSS con las posiciones establecidas en el PIM de entrada.</a:t>
-            </a:r>
-          </a:p>
-          <a:p>
-            <a:pPr lvl="1"/>
-            <a:endParaRPr lang="es-PY" dirty="0" smtClean="0"/>
-          </a:p>
-          <a:p>
-            <a:pPr>
-              <a:buNone/>
-            </a:pPr>
-            <a:r>
-              <a:rPr lang="es-PY" dirty="0" smtClean="0"/>
-              <a:t>¿Qué tan independiente de la plataforma destino son los PIM presentados a partir de las extensiones llevadas a cabo al </a:t>
-            </a:r>
-            <a:r>
-              <a:rPr lang="es-PY" dirty="0" err="1" smtClean="0"/>
-              <a:t>metamodelo</a:t>
-            </a:r>
-            <a:r>
-              <a:rPr lang="es-PY" dirty="0" smtClean="0"/>
-              <a:t> de Contenido de </a:t>
-            </a:r>
-            <a:r>
-              <a:rPr lang="es-PY" dirty="0" err="1" smtClean="0"/>
-              <a:t>MoWebA</a:t>
-            </a:r>
-            <a:r>
-              <a:rPr lang="es-PY" dirty="0" smtClean="0"/>
-              <a:t>?</a:t>
-            </a:r>
-          </a:p>
-          <a:p>
-            <a:pPr lvl="0"/>
-            <a:r>
-              <a:rPr lang="es-PY" dirty="0" smtClean="0"/>
-              <a:t>El </a:t>
-            </a:r>
-            <a:r>
-              <a:rPr lang="es-PY" i="1" dirty="0" err="1" smtClean="0"/>
-              <a:t>richAutoSuggest</a:t>
-            </a:r>
-            <a:r>
-              <a:rPr lang="es-PY" dirty="0" smtClean="0"/>
-              <a:t> puede desplegarse en plataformas destino como: </a:t>
-            </a:r>
-            <a:r>
-              <a:rPr lang="es-PY" i="1" dirty="0" err="1" smtClean="0"/>
-              <a:t>Flex</a:t>
-            </a:r>
-            <a:r>
-              <a:rPr lang="es-PY" i="1" dirty="0" smtClean="0"/>
-              <a:t>, </a:t>
-            </a:r>
-            <a:r>
-              <a:rPr lang="es-PY" i="1" dirty="0" err="1" smtClean="0"/>
-              <a:t>Laszlo</a:t>
-            </a:r>
-            <a:r>
-              <a:rPr lang="es-PY" i="1" dirty="0" smtClean="0"/>
-              <a:t>, </a:t>
-            </a:r>
-            <a:r>
-              <a:rPr lang="es-PY" i="1" dirty="0" err="1" smtClean="0"/>
-              <a:t>ExtJs</a:t>
-            </a:r>
-            <a:r>
-              <a:rPr lang="es-PY" i="1" dirty="0" smtClean="0"/>
-              <a:t>, </a:t>
-            </a:r>
-            <a:r>
-              <a:rPr lang="es-PY" i="1" dirty="0" err="1" smtClean="0"/>
-              <a:t>Dojo</a:t>
-            </a:r>
-            <a:r>
-              <a:rPr lang="es-PY" i="1" dirty="0" smtClean="0"/>
-              <a:t>, YUI, Google Web </a:t>
-            </a:r>
-            <a:r>
-              <a:rPr lang="es-PY" i="1" dirty="0" err="1" smtClean="0"/>
-              <a:t>Toolkit</a:t>
-            </a:r>
-            <a:r>
-              <a:rPr lang="es-PY" i="1" dirty="0" smtClean="0"/>
-              <a:t>, </a:t>
-            </a:r>
-            <a:r>
-              <a:rPr lang="es-PY" i="1" dirty="0" err="1" smtClean="0"/>
-              <a:t>Prototype</a:t>
-            </a:r>
-            <a:r>
-              <a:rPr lang="es-PY" i="1" dirty="0" smtClean="0"/>
-              <a:t>/script.aculo.us, </a:t>
-            </a:r>
-            <a:r>
-              <a:rPr lang="es-PY" i="1" dirty="0" err="1" smtClean="0"/>
-              <a:t>JQuery</a:t>
-            </a:r>
-            <a:r>
-              <a:rPr lang="es-PY" i="1" dirty="0" smtClean="0"/>
-              <a:t>, </a:t>
-            </a:r>
-            <a:r>
-              <a:rPr lang="es-PY" i="1" dirty="0" err="1" smtClean="0"/>
-              <a:t>MooTools</a:t>
-            </a:r>
-            <a:r>
-              <a:rPr lang="es-PY" i="1" dirty="0" smtClean="0"/>
-              <a:t>, </a:t>
-            </a:r>
-            <a:r>
-              <a:rPr lang="es-PY" i="1" dirty="0" err="1" smtClean="0"/>
-              <a:t>MochaUI</a:t>
-            </a:r>
-            <a:r>
-              <a:rPr lang="es-PY" i="1" dirty="0" smtClean="0"/>
-              <a:t>, IT </a:t>
-            </a:r>
-            <a:r>
-              <a:rPr lang="es-PY" i="1" dirty="0" err="1" smtClean="0"/>
-              <a:t>Mill</a:t>
-            </a:r>
-            <a:r>
-              <a:rPr lang="es-PY" i="1" dirty="0" smtClean="0"/>
-              <a:t>, </a:t>
-            </a:r>
-            <a:r>
-              <a:rPr lang="es-PY" i="1" dirty="0" err="1" smtClean="0"/>
-              <a:t>Backbase</a:t>
-            </a:r>
-            <a:r>
-              <a:rPr lang="es-PY" i="1" dirty="0" smtClean="0"/>
-              <a:t> </a:t>
-            </a:r>
-            <a:r>
-              <a:rPr lang="es-PY" dirty="0" smtClean="0"/>
-              <a:t>y</a:t>
-            </a:r>
-            <a:r>
-              <a:rPr lang="es-PY" i="1" dirty="0" smtClean="0"/>
-              <a:t>  </a:t>
-            </a:r>
-            <a:r>
-              <a:rPr lang="es-PY" i="1" dirty="0" err="1" smtClean="0"/>
-              <a:t>Silverlight</a:t>
-            </a:r>
-            <a:r>
-              <a:rPr lang="es-PY" dirty="0" smtClean="0"/>
-              <a:t>.</a:t>
-            </a:r>
-          </a:p>
-          <a:p>
-            <a:pPr lvl="0"/>
-            <a:r>
-              <a:rPr lang="es-PY" dirty="0" smtClean="0"/>
-              <a:t>El </a:t>
-            </a:r>
-            <a:r>
-              <a:rPr lang="es-PY" i="1" dirty="0" err="1" smtClean="0"/>
-              <a:t>richDatePicker</a:t>
-            </a:r>
-            <a:r>
-              <a:rPr lang="es-PY" dirty="0" smtClean="0"/>
-              <a:t> puede desplegarse en plataformas destino como: </a:t>
-            </a:r>
-            <a:r>
-              <a:rPr lang="es-PY" i="1" dirty="0" err="1" smtClean="0"/>
-              <a:t>Flex</a:t>
-            </a:r>
-            <a:r>
-              <a:rPr lang="es-PY" i="1" dirty="0" smtClean="0"/>
-              <a:t>, </a:t>
-            </a:r>
-            <a:r>
-              <a:rPr lang="es-PY" i="1" dirty="0" err="1" smtClean="0"/>
-              <a:t>Laszlo</a:t>
-            </a:r>
-            <a:r>
-              <a:rPr lang="es-PY" i="1" dirty="0" smtClean="0"/>
-              <a:t>, </a:t>
-            </a:r>
-            <a:r>
-              <a:rPr lang="es-PY" i="1" dirty="0" err="1" smtClean="0"/>
-              <a:t>ExtJS</a:t>
-            </a:r>
-            <a:r>
-              <a:rPr lang="es-PY" i="1" dirty="0" smtClean="0"/>
-              <a:t>, </a:t>
-            </a:r>
-            <a:r>
-              <a:rPr lang="es-PY" i="1" dirty="0" err="1" smtClean="0"/>
-              <a:t>Dojo</a:t>
-            </a:r>
-            <a:r>
-              <a:rPr lang="es-PY" i="1" dirty="0" smtClean="0"/>
-              <a:t>, YUI, </a:t>
-            </a:r>
-            <a:r>
-              <a:rPr lang="es-PY" i="1" dirty="0" err="1" smtClean="0"/>
-              <a:t>JQuery</a:t>
-            </a:r>
-            <a:r>
-              <a:rPr lang="es-PY" i="1" dirty="0" smtClean="0"/>
-              <a:t>, </a:t>
-            </a:r>
-            <a:r>
-              <a:rPr lang="es-PY" i="1" dirty="0" err="1" smtClean="0"/>
-              <a:t>MooTools</a:t>
-            </a:r>
-            <a:r>
-              <a:rPr lang="es-PY" i="1" dirty="0" smtClean="0"/>
-              <a:t>, </a:t>
-            </a:r>
-            <a:r>
-              <a:rPr lang="es-PY" i="1" dirty="0" err="1" smtClean="0"/>
-              <a:t>MochUI</a:t>
-            </a:r>
-            <a:r>
-              <a:rPr lang="es-PY" i="1" dirty="0" smtClean="0"/>
-              <a:t>, IT </a:t>
-            </a:r>
-            <a:r>
-              <a:rPr lang="es-PY" i="1" dirty="0" err="1" smtClean="0"/>
-              <a:t>Mill</a:t>
-            </a:r>
-            <a:r>
-              <a:rPr lang="es-PY" i="1" dirty="0" smtClean="0"/>
-              <a:t>, </a:t>
-            </a:r>
-            <a:r>
-              <a:rPr lang="es-PY" i="1" dirty="0" err="1" smtClean="0"/>
-              <a:t>Backbase</a:t>
-            </a:r>
-            <a:r>
-              <a:rPr lang="es-PY" i="1" dirty="0" smtClean="0"/>
-              <a:t> </a:t>
-            </a:r>
-            <a:r>
-              <a:rPr lang="es-PY" dirty="0" smtClean="0"/>
-              <a:t>y </a:t>
-            </a:r>
-            <a:r>
-              <a:rPr lang="es-PY" i="1" dirty="0" smtClean="0"/>
-              <a:t> </a:t>
-            </a:r>
-            <a:r>
-              <a:rPr lang="es-PY" i="1" dirty="0" err="1" smtClean="0"/>
-              <a:t>Silverlight</a:t>
-            </a:r>
-            <a:r>
-              <a:rPr lang="es-PY" dirty="0" smtClean="0"/>
-              <a:t>.</a:t>
-            </a:r>
-          </a:p>
-          <a:p>
-            <a:pPr lvl="0"/>
-            <a:r>
-              <a:rPr lang="es-PY" dirty="0" smtClean="0"/>
-              <a:t>El </a:t>
-            </a:r>
-            <a:r>
-              <a:rPr lang="es-PY" i="1" dirty="0" err="1" smtClean="0"/>
-              <a:t>richToolTip</a:t>
-            </a:r>
-            <a:r>
-              <a:rPr lang="es-PY" dirty="0" smtClean="0"/>
-              <a:t> puede desplegarse en plataformas destino como: </a:t>
-            </a:r>
-            <a:r>
-              <a:rPr lang="es-PY" i="1" dirty="0" err="1" smtClean="0"/>
-              <a:t>Flex</a:t>
-            </a:r>
-            <a:r>
-              <a:rPr lang="es-PY" i="1" dirty="0" smtClean="0"/>
-              <a:t>, </a:t>
-            </a:r>
-            <a:r>
-              <a:rPr lang="es-PY" i="1" dirty="0" err="1" smtClean="0"/>
-              <a:t>Laszlo</a:t>
-            </a:r>
-            <a:r>
-              <a:rPr lang="es-PY" i="1" dirty="0" smtClean="0"/>
-              <a:t>, </a:t>
-            </a:r>
-            <a:r>
-              <a:rPr lang="es-PY" i="1" dirty="0" err="1" smtClean="0"/>
-              <a:t>ExtJs</a:t>
-            </a:r>
-            <a:r>
-              <a:rPr lang="es-PY" i="1" dirty="0" smtClean="0"/>
-              <a:t>, </a:t>
-            </a:r>
-            <a:r>
-              <a:rPr lang="es-PY" i="1" dirty="0" err="1" smtClean="0"/>
-              <a:t>Dojo</a:t>
-            </a:r>
-            <a:r>
-              <a:rPr lang="es-PY" i="1" dirty="0" smtClean="0"/>
-              <a:t>, YUI, Google Web </a:t>
-            </a:r>
-            <a:r>
-              <a:rPr lang="es-PY" i="1" dirty="0" err="1" smtClean="0"/>
-              <a:t>Toolkit</a:t>
-            </a:r>
-            <a:r>
-              <a:rPr lang="es-PY" i="1" dirty="0" smtClean="0"/>
-              <a:t>, </a:t>
-            </a:r>
-            <a:r>
-              <a:rPr lang="es-PY" i="1" dirty="0" err="1" smtClean="0"/>
-              <a:t>Prototype</a:t>
-            </a:r>
-            <a:r>
-              <a:rPr lang="es-PY" i="1" dirty="0" smtClean="0"/>
-              <a:t>, </a:t>
-            </a:r>
-            <a:r>
-              <a:rPr lang="es-PY" i="1" dirty="0" err="1" smtClean="0"/>
-              <a:t>JQuery</a:t>
-            </a:r>
-            <a:r>
-              <a:rPr lang="es-PY" i="1" dirty="0" smtClean="0"/>
-              <a:t>, </a:t>
-            </a:r>
-            <a:r>
-              <a:rPr lang="es-PY" i="1" dirty="0" err="1" smtClean="0"/>
-              <a:t>MooTools</a:t>
-            </a:r>
-            <a:r>
-              <a:rPr lang="es-PY" i="1" dirty="0" smtClean="0"/>
-              <a:t>, </a:t>
-            </a:r>
-            <a:r>
-              <a:rPr lang="es-PY" i="1" dirty="0" err="1" smtClean="0"/>
-              <a:t>MochaUI</a:t>
-            </a:r>
-            <a:r>
-              <a:rPr lang="es-PY" i="1" dirty="0" smtClean="0"/>
-              <a:t>, IT </a:t>
-            </a:r>
-            <a:r>
-              <a:rPr lang="es-PY" i="1" dirty="0" err="1" smtClean="0"/>
-              <a:t>Mill</a:t>
-            </a:r>
-            <a:r>
-              <a:rPr lang="es-PY" i="1" dirty="0" smtClean="0"/>
-              <a:t>, </a:t>
-            </a:r>
-            <a:r>
-              <a:rPr lang="es-PY" i="1" dirty="0" err="1" smtClean="0"/>
-              <a:t>Backbase</a:t>
-            </a:r>
-            <a:r>
-              <a:rPr lang="es-PY" i="1" dirty="0" smtClean="0"/>
-              <a:t>, </a:t>
-            </a:r>
-            <a:r>
-              <a:rPr lang="es-PY" i="1" dirty="0" err="1" smtClean="0"/>
-              <a:t>Silverlight</a:t>
-            </a:r>
-            <a:r>
-              <a:rPr lang="es-PY" dirty="0" smtClean="0"/>
-              <a:t>.</a:t>
-            </a:r>
-          </a:p>
-          <a:p>
-            <a:pPr lvl="0"/>
-            <a:r>
-              <a:rPr lang="es-PY" dirty="0" smtClean="0"/>
-              <a:t>El </a:t>
-            </a:r>
-            <a:r>
-              <a:rPr lang="es-PY" i="1" dirty="0" err="1" smtClean="0"/>
-              <a:t>richAccordion</a:t>
-            </a:r>
-            <a:r>
-              <a:rPr lang="es-PY" dirty="0" smtClean="0"/>
-              <a:t> y el </a:t>
-            </a:r>
-            <a:r>
-              <a:rPr lang="es-PY" i="1" dirty="0" err="1" smtClean="0"/>
-              <a:t>richTabs</a:t>
-            </a:r>
-            <a:r>
-              <a:rPr lang="es-PY" dirty="0" smtClean="0"/>
-              <a:t> pueden puede desplegarse en plataformas destino como: </a:t>
-            </a:r>
-            <a:r>
-              <a:rPr lang="es-PY" i="1" dirty="0" err="1" smtClean="0"/>
-              <a:t>Flex</a:t>
-            </a:r>
-            <a:r>
-              <a:rPr lang="es-PY" i="1" dirty="0" smtClean="0"/>
-              <a:t>, </a:t>
-            </a:r>
-            <a:r>
-              <a:rPr lang="es-PY" i="1" dirty="0" err="1" smtClean="0"/>
-              <a:t>Laszlo</a:t>
-            </a:r>
-            <a:r>
-              <a:rPr lang="es-PY" i="1" dirty="0" smtClean="0"/>
-              <a:t>, </a:t>
-            </a:r>
-            <a:r>
-              <a:rPr lang="es-PY" i="1" dirty="0" err="1" smtClean="0"/>
-              <a:t>ExtJs</a:t>
-            </a:r>
-            <a:r>
-              <a:rPr lang="es-PY" i="1" dirty="0" smtClean="0"/>
-              <a:t>, </a:t>
-            </a:r>
-            <a:r>
-              <a:rPr lang="es-PY" i="1" dirty="0" err="1" smtClean="0"/>
-              <a:t>Dojo</a:t>
-            </a:r>
-            <a:r>
-              <a:rPr lang="es-PY" i="1" dirty="0" smtClean="0"/>
-              <a:t>, Google Web </a:t>
-            </a:r>
-            <a:r>
-              <a:rPr lang="es-PY" i="1" dirty="0" err="1" smtClean="0"/>
-              <a:t>Toolkit</a:t>
-            </a:r>
-            <a:r>
-              <a:rPr lang="es-PY" i="1" dirty="0" smtClean="0"/>
-              <a:t>, </a:t>
-            </a:r>
-            <a:r>
-              <a:rPr lang="es-PY" i="1" dirty="0" err="1" smtClean="0"/>
-              <a:t>Prototype</a:t>
-            </a:r>
-            <a:r>
-              <a:rPr lang="es-PY" i="1" dirty="0" smtClean="0"/>
-              <a:t>, script.aculo.us, </a:t>
-            </a:r>
-            <a:r>
-              <a:rPr lang="es-PY" i="1" dirty="0" err="1" smtClean="0"/>
-              <a:t>JQuery</a:t>
-            </a:r>
-            <a:r>
-              <a:rPr lang="es-PY" i="1" dirty="0" smtClean="0"/>
-              <a:t>, </a:t>
-            </a:r>
-            <a:r>
-              <a:rPr lang="es-PY" i="1" dirty="0" err="1" smtClean="0"/>
-              <a:t>MooTools</a:t>
-            </a:r>
-            <a:r>
-              <a:rPr lang="es-PY" i="1" dirty="0" smtClean="0"/>
-              <a:t>, </a:t>
-            </a:r>
-            <a:r>
-              <a:rPr lang="es-PY" i="1" dirty="0" err="1" smtClean="0"/>
-              <a:t>MochaUI</a:t>
-            </a:r>
-            <a:r>
-              <a:rPr lang="es-PY" i="1" dirty="0" smtClean="0"/>
-              <a:t>, IT </a:t>
-            </a:r>
-            <a:r>
-              <a:rPr lang="es-PY" i="1" dirty="0" err="1" smtClean="0"/>
-              <a:t>Mill</a:t>
-            </a:r>
-            <a:r>
-              <a:rPr lang="es-PY" i="1" dirty="0" smtClean="0"/>
-              <a:t>, </a:t>
-            </a:r>
-            <a:r>
-              <a:rPr lang="es-PY" i="1" dirty="0" err="1" smtClean="0"/>
-              <a:t>Silverlight</a:t>
-            </a:r>
-            <a:r>
-              <a:rPr lang="es-PY" dirty="0" smtClean="0"/>
-              <a:t>.</a:t>
-            </a:r>
-          </a:p>
-          <a:p>
-            <a:pPr lvl="0"/>
-            <a:r>
-              <a:rPr lang="es-PY" dirty="0" smtClean="0"/>
-              <a:t>Para los </a:t>
-            </a:r>
-            <a:r>
-              <a:rPr lang="es-PY" i="1" dirty="0" err="1" smtClean="0"/>
-              <a:t>live</a:t>
-            </a:r>
-            <a:r>
-              <a:rPr lang="es-PY" i="1" dirty="0" smtClean="0"/>
-              <a:t> </a:t>
-            </a:r>
-            <a:r>
-              <a:rPr lang="es-PY" i="1" dirty="0" err="1" smtClean="0"/>
-              <a:t>Validation</a:t>
-            </a:r>
-            <a:r>
-              <a:rPr lang="es-PY" dirty="0" smtClean="0"/>
-              <a:t> pueden llevarse a plataformas destino como </a:t>
-            </a:r>
-            <a:r>
-              <a:rPr lang="es-PY" i="1" dirty="0" err="1" smtClean="0"/>
-              <a:t>Protoype</a:t>
-            </a:r>
-            <a:r>
-              <a:rPr lang="es-PY" dirty="0" smtClean="0"/>
-              <a:t>, </a:t>
-            </a:r>
-            <a:r>
-              <a:rPr lang="es-PY" i="1" dirty="0" err="1" smtClean="0"/>
-              <a:t>MooTools</a:t>
-            </a:r>
-            <a:r>
-              <a:rPr lang="es-PY" dirty="0" smtClean="0"/>
-              <a:t>, </a:t>
-            </a:r>
-            <a:r>
-              <a:rPr lang="es-PY" i="1" dirty="0" err="1" smtClean="0"/>
-              <a:t>AngularJS</a:t>
-            </a:r>
-            <a:r>
-              <a:rPr lang="es-PY" i="1" dirty="0" smtClean="0"/>
-              <a:t> </a:t>
-            </a:r>
-            <a:r>
-              <a:rPr lang="es-PY" i="1" dirty="0" err="1" smtClean="0"/>
-              <a:t>Form</a:t>
-            </a:r>
-            <a:r>
-              <a:rPr lang="es-PY" i="1" dirty="0" smtClean="0"/>
-              <a:t> </a:t>
-            </a:r>
-            <a:r>
-              <a:rPr lang="es-PY" i="1" dirty="0" err="1" smtClean="0"/>
-              <a:t>Validation</a:t>
-            </a:r>
-            <a:r>
-              <a:rPr lang="es-PY" dirty="0" smtClean="0"/>
-              <a:t>, </a:t>
-            </a:r>
-            <a:r>
-              <a:rPr lang="es-PY" i="1" dirty="0" err="1" smtClean="0"/>
-              <a:t>Dojo</a:t>
-            </a:r>
-            <a:r>
-              <a:rPr lang="es-PY" dirty="0" smtClean="0"/>
-              <a:t>.</a:t>
-            </a:r>
-          </a:p>
-          <a:p>
-            <a:pPr lvl="1"/>
-            <a:endParaRPr lang="es-PY" dirty="0" smtClean="0"/>
-          </a:p>
-          <a:p>
-            <a:pPr marL="457200" marR="0" lvl="1" indent="0" algn="l" defTabSz="914400" rtl="0" eaLnBrk="1" fontAlgn="auto" latinLnBrk="0" hangingPunct="1">
+            <a:endParaRPr lang="es-PY" sz="1200" dirty="0" smtClean="0"/>
+          </a:p>
+          <a:p>
+            <a:pPr marL="0" marR="0" lvl="0" indent="0" algn="l" defTabSz="914400" rtl="0" eaLnBrk="1" fontAlgn="auto" latinLnBrk="0" hangingPunct="1">
               <a:lnSpc>
                 <a:spcPct val="100000"/>
               </a:lnSpc>
@@ -3913,34 +3794,7 @@
               <a:tabLst/>
               <a:defRPr/>
             </a:pPr>
-            <a:endParaRPr lang="es-PY" sz="1400" dirty="0" smtClean="0"/>
-          </a:p>
-          <a:p>
-            <a:pPr marL="457200" marR="0" lvl="1" indent="0" algn="l" defTabSz="914400" rtl="0" eaLnBrk="1" fontAlgn="auto" latinLnBrk="0" hangingPunct="1">
-              <a:lnSpc>
-                <a:spcPct val="100000"/>
-              </a:lnSpc>
-              <a:spcBef>
-                <a:spcPts val="0"/>
-              </a:spcBef>
-              <a:spcAft>
-                <a:spcPts val="0"/>
-              </a:spcAft>
-              <a:buClrTx/>
-              <a:buSzTx/>
-              <a:buFontTx/>
-              <a:buNone/>
-              <a:tabLst/>
-              <a:defRPr/>
-            </a:pPr>
-            <a:endParaRPr lang="es-PY" sz="1400" dirty="0" smtClean="0"/>
-          </a:p>
-          <a:p>
-            <a:pPr lvl="1"/>
-            <a:endParaRPr lang="es-PY" sz="1400" dirty="0" smtClean="0"/>
-          </a:p>
-          <a:p>
-            <a:endParaRPr lang="es-PY" dirty="0" smtClean="0"/>
+            <a:endParaRPr lang="es-PY" sz="1200" dirty="0" smtClean="0"/>
           </a:p>
           <a:p>
             <a:endParaRPr lang="es-PY" dirty="0"/>
@@ -4025,90 +3879,7 @@
           </a:bodyPr>
           <a:lstStyle/>
           <a:p>
-            <a:pPr marL="0" marR="0" lvl="0" indent="0" algn="l" defTabSz="914400" rtl="0" eaLnBrk="1" fontAlgn="auto" latinLnBrk="0" hangingPunct="1">
-              <a:lnSpc>
-                <a:spcPct val="100000"/>
-              </a:lnSpc>
-              <a:spcBef>
-                <a:spcPts val="0"/>
-              </a:spcBef>
-              <a:spcAft>
-                <a:spcPts val="0"/>
-              </a:spcAft>
-              <a:buClrTx/>
-              <a:buSzTx/>
-              <a:buFontTx/>
-              <a:buNone/>
-              <a:tabLst/>
-              <a:defRPr/>
-            </a:pPr>
-            <a:r>
-              <a:rPr lang="es-PY" sz="1200" dirty="0" smtClean="0"/>
-              <a:t>Reducir….</a:t>
-            </a:r>
-          </a:p>
-          <a:p>
-            <a:pPr marL="0" marR="0" lvl="0" indent="0" algn="l" defTabSz="914400" rtl="0" eaLnBrk="1" fontAlgn="auto" latinLnBrk="0" hangingPunct="1">
-              <a:lnSpc>
-                <a:spcPct val="100000"/>
-              </a:lnSpc>
-              <a:spcBef>
-                <a:spcPts val="0"/>
-              </a:spcBef>
-              <a:spcAft>
-                <a:spcPts val="0"/>
-              </a:spcAft>
-              <a:buClrTx/>
-              <a:buSzTx/>
-              <a:buFontTx/>
-              <a:buNone/>
-              <a:tabLst/>
-              <a:defRPr/>
-            </a:pPr>
-            <a:endParaRPr lang="es-PY" sz="1200" dirty="0" smtClean="0"/>
-          </a:p>
-          <a:p>
-            <a:pPr marL="0" marR="0" lvl="0" indent="0" algn="l" defTabSz="914400" rtl="0" eaLnBrk="1" fontAlgn="auto" latinLnBrk="0" hangingPunct="1">
-              <a:lnSpc>
-                <a:spcPct val="100000"/>
-              </a:lnSpc>
-              <a:spcBef>
-                <a:spcPts val="0"/>
-              </a:spcBef>
-              <a:spcAft>
-                <a:spcPts val="0"/>
-              </a:spcAft>
-              <a:buClrTx/>
-              <a:buSzTx/>
-              <a:buFontTx/>
-              <a:buNone/>
-              <a:tabLst/>
-              <a:defRPr/>
-            </a:pPr>
-            <a:endParaRPr lang="es-PY" sz="1200" dirty="0" smtClean="0"/>
-          </a:p>
-          <a:p>
-            <a:pPr marL="0" marR="0" lvl="0" indent="0" algn="l" defTabSz="914400" rtl="0" eaLnBrk="1" fontAlgn="auto" latinLnBrk="0" hangingPunct="1">
-              <a:lnSpc>
-                <a:spcPct val="100000"/>
-              </a:lnSpc>
-              <a:spcBef>
-                <a:spcPts val="0"/>
-              </a:spcBef>
-              <a:spcAft>
-                <a:spcPts val="0"/>
-              </a:spcAft>
-              <a:buClrTx/>
-              <a:buSzTx/>
-              <a:buFontTx/>
-              <a:buNone/>
-              <a:tabLst/>
-              <a:defRPr/>
-            </a:pPr>
-            <a:endParaRPr lang="es-PY" sz="1200" dirty="0" smtClean="0"/>
-          </a:p>
-          <a:p>
-            <a:endParaRPr lang="es-PY" dirty="0"/>
+            <a:endParaRPr lang="es-PY"/>
           </a:p>
         </p:txBody>
       </p:sp>
@@ -4131,88 +3902,6 @@
               <a:rPr lang="es-PY" smtClean="0"/>
               <a:pPr/>
               <a:t>31</a:t>
-            </a:fld>
-            <a:endParaRPr lang="es-PY"/>
-          </a:p>
-        </p:txBody>
-      </p:sp>
-    </p:spTree>
-  </p:cSld>
-  <p:clrMapOvr>
-    <a:masterClrMapping/>
-  </p:clrMapOvr>
-</p:notes>
-</file>
-
-<file path=ppt/notesSlides/notesSlide29.xml><?xml version="1.0" encoding="utf-8"?>
-<p:notes xmlns:a="http://schemas.openxmlformats.org/drawingml/2006/main" xmlns:r="http://schemas.openxmlformats.org/officeDocument/2006/relationships" xmlns:p="http://schemas.openxmlformats.org/presentationml/2006/main">
-  <p:cSld>
-    <p:spTree>
-      <p:nvGrpSpPr>
-        <p:cNvPr id="1" name=""/>
-        <p:cNvGrpSpPr/>
-        <p:nvPr/>
-      </p:nvGrpSpPr>
-      <p:grpSpPr>
-        <a:xfrm>
-          <a:off x="0" y="0"/>
-          <a:ext cx="0" cy="0"/>
-          <a:chOff x="0" y="0"/>
-          <a:chExt cx="0" cy="0"/>
-        </a:xfrm>
-      </p:grpSpPr>
-      <p:sp>
-        <p:nvSpPr>
-          <p:cNvPr id="2" name="1 Marcador de imagen de diapositiva"/>
-          <p:cNvSpPr>
-            <a:spLocks noGrp="1" noRot="1" noChangeAspect="1"/>
-          </p:cNvSpPr>
-          <p:nvPr>
-            <p:ph type="sldImg"/>
-          </p:nvPr>
-        </p:nvSpPr>
-        <p:spPr/>
-      </p:sp>
-      <p:sp>
-        <p:nvSpPr>
-          <p:cNvPr id="3" name="2 Marcador de notas"/>
-          <p:cNvSpPr>
-            <a:spLocks noGrp="1"/>
-          </p:cNvSpPr>
-          <p:nvPr>
-            <p:ph type="body" idx="1"/>
-          </p:nvPr>
-        </p:nvSpPr>
-        <p:spPr/>
-        <p:txBody>
-          <a:bodyPr>
-            <a:normAutofit/>
-          </a:bodyPr>
-          <a:lstStyle/>
-          <a:p>
-            <a:endParaRPr lang="es-PY"/>
-          </a:p>
-        </p:txBody>
-      </p:sp>
-      <p:sp>
-        <p:nvSpPr>
-          <p:cNvPr id="4" name="3 Marcador de número de diapositiva"/>
-          <p:cNvSpPr>
-            <a:spLocks noGrp="1"/>
-          </p:cNvSpPr>
-          <p:nvPr>
-            <p:ph type="sldNum" sz="quarter" idx="10"/>
-          </p:nvPr>
-        </p:nvSpPr>
-        <p:spPr/>
-        <p:txBody>
-          <a:bodyPr/>
-          <a:lstStyle/>
-          <a:p>
-            <a:fld id="{F281F6FB-2DDC-455D-B27B-ACF9902ABC11}" type="slidenum">
-              <a:rPr lang="es-PY" smtClean="0"/>
-              <a:pPr/>
-              <a:t>32</a:t>
             </a:fld>
             <a:endParaRPr lang="es-PY"/>
           </a:p>
@@ -4600,7 +4289,7 @@
     </p:spTree>
     <p:extLst>
       <p:ext uri="{BB962C8B-B14F-4D97-AF65-F5344CB8AC3E}">
-        <p14:creationId xmlns="" xmlns:p14="http://schemas.microsoft.com/office/powerpoint/2010/main" val="574261693"/>
+        <p14:creationId xmlns:p14="http://schemas.microsoft.com/office/powerpoint/2010/main" xmlns="" val="574261693"/>
       </p:ext>
     </p:extLst>
   </p:cSld>
@@ -4723,7 +4412,7 @@
     </p:spTree>
     <p:extLst>
       <p:ext uri="{BB962C8B-B14F-4D97-AF65-F5344CB8AC3E}">
-        <p14:creationId xmlns="" xmlns:p14="http://schemas.microsoft.com/office/powerpoint/2010/main" val="3670050513"/>
+        <p14:creationId xmlns:p14="http://schemas.microsoft.com/office/powerpoint/2010/main" xmlns="" val="3670050513"/>
       </p:ext>
     </p:extLst>
   </p:cSld>
@@ -8663,7 +8352,11 @@
               <a:rPr lang="es-ES" dirty="0" smtClean="0"/>
               <a:t>“Una propuesta MDA para el soporte de aplicaciones RIA”</a:t>
             </a:r>
-            <a:endParaRPr lang="es-PY" dirty="0"/>
+            <a:r>
+              <a:rPr lang="es-ES" baseline="30000" dirty="0" smtClean="0"/>
+              <a:t>1</a:t>
+            </a:r>
+            <a:endParaRPr lang="es-PY" baseline="30000" dirty="0"/>
           </a:p>
         </p:txBody>
       </p:sp>
@@ -8748,6 +8441,34 @@
               <a:pPr/>
               <a:t>1</a:t>
             </a:fld>
+            <a:endParaRPr lang="es-PY" sz="1600" dirty="0"/>
+          </a:p>
+        </p:txBody>
+      </p:sp>
+      <p:sp>
+        <p:nvSpPr>
+          <p:cNvPr id="6" name="5 Marcador de pie de página"/>
+          <p:cNvSpPr>
+            <a:spLocks noGrp="1"/>
+          </p:cNvSpPr>
+          <p:nvPr>
+            <p:ph type="ftr" sz="quarter" idx="11"/>
+          </p:nvPr>
+        </p:nvSpPr>
+        <p:spPr>
+          <a:xfrm>
+            <a:off x="467544" y="5805264"/>
+            <a:ext cx="7848872" cy="981925"/>
+          </a:xfrm>
+        </p:spPr>
+        <p:txBody>
+          <a:bodyPr/>
+          <a:lstStyle/>
+          <a:p>
+            <a:r>
+              <a:rPr lang="es-ES" sz="1600" dirty="0" smtClean="0"/>
+              <a:t>1. Este trabajo ha sido desarrollado con el apoyo financiero del Consejo Nacional de Ciencia y Tecnología (CONACYT, Paraguay) en el marco del proyecto denominado "Mejorando el proceso de desarrollo de software: propuesta basada en MDD" (14-INV-056). </a:t>
+            </a:r>
             <a:endParaRPr lang="es-PY" sz="1600" dirty="0"/>
           </a:p>
         </p:txBody>
@@ -8948,7 +8669,7 @@
           <a:blip r:embed="rId3" cstate="print">
             <a:extLst>
               <a:ext uri="{28A0092B-C50C-407E-A947-70E740481C1C}">
-                <a14:useLocalDpi xmlns="" xmlns:a14="http://schemas.microsoft.com/office/drawing/2010/main" val="0"/>
+                <a14:useLocalDpi xmlns:a14="http://schemas.microsoft.com/office/drawing/2010/main" xmlns="" val="0"/>
               </a:ext>
             </a:extLst>
           </a:blip>
@@ -10176,11 +9897,7 @@
             </a:r>
             <a:r>
               <a:rPr lang="es-PY" dirty="0" smtClean="0"/>
-              <a:t>) para </a:t>
-            </a:r>
-            <a:r>
-              <a:rPr lang="es-PY" dirty="0" smtClean="0"/>
-              <a:t>las librerías </a:t>
+              <a:t>) para la plataforma destino </a:t>
             </a:r>
             <a:r>
               <a:rPr lang="es-PY" i="1" dirty="0" err="1" smtClean="0"/>
@@ -10817,7 +10534,7 @@
         </p:nvSpPr>
         <p:spPr>
           <a:xfrm>
-            <a:off x="467544" y="476672"/>
+            <a:off x="899592" y="1412776"/>
             <a:ext cx="7467600" cy="1143000"/>
           </a:xfrm>
         </p:spPr>
@@ -10829,49 +10546,45 @@
           <a:p>
             <a:pPr algn="ctr"/>
             <a:r>
-              <a:rPr lang="es-ES" sz="2800" b="1" dirty="0" smtClean="0"/>
-              <a:t>PI1: ¿Consume una mayor cantidad de tiempo modelar la aplicación aplicando </a:t>
-            </a:r>
-            <a:r>
-              <a:rPr lang="es-ES" sz="2800" b="1" i="1" dirty="0" err="1" smtClean="0"/>
-              <a:t>MoWebA</a:t>
-            </a:r>
-            <a:r>
-              <a:rPr lang="es-ES" sz="2800" b="1" dirty="0" smtClean="0"/>
-              <a:t> con </a:t>
-            </a:r>
-            <a:r>
-              <a:rPr lang="es-ES" sz="2800" b="1" i="1" dirty="0" smtClean="0"/>
-              <a:t>RIA</a:t>
-            </a:r>
-            <a:r>
-              <a:rPr lang="es-ES" sz="2800" b="1" dirty="0" smtClean="0"/>
-              <a:t> que </a:t>
-            </a:r>
-            <a:r>
-              <a:rPr lang="es-ES" sz="2800" b="1" i="1" dirty="0" err="1" smtClean="0"/>
-              <a:t>MoWebA</a:t>
-            </a:r>
-            <a:r>
-              <a:rPr lang="es-ES" sz="2800" b="1" dirty="0" smtClean="0"/>
-              <a:t> sin </a:t>
-            </a:r>
-            <a:r>
-              <a:rPr lang="es-ES" sz="2800" b="1" i="1" dirty="0" smtClean="0"/>
-              <a:t>RIA</a:t>
-            </a:r>
-            <a:r>
-              <a:rPr lang="es-ES" sz="2800" b="1" dirty="0" smtClean="0"/>
-              <a:t>?</a:t>
-            </a:r>
-            <a:r>
-              <a:rPr lang="es-PY" sz="2800" dirty="0" smtClean="0"/>
+              <a:rPr lang="es-PY" sz="2400" b="1" dirty="0" smtClean="0"/>
               <a:t/>
             </a:r>
             <a:br>
-              <a:rPr lang="es-PY" sz="2800" dirty="0" smtClean="0"/>
+              <a:rPr lang="es-PY" sz="2400" b="1" dirty="0" smtClean="0"/>
             </a:br>
-            <a:endParaRPr lang="es-PY" sz="2800" dirty="0"/>
+            <a:r>
+              <a:rPr lang="es-PY" sz="2400" b="1" dirty="0" smtClean="0"/>
+              <a:t/>
+            </a:r>
+            <a:br>
+              <a:rPr lang="es-PY" sz="2400" b="1" dirty="0" smtClean="0"/>
+            </a:br>
+            <a:r>
+              <a:rPr lang="es-PY" sz="2400" b="1" i="1" dirty="0" smtClean="0"/>
+              <a:t>PI2: ¿Para cuál de los enfoques  es necesaria  una mayor cantidad de generaciones de código para obtener la interfaz de usuario final?</a:t>
+            </a:r>
+            <a:r>
+              <a:rPr lang="es-PY" sz="2400" b="1" dirty="0" smtClean="0"/>
+              <a:t/>
+            </a:r>
+            <a:br>
+              <a:rPr lang="es-PY" sz="2400" b="1" dirty="0" smtClean="0"/>
+            </a:br>
+            <a:r>
+              <a:rPr lang="es-PY" sz="2400" b="1" dirty="0" smtClean="0"/>
+              <a:t/>
+            </a:r>
+            <a:br>
+              <a:rPr lang="es-PY" sz="2400" b="1" dirty="0" smtClean="0"/>
+            </a:br>
+            <a:r>
+              <a:rPr lang="es-PY" sz="2400" b="1" dirty="0" smtClean="0"/>
+              <a:t/>
+            </a:r>
+            <a:br>
+              <a:rPr lang="es-PY" sz="2400" b="1" dirty="0" smtClean="0"/>
+            </a:br>
+            <a:endParaRPr lang="es-PY" sz="2400" b="1" dirty="0"/>
           </a:p>
         </p:txBody>
       </p:sp>
@@ -10893,8 +10606,8 @@
         </p:blipFill>
         <p:spPr>
           <a:xfrm>
-            <a:off x="107504" y="1988840"/>
-            <a:ext cx="8960339" cy="2999709"/>
+            <a:off x="107504" y="2348880"/>
+            <a:ext cx="8960339" cy="2952328"/>
           </a:xfrm>
         </p:spPr>
       </p:pic>
@@ -10930,8 +10643,8 @@
         </p:nvSpPr>
         <p:spPr>
           <a:xfrm>
-            <a:off x="1331640" y="5301208"/>
-            <a:ext cx="6768752" cy="369332"/>
+            <a:off x="323528" y="5445225"/>
+            <a:ext cx="7632848" cy="677108"/>
           </a:xfrm>
           <a:prstGeom prst="rect">
             <a:avLst/>
@@ -10945,34 +10658,121 @@
           <a:lstStyle/>
           <a:p>
             <a:r>
-              <a:rPr lang="es-PY" i="1" dirty="0" err="1" smtClean="0"/>
+              <a:rPr lang="es-PY" sz="2000" i="1" dirty="0" smtClean="0"/>
+              <a:t>           	    MoWebA</a:t>
+            </a:r>
+            <a:r>
+              <a:rPr lang="es-PY" sz="2000" i="1" dirty="0" smtClean="0"/>
+              <a:t>4</a:t>
+            </a:r>
+            <a:r>
+              <a:rPr lang="es-PY" sz="2000" i="1" dirty="0" smtClean="0"/>
+              <a:t>RIA</a:t>
+            </a:r>
+            <a:r>
+              <a:rPr lang="es-PY" sz="2000" dirty="0" smtClean="0"/>
+              <a:t> </a:t>
+            </a:r>
+            <a:r>
+              <a:rPr lang="es-PY" sz="2000" dirty="0" smtClean="0"/>
+              <a:t>demoró 8 minutos más que </a:t>
+            </a:r>
+            <a:r>
+              <a:rPr lang="es-PY" sz="2000" i="1" dirty="0" err="1" smtClean="0"/>
               <a:t>MoWebA</a:t>
             </a:r>
-            <a:r>
-              <a:rPr lang="es-PY" dirty="0" smtClean="0"/>
-              <a:t> con </a:t>
-            </a:r>
-            <a:r>
-              <a:rPr lang="es-PY" i="1" dirty="0" smtClean="0"/>
-              <a:t>RIA</a:t>
-            </a:r>
-            <a:r>
-              <a:rPr lang="es-PY" dirty="0" smtClean="0"/>
-              <a:t> demoró 8 minutos más que </a:t>
-            </a:r>
-            <a:r>
-              <a:rPr lang="es-PY" i="1" dirty="0" err="1" smtClean="0"/>
+            <a:endParaRPr lang="es-PY" sz="2000" i="1" dirty="0" smtClean="0"/>
+          </a:p>
+          <a:p>
+            <a:endParaRPr lang="es-PY" i="1" dirty="0"/>
+          </a:p>
+        </p:txBody>
+      </p:sp>
+      <p:sp>
+        <p:nvSpPr>
+          <p:cNvPr id="6" name="5 CuadroTexto"/>
+          <p:cNvSpPr txBox="1"/>
+          <p:nvPr/>
+        </p:nvSpPr>
+        <p:spPr>
+          <a:xfrm>
+            <a:off x="827584" y="332656"/>
+            <a:ext cx="7416824" cy="830997"/>
+          </a:xfrm>
+          <a:prstGeom prst="rect">
+            <a:avLst/>
+          </a:prstGeom>
+          <a:noFill/>
+        </p:spPr>
+        <p:txBody>
+          <a:bodyPr wrap="square" rtlCol="0">
+            <a:spAutoFit/>
+          </a:bodyPr>
+          <a:lstStyle/>
+          <a:p>
+            <a:r>
+              <a:rPr lang="es-PY" sz="2400" b="1" dirty="0" smtClean="0">
+                <a:latin typeface="+mj-lt"/>
+              </a:rPr>
+              <a:t>PI1: ¿Consume una mayor cantidad de tiempo modelar la aplicación aplicando MoWebA4RIA que </a:t>
+            </a:r>
+            <a:r>
+              <a:rPr lang="es-PY" sz="2400" b="1" dirty="0" err="1" smtClean="0">
+                <a:latin typeface="+mj-lt"/>
+              </a:rPr>
               <a:t>MoWebA</a:t>
             </a:r>
             <a:r>
-              <a:rPr lang="es-PY" dirty="0" smtClean="0"/>
-              <a:t> sin </a:t>
-            </a:r>
-            <a:r>
-              <a:rPr lang="es-PY" i="1" dirty="0" smtClean="0"/>
-              <a:t>RIA</a:t>
-            </a:r>
-            <a:endParaRPr lang="es-PY" i="1" dirty="0"/>
+              <a:rPr lang="es-PY" sz="2400" b="1" dirty="0" smtClean="0">
+                <a:latin typeface="+mj-lt"/>
+              </a:rPr>
+              <a:t>?</a:t>
+            </a:r>
+            <a:endParaRPr lang="es-PY" sz="2400" dirty="0">
+              <a:latin typeface="+mj-lt"/>
+            </a:endParaRPr>
+          </a:p>
+        </p:txBody>
+      </p:sp>
+      <p:sp>
+        <p:nvSpPr>
+          <p:cNvPr id="9" name="8 CuadroTexto"/>
+          <p:cNvSpPr txBox="1"/>
+          <p:nvPr/>
+        </p:nvSpPr>
+        <p:spPr>
+          <a:xfrm>
+            <a:off x="0" y="5949280"/>
+            <a:ext cx="9396536" cy="400110"/>
+          </a:xfrm>
+          <a:prstGeom prst="rect">
+            <a:avLst/>
+          </a:prstGeom>
+          <a:noFill/>
+        </p:spPr>
+        <p:txBody>
+          <a:bodyPr wrap="square" rtlCol="0">
+            <a:spAutoFit/>
+          </a:bodyPr>
+          <a:lstStyle/>
+          <a:p>
+            <a:r>
+              <a:rPr lang="es-PY" sz="2000" i="1" dirty="0" smtClean="0"/>
+              <a:t>        MoWebA4RIA</a:t>
+            </a:r>
+            <a:r>
+              <a:rPr lang="es-PY" sz="2000" dirty="0" smtClean="0"/>
+              <a:t> </a:t>
+            </a:r>
+            <a:r>
+              <a:rPr lang="es-PY" sz="2000" dirty="0" smtClean="0"/>
+              <a:t>deparó en 2 generaciones más de código que </a:t>
+            </a:r>
+            <a:r>
+              <a:rPr lang="es-PY" sz="2000" i="1" dirty="0" err="1" smtClean="0"/>
+              <a:t>MoWebA</a:t>
+            </a:r>
+            <a:endParaRPr lang="es-PY" sz="2000" i="1" dirty="0" smtClean="0"/>
           </a:p>
         </p:txBody>
       </p:sp>
@@ -10981,12 +10781,328 @@
   <p:clrMapOvr>
     <a:masterClrMapping/>
   </p:clrMapOvr>
+  <p:transition/>
   <p:timing>
     <p:tnLst>
       <p:par>
-        <p:cTn id="1" dur="indefinite" restart="never" nodeType="tmRoot"/>
+        <p:cTn id="1" dur="indefinite" restart="never" nodeType="tmRoot">
+          <p:childTnLst>
+            <p:seq concurrent="1" nextAc="seek">
+              <p:cTn id="2" dur="indefinite" nodeType="mainSeq">
+                <p:childTnLst>
+                  <p:par>
+                    <p:cTn id="3" fill="hold">
+                      <p:stCondLst>
+                        <p:cond delay="indefinite"/>
+                      </p:stCondLst>
+                      <p:childTnLst>
+                        <p:par>
+                          <p:cTn id="4" fill="hold">
+                            <p:stCondLst>
+                              <p:cond delay="0"/>
+                            </p:stCondLst>
+                            <p:childTnLst>
+                              <p:par>
+                                <p:cTn id="5" presetID="4" presetClass="entr" presetSubtype="16" fill="hold" nodeType="clickEffect">
+                                  <p:stCondLst>
+                                    <p:cond delay="0"/>
+                                  </p:stCondLst>
+                                  <p:childTnLst>
+                                    <p:set>
+                                      <p:cBhvr>
+                                        <p:cTn id="6" dur="1" fill="hold">
+                                          <p:stCondLst>
+                                            <p:cond delay="0"/>
+                                          </p:stCondLst>
+                                        </p:cTn>
+                                        <p:tgtEl>
+                                          <p:spTgt spid="6">
+                                            <p:txEl>
+                                              <p:pRg st="0" end="0"/>
+                                            </p:txEl>
+                                          </p:spTgt>
+                                        </p:tgtEl>
+                                        <p:attrNameLst>
+                                          <p:attrName>style.visibility</p:attrName>
+                                        </p:attrNameLst>
+                                      </p:cBhvr>
+                                      <p:to>
+                                        <p:strVal val="visible"/>
+                                      </p:to>
+                                    </p:set>
+                                    <p:animEffect transition="in" filter="box(in)">
+                                      <p:cBhvr>
+                                        <p:cTn id="7" dur="500"/>
+                                        <p:tgtEl>
+                                          <p:spTgt spid="6">
+                                            <p:txEl>
+                                              <p:pRg st="0" end="0"/>
+                                            </p:txEl>
+                                          </p:spTgt>
+                                        </p:tgtEl>
+                                      </p:cBhvr>
+                                    </p:animEffect>
+                                  </p:childTnLst>
+                                </p:cTn>
+                              </p:par>
+                            </p:childTnLst>
+                          </p:cTn>
+                        </p:par>
+                      </p:childTnLst>
+                    </p:cTn>
+                  </p:par>
+                  <p:par>
+                    <p:cTn id="8" fill="hold">
+                      <p:stCondLst>
+                        <p:cond delay="indefinite"/>
+                      </p:stCondLst>
+                      <p:childTnLst>
+                        <p:par>
+                          <p:cTn id="9" fill="hold">
+                            <p:stCondLst>
+                              <p:cond delay="0"/>
+                            </p:stCondLst>
+                            <p:childTnLst>
+                              <p:par>
+                                <p:cTn id="10" presetID="4" presetClass="entr" presetSubtype="16" fill="hold" nodeType="clickEffect">
+                                  <p:stCondLst>
+                                    <p:cond delay="0"/>
+                                  </p:stCondLst>
+                                  <p:childTnLst>
+                                    <p:set>
+                                      <p:cBhvr>
+                                        <p:cTn id="11" dur="1" fill="hold">
+                                          <p:stCondLst>
+                                            <p:cond delay="0"/>
+                                          </p:stCondLst>
+                                        </p:cTn>
+                                        <p:tgtEl>
+                                          <p:spTgt spid="7"/>
+                                        </p:tgtEl>
+                                        <p:attrNameLst>
+                                          <p:attrName>style.visibility</p:attrName>
+                                        </p:attrNameLst>
+                                      </p:cBhvr>
+                                      <p:to>
+                                        <p:strVal val="visible"/>
+                                      </p:to>
+                                    </p:set>
+                                    <p:animEffect transition="in" filter="box(in)">
+                                      <p:cBhvr>
+                                        <p:cTn id="12" dur="500"/>
+                                        <p:tgtEl>
+                                          <p:spTgt spid="7"/>
+                                        </p:tgtEl>
+                                      </p:cBhvr>
+                                    </p:animEffect>
+                                  </p:childTnLst>
+                                </p:cTn>
+                              </p:par>
+                            </p:childTnLst>
+                          </p:cTn>
+                        </p:par>
+                      </p:childTnLst>
+                    </p:cTn>
+                  </p:par>
+                  <p:par>
+                    <p:cTn id="13" fill="hold">
+                      <p:stCondLst>
+                        <p:cond delay="indefinite"/>
+                      </p:stCondLst>
+                      <p:childTnLst>
+                        <p:par>
+                          <p:cTn id="14" fill="hold">
+                            <p:stCondLst>
+                              <p:cond delay="0"/>
+                            </p:stCondLst>
+                            <p:childTnLst>
+                              <p:par>
+                                <p:cTn id="15" presetID="4" presetClass="entr" presetSubtype="16" fill="hold" nodeType="clickEffect">
+                                  <p:stCondLst>
+                                    <p:cond delay="0"/>
+                                  </p:stCondLst>
+                                  <p:childTnLst>
+                                    <p:set>
+                                      <p:cBhvr>
+                                        <p:cTn id="16" dur="1" fill="hold">
+                                          <p:stCondLst>
+                                            <p:cond delay="0"/>
+                                          </p:stCondLst>
+                                        </p:cTn>
+                                        <p:tgtEl>
+                                          <p:spTgt spid="8">
+                                            <p:txEl>
+                                              <p:pRg st="0" end="0"/>
+                                            </p:txEl>
+                                          </p:spTgt>
+                                        </p:tgtEl>
+                                        <p:attrNameLst>
+                                          <p:attrName>style.visibility</p:attrName>
+                                        </p:attrNameLst>
+                                      </p:cBhvr>
+                                      <p:to>
+                                        <p:strVal val="visible"/>
+                                      </p:to>
+                                    </p:set>
+                                    <p:animEffect transition="in" filter="box(in)">
+                                      <p:cBhvr>
+                                        <p:cTn id="17" dur="500"/>
+                                        <p:tgtEl>
+                                          <p:spTgt spid="8">
+                                            <p:txEl>
+                                              <p:pRg st="0" end="0"/>
+                                            </p:txEl>
+                                          </p:spTgt>
+                                        </p:tgtEl>
+                                      </p:cBhvr>
+                                    </p:animEffect>
+                                  </p:childTnLst>
+                                </p:cTn>
+                              </p:par>
+                            </p:childTnLst>
+                          </p:cTn>
+                        </p:par>
+                      </p:childTnLst>
+                    </p:cTn>
+                  </p:par>
+                  <p:par>
+                    <p:cTn id="18" fill="hold">
+                      <p:stCondLst>
+                        <p:cond delay="indefinite"/>
+                      </p:stCondLst>
+                      <p:childTnLst>
+                        <p:par>
+                          <p:cTn id="19" fill="hold">
+                            <p:stCondLst>
+                              <p:cond delay="0"/>
+                            </p:stCondLst>
+                            <p:childTnLst>
+                              <p:par>
+                                <p:cTn id="20" presetID="4" presetClass="entr" presetSubtype="16" fill="hold" grpId="0" nodeType="clickEffect">
+                                  <p:stCondLst>
+                                    <p:cond delay="0"/>
+                                  </p:stCondLst>
+                                  <p:childTnLst>
+                                    <p:set>
+                                      <p:cBhvr>
+                                        <p:cTn id="21" dur="1" fill="hold">
+                                          <p:stCondLst>
+                                            <p:cond delay="0"/>
+                                          </p:stCondLst>
+                                        </p:cTn>
+                                        <p:tgtEl>
+                                          <p:spTgt spid="2"/>
+                                        </p:tgtEl>
+                                        <p:attrNameLst>
+                                          <p:attrName>style.visibility</p:attrName>
+                                        </p:attrNameLst>
+                                      </p:cBhvr>
+                                      <p:to>
+                                        <p:strVal val="visible"/>
+                                      </p:to>
+                                    </p:set>
+                                    <p:animEffect transition="in" filter="box(in)">
+                                      <p:cBhvr>
+                                        <p:cTn id="22" dur="500"/>
+                                        <p:tgtEl>
+                                          <p:spTgt spid="2"/>
+                                        </p:tgtEl>
+                                      </p:cBhvr>
+                                    </p:animEffect>
+                                  </p:childTnLst>
+                                </p:cTn>
+                              </p:par>
+                            </p:childTnLst>
+                          </p:cTn>
+                        </p:par>
+                      </p:childTnLst>
+                    </p:cTn>
+                  </p:par>
+                  <p:par>
+                    <p:cTn id="23" fill="hold">
+                      <p:stCondLst>
+                        <p:cond delay="indefinite"/>
+                      </p:stCondLst>
+                      <p:childTnLst>
+                        <p:par>
+                          <p:cTn id="24" fill="hold">
+                            <p:stCondLst>
+                              <p:cond delay="0"/>
+                            </p:stCondLst>
+                            <p:childTnLst>
+                              <p:par>
+                                <p:cTn id="25" presetID="4" presetClass="entr" presetSubtype="16" fill="hold" nodeType="clickEffect">
+                                  <p:stCondLst>
+                                    <p:cond delay="0"/>
+                                  </p:stCondLst>
+                                  <p:childTnLst>
+                                    <p:set>
+                                      <p:cBhvr>
+                                        <p:cTn id="26" dur="1" fill="hold">
+                                          <p:stCondLst>
+                                            <p:cond delay="0"/>
+                                          </p:stCondLst>
+                                        </p:cTn>
+                                        <p:tgtEl>
+                                          <p:spTgt spid="9">
+                                            <p:txEl>
+                                              <p:pRg st="0" end="0"/>
+                                            </p:txEl>
+                                          </p:spTgt>
+                                        </p:tgtEl>
+                                        <p:attrNameLst>
+                                          <p:attrName>style.visibility</p:attrName>
+                                        </p:attrNameLst>
+                                      </p:cBhvr>
+                                      <p:to>
+                                        <p:strVal val="visible"/>
+                                      </p:to>
+                                    </p:set>
+                                    <p:animEffect transition="in" filter="box(in)">
+                                      <p:cBhvr>
+                                        <p:cTn id="27" dur="500"/>
+                                        <p:tgtEl>
+                                          <p:spTgt spid="9">
+                                            <p:txEl>
+                                              <p:pRg st="0" end="0"/>
+                                            </p:txEl>
+                                          </p:spTgt>
+                                        </p:tgtEl>
+                                      </p:cBhvr>
+                                    </p:animEffect>
+                                  </p:childTnLst>
+                                </p:cTn>
+                              </p:par>
+                            </p:childTnLst>
+                          </p:cTn>
+                        </p:par>
+                      </p:childTnLst>
+                    </p:cTn>
+                  </p:par>
+                </p:childTnLst>
+              </p:cTn>
+              <p:prevCondLst>
+                <p:cond evt="onPrev" delay="0">
+                  <p:tgtEl>
+                    <p:sldTgt/>
+                  </p:tgtEl>
+                </p:cond>
+              </p:prevCondLst>
+              <p:nextCondLst>
+                <p:cond evt="onNext" delay="0">
+                  <p:tgtEl>
+                    <p:sldTgt/>
+                  </p:tgtEl>
+                </p:cond>
+              </p:nextCondLst>
+            </p:seq>
+          </p:childTnLst>
+        </p:cTn>
       </p:par>
     </p:tnLst>
+    <p:bldLst>
+      <p:bldP spid="2" grpId="0"/>
+    </p:bldLst>
   </p:timing>
 </p:sld>
 </file>
@@ -11020,7 +11136,7 @@
         </p:nvSpPr>
         <p:spPr>
           <a:xfrm>
-            <a:off x="395536" y="413792"/>
+            <a:off x="467544" y="476672"/>
             <a:ext cx="7467600" cy="1143000"/>
           </a:xfrm>
         </p:spPr>
@@ -11033,7 +11149,35 @@
             <a:pPr algn="ctr"/>
             <a:r>
               <a:rPr lang="es-PY" sz="2400" b="1" i="1" dirty="0" smtClean="0"/>
-              <a:t>PI2: ¿Para cuál de los enfoques  es necesaria  una mayor cantidad de generaciones de código para obtener la interfaz de usuario final?</a:t>
+              <a:t>PI3: Desde el punto de vista de las presentaciones enriquecidas, ¿qué ventajas aportan las características RIA presentes en la aplicación implementada con </a:t>
+            </a:r>
+            <a:r>
+              <a:rPr lang="es-PY" sz="2400" b="1" i="1" dirty="0" smtClean="0"/>
+              <a:t>MoWebA</a:t>
+            </a:r>
+            <a:r>
+              <a:rPr lang="es-PY" sz="2400" b="1" i="1" dirty="0" smtClean="0"/>
+              <a:t>4</a:t>
+            </a:r>
+            <a:r>
+              <a:rPr lang="es-PY" sz="2400" b="1" i="1" dirty="0" smtClean="0"/>
+              <a:t>RIA </a:t>
+            </a:r>
+            <a:r>
+              <a:rPr lang="es-PY" sz="2400" b="1" i="1" dirty="0" smtClean="0"/>
+              <a:t>con respecto a </a:t>
+            </a:r>
+            <a:r>
+              <a:rPr lang="es-PY" sz="2400" b="1" i="1" dirty="0" err="1" smtClean="0"/>
+              <a:t>MoWebA</a:t>
+            </a:r>
+            <a:r>
+              <a:rPr lang="es-PY" sz="2400" b="1" i="1" dirty="0" smtClean="0"/>
+              <a:t> </a:t>
+            </a:r>
+            <a:r>
+              <a:rPr lang="es-PY" sz="2400" b="1" i="1" dirty="0" smtClean="0"/>
+              <a:t>?</a:t>
             </a:r>
             <a:r>
               <a:rPr lang="es-PY" sz="2400" b="1" dirty="0" smtClean="0"/>
@@ -11048,7 +11192,7 @@
       </p:sp>
       <p:pic>
         <p:nvPicPr>
-          <p:cNvPr id="4" name="3 Marcador de contenido" descr="numeroDeGeneraciones.png"/>
+          <p:cNvPr id="4" name="3 Marcador de contenido"/>
           <p:cNvPicPr>
             <a:picLocks noGrp="1" noChangeAspect="1"/>
           </p:cNvPicPr>
@@ -11057,15 +11201,21 @@
           </p:nvPr>
         </p:nvPicPr>
         <p:blipFill>
-          <a:blip r:embed="rId3" cstate="print"/>
+          <a:blip r:embed="rId3" cstate="print">
+            <a:extLst>
+              <a:ext uri="{28A0092B-C50C-407E-A947-70E740481C1C}">
+                <a14:useLocalDpi xmlns:a14="http://schemas.microsoft.com/office/drawing/2010/main" xmlns="" val="0"/>
+              </a:ext>
+            </a:extLst>
+          </a:blip>
           <a:stretch>
             <a:fillRect/>
           </a:stretch>
         </p:blipFill>
         <p:spPr>
           <a:xfrm>
-            <a:off x="194483" y="1700808"/>
-            <a:ext cx="8824550" cy="3016940"/>
+            <a:off x="73750" y="1700808"/>
+            <a:ext cx="9055736" cy="4968552"/>
           </a:xfrm>
         </p:spPr>
       </p:pic>
@@ -11090,59 +11240,6 @@
               <a:t>26</a:t>
             </a:fld>
             <a:endParaRPr lang="es-PY" sz="1600" dirty="0"/>
-          </a:p>
-        </p:txBody>
-      </p:sp>
-      <p:sp>
-        <p:nvSpPr>
-          <p:cNvPr id="6" name="5 Rectángulo"/>
-          <p:cNvSpPr/>
-          <p:nvPr/>
-        </p:nvSpPr>
-        <p:spPr>
-          <a:xfrm>
-            <a:off x="395536" y="5229200"/>
-            <a:ext cx="7992888" cy="646331"/>
-          </a:xfrm>
-          <a:prstGeom prst="rect">
-            <a:avLst/>
-          </a:prstGeom>
-        </p:spPr>
-        <p:txBody>
-          <a:bodyPr wrap="square">
-            <a:spAutoFit/>
-          </a:bodyPr>
-          <a:lstStyle/>
-          <a:p>
-            <a:r>
-              <a:rPr lang="es-PY" i="1" dirty="0" err="1" smtClean="0"/>
-              <a:t>MoWebA</a:t>
-            </a:r>
-            <a:r>
-              <a:rPr lang="es-PY" dirty="0" smtClean="0"/>
-              <a:t> con </a:t>
-            </a:r>
-            <a:r>
-              <a:rPr lang="es-PY" i="1" dirty="0" smtClean="0"/>
-              <a:t>RIA</a:t>
-            </a:r>
-            <a:r>
-              <a:rPr lang="es-PY" dirty="0" smtClean="0"/>
-              <a:t> deparó en 2 generaciones más de código que </a:t>
-            </a:r>
-            <a:r>
-              <a:rPr lang="es-PY" i="1" dirty="0" err="1" smtClean="0"/>
-              <a:t>MoWebA</a:t>
-            </a:r>
-            <a:r>
-              <a:rPr lang="es-PY" dirty="0" smtClean="0"/>
-              <a:t> sin </a:t>
-            </a:r>
-            <a:r>
-              <a:rPr lang="es-PY" i="1" dirty="0" smtClean="0"/>
-              <a:t>RIA</a:t>
-            </a:r>
-            <a:endParaRPr lang="es-PY" i="1" dirty="0"/>
           </a:p>
         </p:txBody>
       </p:sp>
@@ -11190,8 +11287,8 @@
         </p:nvSpPr>
         <p:spPr>
           <a:xfrm>
-            <a:off x="467544" y="476672"/>
-            <a:ext cx="7467600" cy="1143000"/>
+            <a:off x="323528" y="404664"/>
+            <a:ext cx="8424936" cy="1080120"/>
           </a:xfrm>
         </p:spPr>
         <p:txBody>
@@ -11200,10 +11297,25 @@
           </a:bodyPr>
           <a:lstStyle/>
           <a:p>
-            <a:pPr algn="ctr"/>
             <a:r>
               <a:rPr lang="es-PY" sz="2400" b="1" i="1" dirty="0" smtClean="0"/>
-              <a:t>PI3: Desde el punto de vista de las presentaciones enriquecidas, ¿qué ventajas aportan las características RIA presentes en la aplicación implementada con </a:t>
+              <a:t>PI4: Desde el punto de vista de la lógica de negocios en el lado del cliente, ¿qué ventajas aportan las características RIA presentes en la aplicación implementada con </a:t>
+            </a:r>
+            <a:r>
+              <a:rPr lang="es-PY" sz="2400" b="1" i="1" dirty="0" smtClean="0"/>
+              <a:t>MoWebA</a:t>
+            </a:r>
+            <a:r>
+              <a:rPr lang="es-PY" sz="2400" b="1" i="1" dirty="0" smtClean="0"/>
+              <a:t>4</a:t>
+            </a:r>
+            <a:r>
+              <a:rPr lang="es-PY" sz="2400" b="1" i="1" dirty="0" smtClean="0"/>
+              <a:t>RIA </a:t>
+            </a:r>
+            <a:r>
+              <a:rPr lang="es-PY" sz="2400" b="1" i="1" dirty="0" smtClean="0"/>
+              <a:t>con respecto a </a:t>
             </a:r>
             <a:r>
               <a:rPr lang="es-PY" sz="2400" b="1" i="1" dirty="0" err="1" smtClean="0"/>
@@ -11211,15 +11323,7 @@
             </a:r>
             <a:r>
               <a:rPr lang="es-PY" sz="2400" b="1" i="1" dirty="0" smtClean="0"/>
-              <a:t> con RIA con respecto a </a:t>
-            </a:r>
-            <a:r>
-              <a:rPr lang="es-PY" sz="2400" b="1" i="1" dirty="0" err="1" smtClean="0"/>
-              <a:t>MoWebA</a:t>
-            </a:r>
-            <a:r>
-              <a:rPr lang="es-PY" sz="2400" b="1" i="1" dirty="0" smtClean="0"/>
-              <a:t> sin RIA?</a:t>
+              <a:t>?</a:t>
             </a:r>
             <a:r>
               <a:rPr lang="es-PY" sz="2400" b="1" dirty="0" smtClean="0"/>
@@ -11246,7 +11350,7 @@
           <a:blip r:embed="rId3" cstate="print">
             <a:extLst>
               <a:ext uri="{28A0092B-C50C-407E-A947-70E740481C1C}">
-                <a14:useLocalDpi xmlns="" xmlns:a14="http://schemas.microsoft.com/office/drawing/2010/main" val="0"/>
+                <a14:useLocalDpi xmlns:a14="http://schemas.microsoft.com/office/drawing/2010/main" xmlns="" val="0"/>
               </a:ext>
             </a:extLst>
           </a:blip>
@@ -11256,8 +11360,8 @@
         </p:blipFill>
         <p:spPr>
           <a:xfrm>
-            <a:off x="73750" y="1700808"/>
-            <a:ext cx="9055736" cy="4968552"/>
+            <a:off x="251520" y="1628800"/>
+            <a:ext cx="8702132" cy="4896544"/>
           </a:xfrm>
         </p:spPr>
       </p:pic>
@@ -11329,7 +11433,7 @@
         </p:nvSpPr>
         <p:spPr>
           <a:xfrm>
-            <a:off x="467544" y="332656"/>
+            <a:off x="395536" y="836712"/>
             <a:ext cx="7467600" cy="1143000"/>
           </a:xfrm>
         </p:spPr>
@@ -11339,40 +11443,33 @@
           </a:bodyPr>
           <a:lstStyle/>
           <a:p>
-            <a:r>
-              <a:rPr lang="es-PY" sz="2000" b="1" i="1" dirty="0" smtClean="0"/>
-              <a:t>PI4: Desde el punto de vista de la lógica de negocios en el lado del cliente, ¿qué ventajas aportan las características RIA presentes en la aplicación implementada con </a:t>
-            </a:r>
-            <a:r>
-              <a:rPr lang="es-PY" sz="2000" b="1" i="1" dirty="0" err="1" smtClean="0"/>
-              <a:t>MoWebA</a:t>
-            </a:r>
-            <a:r>
-              <a:rPr lang="es-PY" sz="2000" b="1" i="1" dirty="0" smtClean="0"/>
-              <a:t> con RIA con respecto a </a:t>
-            </a:r>
-            <a:r>
-              <a:rPr lang="es-PY" sz="2000" b="1" i="1" dirty="0" err="1" smtClean="0"/>
-              <a:t>MoWebA</a:t>
-            </a:r>
-            <a:r>
-              <a:rPr lang="es-PY" sz="2000" b="1" i="1" dirty="0" smtClean="0"/>
-              <a:t> sin RIA?</a:t>
-            </a:r>
-            <a:r>
-              <a:rPr lang="es-PY" sz="2000" b="1" dirty="0" smtClean="0"/>
+            <a:pPr algn="ctr"/>
+            <a:r>
+              <a:rPr lang="es-PY" sz="2400" b="1" i="1" dirty="0" smtClean="0"/>
+              <a:t>PI5: Para cada una de las vistas del </a:t>
+            </a:r>
+            <a:r>
+              <a:rPr lang="es-PY" sz="2400" b="1" i="1" dirty="0" err="1" smtClean="0"/>
+              <a:t>Person</a:t>
+            </a:r>
+            <a:r>
+              <a:rPr lang="es-PY" sz="2400" b="1" i="1" dirty="0" smtClean="0"/>
+              <a:t> Manager, ¿qué cantidad de líneas de código para la interfaz de usuario se pudieron generar de manera automática a partir de los modelos, en cada uno de los enfoques implementados?</a:t>
+            </a:r>
+            <a:r>
+              <a:rPr lang="es-PY" sz="2400" b="1" dirty="0" smtClean="0"/>
               <a:t/>
             </a:r>
             <a:br>
-              <a:rPr lang="es-PY" sz="2000" b="1" dirty="0" smtClean="0"/>
+              <a:rPr lang="es-PY" sz="2400" b="1" dirty="0" smtClean="0"/>
             </a:br>
-            <a:endParaRPr lang="es-PY" sz="2000" b="1" dirty="0"/>
+            <a:endParaRPr lang="es-PY" sz="4400" b="1" dirty="0"/>
           </a:p>
         </p:txBody>
       </p:sp>
       <p:pic>
         <p:nvPicPr>
-          <p:cNvPr id="4" name="3 Marcador de contenido"/>
+          <p:cNvPr id="4" name="3 Marcador de contenido" descr="lineas de codigo.png"/>
           <p:cNvPicPr>
             <a:picLocks noGrp="1" noChangeAspect="1"/>
           </p:cNvPicPr>
@@ -11381,21 +11478,15 @@
           </p:nvPr>
         </p:nvPicPr>
         <p:blipFill>
-          <a:blip r:embed="rId3" cstate="print">
-            <a:extLst>
-              <a:ext uri="{28A0092B-C50C-407E-A947-70E740481C1C}">
-                <a14:useLocalDpi xmlns="" xmlns:a14="http://schemas.microsoft.com/office/drawing/2010/main" val="0"/>
-              </a:ext>
-            </a:extLst>
-          </a:blip>
+          <a:blip r:embed="rId3" cstate="print"/>
           <a:stretch>
             <a:fillRect/>
           </a:stretch>
         </p:blipFill>
         <p:spPr>
           <a:xfrm>
-            <a:off x="78420" y="1556792"/>
-            <a:ext cx="8958076" cy="5040560"/>
+            <a:off x="683297" y="2060850"/>
+            <a:ext cx="6913310" cy="3737324"/>
           </a:xfrm>
         </p:spPr>
       </p:pic>
@@ -11420,6 +11511,67 @@
               <a:t>28</a:t>
             </a:fld>
             <a:endParaRPr lang="es-PY" sz="1600" dirty="0"/>
+          </a:p>
+        </p:txBody>
+      </p:sp>
+      <p:sp>
+        <p:nvSpPr>
+          <p:cNvPr id="6" name="5 Rectángulo"/>
+          <p:cNvSpPr/>
+          <p:nvPr/>
+        </p:nvSpPr>
+        <p:spPr>
+          <a:xfrm>
+            <a:off x="467544" y="5877272"/>
+            <a:ext cx="7920880" cy="707886"/>
+          </a:xfrm>
+          <a:prstGeom prst="rect">
+            <a:avLst/>
+          </a:prstGeom>
+        </p:spPr>
+        <p:txBody>
+          <a:bodyPr wrap="square">
+            <a:spAutoFit/>
+          </a:bodyPr>
+          <a:lstStyle/>
+          <a:p>
+            <a:r>
+              <a:rPr lang="es-PY" sz="2000" i="1" dirty="0" smtClean="0"/>
+              <a:t>En </a:t>
+            </a:r>
+            <a:r>
+              <a:rPr lang="es-PY" sz="2000" i="1" dirty="0" err="1" smtClean="0"/>
+              <a:t>MoWebA</a:t>
+            </a:r>
+            <a:r>
+              <a:rPr lang="es-PY" sz="2000" dirty="0" smtClean="0"/>
+              <a:t> con </a:t>
+            </a:r>
+            <a:r>
+              <a:rPr lang="es-PY" sz="2000" i="1" dirty="0" smtClean="0"/>
+              <a:t>RIA</a:t>
+            </a:r>
+            <a:r>
+              <a:rPr lang="es-PY" sz="2000" dirty="0" smtClean="0"/>
+              <a:t> el 57 % del código se genera de manera automática y en </a:t>
+            </a:r>
+            <a:r>
+              <a:rPr lang="es-PY" sz="2000" i="1" dirty="0" err="1" smtClean="0"/>
+              <a:t>MoWebA</a:t>
+            </a:r>
+            <a:r>
+              <a:rPr lang="es-PY" sz="2000" dirty="0" smtClean="0"/>
+              <a:t> sin </a:t>
+            </a:r>
+            <a:r>
+              <a:rPr lang="es-PY" sz="2000" i="1" dirty="0" smtClean="0"/>
+              <a:t>RIA el </a:t>
+            </a:r>
+            <a:r>
+              <a:rPr lang="es-PY" sz="2000" dirty="0" smtClean="0"/>
+              <a:t>47% </a:t>
+            </a:r>
+            <a:endParaRPr lang="es-PY" sz="2000" i="1" dirty="0"/>
           </a:p>
         </p:txBody>
       </p:sp>
@@ -11465,10 +11617,34 @@
             <p:ph type="title"/>
           </p:nvPr>
         </p:nvSpPr>
+        <p:spPr/>
+        <p:txBody>
+          <a:bodyPr/>
+          <a:lstStyle/>
+          <a:p>
+            <a:pPr algn="ctr"/>
+            <a:r>
+              <a:rPr lang="es-PY" b="1" dirty="0" smtClean="0"/>
+              <a:t>Conclusión</a:t>
+            </a:r>
+            <a:endParaRPr lang="es-PY" b="1" dirty="0"/>
+          </a:p>
+        </p:txBody>
+      </p:sp>
+      <p:sp>
+        <p:nvSpPr>
+          <p:cNvPr id="3" name="2 Marcador de contenido"/>
+          <p:cNvSpPr>
+            <a:spLocks noGrp="1"/>
+          </p:cNvSpPr>
+          <p:nvPr>
+            <p:ph idx="1"/>
+          </p:nvPr>
+        </p:nvSpPr>
         <p:spPr>
           <a:xfrm>
-            <a:off x="395536" y="836712"/>
-            <a:ext cx="7467600" cy="1143000"/>
+            <a:off x="467544" y="1340768"/>
+            <a:ext cx="7467600" cy="4525963"/>
           </a:xfrm>
         </p:spPr>
         <p:txBody>
@@ -11477,56 +11653,190 @@
           </a:bodyPr>
           <a:lstStyle/>
           <a:p>
-            <a:pPr algn="ctr"/>
-            <a:r>
-              <a:rPr lang="es-PY" sz="2400" b="1" i="1" dirty="0" smtClean="0"/>
-              <a:t>PI5: Para cada una de las vistas del </a:t>
-            </a:r>
-            <a:r>
-              <a:rPr lang="es-PY" sz="2400" b="1" i="1" dirty="0" err="1" smtClean="0"/>
-              <a:t>Person</a:t>
-            </a:r>
-            <a:r>
-              <a:rPr lang="es-PY" sz="2400" b="1" i="1" dirty="0" smtClean="0"/>
-              <a:t> Manager, ¿qué cantidad de líneas de código para la interfaz de usuario se pudieron generar de manera automática a partir de los modelos, en cada uno de los enfoques implementados?</a:t>
-            </a:r>
-            <a:r>
-              <a:rPr lang="es-PY" sz="2400" b="1" dirty="0" smtClean="0"/>
-              <a:t/>
-            </a:r>
-            <a:br>
-              <a:rPr lang="es-PY" sz="2400" b="1" dirty="0" smtClean="0"/>
-            </a:br>
-            <a:endParaRPr lang="es-PY" sz="4400" b="1" dirty="0"/>
-          </a:p>
-        </p:txBody>
-      </p:sp>
-      <p:pic>
-        <p:nvPicPr>
-          <p:cNvPr id="4" name="3 Marcador de contenido" descr="lineas de codigo.png"/>
-          <p:cNvPicPr>
-            <a:picLocks noGrp="1" noChangeAspect="1"/>
-          </p:cNvPicPr>
-          <p:nvPr>
-            <p:ph idx="1"/>
-          </p:nvPr>
-        </p:nvPicPr>
-        <p:blipFill>
-          <a:blip r:embed="rId3" cstate="print"/>
-          <a:stretch>
-            <a:fillRect/>
-          </a:stretch>
-        </p:blipFill>
-        <p:spPr>
-          <a:xfrm>
-            <a:off x="323529" y="2060850"/>
-            <a:ext cx="7632847" cy="3737324"/>
-          </a:xfrm>
-        </p:spPr>
-      </p:pic>
-      <p:sp>
-        <p:nvSpPr>
-          <p:cNvPr id="5" name="4 Marcador de número de diapositiva"/>
+            <a:pPr>
+              <a:buNone/>
+            </a:pPr>
+            <a:r>
+              <a:rPr lang="es-PY" sz="1600" dirty="0" smtClean="0"/>
+              <a:t>Precisamente con este trabajo de fin de carrera se alcanzó  aportar lo siguiente:</a:t>
+            </a:r>
+          </a:p>
+          <a:p>
+            <a:pPr lvl="0"/>
+            <a:r>
+              <a:rPr lang="es-PY" sz="1800" dirty="0" smtClean="0"/>
+              <a:t>Características y tecnologías de las </a:t>
+            </a:r>
+            <a:r>
+              <a:rPr lang="es-PY" sz="1800" i="1" dirty="0" smtClean="0"/>
+              <a:t>RIA</a:t>
+            </a:r>
+            <a:endParaRPr lang="es-PY" sz="1800" dirty="0" smtClean="0"/>
+          </a:p>
+          <a:p>
+            <a:pPr lvl="0"/>
+            <a:r>
+              <a:rPr lang="es-PY" sz="1800" dirty="0" smtClean="0"/>
+              <a:t>Estado del arte de las principales metodologías Web basadas en </a:t>
+            </a:r>
+            <a:r>
+              <a:rPr lang="es-PY" sz="1800" i="1" dirty="0" smtClean="0"/>
+              <a:t>MDD</a:t>
+            </a:r>
+            <a:r>
+              <a:rPr lang="es-PY" sz="1800" dirty="0" smtClean="0"/>
+              <a:t> y </a:t>
+            </a:r>
+            <a:r>
+              <a:rPr lang="es-PY" sz="1800" i="1" dirty="0" smtClean="0"/>
+              <a:t>MDA</a:t>
+            </a:r>
+            <a:r>
+              <a:rPr lang="es-PY" sz="1800" dirty="0" smtClean="0"/>
+              <a:t> para </a:t>
+            </a:r>
+            <a:r>
+              <a:rPr lang="es-PY" sz="1800" i="1" dirty="0" smtClean="0"/>
+              <a:t>RIA</a:t>
+            </a:r>
+            <a:endParaRPr lang="es-PY" sz="1800" dirty="0" smtClean="0"/>
+          </a:p>
+          <a:p>
+            <a:pPr lvl="0"/>
+            <a:r>
+              <a:rPr lang="es-PY" sz="1800" dirty="0" smtClean="0"/>
+              <a:t>Un análisis de los elementos de interfaz enriquecidos (</a:t>
+            </a:r>
+            <a:r>
+              <a:rPr lang="es-PY" sz="1800" i="1" dirty="0" err="1" smtClean="0"/>
+              <a:t>widgets</a:t>
+            </a:r>
+            <a:r>
+              <a:rPr lang="es-PY" sz="1800" dirty="0" smtClean="0"/>
+              <a:t>) más utilizados</a:t>
+            </a:r>
+          </a:p>
+          <a:p>
+            <a:pPr lvl="0"/>
+            <a:r>
+              <a:rPr lang="es-PY" sz="1800" dirty="0" smtClean="0"/>
+              <a:t>Una extensión a los </a:t>
+            </a:r>
+            <a:r>
+              <a:rPr lang="es-PY" sz="1800" dirty="0" err="1" smtClean="0"/>
+              <a:t>metamodelos</a:t>
+            </a:r>
+            <a:r>
+              <a:rPr lang="es-PY" sz="1800" dirty="0" smtClean="0"/>
+              <a:t> de Contenido (</a:t>
+            </a:r>
+            <a:r>
+              <a:rPr lang="es-PY" sz="1800" i="1" dirty="0" smtClean="0"/>
+              <a:t>Content</a:t>
+            </a:r>
+            <a:r>
+              <a:rPr lang="es-PY" sz="1800" dirty="0" smtClean="0"/>
+              <a:t>) y Estructura (</a:t>
+            </a:r>
+            <a:r>
+              <a:rPr lang="es-PY" sz="1800" i="1" dirty="0" err="1" smtClean="0"/>
+              <a:t>Layout</a:t>
+            </a:r>
+            <a:r>
+              <a:rPr lang="es-PY" sz="1800" dirty="0" smtClean="0"/>
+              <a:t>) de </a:t>
+            </a:r>
+            <a:r>
+              <a:rPr lang="es-PY" sz="1800" i="1" dirty="0" err="1" smtClean="0"/>
+              <a:t>MoWebA</a:t>
+            </a:r>
+            <a:endParaRPr lang="es-PY" sz="1800" i="1" dirty="0" smtClean="0"/>
+          </a:p>
+          <a:p>
+            <a:pPr lvl="0"/>
+            <a:r>
+              <a:rPr lang="es-PY" sz="1800" dirty="0" smtClean="0"/>
+              <a:t>Una extensión a los perfiles de Contenido(</a:t>
+            </a:r>
+            <a:r>
+              <a:rPr lang="es-PY" sz="1800" i="1" dirty="0" smtClean="0"/>
+              <a:t>Content</a:t>
+            </a:r>
+            <a:r>
+              <a:rPr lang="es-PY" sz="1800" dirty="0" smtClean="0"/>
+              <a:t>) y Estructura (</a:t>
+            </a:r>
+            <a:r>
+              <a:rPr lang="es-PY" sz="1800" i="1" dirty="0" err="1" smtClean="0"/>
+              <a:t>Layout</a:t>
+            </a:r>
+            <a:r>
+              <a:rPr lang="es-PY" sz="1800" dirty="0" smtClean="0"/>
+              <a:t>)</a:t>
+            </a:r>
+          </a:p>
+          <a:p>
+            <a:pPr lvl="0"/>
+            <a:r>
+              <a:rPr lang="es-PY" sz="1800" dirty="0" smtClean="0"/>
+              <a:t>Un  análisis de herramientas de transformación de modelo a texto (</a:t>
+            </a:r>
+            <a:r>
+              <a:rPr lang="es-PY" sz="1800" i="1" dirty="0" smtClean="0"/>
+              <a:t>M2T)</a:t>
+            </a:r>
+            <a:endParaRPr lang="es-PY" sz="1800" dirty="0" smtClean="0"/>
+          </a:p>
+          <a:p>
+            <a:pPr lvl="0"/>
+            <a:r>
+              <a:rPr lang="es-PY" sz="1800" dirty="0" smtClean="0"/>
+              <a:t>Implementación con </a:t>
+            </a:r>
+            <a:r>
+              <a:rPr lang="es-PY" sz="1800" i="1" dirty="0" err="1" smtClean="0"/>
+              <a:t>Acceleo</a:t>
+            </a:r>
+            <a:r>
+              <a:rPr lang="es-PY" sz="1800" i="1" dirty="0" smtClean="0"/>
+              <a:t> </a:t>
+            </a:r>
+            <a:r>
+              <a:rPr lang="es-PY" sz="1800" dirty="0" smtClean="0"/>
+              <a:t>de las plantillas de presentación y estructura</a:t>
+            </a:r>
+          </a:p>
+          <a:p>
+            <a:pPr lvl="0"/>
+            <a:r>
+              <a:rPr lang="es-PY" sz="1800" dirty="0" smtClean="0"/>
+              <a:t>Una ilustración de la propuesta</a:t>
+            </a:r>
+          </a:p>
+          <a:p>
+            <a:pPr lvl="0"/>
+            <a:endParaRPr lang="es-PY" sz="1800" i="1" dirty="0" smtClean="0"/>
+          </a:p>
+          <a:p>
+            <a:pPr lvl="0"/>
+            <a:endParaRPr lang="es-PY" sz="1800" dirty="0" smtClean="0"/>
+          </a:p>
+          <a:p>
+            <a:pPr lvl="0"/>
+            <a:endParaRPr lang="es-PY" sz="1800" dirty="0" smtClean="0"/>
+          </a:p>
+          <a:p>
+            <a:pPr lvl="0"/>
+            <a:endParaRPr lang="es-PY" sz="1200" dirty="0" smtClean="0"/>
+          </a:p>
+          <a:p>
+            <a:endParaRPr lang="es-PY" sz="1200" dirty="0"/>
+          </a:p>
+        </p:txBody>
+      </p:sp>
+      <p:sp>
+        <p:nvSpPr>
+          <p:cNvPr id="4" name="3 Marcador de número de diapositiva"/>
           <p:cNvSpPr>
             <a:spLocks noGrp="1"/>
           </p:cNvSpPr>
@@ -11545,67 +11855,6 @@
               <a:t>29</a:t>
             </a:fld>
             <a:endParaRPr lang="es-PY" sz="1600" dirty="0"/>
-          </a:p>
-        </p:txBody>
-      </p:sp>
-      <p:sp>
-        <p:nvSpPr>
-          <p:cNvPr id="6" name="5 Rectángulo"/>
-          <p:cNvSpPr/>
-          <p:nvPr/>
-        </p:nvSpPr>
-        <p:spPr>
-          <a:xfrm>
-            <a:off x="467544" y="5805264"/>
-            <a:ext cx="7920880" cy="646331"/>
-          </a:xfrm>
-          <a:prstGeom prst="rect">
-            <a:avLst/>
-          </a:prstGeom>
-        </p:spPr>
-        <p:txBody>
-          <a:bodyPr wrap="square">
-            <a:spAutoFit/>
-          </a:bodyPr>
-          <a:lstStyle/>
-          <a:p>
-            <a:r>
-              <a:rPr lang="es-PY" i="1" dirty="0" smtClean="0"/>
-              <a:t>En </a:t>
-            </a:r>
-            <a:r>
-              <a:rPr lang="es-PY" i="1" dirty="0" err="1" smtClean="0"/>
-              <a:t>MoWebA</a:t>
-            </a:r>
-            <a:r>
-              <a:rPr lang="es-PY" dirty="0" smtClean="0"/>
-              <a:t> con </a:t>
-            </a:r>
-            <a:r>
-              <a:rPr lang="es-PY" i="1" dirty="0" smtClean="0"/>
-              <a:t>RIA</a:t>
-            </a:r>
-            <a:r>
-              <a:rPr lang="es-PY" dirty="0" smtClean="0"/>
-              <a:t> el 57 % del código se genera de manera automática y en </a:t>
-            </a:r>
-            <a:r>
-              <a:rPr lang="es-PY" i="1" dirty="0" err="1" smtClean="0"/>
-              <a:t>MoWebA</a:t>
-            </a:r>
-            <a:r>
-              <a:rPr lang="es-PY" dirty="0" smtClean="0"/>
-              <a:t> sin </a:t>
-            </a:r>
-            <a:r>
-              <a:rPr lang="es-PY" i="1" dirty="0" smtClean="0"/>
-              <a:t>RIA el </a:t>
-            </a:r>
-            <a:r>
-              <a:rPr lang="es-PY" dirty="0" smtClean="0"/>
-              <a:t>47% </a:t>
-            </a:r>
-            <a:endParaRPr lang="es-PY" i="1" dirty="0"/>
           </a:p>
         </p:txBody>
       </p:sp>
@@ -12091,7 +12340,7 @@
             <a:pPr algn="ctr"/>
             <a:r>
               <a:rPr lang="es-PY" b="1" dirty="0" smtClean="0"/>
-              <a:t>Conclusión</a:t>
+              <a:t>Trabajos futuros</a:t>
             </a:r>
             <a:endParaRPr lang="es-PY" b="1" dirty="0"/>
           </a:p>
@@ -12119,184 +12368,69 @@
           </a:bodyPr>
           <a:lstStyle/>
           <a:p>
-            <a:pPr>
-              <a:buNone/>
-            </a:pPr>
-            <a:r>
-              <a:rPr lang="es-PY" sz="1600" dirty="0" smtClean="0"/>
-              <a:t>Precisamente con este trabajo de fin de carrera se alcanzó  aportar lo siguiente:</a:t>
-            </a:r>
-          </a:p>
-          <a:p>
             <a:pPr lvl="0"/>
             <a:r>
-              <a:rPr lang="es-PY" sz="1800" dirty="0" smtClean="0"/>
-              <a:t>Características y tecnologías de las </a:t>
-            </a:r>
-            <a:r>
-              <a:rPr lang="es-PY" sz="1800" i="1" dirty="0" smtClean="0"/>
-              <a:t>RIA</a:t>
-            </a:r>
-            <a:endParaRPr lang="es-PY" sz="1800" dirty="0" smtClean="0"/>
+              <a:rPr lang="es-PY" sz="2000" dirty="0" smtClean="0"/>
+              <a:t>Agregar más propiedades a los </a:t>
+            </a:r>
+            <a:r>
+              <a:rPr lang="es-PY" sz="2000" i="1" dirty="0" err="1" smtClean="0"/>
+              <a:t>widgets</a:t>
+            </a:r>
+            <a:r>
+              <a:rPr lang="es-PY" sz="2000" dirty="0" smtClean="0"/>
+              <a:t>  y a las validaciones locales de los campos</a:t>
+            </a:r>
           </a:p>
           <a:p>
             <a:pPr lvl="0"/>
             <a:r>
-              <a:rPr lang="es-PY" sz="1800" dirty="0" smtClean="0"/>
-              <a:t>Estado del arte de las principales metodologías Web basadas en </a:t>
-            </a:r>
-            <a:r>
-              <a:rPr lang="es-PY" sz="1800" i="1" dirty="0" smtClean="0"/>
-              <a:t>MDD</a:t>
-            </a:r>
-            <a:r>
-              <a:rPr lang="es-PY" sz="1800" dirty="0" smtClean="0"/>
-              <a:t> y </a:t>
-            </a:r>
-            <a:r>
-              <a:rPr lang="es-PY" sz="1800" i="1" dirty="0" smtClean="0"/>
-              <a:t>MDA</a:t>
-            </a:r>
-            <a:r>
-              <a:rPr lang="es-PY" sz="1800" dirty="0" smtClean="0"/>
-              <a:t> para </a:t>
-            </a:r>
-            <a:r>
-              <a:rPr lang="es-PY" sz="1800" i="1" dirty="0" smtClean="0"/>
-              <a:t>RIA</a:t>
-            </a:r>
-            <a:endParaRPr lang="es-PY" sz="1800" dirty="0" smtClean="0"/>
+              <a:rPr lang="es-PY" sz="2000" dirty="0" smtClean="0"/>
+              <a:t>Agregar más </a:t>
+            </a:r>
+            <a:r>
+              <a:rPr lang="es-PY" sz="2000" i="1" dirty="0" err="1" smtClean="0"/>
+              <a:t>widgets</a:t>
+            </a:r>
+            <a:r>
+              <a:rPr lang="es-PY" sz="2000" dirty="0" smtClean="0"/>
+              <a:t> al </a:t>
+            </a:r>
+            <a:r>
+              <a:rPr lang="es-PY" sz="2000" dirty="0" err="1" smtClean="0"/>
+              <a:t>metamodelo</a:t>
+            </a:r>
+            <a:r>
+              <a:rPr lang="es-PY" sz="2000" dirty="0" smtClean="0"/>
+              <a:t> de contenido que también forman parte de </a:t>
+            </a:r>
+            <a:r>
+              <a:rPr lang="es-PY" sz="2000" i="1" dirty="0" err="1" smtClean="0"/>
+              <a:t>jQueryUI</a:t>
+            </a:r>
+            <a:endParaRPr lang="es-PY" sz="2000" dirty="0" smtClean="0"/>
           </a:p>
           <a:p>
             <a:pPr lvl="0"/>
             <a:r>
-              <a:rPr lang="es-PY" sz="1800" dirty="0" smtClean="0"/>
-              <a:t>Un análisis de los elementos de interfaz enriquecidos (</a:t>
-            </a:r>
-            <a:r>
-              <a:rPr lang="es-PY" sz="1800" i="1" dirty="0" err="1" smtClean="0"/>
-              <a:t>widgets</a:t>
-            </a:r>
-            <a:r>
-              <a:rPr lang="es-PY" sz="1800" dirty="0" smtClean="0"/>
-              <a:t>) más utilizados</a:t>
+              <a:rPr lang="es-PY" sz="2000" dirty="0" smtClean="0"/>
+              <a:t>Agregar a la capa de navegación extensiones para ofrecer una interacción asíncrona entre los lados cliente y servidor</a:t>
             </a:r>
           </a:p>
           <a:p>
             <a:pPr lvl="0"/>
             <a:r>
-              <a:rPr lang="es-PY" sz="1800" dirty="0" smtClean="0"/>
-              <a:t>Una extensión a los </a:t>
-            </a:r>
-            <a:r>
-              <a:rPr lang="es-PY" sz="1800" dirty="0" err="1" smtClean="0"/>
-              <a:t>metamodelos</a:t>
-            </a:r>
-            <a:r>
-              <a:rPr lang="es-PY" sz="1800" dirty="0" smtClean="0"/>
-              <a:t> de Contenido (</a:t>
-            </a:r>
-            <a:r>
-              <a:rPr lang="es-PY" sz="1800" i="1" dirty="0" smtClean="0"/>
-              <a:t>Content</a:t>
-            </a:r>
-            <a:r>
-              <a:rPr lang="es-PY" sz="1800" dirty="0" smtClean="0"/>
-              <a:t>) y Estructura (</a:t>
-            </a:r>
-            <a:r>
-              <a:rPr lang="es-PY" sz="1800" i="1" dirty="0" err="1" smtClean="0"/>
-              <a:t>Layout</a:t>
-            </a:r>
-            <a:r>
-              <a:rPr lang="es-PY" sz="1800" dirty="0" smtClean="0"/>
-              <a:t>) de </a:t>
-            </a:r>
-            <a:r>
-              <a:rPr lang="es-PY" sz="1800" i="1" dirty="0" err="1" smtClean="0"/>
-              <a:t>MoWebA</a:t>
-            </a:r>
-            <a:endParaRPr lang="es-PY" sz="1800" i="1" dirty="0" smtClean="0"/>
+              <a:rPr lang="es-PY" sz="2000" dirty="0" smtClean="0"/>
+              <a:t>Validar la propuesta llevando a cabo transformaciones a otras plataformas destino</a:t>
+            </a:r>
           </a:p>
           <a:p>
             <a:pPr lvl="0"/>
             <a:r>
-              <a:rPr lang="es-PY" sz="1800" dirty="0" smtClean="0"/>
-              <a:t>Una extensión a los perfiles de Contenido(</a:t>
-            </a:r>
-            <a:r>
-              <a:rPr lang="es-PY" sz="1800" i="1" dirty="0" smtClean="0"/>
-              <a:t>Content</a:t>
-            </a:r>
-            <a:r>
-              <a:rPr lang="es-PY" sz="1800" dirty="0" smtClean="0"/>
-              <a:t>) y Estructura (</a:t>
-            </a:r>
-            <a:r>
-              <a:rPr lang="es-PY" sz="1800" i="1" dirty="0" err="1" smtClean="0"/>
-              <a:t>Layout</a:t>
-            </a:r>
-            <a:r>
-              <a:rPr lang="es-PY" sz="1800" dirty="0" smtClean="0"/>
-              <a:t>)</a:t>
-            </a:r>
-          </a:p>
-          <a:p>
-            <a:pPr lvl="0"/>
-            <a:r>
-              <a:rPr lang="es-PY" sz="1800" dirty="0" smtClean="0"/>
-              <a:t>Un  análisis de herramientas de transformación de modelo a texto (</a:t>
-            </a:r>
-            <a:r>
-              <a:rPr lang="es-PY" sz="1800" i="1" dirty="0" smtClean="0"/>
-              <a:t>M2T)</a:t>
-            </a:r>
-            <a:endParaRPr lang="es-PY" sz="1800" dirty="0" smtClean="0"/>
-          </a:p>
-          <a:p>
-            <a:pPr lvl="0"/>
-            <a:r>
-              <a:rPr lang="es-PY" sz="1800" dirty="0" smtClean="0"/>
-              <a:t>Implementación con </a:t>
-            </a:r>
-            <a:r>
-              <a:rPr lang="es-PY" sz="1800" i="1" dirty="0" err="1" smtClean="0"/>
-              <a:t>Acceleo</a:t>
-            </a:r>
-            <a:r>
-              <a:rPr lang="es-PY" sz="1800" i="1" dirty="0" smtClean="0"/>
-              <a:t> </a:t>
-            </a:r>
-            <a:r>
-              <a:rPr lang="es-PY" sz="1800" dirty="0" smtClean="0"/>
-              <a:t>de las plantillas de presentación y estructura</a:t>
-            </a:r>
-          </a:p>
-          <a:p>
-            <a:pPr lvl="0"/>
-            <a:r>
-              <a:rPr lang="es-PY" sz="1800" dirty="0" smtClean="0"/>
-              <a:t>Una ilustración de la propuesta</a:t>
-            </a:r>
-          </a:p>
-          <a:p>
-            <a:pPr lvl="0"/>
-            <a:endParaRPr lang="es-PY" sz="1800" i="1" dirty="0" smtClean="0"/>
-          </a:p>
-          <a:p>
-            <a:pPr lvl="0"/>
-            <a:endParaRPr lang="es-PY" sz="1800" dirty="0" smtClean="0"/>
-          </a:p>
-          <a:p>
-            <a:pPr lvl="0"/>
-            <a:endParaRPr lang="es-PY" sz="1800" dirty="0" smtClean="0"/>
-          </a:p>
-          <a:p>
-            <a:pPr lvl="0"/>
-            <a:endParaRPr lang="es-PY" sz="1200" dirty="0" smtClean="0"/>
-          </a:p>
-          <a:p>
-            <a:endParaRPr lang="es-PY" sz="1200" dirty="0"/>
+              <a:rPr lang="es-PY" sz="2000" dirty="0" smtClean="0"/>
+              <a:t>Efectuar la validación de la propuesta, por medio de un caso de estudio o un experimento</a:t>
+            </a:r>
+            <a:endParaRPr lang="es-PY" sz="900" dirty="0"/>
           </a:p>
         </p:txBody>
       </p:sp>
@@ -12366,105 +12500,27 @@
             <p:ph type="title"/>
           </p:nvPr>
         </p:nvSpPr>
-        <p:spPr/>
-        <p:txBody>
-          <a:bodyPr/>
-          <a:lstStyle/>
-          <a:p>
-            <a:pPr algn="ctr"/>
-            <a:r>
-              <a:rPr lang="es-PY" b="1" dirty="0" smtClean="0"/>
-              <a:t>Trabajos futuros</a:t>
-            </a:r>
-            <a:endParaRPr lang="es-PY" b="1" dirty="0"/>
-          </a:p>
-        </p:txBody>
-      </p:sp>
-      <p:sp>
-        <p:nvSpPr>
-          <p:cNvPr id="3" name="2 Marcador de contenido"/>
-          <p:cNvSpPr>
-            <a:spLocks noGrp="1"/>
-          </p:cNvSpPr>
-          <p:nvPr>
-            <p:ph idx="1"/>
-          </p:nvPr>
-        </p:nvSpPr>
         <p:spPr>
           <a:xfrm>
-            <a:off x="467544" y="1340768"/>
-            <a:ext cx="7467600" cy="4525963"/>
+            <a:off x="755576" y="2492896"/>
+            <a:ext cx="7467600" cy="1143000"/>
           </a:xfrm>
         </p:spPr>
         <p:txBody>
           <a:bodyPr>
-            <a:noAutofit/>
+            <a:normAutofit fontScale="90000"/>
           </a:bodyPr>
           <a:lstStyle/>
           <a:p>
-            <a:pPr lvl="0"/>
-            <a:r>
-              <a:rPr lang="es-PY" sz="2000" dirty="0" smtClean="0"/>
-              <a:t>Agregar más propiedades a los </a:t>
-            </a:r>
-            <a:r>
-              <a:rPr lang="es-PY" sz="2000" i="1" dirty="0" err="1" smtClean="0"/>
-              <a:t>widgets</a:t>
-            </a:r>
-            <a:r>
-              <a:rPr lang="es-PY" sz="2000" dirty="0" smtClean="0"/>
-              <a:t>  y a las validaciones locales de los campos</a:t>
-            </a:r>
-          </a:p>
-          <a:p>
-            <a:pPr lvl="0"/>
-            <a:r>
-              <a:rPr lang="es-PY" sz="2000" dirty="0" smtClean="0"/>
-              <a:t>Agregar más </a:t>
-            </a:r>
-            <a:r>
-              <a:rPr lang="es-PY" sz="2000" i="1" dirty="0" err="1" smtClean="0"/>
-              <a:t>widgets</a:t>
-            </a:r>
-            <a:r>
-              <a:rPr lang="es-PY" sz="2000" dirty="0" smtClean="0"/>
-              <a:t> al </a:t>
-            </a:r>
-            <a:r>
-              <a:rPr lang="es-PY" sz="2000" dirty="0" err="1" smtClean="0"/>
-              <a:t>metamodelo</a:t>
-            </a:r>
-            <a:r>
-              <a:rPr lang="es-PY" sz="2000" dirty="0" smtClean="0"/>
-              <a:t> de contenido que también forman parte de </a:t>
-            </a:r>
-            <a:r>
-              <a:rPr lang="es-PY" sz="2000" i="1" dirty="0" err="1" smtClean="0"/>
-              <a:t>jQueryUI</a:t>
-            </a:r>
-            <a:endParaRPr lang="es-PY" sz="2000" dirty="0" smtClean="0"/>
-          </a:p>
-          <a:p>
-            <a:pPr lvl="0"/>
-            <a:r>
-              <a:rPr lang="es-PY" sz="2000" dirty="0" smtClean="0"/>
-              <a:t>Agregar a la capa de navegación extensiones para ofrecer una interacción asíncrona entre los lados cliente y servidor</a:t>
-            </a:r>
-          </a:p>
-          <a:p>
-            <a:pPr lvl="0"/>
-            <a:r>
-              <a:rPr lang="es-PY" sz="2000" dirty="0" smtClean="0"/>
-              <a:t>Validar la propuesta llevando a cabo transformaciones a otras plataformas destino</a:t>
-            </a:r>
-          </a:p>
-          <a:p>
-            <a:pPr lvl="0"/>
-            <a:r>
-              <a:rPr lang="es-PY" sz="2000" dirty="0" smtClean="0"/>
-              <a:t>Efectuar la validación de la propuesta, por medio de un caso de estudio o un experimento</a:t>
-            </a:r>
-            <a:endParaRPr lang="es-PY" sz="900" dirty="0"/>
+            <a:r>
+              <a:rPr lang="es-PY" dirty="0" smtClean="0"/>
+              <a:t>Muchas gracias por su amable </a:t>
+            </a:r>
+            <a:r>
+              <a:rPr lang="es-PY" dirty="0" smtClean="0"/>
+              <a:t>				atención</a:t>
+            </a:r>
+            <a:endParaRPr lang="es-PY" dirty="0"/>
           </a:p>
         </p:txBody>
       </p:sp>
@@ -12487,108 +12543,6 @@
               <a:rPr lang="es-PY" sz="1600" smtClean="0"/>
               <a:pPr/>
               <a:t>31</a:t>
-            </a:fld>
-            <a:endParaRPr lang="es-PY" sz="1600" dirty="0"/>
-          </a:p>
-        </p:txBody>
-      </p:sp>
-    </p:spTree>
-  </p:cSld>
-  <p:clrMapOvr>
-    <a:masterClrMapping/>
-  </p:clrMapOvr>
-  <p:timing>
-    <p:tnLst>
-      <p:par>
-        <p:cTn id="1" dur="indefinite" restart="never" nodeType="tmRoot"/>
-      </p:par>
-    </p:tnLst>
-  </p:timing>
-</p:sld>
-</file>
-
-<file path=ppt/slides/slide32.xml><?xml version="1.0" encoding="utf-8"?>
-<p:sld xmlns:a="http://schemas.openxmlformats.org/drawingml/2006/main" xmlns:r="http://schemas.openxmlformats.org/officeDocument/2006/relationships" xmlns:p="http://schemas.openxmlformats.org/presentationml/2006/main">
-  <p:cSld>
-    <p:spTree>
-      <p:nvGrpSpPr>
-        <p:cNvPr id="1" name=""/>
-        <p:cNvGrpSpPr/>
-        <p:nvPr/>
-      </p:nvGrpSpPr>
-      <p:grpSpPr>
-        <a:xfrm>
-          <a:off x="0" y="0"/>
-          <a:ext cx="0" cy="0"/>
-          <a:chOff x="0" y="0"/>
-          <a:chExt cx="0" cy="0"/>
-        </a:xfrm>
-      </p:grpSpPr>
-      <p:sp>
-        <p:nvSpPr>
-          <p:cNvPr id="2" name="1 Título"/>
-          <p:cNvSpPr>
-            <a:spLocks noGrp="1"/>
-          </p:cNvSpPr>
-          <p:nvPr>
-            <p:ph type="title"/>
-          </p:nvPr>
-        </p:nvSpPr>
-        <p:spPr/>
-        <p:txBody>
-          <a:bodyPr/>
-          <a:lstStyle/>
-          <a:p>
-            <a:r>
-              <a:rPr lang="es-PY" dirty="0" smtClean="0"/>
-              <a:t>Preguntas?</a:t>
-            </a:r>
-            <a:endParaRPr lang="es-PY" dirty="0"/>
-          </a:p>
-        </p:txBody>
-      </p:sp>
-      <p:sp>
-        <p:nvSpPr>
-          <p:cNvPr id="3" name="2 Marcador de contenido"/>
-          <p:cNvSpPr>
-            <a:spLocks noGrp="1"/>
-          </p:cNvSpPr>
-          <p:nvPr>
-            <p:ph idx="1"/>
-          </p:nvPr>
-        </p:nvSpPr>
-        <p:spPr/>
-        <p:txBody>
-          <a:bodyPr/>
-          <a:lstStyle/>
-          <a:p>
-            <a:r>
-              <a:rPr lang="es-PY" dirty="0" smtClean="0"/>
-              <a:t>Muchas gracias por su amable atención</a:t>
-            </a:r>
-            <a:endParaRPr lang="es-PY" dirty="0"/>
-          </a:p>
-        </p:txBody>
-      </p:sp>
-      <p:sp>
-        <p:nvSpPr>
-          <p:cNvPr id="4" name="3 Marcador de número de diapositiva"/>
-          <p:cNvSpPr>
-            <a:spLocks noGrp="1"/>
-          </p:cNvSpPr>
-          <p:nvPr>
-            <p:ph type="sldNum" sz="quarter" idx="12"/>
-          </p:nvPr>
-        </p:nvSpPr>
-        <p:spPr/>
-        <p:txBody>
-          <a:bodyPr/>
-          <a:lstStyle/>
-          <a:p>
-            <a:fld id="{00983F03-8C2A-4E24-982B-C5C1359E5E45}" type="slidenum">
-              <a:rPr lang="es-PY" sz="1600" smtClean="0"/>
-              <a:pPr/>
-              <a:t>32</a:t>
             </a:fld>
             <a:endParaRPr lang="es-PY" sz="1600" dirty="0"/>
           </a:p>
@@ -12709,7 +12663,7 @@
     </p:spTree>
     <p:extLst>
       <p:ext uri="{BB962C8B-B14F-4D97-AF65-F5344CB8AC3E}">
-        <p14:creationId xmlns="" xmlns:p14="http://schemas.microsoft.com/office/powerpoint/2010/main" val="883043307"/>
+        <p14:creationId xmlns:p14="http://schemas.microsoft.com/office/powerpoint/2010/main" xmlns="" val="883043307"/>
       </p:ext>
     </p:extLst>
   </p:cSld>
@@ -12773,2753 +12727,6 @@
           </a:p>
         </p:txBody>
       </p:sp>
-      <p:graphicFrame>
-        <p:nvGraphicFramePr>
-          <p:cNvPr id="9" name="8 Marcador de contenido"/>
-          <p:cNvGraphicFramePr>
-            <a:graphicFrameLocks noGrp="1"/>
-          </p:cNvGraphicFramePr>
-          <p:nvPr>
-            <p:ph idx="1"/>
-          </p:nvPr>
-        </p:nvGraphicFramePr>
-        <p:xfrm>
-          <a:off x="179512" y="1484784"/>
-          <a:ext cx="8667486" cy="4970641"/>
-        </p:xfrm>
-        <a:graphic>
-          <a:graphicData uri="http://schemas.openxmlformats.org/drawingml/2006/table">
-            <a:tbl>
-              <a:tblPr>
-                <a:tableStyleId>{3C2FFA5D-87B4-456A-9821-1D502468CF0F}</a:tableStyleId>
-              </a:tblPr>
-              <a:tblGrid>
-                <a:gridCol w="1709003"/>
-                <a:gridCol w="2109053"/>
-                <a:gridCol w="680303"/>
-                <a:gridCol w="561240"/>
-                <a:gridCol w="705703"/>
-                <a:gridCol w="950177"/>
-                <a:gridCol w="843815"/>
-                <a:gridCol w="456465"/>
-                <a:gridCol w="651727"/>
-              </a:tblGrid>
-              <a:tr h="542155">
-                <a:tc gridSpan="2">
-                  <a:txBody>
-                    <a:bodyPr/>
-                    <a:lstStyle/>
-                    <a:p>
-                      <a:pPr algn="ctr">
-                        <a:lnSpc>
-                          <a:spcPct val="115000"/>
-                        </a:lnSpc>
-                        <a:spcAft>
-                          <a:spcPts val="1000"/>
-                        </a:spcAft>
-                      </a:pPr>
-                      <a:r>
-                        <a:rPr lang="es-ES" sz="900" b="1" dirty="0" smtClean="0"/>
-                        <a:t>Características </a:t>
-                      </a:r>
-                      <a:r>
-                        <a:rPr lang="es-ES" sz="900" b="1" dirty="0"/>
-                        <a:t>versus metodologías</a:t>
-                      </a:r>
-                      <a:endParaRPr lang="es-PY" sz="1400" b="1" dirty="0">
-                        <a:latin typeface="Calibri"/>
-                        <a:ea typeface="Times New Roman"/>
-                        <a:cs typeface="Times New Roman"/>
-                      </a:endParaRPr>
-                    </a:p>
-                  </a:txBody>
-                  <a:tcPr marL="67895" marR="67895" marT="0" marB="0" anchor="ctr"/>
-                </a:tc>
-                <a:tc hMerge="1">
-                  <a:txBody>
-                    <a:bodyPr/>
-                    <a:lstStyle/>
-                    <a:p>
-                      <a:endParaRPr lang="es-PY"/>
-                    </a:p>
-                  </a:txBody>
-                  <a:tcPr/>
-                </a:tc>
-                <a:tc>
-                  <a:txBody>
-                    <a:bodyPr/>
-                    <a:lstStyle/>
-                    <a:p>
-                      <a:pPr algn="ctr">
-                        <a:lnSpc>
-                          <a:spcPct val="115000"/>
-                        </a:lnSpc>
-                        <a:spcAft>
-                          <a:spcPts val="1000"/>
-                        </a:spcAft>
-                      </a:pPr>
-                      <a:r>
-                        <a:rPr lang="es-ES" sz="800" b="1" dirty="0" smtClean="0"/>
-                        <a:t>OOHDM-RIA</a:t>
-                      </a:r>
-                      <a:endParaRPr lang="es-PY" sz="1400" b="1" dirty="0">
-                        <a:latin typeface="Calibri"/>
-                        <a:ea typeface="Times New Roman"/>
-                        <a:cs typeface="Times New Roman"/>
-                      </a:endParaRPr>
-                    </a:p>
-                  </a:txBody>
-                  <a:tcPr marL="67895" marR="67895" marT="0" marB="0" anchor="ctr"/>
-                </a:tc>
-                <a:tc>
-                  <a:txBody>
-                    <a:bodyPr/>
-                    <a:lstStyle/>
-                    <a:p>
-                      <a:pPr algn="ctr">
-                        <a:lnSpc>
-                          <a:spcPct val="115000"/>
-                        </a:lnSpc>
-                        <a:spcAft>
-                          <a:spcPts val="1000"/>
-                        </a:spcAft>
-                      </a:pPr>
-                      <a:r>
-                        <a:rPr lang="es-ES" sz="800" b="1" dirty="0" smtClean="0"/>
-                        <a:t>OOH4RIA</a:t>
-                      </a:r>
-                      <a:endParaRPr lang="es-PY" sz="1400" b="1" dirty="0">
-                        <a:latin typeface="Calibri"/>
-                        <a:ea typeface="Times New Roman"/>
-                        <a:cs typeface="Times New Roman"/>
-                      </a:endParaRPr>
-                    </a:p>
-                  </a:txBody>
-                  <a:tcPr marL="67895" marR="67895" marT="0" marB="0" anchor="ctr"/>
-                </a:tc>
-                <a:tc>
-                  <a:txBody>
-                    <a:bodyPr/>
-                    <a:lstStyle/>
-                    <a:p>
-                      <a:pPr algn="ctr">
-                        <a:lnSpc>
-                          <a:spcPct val="115000"/>
-                        </a:lnSpc>
-                        <a:spcAft>
-                          <a:spcPts val="1000"/>
-                        </a:spcAft>
-                      </a:pPr>
-                      <a:r>
-                        <a:rPr lang="es-ES" sz="800" b="1" dirty="0" err="1" smtClean="0"/>
-                        <a:t>WebML</a:t>
-                      </a:r>
-                      <a:r>
-                        <a:rPr lang="es-ES" sz="800" b="1" dirty="0" smtClean="0"/>
-                        <a:t> </a:t>
-                      </a:r>
-                      <a:r>
-                        <a:rPr lang="es-ES" sz="800" b="1" dirty="0"/>
-                        <a:t>- RIA</a:t>
-                      </a:r>
-                      <a:endParaRPr lang="es-PY" sz="1400" b="1" dirty="0">
-                        <a:latin typeface="Calibri"/>
-                        <a:ea typeface="Times New Roman"/>
-                        <a:cs typeface="Times New Roman"/>
-                      </a:endParaRPr>
-                    </a:p>
-                  </a:txBody>
-                  <a:tcPr marL="67895" marR="67895" marT="0" marB="0" anchor="ctr"/>
-                </a:tc>
-                <a:tc>
-                  <a:txBody>
-                    <a:bodyPr/>
-                    <a:lstStyle/>
-                    <a:p>
-                      <a:pPr algn="ctr">
-                        <a:lnSpc>
-                          <a:spcPct val="115000"/>
-                        </a:lnSpc>
-                        <a:spcAft>
-                          <a:spcPts val="1000"/>
-                        </a:spcAft>
-                      </a:pPr>
-                      <a:r>
-                        <a:rPr lang="es-ES" sz="800" b="1" dirty="0" smtClean="0"/>
-                        <a:t>Patrones </a:t>
-                      </a:r>
-                      <a:r>
-                        <a:rPr lang="es-ES" sz="800" b="1" dirty="0"/>
-                        <a:t>con UWE</a:t>
-                      </a:r>
-                      <a:endParaRPr lang="es-PY" sz="1400" b="1" dirty="0">
-                        <a:latin typeface="Calibri"/>
-                        <a:ea typeface="Times New Roman"/>
-                        <a:cs typeface="Times New Roman"/>
-                      </a:endParaRPr>
-                    </a:p>
-                  </a:txBody>
-                  <a:tcPr marL="67895" marR="67895" marT="0" marB="0" anchor="ctr"/>
-                </a:tc>
-                <a:tc>
-                  <a:txBody>
-                    <a:bodyPr/>
-                    <a:lstStyle/>
-                    <a:p>
-                      <a:pPr algn="ctr">
-                        <a:lnSpc>
-                          <a:spcPct val="115000"/>
-                        </a:lnSpc>
-                        <a:spcAft>
-                          <a:spcPts val="1000"/>
-                        </a:spcAft>
-                      </a:pPr>
-                      <a:r>
-                        <a:rPr lang="es-ES" sz="800" b="1" dirty="0" smtClean="0"/>
-                        <a:t>Patrones OOWS</a:t>
-                      </a:r>
-                      <a:endParaRPr lang="es-PY" sz="1400" b="1" dirty="0">
-                        <a:latin typeface="Calibri"/>
-                        <a:ea typeface="Times New Roman"/>
-                        <a:cs typeface="Times New Roman"/>
-                      </a:endParaRPr>
-                    </a:p>
-                  </a:txBody>
-                  <a:tcPr marL="67895" marR="67895" marT="0" marB="0" anchor="ctr"/>
-                </a:tc>
-                <a:tc>
-                  <a:txBody>
-                    <a:bodyPr/>
-                    <a:lstStyle/>
-                    <a:p>
-                      <a:pPr algn="ctr">
-                        <a:lnSpc>
-                          <a:spcPct val="115000"/>
-                        </a:lnSpc>
-                        <a:spcAft>
-                          <a:spcPts val="1000"/>
-                        </a:spcAft>
-                      </a:pPr>
-                      <a:r>
-                        <a:rPr lang="es-ES" sz="800" b="1" dirty="0" smtClean="0"/>
-                        <a:t>UWE-R</a:t>
-                      </a:r>
-                      <a:endParaRPr lang="es-PY" sz="1400" b="1" dirty="0">
-                        <a:latin typeface="Calibri"/>
-                        <a:ea typeface="Times New Roman"/>
-                        <a:cs typeface="Times New Roman"/>
-                      </a:endParaRPr>
-                    </a:p>
-                  </a:txBody>
-                  <a:tcPr marL="67895" marR="67895" marT="0" marB="0" anchor="ctr"/>
-                </a:tc>
-                <a:tc>
-                  <a:txBody>
-                    <a:bodyPr/>
-                    <a:lstStyle/>
-                    <a:p>
-                      <a:pPr algn="ctr">
-                        <a:lnSpc>
-                          <a:spcPct val="115000"/>
-                        </a:lnSpc>
-                        <a:spcAft>
-                          <a:spcPts val="1000"/>
-                        </a:spcAft>
-                      </a:pPr>
-                      <a:r>
-                        <a:rPr lang="es-ES" sz="800" b="1" dirty="0" smtClean="0"/>
-                        <a:t>UWE </a:t>
-                      </a:r>
-                      <a:r>
-                        <a:rPr lang="es-ES" sz="800" b="1" dirty="0"/>
-                        <a:t>+ RUX</a:t>
-                      </a:r>
-                      <a:endParaRPr lang="es-PY" sz="1400" b="1" dirty="0">
-                        <a:latin typeface="Calibri"/>
-                        <a:ea typeface="Times New Roman"/>
-                        <a:cs typeface="Times New Roman"/>
-                      </a:endParaRPr>
-                    </a:p>
-                  </a:txBody>
-                  <a:tcPr marL="67895" marR="67895" marT="0" marB="0" anchor="ctr"/>
-                </a:tc>
-              </a:tr>
-              <a:tr h="340104">
-                <a:tc gridSpan="2">
-                  <a:txBody>
-                    <a:bodyPr/>
-                    <a:lstStyle/>
-                    <a:p>
-                      <a:pPr algn="ctr">
-                        <a:lnSpc>
-                          <a:spcPct val="115000"/>
-                        </a:lnSpc>
-                        <a:spcAft>
-                          <a:spcPts val="1000"/>
-                        </a:spcAft>
-                      </a:pPr>
-                      <a:r>
-                        <a:rPr lang="es-ES" sz="900" dirty="0"/>
-                        <a:t>Almacenamiento en el lado del cliente</a:t>
-                      </a:r>
-                      <a:endParaRPr lang="es-PY" sz="1400" dirty="0">
-                        <a:latin typeface="Calibri"/>
-                        <a:ea typeface="Times New Roman"/>
-                        <a:cs typeface="Times New Roman"/>
-                      </a:endParaRPr>
-                    </a:p>
-                  </a:txBody>
-                  <a:tcPr marL="67895" marR="67895" marT="0" marB="0" anchor="ctr"/>
-                </a:tc>
-                <a:tc hMerge="1">
-                  <a:txBody>
-                    <a:bodyPr/>
-                    <a:lstStyle/>
-                    <a:p>
-                      <a:endParaRPr lang="es-PY"/>
-                    </a:p>
-                  </a:txBody>
-                  <a:tcPr/>
-                </a:tc>
-                <a:tc>
-                  <a:txBody>
-                    <a:bodyPr/>
-                    <a:lstStyle/>
-                    <a:p>
-                      <a:pPr algn="ctr">
-                        <a:lnSpc>
-                          <a:spcPct val="115000"/>
-                        </a:lnSpc>
-                        <a:spcAft>
-                          <a:spcPts val="0"/>
-                        </a:spcAft>
-                      </a:pPr>
-                      <a:r>
-                        <a:rPr lang="es-ES" sz="900" dirty="0"/>
-                        <a:t>-</a:t>
-                      </a:r>
-                      <a:endParaRPr lang="es-PY" sz="1400" dirty="0">
-                        <a:latin typeface="Calibri"/>
-                        <a:ea typeface="Times New Roman"/>
-                        <a:cs typeface="Times New Roman"/>
-                      </a:endParaRPr>
-                    </a:p>
-                  </a:txBody>
-                  <a:tcPr marL="67895" marR="67895" marT="0" marB="0" anchor="ctr"/>
-                </a:tc>
-                <a:tc>
-                  <a:txBody>
-                    <a:bodyPr/>
-                    <a:lstStyle/>
-                    <a:p>
-                      <a:pPr algn="ctr">
-                        <a:lnSpc>
-                          <a:spcPct val="115000"/>
-                        </a:lnSpc>
-                        <a:spcAft>
-                          <a:spcPts val="0"/>
-                        </a:spcAft>
-                      </a:pPr>
-                      <a:endParaRPr lang="es-ES" sz="900">
-                        <a:latin typeface="Calibri"/>
-                        <a:ea typeface="Times New Roman"/>
-                        <a:cs typeface="Times New Roman"/>
-                      </a:endParaRPr>
-                    </a:p>
-                  </a:txBody>
-                  <a:tcPr marL="67895" marR="67895" marT="0" marB="0" anchor="ctr"/>
-                </a:tc>
-                <a:tc>
-                  <a:txBody>
-                    <a:bodyPr/>
-                    <a:lstStyle/>
-                    <a:p>
-                      <a:pPr algn="ctr">
-                        <a:lnSpc>
-                          <a:spcPct val="115000"/>
-                        </a:lnSpc>
-                        <a:spcAft>
-                          <a:spcPts val="0"/>
-                        </a:spcAft>
-                      </a:pPr>
-                      <a:r>
-                        <a:rPr lang="es-ES" sz="900"/>
-                        <a:t>si</a:t>
-                      </a:r>
-                      <a:endParaRPr lang="es-PY" sz="1400">
-                        <a:latin typeface="Calibri"/>
-                        <a:ea typeface="Times New Roman"/>
-                        <a:cs typeface="Times New Roman"/>
-                      </a:endParaRPr>
-                    </a:p>
-                  </a:txBody>
-                  <a:tcPr marL="67895" marR="67895" marT="0" marB="0" anchor="ctr"/>
-                </a:tc>
-                <a:tc>
-                  <a:txBody>
-                    <a:bodyPr/>
-                    <a:lstStyle/>
-                    <a:p>
-                      <a:pPr algn="ctr">
-                        <a:lnSpc>
-                          <a:spcPct val="115000"/>
-                        </a:lnSpc>
-                        <a:spcAft>
-                          <a:spcPts val="0"/>
-                        </a:spcAft>
-                      </a:pPr>
-                      <a:r>
-                        <a:rPr lang="es-ES" sz="900"/>
-                        <a:t>-</a:t>
-                      </a:r>
-                      <a:endParaRPr lang="es-PY" sz="1400">
-                        <a:latin typeface="Calibri"/>
-                        <a:ea typeface="Times New Roman"/>
-                        <a:cs typeface="Times New Roman"/>
-                      </a:endParaRPr>
-                    </a:p>
-                  </a:txBody>
-                  <a:tcPr marL="67895" marR="67895" marT="0" marB="0" anchor="ctr"/>
-                </a:tc>
-                <a:tc>
-                  <a:txBody>
-                    <a:bodyPr/>
-                    <a:lstStyle/>
-                    <a:p>
-                      <a:pPr algn="ctr">
-                        <a:lnSpc>
-                          <a:spcPct val="115000"/>
-                        </a:lnSpc>
-                        <a:spcAft>
-                          <a:spcPts val="0"/>
-                        </a:spcAft>
-                      </a:pPr>
-                      <a:r>
-                        <a:rPr lang="es-ES" sz="900"/>
-                        <a:t>-</a:t>
-                      </a:r>
-                      <a:endParaRPr lang="es-PY" sz="1400">
-                        <a:latin typeface="Calibri"/>
-                        <a:ea typeface="Times New Roman"/>
-                        <a:cs typeface="Times New Roman"/>
-                      </a:endParaRPr>
-                    </a:p>
-                  </a:txBody>
-                  <a:tcPr marL="67895" marR="67895" marT="0" marB="0" anchor="ctr"/>
-                </a:tc>
-                <a:tc>
-                  <a:txBody>
-                    <a:bodyPr/>
-                    <a:lstStyle/>
-                    <a:p>
-                      <a:pPr algn="ctr">
-                        <a:lnSpc>
-                          <a:spcPct val="115000"/>
-                        </a:lnSpc>
-                        <a:spcAft>
-                          <a:spcPts val="0"/>
-                        </a:spcAft>
-                      </a:pPr>
-                      <a:r>
-                        <a:rPr lang="es-ES" sz="900"/>
-                        <a:t>-</a:t>
-                      </a:r>
-                      <a:endParaRPr lang="es-PY" sz="1400">
-                        <a:latin typeface="Calibri"/>
-                        <a:ea typeface="Times New Roman"/>
-                        <a:cs typeface="Times New Roman"/>
-                      </a:endParaRPr>
-                    </a:p>
-                  </a:txBody>
-                  <a:tcPr marL="67895" marR="67895" marT="0" marB="0" anchor="ctr"/>
-                </a:tc>
-                <a:tc>
-                  <a:txBody>
-                    <a:bodyPr/>
-                    <a:lstStyle/>
-                    <a:p>
-                      <a:pPr algn="ctr">
-                        <a:lnSpc>
-                          <a:spcPct val="115000"/>
-                        </a:lnSpc>
-                        <a:spcAft>
-                          <a:spcPts val="0"/>
-                        </a:spcAft>
-                      </a:pPr>
-                      <a:r>
-                        <a:rPr lang="es-ES" sz="900" dirty="0"/>
-                        <a:t>-</a:t>
-                      </a:r>
-                      <a:endParaRPr lang="es-PY" sz="1400" dirty="0">
-                        <a:latin typeface="Calibri"/>
-                        <a:ea typeface="Times New Roman"/>
-                        <a:cs typeface="Times New Roman"/>
-                      </a:endParaRPr>
-                    </a:p>
-                  </a:txBody>
-                  <a:tcPr marL="67895" marR="67895" marT="0" marB="0" anchor="ctr"/>
-                </a:tc>
-              </a:tr>
-              <a:tr h="364370">
-                <a:tc rowSpan="3">
-                  <a:txBody>
-                    <a:bodyPr/>
-                    <a:lstStyle/>
-                    <a:p>
-                      <a:pPr algn="ctr">
-                        <a:lnSpc>
-                          <a:spcPct val="115000"/>
-                        </a:lnSpc>
-                        <a:spcAft>
-                          <a:spcPts val="1000"/>
-                        </a:spcAft>
-                      </a:pPr>
-                      <a:r>
-                        <a:rPr lang="es-ES" sz="900" dirty="0"/>
-                        <a:t>Lógica de negocio en el lado del cliente</a:t>
-                      </a:r>
-                      <a:endParaRPr lang="es-PY" sz="1400" dirty="0">
-                        <a:latin typeface="Calibri"/>
-                        <a:ea typeface="Times New Roman"/>
-                        <a:cs typeface="Times New Roman"/>
-                      </a:endParaRPr>
-                    </a:p>
-                  </a:txBody>
-                  <a:tcPr marL="67895" marR="67895" marT="0" marB="0" anchor="ctr"/>
-                </a:tc>
-                <a:tc>
-                  <a:txBody>
-                    <a:bodyPr/>
-                    <a:lstStyle/>
-                    <a:p>
-                      <a:pPr algn="ctr">
-                        <a:lnSpc>
-                          <a:spcPct val="115000"/>
-                        </a:lnSpc>
-                        <a:spcAft>
-                          <a:spcPts val="1000"/>
-                        </a:spcAft>
-                      </a:pPr>
-                      <a:r>
-                        <a:rPr lang="es-ES" sz="900" dirty="0"/>
-                        <a:t>Operaciones complejas</a:t>
-                      </a:r>
-                      <a:endParaRPr lang="es-PY" sz="1400" dirty="0">
-                        <a:latin typeface="Calibri"/>
-                        <a:ea typeface="Times New Roman"/>
-                        <a:cs typeface="Times New Roman"/>
-                      </a:endParaRPr>
-                    </a:p>
-                  </a:txBody>
-                  <a:tcPr marL="67895" marR="67895" marT="0" marB="0" anchor="ctr"/>
-                </a:tc>
-                <a:tc>
-                  <a:txBody>
-                    <a:bodyPr/>
-                    <a:lstStyle/>
-                    <a:p>
-                      <a:pPr algn="ctr">
-                        <a:lnSpc>
-                          <a:spcPct val="115000"/>
-                        </a:lnSpc>
-                        <a:spcAft>
-                          <a:spcPts val="0"/>
-                        </a:spcAft>
-                      </a:pPr>
-                      <a:r>
-                        <a:rPr lang="es-ES" sz="900"/>
-                        <a:t>-</a:t>
-                      </a:r>
-                      <a:endParaRPr lang="es-PY" sz="1400">
-                        <a:latin typeface="Calibri"/>
-                        <a:ea typeface="Times New Roman"/>
-                        <a:cs typeface="Times New Roman"/>
-                      </a:endParaRPr>
-                    </a:p>
-                  </a:txBody>
-                  <a:tcPr marL="67895" marR="67895" marT="0" marB="0" anchor="ctr"/>
-                </a:tc>
-                <a:tc>
-                  <a:txBody>
-                    <a:bodyPr/>
-                    <a:lstStyle/>
-                    <a:p>
-                      <a:pPr algn="ctr">
-                        <a:lnSpc>
-                          <a:spcPct val="115000"/>
-                        </a:lnSpc>
-                        <a:spcAft>
-                          <a:spcPts val="0"/>
-                        </a:spcAft>
-                      </a:pPr>
-                      <a:r>
-                        <a:rPr lang="es-ES" sz="900"/>
-                        <a:t>-</a:t>
-                      </a:r>
-                      <a:endParaRPr lang="es-PY" sz="1400">
-                        <a:latin typeface="Calibri"/>
-                        <a:ea typeface="Times New Roman"/>
-                        <a:cs typeface="Times New Roman"/>
-                      </a:endParaRPr>
-                    </a:p>
-                  </a:txBody>
-                  <a:tcPr marL="67895" marR="67895" marT="0" marB="0" anchor="ctr"/>
-                </a:tc>
-                <a:tc>
-                  <a:txBody>
-                    <a:bodyPr/>
-                    <a:lstStyle/>
-                    <a:p>
-                      <a:pPr algn="ctr">
-                        <a:lnSpc>
-                          <a:spcPct val="115000"/>
-                        </a:lnSpc>
-                        <a:spcAft>
-                          <a:spcPts val="0"/>
-                        </a:spcAft>
-                      </a:pPr>
-                      <a:r>
-                        <a:rPr lang="es-ES" sz="900" dirty="0"/>
-                        <a:t>si</a:t>
-                      </a:r>
-                      <a:endParaRPr lang="es-PY" sz="1400" dirty="0">
-                        <a:latin typeface="Calibri"/>
-                        <a:ea typeface="Times New Roman"/>
-                        <a:cs typeface="Times New Roman"/>
-                      </a:endParaRPr>
-                    </a:p>
-                  </a:txBody>
-                  <a:tcPr marL="67895" marR="67895" marT="0" marB="0" anchor="ctr"/>
-                </a:tc>
-                <a:tc>
-                  <a:txBody>
-                    <a:bodyPr/>
-                    <a:lstStyle/>
-                    <a:p>
-                      <a:pPr algn="ctr">
-                        <a:lnSpc>
-                          <a:spcPct val="115000"/>
-                        </a:lnSpc>
-                        <a:spcAft>
-                          <a:spcPts val="0"/>
-                        </a:spcAft>
-                      </a:pPr>
-                      <a:r>
-                        <a:rPr lang="es-ES" sz="900"/>
-                        <a:t>-</a:t>
-                      </a:r>
-                      <a:endParaRPr lang="es-PY" sz="1400">
-                        <a:latin typeface="Calibri"/>
-                        <a:ea typeface="Times New Roman"/>
-                        <a:cs typeface="Times New Roman"/>
-                      </a:endParaRPr>
-                    </a:p>
-                  </a:txBody>
-                  <a:tcPr marL="67895" marR="67895" marT="0" marB="0" anchor="ctr"/>
-                </a:tc>
-                <a:tc>
-                  <a:txBody>
-                    <a:bodyPr/>
-                    <a:lstStyle/>
-                    <a:p>
-                      <a:pPr algn="ctr">
-                        <a:lnSpc>
-                          <a:spcPct val="115000"/>
-                        </a:lnSpc>
-                        <a:spcAft>
-                          <a:spcPts val="0"/>
-                        </a:spcAft>
-                      </a:pPr>
-                      <a:r>
-                        <a:rPr lang="es-ES" sz="900"/>
-                        <a:t>-</a:t>
-                      </a:r>
-                      <a:endParaRPr lang="es-PY" sz="1400">
-                        <a:latin typeface="Calibri"/>
-                        <a:ea typeface="Times New Roman"/>
-                        <a:cs typeface="Times New Roman"/>
-                      </a:endParaRPr>
-                    </a:p>
-                  </a:txBody>
-                  <a:tcPr marL="67895" marR="67895" marT="0" marB="0" anchor="ctr"/>
-                </a:tc>
-                <a:tc>
-                  <a:txBody>
-                    <a:bodyPr/>
-                    <a:lstStyle/>
-                    <a:p>
-                      <a:pPr algn="ctr">
-                        <a:lnSpc>
-                          <a:spcPct val="115000"/>
-                        </a:lnSpc>
-                        <a:spcAft>
-                          <a:spcPts val="0"/>
-                        </a:spcAft>
-                      </a:pPr>
-                      <a:r>
-                        <a:rPr lang="es-ES" sz="900"/>
-                        <a:t>-</a:t>
-                      </a:r>
-                      <a:endParaRPr lang="es-PY" sz="1400">
-                        <a:latin typeface="Calibri"/>
-                        <a:ea typeface="Times New Roman"/>
-                        <a:cs typeface="Times New Roman"/>
-                      </a:endParaRPr>
-                    </a:p>
-                  </a:txBody>
-                  <a:tcPr marL="67895" marR="67895" marT="0" marB="0" anchor="ctr"/>
-                </a:tc>
-                <a:tc>
-                  <a:txBody>
-                    <a:bodyPr/>
-                    <a:lstStyle/>
-                    <a:p>
-                      <a:pPr algn="ctr">
-                        <a:lnSpc>
-                          <a:spcPct val="115000"/>
-                        </a:lnSpc>
-                        <a:spcAft>
-                          <a:spcPts val="0"/>
-                        </a:spcAft>
-                      </a:pPr>
-                      <a:r>
-                        <a:rPr lang="es-ES" sz="900"/>
-                        <a:t>-</a:t>
-                      </a:r>
-                      <a:endParaRPr lang="es-PY" sz="1400">
-                        <a:latin typeface="Calibri"/>
-                        <a:ea typeface="Times New Roman"/>
-                        <a:cs typeface="Times New Roman"/>
-                      </a:endParaRPr>
-                    </a:p>
-                  </a:txBody>
-                  <a:tcPr marL="67895" marR="67895" marT="0" marB="0" anchor="ctr"/>
-                </a:tc>
-              </a:tr>
-              <a:tr h="607284">
-                <a:tc vMerge="1">
-                  <a:txBody>
-                    <a:bodyPr/>
-                    <a:lstStyle/>
-                    <a:p>
-                      <a:endParaRPr lang="es-PY"/>
-                    </a:p>
-                  </a:txBody>
-                  <a:tcPr/>
-                </a:tc>
-                <a:tc>
-                  <a:txBody>
-                    <a:bodyPr/>
-                    <a:lstStyle/>
-                    <a:p>
-                      <a:pPr algn="ctr">
-                        <a:lnSpc>
-                          <a:spcPct val="115000"/>
-                        </a:lnSpc>
-                        <a:spcAft>
-                          <a:spcPts val="1000"/>
-                        </a:spcAft>
-                      </a:pPr>
-                      <a:r>
-                        <a:rPr lang="es-ES" sz="900" dirty="0"/>
-                        <a:t>Operaciones específicas del dominio</a:t>
-                      </a:r>
-                      <a:endParaRPr lang="es-PY" sz="1400" dirty="0">
-                        <a:latin typeface="Calibri"/>
-                        <a:ea typeface="Times New Roman"/>
-                        <a:cs typeface="Times New Roman"/>
-                      </a:endParaRPr>
-                    </a:p>
-                  </a:txBody>
-                  <a:tcPr marL="67895" marR="67895" marT="0" marB="0" anchor="ctr"/>
-                </a:tc>
-                <a:tc>
-                  <a:txBody>
-                    <a:bodyPr/>
-                    <a:lstStyle/>
-                    <a:p>
-                      <a:pPr algn="ctr">
-                        <a:lnSpc>
-                          <a:spcPct val="115000"/>
-                        </a:lnSpc>
-                        <a:spcAft>
-                          <a:spcPts val="0"/>
-                        </a:spcAft>
-                      </a:pPr>
-                      <a:r>
-                        <a:rPr lang="es-ES" sz="900" dirty="0"/>
-                        <a:t>-</a:t>
-                      </a:r>
-                      <a:endParaRPr lang="es-PY" sz="1400" dirty="0">
-                        <a:latin typeface="Calibri"/>
-                        <a:ea typeface="Times New Roman"/>
-                        <a:cs typeface="Times New Roman"/>
-                      </a:endParaRPr>
-                    </a:p>
-                  </a:txBody>
-                  <a:tcPr marL="67895" marR="67895" marT="0" marB="0" anchor="ctr"/>
-                </a:tc>
-                <a:tc>
-                  <a:txBody>
-                    <a:bodyPr/>
-                    <a:lstStyle/>
-                    <a:p>
-                      <a:pPr algn="ctr">
-                        <a:lnSpc>
-                          <a:spcPct val="115000"/>
-                        </a:lnSpc>
-                        <a:spcAft>
-                          <a:spcPts val="0"/>
-                        </a:spcAft>
-                      </a:pPr>
-                      <a:r>
-                        <a:rPr lang="es-ES" sz="900"/>
-                        <a:t>-</a:t>
-                      </a:r>
-                      <a:endParaRPr lang="es-PY" sz="1400">
-                        <a:latin typeface="Calibri"/>
-                        <a:ea typeface="Times New Roman"/>
-                        <a:cs typeface="Times New Roman"/>
-                      </a:endParaRPr>
-                    </a:p>
-                  </a:txBody>
-                  <a:tcPr marL="67895" marR="67895" marT="0" marB="0" anchor="ctr"/>
-                </a:tc>
-                <a:tc>
-                  <a:txBody>
-                    <a:bodyPr/>
-                    <a:lstStyle/>
-                    <a:p>
-                      <a:pPr algn="ctr">
-                        <a:lnSpc>
-                          <a:spcPct val="115000"/>
-                        </a:lnSpc>
-                        <a:spcAft>
-                          <a:spcPts val="0"/>
-                        </a:spcAft>
-                      </a:pPr>
-                      <a:r>
-                        <a:rPr lang="es-ES" sz="900" dirty="0"/>
-                        <a:t>-</a:t>
-                      </a:r>
-                      <a:endParaRPr lang="es-PY" sz="1400" dirty="0">
-                        <a:latin typeface="Calibri"/>
-                        <a:ea typeface="Times New Roman"/>
-                        <a:cs typeface="Times New Roman"/>
-                      </a:endParaRPr>
-                    </a:p>
-                  </a:txBody>
-                  <a:tcPr marL="67895" marR="67895" marT="0" marB="0" anchor="ctr"/>
-                </a:tc>
-                <a:tc>
-                  <a:txBody>
-                    <a:bodyPr/>
-                    <a:lstStyle/>
-                    <a:p>
-                      <a:pPr algn="ctr">
-                        <a:lnSpc>
-                          <a:spcPct val="115000"/>
-                        </a:lnSpc>
-                        <a:spcAft>
-                          <a:spcPts val="0"/>
-                        </a:spcAft>
-                      </a:pPr>
-                      <a:r>
-                        <a:rPr lang="es-ES" sz="900" dirty="0"/>
-                        <a:t>-</a:t>
-                      </a:r>
-                      <a:endParaRPr lang="es-PY" sz="1400" dirty="0">
-                        <a:latin typeface="Calibri"/>
-                        <a:ea typeface="Times New Roman"/>
-                        <a:cs typeface="Times New Roman"/>
-                      </a:endParaRPr>
-                    </a:p>
-                  </a:txBody>
-                  <a:tcPr marL="67895" marR="67895" marT="0" marB="0" anchor="ctr"/>
-                </a:tc>
-                <a:tc>
-                  <a:txBody>
-                    <a:bodyPr/>
-                    <a:lstStyle/>
-                    <a:p>
-                      <a:pPr algn="ctr">
-                        <a:lnSpc>
-                          <a:spcPct val="115000"/>
-                        </a:lnSpc>
-                        <a:spcAft>
-                          <a:spcPts val="0"/>
-                        </a:spcAft>
-                      </a:pPr>
-                      <a:r>
-                        <a:rPr lang="es-ES" sz="900"/>
-                        <a:t>-</a:t>
-                      </a:r>
-                      <a:endParaRPr lang="es-PY" sz="1400">
-                        <a:latin typeface="Calibri"/>
-                        <a:ea typeface="Times New Roman"/>
-                        <a:cs typeface="Times New Roman"/>
-                      </a:endParaRPr>
-                    </a:p>
-                  </a:txBody>
-                  <a:tcPr marL="67895" marR="67895" marT="0" marB="0" anchor="ctr"/>
-                </a:tc>
-                <a:tc>
-                  <a:txBody>
-                    <a:bodyPr/>
-                    <a:lstStyle/>
-                    <a:p>
-                      <a:pPr algn="ctr">
-                        <a:lnSpc>
-                          <a:spcPct val="115000"/>
-                        </a:lnSpc>
-                        <a:spcAft>
-                          <a:spcPts val="0"/>
-                        </a:spcAft>
-                      </a:pPr>
-                      <a:r>
-                        <a:rPr lang="es-ES" sz="900"/>
-                        <a:t>si</a:t>
-                      </a:r>
-                      <a:endParaRPr lang="es-PY" sz="1400">
-                        <a:latin typeface="Calibri"/>
-                        <a:ea typeface="Times New Roman"/>
-                        <a:cs typeface="Times New Roman"/>
-                      </a:endParaRPr>
-                    </a:p>
-                  </a:txBody>
-                  <a:tcPr marL="67895" marR="67895" marT="0" marB="0" anchor="ctr"/>
-                </a:tc>
-                <a:tc>
-                  <a:txBody>
-                    <a:bodyPr/>
-                    <a:lstStyle/>
-                    <a:p>
-                      <a:pPr algn="ctr">
-                        <a:lnSpc>
-                          <a:spcPct val="115000"/>
-                        </a:lnSpc>
-                        <a:spcAft>
-                          <a:spcPts val="0"/>
-                        </a:spcAft>
-                      </a:pPr>
-                      <a:r>
-                        <a:rPr lang="es-ES" sz="900"/>
-                        <a:t>-</a:t>
-                      </a:r>
-                      <a:endParaRPr lang="es-PY" sz="1400">
-                        <a:latin typeface="Calibri"/>
-                        <a:ea typeface="Times New Roman"/>
-                        <a:cs typeface="Times New Roman"/>
-                      </a:endParaRPr>
-                    </a:p>
-                  </a:txBody>
-                  <a:tcPr marL="67895" marR="67895" marT="0" marB="0" anchor="ctr"/>
-                </a:tc>
-              </a:tr>
-              <a:tr h="242914">
-                <a:tc vMerge="1">
-                  <a:txBody>
-                    <a:bodyPr/>
-                    <a:lstStyle/>
-                    <a:p>
-                      <a:endParaRPr lang="es-PY"/>
-                    </a:p>
-                  </a:txBody>
-                  <a:tcPr/>
-                </a:tc>
-                <a:tc>
-                  <a:txBody>
-                    <a:bodyPr/>
-                    <a:lstStyle/>
-                    <a:p>
-                      <a:pPr algn="ctr">
-                        <a:lnSpc>
-                          <a:spcPct val="115000"/>
-                        </a:lnSpc>
-                        <a:spcAft>
-                          <a:spcPts val="1000"/>
-                        </a:spcAft>
-                      </a:pPr>
-                      <a:r>
-                        <a:rPr lang="es-ES" sz="900" dirty="0"/>
-                        <a:t>Validación local</a:t>
-                      </a:r>
-                      <a:endParaRPr lang="es-PY" sz="1400" dirty="0">
-                        <a:latin typeface="Calibri"/>
-                        <a:ea typeface="Times New Roman"/>
-                        <a:cs typeface="Times New Roman"/>
-                      </a:endParaRPr>
-                    </a:p>
-                  </a:txBody>
-                  <a:tcPr marL="67895" marR="67895" marT="0" marB="0" anchor="ctr"/>
-                </a:tc>
-                <a:tc>
-                  <a:txBody>
-                    <a:bodyPr/>
-                    <a:lstStyle/>
-                    <a:p>
-                      <a:pPr algn="ctr">
-                        <a:lnSpc>
-                          <a:spcPct val="115000"/>
-                        </a:lnSpc>
-                        <a:spcAft>
-                          <a:spcPts val="0"/>
-                        </a:spcAft>
-                      </a:pPr>
-                      <a:r>
-                        <a:rPr lang="es-ES" sz="900"/>
-                        <a:t>si</a:t>
-                      </a:r>
-                      <a:endParaRPr lang="es-PY" sz="1400">
-                        <a:latin typeface="Calibri"/>
-                        <a:ea typeface="Times New Roman"/>
-                        <a:cs typeface="Times New Roman"/>
-                      </a:endParaRPr>
-                    </a:p>
-                  </a:txBody>
-                  <a:tcPr marL="67895" marR="67895" marT="0" marB="0" anchor="ctr"/>
-                </a:tc>
-                <a:tc>
-                  <a:txBody>
-                    <a:bodyPr/>
-                    <a:lstStyle/>
-                    <a:p>
-                      <a:pPr algn="ctr">
-                        <a:lnSpc>
-                          <a:spcPct val="115000"/>
-                        </a:lnSpc>
-                        <a:spcAft>
-                          <a:spcPts val="0"/>
-                        </a:spcAft>
-                      </a:pPr>
-                      <a:r>
-                        <a:rPr lang="es-ES" sz="900" dirty="0"/>
-                        <a:t>si</a:t>
-                      </a:r>
-                      <a:endParaRPr lang="es-PY" sz="1400" dirty="0">
-                        <a:latin typeface="Calibri"/>
-                        <a:ea typeface="Times New Roman"/>
-                        <a:cs typeface="Times New Roman"/>
-                      </a:endParaRPr>
-                    </a:p>
-                  </a:txBody>
-                  <a:tcPr marL="67895" marR="67895" marT="0" marB="0" anchor="ctr"/>
-                </a:tc>
-                <a:tc>
-                  <a:txBody>
-                    <a:bodyPr/>
-                    <a:lstStyle/>
-                    <a:p>
-                      <a:pPr algn="ctr">
-                        <a:lnSpc>
-                          <a:spcPct val="115000"/>
-                        </a:lnSpc>
-                        <a:spcAft>
-                          <a:spcPts val="0"/>
-                        </a:spcAft>
-                      </a:pPr>
-                      <a:r>
-                        <a:rPr lang="es-ES" sz="900"/>
-                        <a:t>si</a:t>
-                      </a:r>
-                      <a:endParaRPr lang="es-PY" sz="1400">
-                        <a:latin typeface="Calibri"/>
-                        <a:ea typeface="Times New Roman"/>
-                        <a:cs typeface="Times New Roman"/>
-                      </a:endParaRPr>
-                    </a:p>
-                  </a:txBody>
-                  <a:tcPr marL="67895" marR="67895" marT="0" marB="0" anchor="ctr"/>
-                </a:tc>
-                <a:tc>
-                  <a:txBody>
-                    <a:bodyPr/>
-                    <a:lstStyle/>
-                    <a:p>
-                      <a:pPr algn="ctr">
-                        <a:lnSpc>
-                          <a:spcPct val="115000"/>
-                        </a:lnSpc>
-                        <a:spcAft>
-                          <a:spcPts val="0"/>
-                        </a:spcAft>
-                      </a:pPr>
-                      <a:r>
-                        <a:rPr lang="es-ES" sz="900"/>
-                        <a:t>-</a:t>
-                      </a:r>
-                      <a:endParaRPr lang="es-PY" sz="1400">
-                        <a:latin typeface="Calibri"/>
-                        <a:ea typeface="Times New Roman"/>
-                        <a:cs typeface="Times New Roman"/>
-                      </a:endParaRPr>
-                    </a:p>
-                  </a:txBody>
-                  <a:tcPr marL="67895" marR="67895" marT="0" marB="0" anchor="ctr"/>
-                </a:tc>
-                <a:tc>
-                  <a:txBody>
-                    <a:bodyPr/>
-                    <a:lstStyle/>
-                    <a:p>
-                      <a:pPr algn="ctr">
-                        <a:lnSpc>
-                          <a:spcPct val="115000"/>
-                        </a:lnSpc>
-                        <a:spcAft>
-                          <a:spcPts val="0"/>
-                        </a:spcAft>
-                      </a:pPr>
-                      <a:r>
-                        <a:rPr lang="es-ES" sz="900" dirty="0"/>
-                        <a:t>-</a:t>
-                      </a:r>
-                      <a:endParaRPr lang="es-PY" sz="1400" dirty="0">
-                        <a:latin typeface="Calibri"/>
-                        <a:ea typeface="Times New Roman"/>
-                        <a:cs typeface="Times New Roman"/>
-                      </a:endParaRPr>
-                    </a:p>
-                  </a:txBody>
-                  <a:tcPr marL="67895" marR="67895" marT="0" marB="0" anchor="ctr"/>
-                </a:tc>
-                <a:tc>
-                  <a:txBody>
-                    <a:bodyPr/>
-                    <a:lstStyle/>
-                    <a:p>
-                      <a:pPr algn="ctr">
-                        <a:lnSpc>
-                          <a:spcPct val="115000"/>
-                        </a:lnSpc>
-                        <a:spcAft>
-                          <a:spcPts val="0"/>
-                        </a:spcAft>
-                      </a:pPr>
-                      <a:r>
-                        <a:rPr lang="es-ES" sz="900"/>
-                        <a:t>-</a:t>
-                      </a:r>
-                      <a:endParaRPr lang="es-PY" sz="1400">
-                        <a:latin typeface="Calibri"/>
-                        <a:ea typeface="Times New Roman"/>
-                        <a:cs typeface="Times New Roman"/>
-                      </a:endParaRPr>
-                    </a:p>
-                  </a:txBody>
-                  <a:tcPr marL="67895" marR="67895" marT="0" marB="0" anchor="ctr"/>
-                </a:tc>
-                <a:tc>
-                  <a:txBody>
-                    <a:bodyPr/>
-                    <a:lstStyle/>
-                    <a:p>
-                      <a:pPr algn="ctr">
-                        <a:lnSpc>
-                          <a:spcPct val="115000"/>
-                        </a:lnSpc>
-                        <a:spcAft>
-                          <a:spcPts val="0"/>
-                        </a:spcAft>
-                      </a:pPr>
-                      <a:r>
-                        <a:rPr lang="es-ES" sz="900"/>
-                        <a:t>si</a:t>
-                      </a:r>
-                      <a:endParaRPr lang="es-PY" sz="1400">
-                        <a:latin typeface="Calibri"/>
-                        <a:ea typeface="Times New Roman"/>
-                        <a:cs typeface="Times New Roman"/>
-                      </a:endParaRPr>
-                    </a:p>
-                  </a:txBody>
-                  <a:tcPr marL="67895" marR="67895" marT="0" marB="0" anchor="ctr"/>
-                </a:tc>
-              </a:tr>
-              <a:tr h="485827">
-                <a:tc rowSpan="4">
-                  <a:txBody>
-                    <a:bodyPr/>
-                    <a:lstStyle/>
-                    <a:p>
-                      <a:pPr algn="ctr">
-                        <a:lnSpc>
-                          <a:spcPct val="115000"/>
-                        </a:lnSpc>
-                        <a:spcAft>
-                          <a:spcPts val="1000"/>
-                        </a:spcAft>
-                      </a:pPr>
-                      <a:r>
-                        <a:rPr lang="es-ES" sz="900"/>
-                        <a:t>Presentaciones enriquecidas</a:t>
-                      </a:r>
-                      <a:endParaRPr lang="es-PY" sz="1400">
-                        <a:latin typeface="Calibri"/>
-                        <a:ea typeface="Times New Roman"/>
-                        <a:cs typeface="Times New Roman"/>
-                      </a:endParaRPr>
-                    </a:p>
-                  </a:txBody>
-                  <a:tcPr marL="67895" marR="67895" marT="0" marB="0" anchor="ctr"/>
-                </a:tc>
-                <a:tc>
-                  <a:txBody>
-                    <a:bodyPr/>
-                    <a:lstStyle/>
-                    <a:p>
-                      <a:pPr algn="ctr">
-                        <a:lnSpc>
-                          <a:spcPct val="115000"/>
-                        </a:lnSpc>
-                        <a:spcAft>
-                          <a:spcPts val="1000"/>
-                        </a:spcAft>
-                      </a:pPr>
-                      <a:r>
-                        <a:rPr lang="es-ES" sz="900" dirty="0"/>
-                        <a:t>Manejo de eventos en el lado cliente</a:t>
-                      </a:r>
-                      <a:endParaRPr lang="es-PY" sz="1400" dirty="0">
-                        <a:latin typeface="Calibri"/>
-                        <a:ea typeface="Times New Roman"/>
-                        <a:cs typeface="Times New Roman"/>
-                      </a:endParaRPr>
-                    </a:p>
-                  </a:txBody>
-                  <a:tcPr marL="67895" marR="67895" marT="0" marB="0" anchor="ctr"/>
-                </a:tc>
-                <a:tc>
-                  <a:txBody>
-                    <a:bodyPr/>
-                    <a:lstStyle/>
-                    <a:p>
-                      <a:pPr algn="ctr">
-                        <a:lnSpc>
-                          <a:spcPct val="115000"/>
-                        </a:lnSpc>
-                        <a:spcAft>
-                          <a:spcPts val="0"/>
-                        </a:spcAft>
-                      </a:pPr>
-                      <a:r>
-                        <a:rPr lang="es-ES" sz="900" dirty="0"/>
-                        <a:t>-</a:t>
-                      </a:r>
-                      <a:endParaRPr lang="es-PY" sz="1400" dirty="0">
-                        <a:latin typeface="Calibri"/>
-                        <a:ea typeface="Times New Roman"/>
-                        <a:cs typeface="Times New Roman"/>
-                      </a:endParaRPr>
-                    </a:p>
-                  </a:txBody>
-                  <a:tcPr marL="67895" marR="67895" marT="0" marB="0" anchor="ctr"/>
-                </a:tc>
-                <a:tc>
-                  <a:txBody>
-                    <a:bodyPr/>
-                    <a:lstStyle/>
-                    <a:p>
-                      <a:pPr algn="ctr">
-                        <a:lnSpc>
-                          <a:spcPct val="115000"/>
-                        </a:lnSpc>
-                        <a:spcAft>
-                          <a:spcPts val="0"/>
-                        </a:spcAft>
-                      </a:pPr>
-                      <a:r>
-                        <a:rPr lang="es-ES" sz="900"/>
-                        <a:t>-</a:t>
-                      </a:r>
-                      <a:endParaRPr lang="es-PY" sz="1400">
-                        <a:latin typeface="Calibri"/>
-                        <a:ea typeface="Times New Roman"/>
-                        <a:cs typeface="Times New Roman"/>
-                      </a:endParaRPr>
-                    </a:p>
-                  </a:txBody>
-                  <a:tcPr marL="67895" marR="67895" marT="0" marB="0" anchor="ctr"/>
-                </a:tc>
-                <a:tc>
-                  <a:txBody>
-                    <a:bodyPr/>
-                    <a:lstStyle/>
-                    <a:p>
-                      <a:pPr algn="ctr">
-                        <a:lnSpc>
-                          <a:spcPct val="115000"/>
-                        </a:lnSpc>
-                        <a:spcAft>
-                          <a:spcPts val="0"/>
-                        </a:spcAft>
-                      </a:pPr>
-                      <a:r>
-                        <a:rPr lang="es-ES" sz="900" dirty="0"/>
-                        <a:t>si</a:t>
-                      </a:r>
-                      <a:endParaRPr lang="es-PY" sz="1400" dirty="0">
-                        <a:latin typeface="Calibri"/>
-                        <a:ea typeface="Times New Roman"/>
-                        <a:cs typeface="Times New Roman"/>
-                      </a:endParaRPr>
-                    </a:p>
-                  </a:txBody>
-                  <a:tcPr marL="67895" marR="67895" marT="0" marB="0" anchor="ctr"/>
-                </a:tc>
-                <a:tc>
-                  <a:txBody>
-                    <a:bodyPr/>
-                    <a:lstStyle/>
-                    <a:p>
-                      <a:pPr algn="ctr">
-                        <a:lnSpc>
-                          <a:spcPct val="115000"/>
-                        </a:lnSpc>
-                        <a:spcAft>
-                          <a:spcPts val="0"/>
-                        </a:spcAft>
-                      </a:pPr>
-                      <a:r>
-                        <a:rPr lang="es-ES" sz="900" dirty="0"/>
-                        <a:t>si</a:t>
-                      </a:r>
-                      <a:endParaRPr lang="es-PY" sz="1400" dirty="0">
-                        <a:latin typeface="Calibri"/>
-                        <a:ea typeface="Times New Roman"/>
-                        <a:cs typeface="Times New Roman"/>
-                      </a:endParaRPr>
-                    </a:p>
-                  </a:txBody>
-                  <a:tcPr marL="67895" marR="67895" marT="0" marB="0" anchor="ctr"/>
-                </a:tc>
-                <a:tc>
-                  <a:txBody>
-                    <a:bodyPr/>
-                    <a:lstStyle/>
-                    <a:p>
-                      <a:pPr algn="ctr">
-                        <a:lnSpc>
-                          <a:spcPct val="115000"/>
-                        </a:lnSpc>
-                        <a:spcAft>
-                          <a:spcPts val="0"/>
-                        </a:spcAft>
-                      </a:pPr>
-                      <a:r>
-                        <a:rPr lang="es-ES" sz="900" dirty="0"/>
-                        <a:t>si</a:t>
-                      </a:r>
-                      <a:endParaRPr lang="es-PY" sz="1400" dirty="0">
-                        <a:latin typeface="Calibri"/>
-                        <a:ea typeface="Times New Roman"/>
-                        <a:cs typeface="Times New Roman"/>
-                      </a:endParaRPr>
-                    </a:p>
-                  </a:txBody>
-                  <a:tcPr marL="67895" marR="67895" marT="0" marB="0" anchor="ctr"/>
-                </a:tc>
-                <a:tc>
-                  <a:txBody>
-                    <a:bodyPr/>
-                    <a:lstStyle/>
-                    <a:p>
-                      <a:pPr algn="ctr">
-                        <a:lnSpc>
-                          <a:spcPct val="115000"/>
-                        </a:lnSpc>
-                        <a:spcAft>
-                          <a:spcPts val="0"/>
-                        </a:spcAft>
-                      </a:pPr>
-                      <a:r>
-                        <a:rPr lang="es-ES" sz="900"/>
-                        <a:t>si</a:t>
-                      </a:r>
-                      <a:endParaRPr lang="es-PY" sz="1400">
-                        <a:latin typeface="Calibri"/>
-                        <a:ea typeface="Times New Roman"/>
-                        <a:cs typeface="Times New Roman"/>
-                      </a:endParaRPr>
-                    </a:p>
-                  </a:txBody>
-                  <a:tcPr marL="67895" marR="67895" marT="0" marB="0" anchor="ctr"/>
-                </a:tc>
-                <a:tc>
-                  <a:txBody>
-                    <a:bodyPr/>
-                    <a:lstStyle/>
-                    <a:p>
-                      <a:pPr algn="ctr">
-                        <a:lnSpc>
-                          <a:spcPct val="115000"/>
-                        </a:lnSpc>
-                        <a:spcAft>
-                          <a:spcPts val="0"/>
-                        </a:spcAft>
-                      </a:pPr>
-                      <a:r>
-                        <a:rPr lang="es-ES" sz="900"/>
-                        <a:t>si</a:t>
-                      </a:r>
-                      <a:endParaRPr lang="es-PY" sz="1400">
-                        <a:latin typeface="Calibri"/>
-                        <a:ea typeface="Times New Roman"/>
-                        <a:cs typeface="Times New Roman"/>
-                      </a:endParaRPr>
-                    </a:p>
-                  </a:txBody>
-                  <a:tcPr marL="67895" marR="67895" marT="0" marB="0" anchor="ctr"/>
-                </a:tc>
-              </a:tr>
-              <a:tr h="121457">
-                <a:tc vMerge="1">
-                  <a:txBody>
-                    <a:bodyPr/>
-                    <a:lstStyle/>
-                    <a:p>
-                      <a:endParaRPr lang="es-PY"/>
-                    </a:p>
-                  </a:txBody>
-                  <a:tcPr/>
-                </a:tc>
-                <a:tc>
-                  <a:txBody>
-                    <a:bodyPr/>
-                    <a:lstStyle/>
-                    <a:p>
-                      <a:pPr algn="ctr">
-                        <a:lnSpc>
-                          <a:spcPct val="115000"/>
-                        </a:lnSpc>
-                        <a:spcAft>
-                          <a:spcPts val="1000"/>
-                        </a:spcAft>
-                      </a:pPr>
-                      <a:r>
-                        <a:rPr lang="es-ES" sz="900"/>
-                        <a:t>Widgets</a:t>
-                      </a:r>
-                      <a:endParaRPr lang="es-PY" sz="1400">
-                        <a:latin typeface="Calibri"/>
-                        <a:ea typeface="Times New Roman"/>
-                        <a:cs typeface="Times New Roman"/>
-                      </a:endParaRPr>
-                    </a:p>
-                  </a:txBody>
-                  <a:tcPr marL="67895" marR="67895" marT="0" marB="0" anchor="ctr"/>
-                </a:tc>
-                <a:tc>
-                  <a:txBody>
-                    <a:bodyPr/>
-                    <a:lstStyle/>
-                    <a:p>
-                      <a:pPr algn="ctr">
-                        <a:lnSpc>
-                          <a:spcPct val="115000"/>
-                        </a:lnSpc>
-                        <a:spcAft>
-                          <a:spcPts val="0"/>
-                        </a:spcAft>
-                      </a:pPr>
-                      <a:r>
-                        <a:rPr lang="es-ES" sz="900" dirty="0"/>
-                        <a:t>si</a:t>
-                      </a:r>
-                      <a:endParaRPr lang="es-PY" sz="1400" dirty="0">
-                        <a:latin typeface="Calibri"/>
-                        <a:ea typeface="Times New Roman"/>
-                        <a:cs typeface="Times New Roman"/>
-                      </a:endParaRPr>
-                    </a:p>
-                  </a:txBody>
-                  <a:tcPr marL="67895" marR="67895" marT="0" marB="0" anchor="ctr"/>
-                </a:tc>
-                <a:tc>
-                  <a:txBody>
-                    <a:bodyPr/>
-                    <a:lstStyle/>
-                    <a:p>
-                      <a:pPr algn="ctr">
-                        <a:lnSpc>
-                          <a:spcPct val="115000"/>
-                        </a:lnSpc>
-                        <a:spcAft>
-                          <a:spcPts val="0"/>
-                        </a:spcAft>
-                      </a:pPr>
-                      <a:r>
-                        <a:rPr lang="es-ES" sz="900"/>
-                        <a:t>si</a:t>
-                      </a:r>
-                      <a:endParaRPr lang="es-PY" sz="1400">
-                        <a:latin typeface="Calibri"/>
-                        <a:ea typeface="Times New Roman"/>
-                        <a:cs typeface="Times New Roman"/>
-                      </a:endParaRPr>
-                    </a:p>
-                  </a:txBody>
-                  <a:tcPr marL="67895" marR="67895" marT="0" marB="0" anchor="ctr"/>
-                </a:tc>
-                <a:tc>
-                  <a:txBody>
-                    <a:bodyPr/>
-                    <a:lstStyle/>
-                    <a:p>
-                      <a:pPr algn="ctr">
-                        <a:lnSpc>
-                          <a:spcPct val="115000"/>
-                        </a:lnSpc>
-                        <a:spcAft>
-                          <a:spcPts val="0"/>
-                        </a:spcAft>
-                      </a:pPr>
-                      <a:r>
-                        <a:rPr lang="es-ES" sz="900"/>
-                        <a:t>-</a:t>
-                      </a:r>
-                      <a:endParaRPr lang="es-PY" sz="1400">
-                        <a:latin typeface="Calibri"/>
-                        <a:ea typeface="Times New Roman"/>
-                        <a:cs typeface="Times New Roman"/>
-                      </a:endParaRPr>
-                    </a:p>
-                  </a:txBody>
-                  <a:tcPr marL="67895" marR="67895" marT="0" marB="0" anchor="ctr"/>
-                </a:tc>
-                <a:tc>
-                  <a:txBody>
-                    <a:bodyPr/>
-                    <a:lstStyle/>
-                    <a:p>
-                      <a:pPr algn="ctr">
-                        <a:lnSpc>
-                          <a:spcPct val="115000"/>
-                        </a:lnSpc>
-                        <a:spcAft>
-                          <a:spcPts val="0"/>
-                        </a:spcAft>
-                      </a:pPr>
-                      <a:r>
-                        <a:rPr lang="es-ES" sz="900"/>
-                        <a:t>si</a:t>
-                      </a:r>
-                      <a:endParaRPr lang="es-PY" sz="1400">
-                        <a:latin typeface="Calibri"/>
-                        <a:ea typeface="Times New Roman"/>
-                        <a:cs typeface="Times New Roman"/>
-                      </a:endParaRPr>
-                    </a:p>
-                  </a:txBody>
-                  <a:tcPr marL="67895" marR="67895" marT="0" marB="0" anchor="ctr"/>
-                </a:tc>
-                <a:tc>
-                  <a:txBody>
-                    <a:bodyPr/>
-                    <a:lstStyle/>
-                    <a:p>
-                      <a:pPr algn="ctr">
-                        <a:lnSpc>
-                          <a:spcPct val="115000"/>
-                        </a:lnSpc>
-                        <a:spcAft>
-                          <a:spcPts val="0"/>
-                        </a:spcAft>
-                      </a:pPr>
-                      <a:r>
-                        <a:rPr lang="es-ES" sz="900" dirty="0"/>
-                        <a:t>si</a:t>
-                      </a:r>
-                      <a:endParaRPr lang="es-PY" sz="1400" dirty="0">
-                        <a:latin typeface="Calibri"/>
-                        <a:ea typeface="Times New Roman"/>
-                        <a:cs typeface="Times New Roman"/>
-                      </a:endParaRPr>
-                    </a:p>
-                  </a:txBody>
-                  <a:tcPr marL="67895" marR="67895" marT="0" marB="0" anchor="ctr"/>
-                </a:tc>
-                <a:tc>
-                  <a:txBody>
-                    <a:bodyPr/>
-                    <a:lstStyle/>
-                    <a:p>
-                      <a:pPr algn="ctr">
-                        <a:lnSpc>
-                          <a:spcPct val="115000"/>
-                        </a:lnSpc>
-                        <a:spcAft>
-                          <a:spcPts val="0"/>
-                        </a:spcAft>
-                      </a:pPr>
-                      <a:r>
-                        <a:rPr lang="es-ES" sz="900"/>
-                        <a:t>si</a:t>
-                      </a:r>
-                      <a:endParaRPr lang="es-PY" sz="1400">
-                        <a:latin typeface="Calibri"/>
-                        <a:ea typeface="Times New Roman"/>
-                        <a:cs typeface="Times New Roman"/>
-                      </a:endParaRPr>
-                    </a:p>
-                  </a:txBody>
-                  <a:tcPr marL="67895" marR="67895" marT="0" marB="0" anchor="ctr"/>
-                </a:tc>
-                <a:tc>
-                  <a:txBody>
-                    <a:bodyPr/>
-                    <a:lstStyle/>
-                    <a:p>
-                      <a:pPr algn="ctr">
-                        <a:lnSpc>
-                          <a:spcPct val="115000"/>
-                        </a:lnSpc>
-                        <a:spcAft>
-                          <a:spcPts val="0"/>
-                        </a:spcAft>
-                      </a:pPr>
-                      <a:r>
-                        <a:rPr lang="es-ES" sz="900"/>
-                        <a:t>si</a:t>
-                      </a:r>
-                      <a:endParaRPr lang="es-PY" sz="1400">
-                        <a:latin typeface="Calibri"/>
-                        <a:ea typeface="Times New Roman"/>
-                        <a:cs typeface="Times New Roman"/>
-                      </a:endParaRPr>
-                    </a:p>
-                  </a:txBody>
-                  <a:tcPr marL="67895" marR="67895" marT="0" marB="0" anchor="ctr"/>
-                </a:tc>
-              </a:tr>
-              <a:tr h="364370">
-                <a:tc vMerge="1">
-                  <a:txBody>
-                    <a:bodyPr/>
-                    <a:lstStyle/>
-                    <a:p>
-                      <a:endParaRPr lang="es-PY"/>
-                    </a:p>
-                  </a:txBody>
-                  <a:tcPr/>
-                </a:tc>
-                <a:tc>
-                  <a:txBody>
-                    <a:bodyPr/>
-                    <a:lstStyle/>
-                    <a:p>
-                      <a:pPr algn="ctr">
-                        <a:lnSpc>
-                          <a:spcPct val="115000"/>
-                        </a:lnSpc>
-                        <a:spcAft>
-                          <a:spcPts val="1000"/>
-                        </a:spcAft>
-                      </a:pPr>
-                      <a:r>
-                        <a:rPr lang="es-ES" sz="900"/>
-                        <a:t>Paradigma de página única</a:t>
-                      </a:r>
-                      <a:endParaRPr lang="es-PY" sz="1400">
-                        <a:latin typeface="Calibri"/>
-                        <a:ea typeface="Times New Roman"/>
-                        <a:cs typeface="Times New Roman"/>
-                      </a:endParaRPr>
-                    </a:p>
-                  </a:txBody>
-                  <a:tcPr marL="67895" marR="67895" marT="0" marB="0" anchor="ctr"/>
-                </a:tc>
-                <a:tc>
-                  <a:txBody>
-                    <a:bodyPr/>
-                    <a:lstStyle/>
-                    <a:p>
-                      <a:pPr algn="ctr">
-                        <a:lnSpc>
-                          <a:spcPct val="115000"/>
-                        </a:lnSpc>
-                        <a:spcAft>
-                          <a:spcPts val="0"/>
-                        </a:spcAft>
-                      </a:pPr>
-                      <a:r>
-                        <a:rPr lang="es-ES" sz="900"/>
-                        <a:t>si</a:t>
-                      </a:r>
-                      <a:endParaRPr lang="es-PY" sz="1400">
-                        <a:latin typeface="Calibri"/>
-                        <a:ea typeface="Times New Roman"/>
-                        <a:cs typeface="Times New Roman"/>
-                      </a:endParaRPr>
-                    </a:p>
-                  </a:txBody>
-                  <a:tcPr marL="67895" marR="67895" marT="0" marB="0" anchor="ctr"/>
-                </a:tc>
-                <a:tc>
-                  <a:txBody>
-                    <a:bodyPr/>
-                    <a:lstStyle/>
-                    <a:p>
-                      <a:pPr algn="ctr">
-                        <a:lnSpc>
-                          <a:spcPct val="115000"/>
-                        </a:lnSpc>
-                        <a:spcAft>
-                          <a:spcPts val="0"/>
-                        </a:spcAft>
-                      </a:pPr>
-                      <a:r>
-                        <a:rPr lang="es-ES" sz="900"/>
-                        <a:t>si</a:t>
-                      </a:r>
-                      <a:endParaRPr lang="es-PY" sz="1400">
-                        <a:latin typeface="Calibri"/>
-                        <a:ea typeface="Times New Roman"/>
-                        <a:cs typeface="Times New Roman"/>
-                      </a:endParaRPr>
-                    </a:p>
-                  </a:txBody>
-                  <a:tcPr marL="67895" marR="67895" marT="0" marB="0" anchor="ctr"/>
-                </a:tc>
-                <a:tc>
-                  <a:txBody>
-                    <a:bodyPr/>
-                    <a:lstStyle/>
-                    <a:p>
-                      <a:pPr algn="ctr">
-                        <a:lnSpc>
-                          <a:spcPct val="115000"/>
-                        </a:lnSpc>
-                        <a:spcAft>
-                          <a:spcPts val="0"/>
-                        </a:spcAft>
-                      </a:pPr>
-                      <a:r>
-                        <a:rPr lang="es-ES" sz="900"/>
-                        <a:t>si</a:t>
-                      </a:r>
-                      <a:endParaRPr lang="es-PY" sz="1400">
-                        <a:latin typeface="Calibri"/>
-                        <a:ea typeface="Times New Roman"/>
-                        <a:cs typeface="Times New Roman"/>
-                      </a:endParaRPr>
-                    </a:p>
-                  </a:txBody>
-                  <a:tcPr marL="67895" marR="67895" marT="0" marB="0" anchor="ctr"/>
-                </a:tc>
-                <a:tc>
-                  <a:txBody>
-                    <a:bodyPr/>
-                    <a:lstStyle/>
-                    <a:p>
-                      <a:pPr algn="ctr">
-                        <a:lnSpc>
-                          <a:spcPct val="115000"/>
-                        </a:lnSpc>
-                        <a:spcAft>
-                          <a:spcPts val="0"/>
-                        </a:spcAft>
-                      </a:pPr>
-                      <a:r>
-                        <a:rPr lang="es-ES" sz="900" dirty="0"/>
-                        <a:t>si</a:t>
-                      </a:r>
-                      <a:endParaRPr lang="es-PY" sz="1400" dirty="0">
-                        <a:latin typeface="Calibri"/>
-                        <a:ea typeface="Times New Roman"/>
-                        <a:cs typeface="Times New Roman"/>
-                      </a:endParaRPr>
-                    </a:p>
-                  </a:txBody>
-                  <a:tcPr marL="67895" marR="67895" marT="0" marB="0" anchor="ctr"/>
-                </a:tc>
-                <a:tc>
-                  <a:txBody>
-                    <a:bodyPr/>
-                    <a:lstStyle/>
-                    <a:p>
-                      <a:pPr algn="ctr">
-                        <a:lnSpc>
-                          <a:spcPct val="115000"/>
-                        </a:lnSpc>
-                        <a:spcAft>
-                          <a:spcPts val="0"/>
-                        </a:spcAft>
-                      </a:pPr>
-                      <a:r>
-                        <a:rPr lang="es-ES" sz="900" dirty="0"/>
-                        <a:t>-</a:t>
-                      </a:r>
-                      <a:endParaRPr lang="es-PY" sz="1400" dirty="0">
-                        <a:latin typeface="Calibri"/>
-                        <a:ea typeface="Times New Roman"/>
-                        <a:cs typeface="Times New Roman"/>
-                      </a:endParaRPr>
-                    </a:p>
-                  </a:txBody>
-                  <a:tcPr marL="67895" marR="67895" marT="0" marB="0" anchor="ctr"/>
-                </a:tc>
-                <a:tc>
-                  <a:txBody>
-                    <a:bodyPr/>
-                    <a:lstStyle/>
-                    <a:p>
-                      <a:pPr algn="ctr">
-                        <a:lnSpc>
-                          <a:spcPct val="115000"/>
-                        </a:lnSpc>
-                        <a:spcAft>
-                          <a:spcPts val="0"/>
-                        </a:spcAft>
-                      </a:pPr>
-                      <a:r>
-                        <a:rPr lang="es-ES" sz="900" dirty="0"/>
-                        <a:t>-</a:t>
-                      </a:r>
-                      <a:endParaRPr lang="es-PY" sz="1400" dirty="0">
-                        <a:latin typeface="Calibri"/>
-                        <a:ea typeface="Times New Roman"/>
-                        <a:cs typeface="Times New Roman"/>
-                      </a:endParaRPr>
-                    </a:p>
-                  </a:txBody>
-                  <a:tcPr marL="67895" marR="67895" marT="0" marB="0" anchor="ctr"/>
-                </a:tc>
-                <a:tc>
-                  <a:txBody>
-                    <a:bodyPr/>
-                    <a:lstStyle/>
-                    <a:p>
-                      <a:pPr algn="ctr">
-                        <a:lnSpc>
-                          <a:spcPct val="115000"/>
-                        </a:lnSpc>
-                        <a:spcAft>
-                          <a:spcPts val="0"/>
-                        </a:spcAft>
-                      </a:pPr>
-                      <a:r>
-                        <a:rPr lang="es-ES" sz="900"/>
-                        <a:t>si</a:t>
-                      </a:r>
-                      <a:endParaRPr lang="es-PY" sz="1400">
-                        <a:latin typeface="Calibri"/>
-                        <a:ea typeface="Times New Roman"/>
-                        <a:cs typeface="Times New Roman"/>
-                      </a:endParaRPr>
-                    </a:p>
-                  </a:txBody>
-                  <a:tcPr marL="67895" marR="67895" marT="0" marB="0" anchor="ctr"/>
-                </a:tc>
-              </a:tr>
-              <a:tr h="242914">
-                <a:tc vMerge="1">
-                  <a:txBody>
-                    <a:bodyPr/>
-                    <a:lstStyle/>
-                    <a:p>
-                      <a:endParaRPr lang="es-PY"/>
-                    </a:p>
-                  </a:txBody>
-                  <a:tcPr/>
-                </a:tc>
-                <a:tc>
-                  <a:txBody>
-                    <a:bodyPr/>
-                    <a:lstStyle/>
-                    <a:p>
-                      <a:pPr algn="ctr">
-                        <a:lnSpc>
-                          <a:spcPct val="115000"/>
-                        </a:lnSpc>
-                        <a:spcAft>
-                          <a:spcPts val="1000"/>
-                        </a:spcAft>
-                      </a:pPr>
-                      <a:r>
-                        <a:rPr lang="es-ES" sz="900"/>
-                        <a:t>Contenido multimedia</a:t>
-                      </a:r>
-                      <a:endParaRPr lang="es-PY" sz="1400">
-                        <a:latin typeface="Calibri"/>
-                        <a:ea typeface="Times New Roman"/>
-                        <a:cs typeface="Times New Roman"/>
-                      </a:endParaRPr>
-                    </a:p>
-                  </a:txBody>
-                  <a:tcPr marL="67895" marR="67895" marT="0" marB="0" anchor="ctr"/>
-                </a:tc>
-                <a:tc>
-                  <a:txBody>
-                    <a:bodyPr/>
-                    <a:lstStyle/>
-                    <a:p>
-                      <a:pPr algn="ctr">
-                        <a:lnSpc>
-                          <a:spcPct val="115000"/>
-                        </a:lnSpc>
-                        <a:spcAft>
-                          <a:spcPts val="0"/>
-                        </a:spcAft>
-                      </a:pPr>
-                      <a:r>
-                        <a:rPr lang="es-ES" sz="900"/>
-                        <a:t>-</a:t>
-                      </a:r>
-                      <a:endParaRPr lang="es-PY" sz="1400">
-                        <a:latin typeface="Calibri"/>
-                        <a:ea typeface="Times New Roman"/>
-                        <a:cs typeface="Times New Roman"/>
-                      </a:endParaRPr>
-                    </a:p>
-                  </a:txBody>
-                  <a:tcPr marL="67895" marR="67895" marT="0" marB="0" anchor="ctr"/>
-                </a:tc>
-                <a:tc>
-                  <a:txBody>
-                    <a:bodyPr/>
-                    <a:lstStyle/>
-                    <a:p>
-                      <a:pPr algn="ctr">
-                        <a:lnSpc>
-                          <a:spcPct val="115000"/>
-                        </a:lnSpc>
-                        <a:spcAft>
-                          <a:spcPts val="0"/>
-                        </a:spcAft>
-                      </a:pPr>
-                      <a:r>
-                        <a:rPr lang="es-ES" sz="900"/>
-                        <a:t>si</a:t>
-                      </a:r>
-                      <a:endParaRPr lang="es-PY" sz="1400">
-                        <a:latin typeface="Calibri"/>
-                        <a:ea typeface="Times New Roman"/>
-                        <a:cs typeface="Times New Roman"/>
-                      </a:endParaRPr>
-                    </a:p>
-                  </a:txBody>
-                  <a:tcPr marL="67895" marR="67895" marT="0" marB="0" anchor="ctr"/>
-                </a:tc>
-                <a:tc>
-                  <a:txBody>
-                    <a:bodyPr/>
-                    <a:lstStyle/>
-                    <a:p>
-                      <a:pPr algn="ctr">
-                        <a:lnSpc>
-                          <a:spcPct val="115000"/>
-                        </a:lnSpc>
-                        <a:spcAft>
-                          <a:spcPts val="0"/>
-                        </a:spcAft>
-                      </a:pPr>
-                      <a:r>
-                        <a:rPr lang="es-ES" sz="900"/>
-                        <a:t>-</a:t>
-                      </a:r>
-                      <a:endParaRPr lang="es-PY" sz="1400">
-                        <a:latin typeface="Calibri"/>
-                        <a:ea typeface="Times New Roman"/>
-                        <a:cs typeface="Times New Roman"/>
-                      </a:endParaRPr>
-                    </a:p>
-                  </a:txBody>
-                  <a:tcPr marL="67895" marR="67895" marT="0" marB="0" anchor="ctr"/>
-                </a:tc>
-                <a:tc>
-                  <a:txBody>
-                    <a:bodyPr/>
-                    <a:lstStyle/>
-                    <a:p>
-                      <a:pPr algn="ctr">
-                        <a:lnSpc>
-                          <a:spcPct val="115000"/>
-                        </a:lnSpc>
-                        <a:spcAft>
-                          <a:spcPts val="0"/>
-                        </a:spcAft>
-                      </a:pPr>
-                      <a:r>
-                        <a:rPr lang="es-ES" sz="900"/>
-                        <a:t>-</a:t>
-                      </a:r>
-                      <a:endParaRPr lang="es-PY" sz="1400">
-                        <a:latin typeface="Calibri"/>
-                        <a:ea typeface="Times New Roman"/>
-                        <a:cs typeface="Times New Roman"/>
-                      </a:endParaRPr>
-                    </a:p>
-                  </a:txBody>
-                  <a:tcPr marL="67895" marR="67895" marT="0" marB="0" anchor="ctr"/>
-                </a:tc>
-                <a:tc>
-                  <a:txBody>
-                    <a:bodyPr/>
-                    <a:lstStyle/>
-                    <a:p>
-                      <a:pPr algn="ctr">
-                        <a:lnSpc>
-                          <a:spcPct val="115000"/>
-                        </a:lnSpc>
-                        <a:spcAft>
-                          <a:spcPts val="0"/>
-                        </a:spcAft>
-                      </a:pPr>
-                      <a:r>
-                        <a:rPr lang="es-ES" sz="900" dirty="0"/>
-                        <a:t>-</a:t>
-                      </a:r>
-                      <a:endParaRPr lang="es-PY" sz="1400" dirty="0">
-                        <a:latin typeface="Calibri"/>
-                        <a:ea typeface="Times New Roman"/>
-                        <a:cs typeface="Times New Roman"/>
-                      </a:endParaRPr>
-                    </a:p>
-                  </a:txBody>
-                  <a:tcPr marL="67895" marR="67895" marT="0" marB="0" anchor="ctr"/>
-                </a:tc>
-                <a:tc>
-                  <a:txBody>
-                    <a:bodyPr/>
-                    <a:lstStyle/>
-                    <a:p>
-                      <a:pPr algn="ctr">
-                        <a:lnSpc>
-                          <a:spcPct val="115000"/>
-                        </a:lnSpc>
-                        <a:spcAft>
-                          <a:spcPts val="0"/>
-                        </a:spcAft>
-                      </a:pPr>
-                      <a:r>
-                        <a:rPr lang="es-ES" sz="900" dirty="0"/>
-                        <a:t>si</a:t>
-                      </a:r>
-                      <a:endParaRPr lang="es-PY" sz="1400" dirty="0">
-                        <a:latin typeface="Calibri"/>
-                        <a:ea typeface="Times New Roman"/>
-                        <a:cs typeface="Times New Roman"/>
-                      </a:endParaRPr>
-                    </a:p>
-                  </a:txBody>
-                  <a:tcPr marL="67895" marR="67895" marT="0" marB="0" anchor="ctr"/>
-                </a:tc>
-                <a:tc>
-                  <a:txBody>
-                    <a:bodyPr/>
-                    <a:lstStyle/>
-                    <a:p>
-                      <a:pPr algn="ctr">
-                        <a:lnSpc>
-                          <a:spcPct val="115000"/>
-                        </a:lnSpc>
-                        <a:spcAft>
-                          <a:spcPts val="0"/>
-                        </a:spcAft>
-                      </a:pPr>
-                      <a:r>
-                        <a:rPr lang="es-ES" sz="900"/>
-                        <a:t>si</a:t>
-                      </a:r>
-                      <a:endParaRPr lang="es-PY" sz="1400">
-                        <a:latin typeface="Calibri"/>
-                        <a:ea typeface="Times New Roman"/>
-                        <a:cs typeface="Times New Roman"/>
-                      </a:endParaRPr>
-                    </a:p>
-                  </a:txBody>
-                  <a:tcPr marL="67895" marR="67895" marT="0" marB="0" anchor="ctr"/>
-                </a:tc>
-              </a:tr>
-              <a:tr h="364370">
-                <a:tc rowSpan="3">
-                  <a:txBody>
-                    <a:bodyPr/>
-                    <a:lstStyle/>
-                    <a:p>
-                      <a:pPr algn="ctr">
-                        <a:lnSpc>
-                          <a:spcPct val="115000"/>
-                        </a:lnSpc>
-                        <a:spcAft>
-                          <a:spcPts val="1000"/>
-                        </a:spcAft>
-                      </a:pPr>
-                      <a:r>
-                        <a:rPr lang="es-ES" sz="900"/>
-                        <a:t>Comunicación cliente servidor</a:t>
-                      </a:r>
-                      <a:endParaRPr lang="es-PY" sz="1400">
-                        <a:latin typeface="Calibri"/>
-                        <a:ea typeface="Times New Roman"/>
-                        <a:cs typeface="Times New Roman"/>
-                      </a:endParaRPr>
-                    </a:p>
-                  </a:txBody>
-                  <a:tcPr marL="67895" marR="67895" marT="0" marB="0" anchor="ctr"/>
-                </a:tc>
-                <a:tc>
-                  <a:txBody>
-                    <a:bodyPr/>
-                    <a:lstStyle/>
-                    <a:p>
-                      <a:pPr algn="ctr">
-                        <a:lnSpc>
-                          <a:spcPct val="115000"/>
-                        </a:lnSpc>
-                        <a:spcAft>
-                          <a:spcPts val="1000"/>
-                        </a:spcAft>
-                      </a:pPr>
-                      <a:r>
-                        <a:rPr lang="es-ES" sz="900"/>
-                        <a:t>Sincronización de datos</a:t>
-                      </a:r>
-                      <a:endParaRPr lang="es-PY" sz="1400">
-                        <a:latin typeface="Calibri"/>
-                        <a:ea typeface="Times New Roman"/>
-                        <a:cs typeface="Times New Roman"/>
-                      </a:endParaRPr>
-                    </a:p>
-                  </a:txBody>
-                  <a:tcPr marL="67895" marR="67895" marT="0" marB="0" anchor="ctr"/>
-                </a:tc>
-                <a:tc>
-                  <a:txBody>
-                    <a:bodyPr/>
-                    <a:lstStyle/>
-                    <a:p>
-                      <a:pPr algn="ctr">
-                        <a:lnSpc>
-                          <a:spcPct val="115000"/>
-                        </a:lnSpc>
-                        <a:spcAft>
-                          <a:spcPts val="0"/>
-                        </a:spcAft>
-                      </a:pPr>
-                      <a:r>
-                        <a:rPr lang="es-ES" sz="900"/>
-                        <a:t>-</a:t>
-                      </a:r>
-                      <a:endParaRPr lang="es-PY" sz="1400">
-                        <a:latin typeface="Calibri"/>
-                        <a:ea typeface="Times New Roman"/>
-                        <a:cs typeface="Times New Roman"/>
-                      </a:endParaRPr>
-                    </a:p>
-                  </a:txBody>
-                  <a:tcPr marL="67895" marR="67895" marT="0" marB="0" anchor="ctr"/>
-                </a:tc>
-                <a:tc>
-                  <a:txBody>
-                    <a:bodyPr/>
-                    <a:lstStyle/>
-                    <a:p>
-                      <a:pPr algn="ctr">
-                        <a:lnSpc>
-                          <a:spcPct val="115000"/>
-                        </a:lnSpc>
-                        <a:spcAft>
-                          <a:spcPts val="0"/>
-                        </a:spcAft>
-                      </a:pPr>
-                      <a:r>
-                        <a:rPr lang="es-ES" sz="900"/>
-                        <a:t>-</a:t>
-                      </a:r>
-                      <a:endParaRPr lang="es-PY" sz="1400">
-                        <a:latin typeface="Calibri"/>
-                        <a:ea typeface="Times New Roman"/>
-                        <a:cs typeface="Times New Roman"/>
-                      </a:endParaRPr>
-                    </a:p>
-                  </a:txBody>
-                  <a:tcPr marL="67895" marR="67895" marT="0" marB="0" anchor="ctr"/>
-                </a:tc>
-                <a:tc>
-                  <a:txBody>
-                    <a:bodyPr/>
-                    <a:lstStyle/>
-                    <a:p>
-                      <a:pPr algn="ctr">
-                        <a:lnSpc>
-                          <a:spcPct val="115000"/>
-                        </a:lnSpc>
-                        <a:spcAft>
-                          <a:spcPts val="0"/>
-                        </a:spcAft>
-                      </a:pPr>
-                      <a:r>
-                        <a:rPr lang="es-ES" sz="900"/>
-                        <a:t>si</a:t>
-                      </a:r>
-                      <a:endParaRPr lang="es-PY" sz="1400">
-                        <a:latin typeface="Calibri"/>
-                        <a:ea typeface="Times New Roman"/>
-                        <a:cs typeface="Times New Roman"/>
-                      </a:endParaRPr>
-                    </a:p>
-                  </a:txBody>
-                  <a:tcPr marL="67895" marR="67895" marT="0" marB="0" anchor="ctr"/>
-                </a:tc>
-                <a:tc>
-                  <a:txBody>
-                    <a:bodyPr/>
-                    <a:lstStyle/>
-                    <a:p>
-                      <a:pPr algn="ctr">
-                        <a:lnSpc>
-                          <a:spcPct val="115000"/>
-                        </a:lnSpc>
-                        <a:spcAft>
-                          <a:spcPts val="0"/>
-                        </a:spcAft>
-                      </a:pPr>
-                      <a:r>
-                        <a:rPr lang="es-ES" sz="900" dirty="0"/>
-                        <a:t>-</a:t>
-                      </a:r>
-                      <a:endParaRPr lang="es-PY" sz="1400" dirty="0">
-                        <a:latin typeface="Calibri"/>
-                        <a:ea typeface="Times New Roman"/>
-                        <a:cs typeface="Times New Roman"/>
-                      </a:endParaRPr>
-                    </a:p>
-                  </a:txBody>
-                  <a:tcPr marL="67895" marR="67895" marT="0" marB="0" anchor="ctr"/>
-                </a:tc>
-                <a:tc>
-                  <a:txBody>
-                    <a:bodyPr/>
-                    <a:lstStyle/>
-                    <a:p>
-                      <a:pPr algn="ctr">
-                        <a:lnSpc>
-                          <a:spcPct val="115000"/>
-                        </a:lnSpc>
-                        <a:spcAft>
-                          <a:spcPts val="0"/>
-                        </a:spcAft>
-                      </a:pPr>
-                      <a:r>
-                        <a:rPr lang="es-ES" sz="900" dirty="0"/>
-                        <a:t>-</a:t>
-                      </a:r>
-                      <a:endParaRPr lang="es-PY" sz="1400" dirty="0">
-                        <a:latin typeface="Calibri"/>
-                        <a:ea typeface="Times New Roman"/>
-                        <a:cs typeface="Times New Roman"/>
-                      </a:endParaRPr>
-                    </a:p>
-                  </a:txBody>
-                  <a:tcPr marL="67895" marR="67895" marT="0" marB="0" anchor="ctr"/>
-                </a:tc>
-                <a:tc>
-                  <a:txBody>
-                    <a:bodyPr/>
-                    <a:lstStyle/>
-                    <a:p>
-                      <a:pPr algn="ctr">
-                        <a:lnSpc>
-                          <a:spcPct val="115000"/>
-                        </a:lnSpc>
-                        <a:spcAft>
-                          <a:spcPts val="0"/>
-                        </a:spcAft>
-                      </a:pPr>
-                      <a:r>
-                        <a:rPr lang="es-ES" sz="900" dirty="0"/>
-                        <a:t>si</a:t>
-                      </a:r>
-                      <a:endParaRPr lang="es-PY" sz="1400" dirty="0">
-                        <a:latin typeface="Calibri"/>
-                        <a:ea typeface="Times New Roman"/>
-                        <a:cs typeface="Times New Roman"/>
-                      </a:endParaRPr>
-                    </a:p>
-                  </a:txBody>
-                  <a:tcPr marL="67895" marR="67895" marT="0" marB="0" anchor="ctr"/>
-                </a:tc>
-                <a:tc>
-                  <a:txBody>
-                    <a:bodyPr/>
-                    <a:lstStyle/>
-                    <a:p>
-                      <a:pPr algn="ctr">
-                        <a:lnSpc>
-                          <a:spcPct val="115000"/>
-                        </a:lnSpc>
-                        <a:spcAft>
-                          <a:spcPts val="0"/>
-                        </a:spcAft>
-                      </a:pPr>
-                      <a:r>
-                        <a:rPr lang="es-ES" sz="900" dirty="0"/>
-                        <a:t>si</a:t>
-                      </a:r>
-                      <a:endParaRPr lang="es-PY" sz="1400" dirty="0">
-                        <a:latin typeface="Calibri"/>
-                        <a:ea typeface="Times New Roman"/>
-                        <a:cs typeface="Times New Roman"/>
-                      </a:endParaRPr>
-                    </a:p>
-                  </a:txBody>
-                  <a:tcPr marL="67895" marR="67895" marT="0" marB="0" anchor="ctr"/>
-                </a:tc>
-              </a:tr>
-              <a:tr h="728741">
-                <a:tc vMerge="1">
-                  <a:txBody>
-                    <a:bodyPr/>
-                    <a:lstStyle/>
-                    <a:p>
-                      <a:endParaRPr lang="es-PY"/>
-                    </a:p>
-                  </a:txBody>
-                  <a:tcPr/>
-                </a:tc>
-                <a:tc>
-                  <a:txBody>
-                    <a:bodyPr/>
-                    <a:lstStyle/>
-                    <a:p>
-                      <a:pPr algn="ctr">
-                        <a:lnSpc>
-                          <a:spcPct val="115000"/>
-                        </a:lnSpc>
-                        <a:spcAft>
-                          <a:spcPts val="1000"/>
-                        </a:spcAft>
-                      </a:pPr>
-                      <a:r>
-                        <a:rPr lang="es-ES" sz="900"/>
-                        <a:t>Obtención de actualizaciones parciales de página</a:t>
-                      </a:r>
-                      <a:endParaRPr lang="es-PY" sz="1400">
-                        <a:latin typeface="Calibri"/>
-                        <a:ea typeface="Times New Roman"/>
-                        <a:cs typeface="Times New Roman"/>
-                      </a:endParaRPr>
-                    </a:p>
-                  </a:txBody>
-                  <a:tcPr marL="67895" marR="67895" marT="0" marB="0" anchor="ctr"/>
-                </a:tc>
-                <a:tc>
-                  <a:txBody>
-                    <a:bodyPr/>
-                    <a:lstStyle/>
-                    <a:p>
-                      <a:pPr algn="ctr">
-                        <a:lnSpc>
-                          <a:spcPct val="115000"/>
-                        </a:lnSpc>
-                        <a:spcAft>
-                          <a:spcPts val="0"/>
-                        </a:spcAft>
-                      </a:pPr>
-                      <a:r>
-                        <a:rPr lang="es-ES" sz="900"/>
-                        <a:t>si</a:t>
-                      </a:r>
-                      <a:endParaRPr lang="es-PY" sz="1400">
-                        <a:latin typeface="Calibri"/>
-                        <a:ea typeface="Times New Roman"/>
-                        <a:cs typeface="Times New Roman"/>
-                      </a:endParaRPr>
-                    </a:p>
-                  </a:txBody>
-                  <a:tcPr marL="67895" marR="67895" marT="0" marB="0" anchor="ctr"/>
-                </a:tc>
-                <a:tc>
-                  <a:txBody>
-                    <a:bodyPr/>
-                    <a:lstStyle/>
-                    <a:p>
-                      <a:pPr algn="ctr">
-                        <a:lnSpc>
-                          <a:spcPct val="115000"/>
-                        </a:lnSpc>
-                        <a:spcAft>
-                          <a:spcPts val="0"/>
-                        </a:spcAft>
-                      </a:pPr>
-                      <a:r>
-                        <a:rPr lang="es-ES" sz="900"/>
-                        <a:t>si</a:t>
-                      </a:r>
-                      <a:endParaRPr lang="es-PY" sz="1400">
-                        <a:latin typeface="Calibri"/>
-                        <a:ea typeface="Times New Roman"/>
-                        <a:cs typeface="Times New Roman"/>
-                      </a:endParaRPr>
-                    </a:p>
-                  </a:txBody>
-                  <a:tcPr marL="67895" marR="67895" marT="0" marB="0" anchor="ctr"/>
-                </a:tc>
-                <a:tc>
-                  <a:txBody>
-                    <a:bodyPr/>
-                    <a:lstStyle/>
-                    <a:p>
-                      <a:pPr algn="ctr">
-                        <a:lnSpc>
-                          <a:spcPct val="115000"/>
-                        </a:lnSpc>
-                        <a:spcAft>
-                          <a:spcPts val="0"/>
-                        </a:spcAft>
-                      </a:pPr>
-                      <a:r>
-                        <a:rPr lang="es-ES" sz="900"/>
-                        <a:t>si</a:t>
-                      </a:r>
-                      <a:endParaRPr lang="es-PY" sz="1400">
-                        <a:latin typeface="Calibri"/>
-                        <a:ea typeface="Times New Roman"/>
-                        <a:cs typeface="Times New Roman"/>
-                      </a:endParaRPr>
-                    </a:p>
-                  </a:txBody>
-                  <a:tcPr marL="67895" marR="67895" marT="0" marB="0" anchor="ctr"/>
-                </a:tc>
-                <a:tc>
-                  <a:txBody>
-                    <a:bodyPr/>
-                    <a:lstStyle/>
-                    <a:p>
-                      <a:pPr algn="ctr">
-                        <a:lnSpc>
-                          <a:spcPct val="115000"/>
-                        </a:lnSpc>
-                        <a:spcAft>
-                          <a:spcPts val="0"/>
-                        </a:spcAft>
-                      </a:pPr>
-                      <a:r>
-                        <a:rPr lang="es-ES" sz="900"/>
-                        <a:t>si</a:t>
-                      </a:r>
-                      <a:endParaRPr lang="es-PY" sz="1400">
-                        <a:latin typeface="Calibri"/>
-                        <a:ea typeface="Times New Roman"/>
-                        <a:cs typeface="Times New Roman"/>
-                      </a:endParaRPr>
-                    </a:p>
-                  </a:txBody>
-                  <a:tcPr marL="67895" marR="67895" marT="0" marB="0" anchor="ctr"/>
-                </a:tc>
-                <a:tc>
-                  <a:txBody>
-                    <a:bodyPr/>
-                    <a:lstStyle/>
-                    <a:p>
-                      <a:pPr algn="ctr">
-                        <a:lnSpc>
-                          <a:spcPct val="115000"/>
-                        </a:lnSpc>
-                        <a:spcAft>
-                          <a:spcPts val="0"/>
-                        </a:spcAft>
-                      </a:pPr>
-                      <a:r>
-                        <a:rPr lang="es-ES" sz="900" dirty="0"/>
-                        <a:t>si</a:t>
-                      </a:r>
-                      <a:endParaRPr lang="es-PY" sz="1400" dirty="0">
-                        <a:latin typeface="Calibri"/>
-                        <a:ea typeface="Times New Roman"/>
-                        <a:cs typeface="Times New Roman"/>
-                      </a:endParaRPr>
-                    </a:p>
-                  </a:txBody>
-                  <a:tcPr marL="67895" marR="67895" marT="0" marB="0" anchor="ctr"/>
-                </a:tc>
-                <a:tc>
-                  <a:txBody>
-                    <a:bodyPr/>
-                    <a:lstStyle/>
-                    <a:p>
-                      <a:pPr algn="ctr">
-                        <a:lnSpc>
-                          <a:spcPct val="115000"/>
-                        </a:lnSpc>
-                        <a:spcAft>
-                          <a:spcPts val="0"/>
-                        </a:spcAft>
-                      </a:pPr>
-                      <a:r>
-                        <a:rPr lang="es-ES" sz="900" dirty="0"/>
-                        <a:t>si</a:t>
-                      </a:r>
-                      <a:endParaRPr lang="es-PY" sz="1400" dirty="0">
-                        <a:latin typeface="Calibri"/>
-                        <a:ea typeface="Times New Roman"/>
-                        <a:cs typeface="Times New Roman"/>
-                      </a:endParaRPr>
-                    </a:p>
-                  </a:txBody>
-                  <a:tcPr marL="67895" marR="67895" marT="0" marB="0" anchor="ctr"/>
-                </a:tc>
-                <a:tc>
-                  <a:txBody>
-                    <a:bodyPr/>
-                    <a:lstStyle/>
-                    <a:p>
-                      <a:pPr algn="ctr">
-                        <a:lnSpc>
-                          <a:spcPct val="115000"/>
-                        </a:lnSpc>
-                        <a:spcAft>
-                          <a:spcPts val="0"/>
-                        </a:spcAft>
-                      </a:pPr>
-                      <a:r>
-                        <a:rPr lang="es-ES" sz="900" dirty="0"/>
-                        <a:t>si</a:t>
-                      </a:r>
-                      <a:endParaRPr lang="es-PY" sz="1400" dirty="0">
-                        <a:latin typeface="Calibri"/>
-                        <a:ea typeface="Times New Roman"/>
-                        <a:cs typeface="Times New Roman"/>
-                      </a:endParaRPr>
-                    </a:p>
-                  </a:txBody>
-                  <a:tcPr marL="67895" marR="67895" marT="0" marB="0" anchor="ctr"/>
-                </a:tc>
-              </a:tr>
-              <a:tr h="529858">
-                <a:tc vMerge="1">
-                  <a:txBody>
-                    <a:bodyPr/>
-                    <a:lstStyle/>
-                    <a:p>
-                      <a:endParaRPr lang="es-PY"/>
-                    </a:p>
-                  </a:txBody>
-                  <a:tcPr/>
-                </a:tc>
-                <a:tc>
-                  <a:txBody>
-                    <a:bodyPr/>
-                    <a:lstStyle/>
-                    <a:p>
-                      <a:pPr algn="ctr">
-                        <a:lnSpc>
-                          <a:spcPct val="115000"/>
-                        </a:lnSpc>
-                        <a:spcAft>
-                          <a:spcPts val="1000"/>
-                        </a:spcAft>
-                      </a:pPr>
-                      <a:r>
-                        <a:rPr lang="es-ES" sz="900" dirty="0" err="1"/>
-                        <a:t>Push</a:t>
-                      </a:r>
-                      <a:r>
-                        <a:rPr lang="es-ES" sz="900" dirty="0"/>
-                        <a:t> y </a:t>
-                      </a:r>
-                      <a:r>
-                        <a:rPr lang="es-ES" sz="900" dirty="0" err="1"/>
-                        <a:t>Pull</a:t>
-                      </a:r>
-                      <a:endParaRPr lang="es-PY" sz="1400" dirty="0">
-                        <a:latin typeface="Calibri"/>
-                        <a:ea typeface="Times New Roman"/>
-                        <a:cs typeface="Times New Roman"/>
-                      </a:endParaRPr>
-                    </a:p>
-                  </a:txBody>
-                  <a:tcPr marL="67895" marR="67895" marT="0" marB="0" anchor="ctr"/>
-                </a:tc>
-                <a:tc>
-                  <a:txBody>
-                    <a:bodyPr/>
-                    <a:lstStyle/>
-                    <a:p>
-                      <a:pPr algn="ctr">
-                        <a:lnSpc>
-                          <a:spcPct val="115000"/>
-                        </a:lnSpc>
-                        <a:spcAft>
-                          <a:spcPts val="0"/>
-                        </a:spcAft>
-                      </a:pPr>
-                      <a:r>
-                        <a:rPr lang="es-ES" sz="900"/>
-                        <a:t>-</a:t>
-                      </a:r>
-                      <a:endParaRPr lang="es-PY" sz="1400">
-                        <a:latin typeface="Calibri"/>
-                        <a:ea typeface="Times New Roman"/>
-                        <a:cs typeface="Times New Roman"/>
-                      </a:endParaRPr>
-                    </a:p>
-                  </a:txBody>
-                  <a:tcPr marL="67895" marR="67895" marT="0" marB="0" anchor="ctr"/>
-                </a:tc>
-                <a:tc>
-                  <a:txBody>
-                    <a:bodyPr/>
-                    <a:lstStyle/>
-                    <a:p>
-                      <a:pPr algn="ctr">
-                        <a:lnSpc>
-                          <a:spcPct val="115000"/>
-                        </a:lnSpc>
-                        <a:spcAft>
-                          <a:spcPts val="0"/>
-                        </a:spcAft>
-                      </a:pPr>
-                      <a:r>
-                        <a:rPr lang="es-ES" sz="900"/>
-                        <a:t>-</a:t>
-                      </a:r>
-                      <a:endParaRPr lang="es-PY" sz="1400">
-                        <a:latin typeface="Calibri"/>
-                        <a:ea typeface="Times New Roman"/>
-                        <a:cs typeface="Times New Roman"/>
-                      </a:endParaRPr>
-                    </a:p>
-                  </a:txBody>
-                  <a:tcPr marL="67895" marR="67895" marT="0" marB="0" anchor="ctr"/>
-                </a:tc>
-                <a:tc>
-                  <a:txBody>
-                    <a:bodyPr/>
-                    <a:lstStyle/>
-                    <a:p>
-                      <a:pPr algn="ctr">
-                        <a:lnSpc>
-                          <a:spcPct val="115000"/>
-                        </a:lnSpc>
-                        <a:spcAft>
-                          <a:spcPts val="0"/>
-                        </a:spcAft>
-                      </a:pPr>
-                      <a:r>
-                        <a:rPr lang="es-ES" sz="900"/>
-                        <a:t>si</a:t>
-                      </a:r>
-                      <a:endParaRPr lang="es-PY" sz="1400">
-                        <a:latin typeface="Calibri"/>
-                        <a:ea typeface="Times New Roman"/>
-                        <a:cs typeface="Times New Roman"/>
-                      </a:endParaRPr>
-                    </a:p>
-                  </a:txBody>
-                  <a:tcPr marL="67895" marR="67895" marT="0" marB="0" anchor="ctr"/>
-                </a:tc>
-                <a:tc>
-                  <a:txBody>
-                    <a:bodyPr/>
-                    <a:lstStyle/>
-                    <a:p>
-                      <a:pPr algn="ctr">
-                        <a:lnSpc>
-                          <a:spcPct val="115000"/>
-                        </a:lnSpc>
-                        <a:spcAft>
-                          <a:spcPts val="0"/>
-                        </a:spcAft>
-                      </a:pPr>
-                      <a:r>
-                        <a:rPr lang="es-ES" sz="900"/>
-                        <a:t>-</a:t>
-                      </a:r>
-                      <a:endParaRPr lang="es-PY" sz="1400">
-                        <a:latin typeface="Calibri"/>
-                        <a:ea typeface="Times New Roman"/>
-                        <a:cs typeface="Times New Roman"/>
-                      </a:endParaRPr>
-                    </a:p>
-                  </a:txBody>
-                  <a:tcPr marL="67895" marR="67895" marT="0" marB="0" anchor="ctr"/>
-                </a:tc>
-                <a:tc>
-                  <a:txBody>
-                    <a:bodyPr/>
-                    <a:lstStyle/>
-                    <a:p>
-                      <a:pPr algn="ctr">
-                        <a:lnSpc>
-                          <a:spcPct val="115000"/>
-                        </a:lnSpc>
-                        <a:spcAft>
-                          <a:spcPts val="0"/>
-                        </a:spcAft>
-                      </a:pPr>
-                      <a:r>
-                        <a:rPr lang="es-ES" sz="900"/>
-                        <a:t>-</a:t>
-                      </a:r>
-                      <a:endParaRPr lang="es-PY" sz="1400">
-                        <a:latin typeface="Calibri"/>
-                        <a:ea typeface="Times New Roman"/>
-                        <a:cs typeface="Times New Roman"/>
-                      </a:endParaRPr>
-                    </a:p>
-                  </a:txBody>
-                  <a:tcPr marL="67895" marR="67895" marT="0" marB="0" anchor="ctr"/>
-                </a:tc>
-                <a:tc>
-                  <a:txBody>
-                    <a:bodyPr/>
-                    <a:lstStyle/>
-                    <a:p>
-                      <a:pPr algn="ctr">
-                        <a:lnSpc>
-                          <a:spcPct val="115000"/>
-                        </a:lnSpc>
-                        <a:spcAft>
-                          <a:spcPts val="0"/>
-                        </a:spcAft>
-                      </a:pPr>
-                      <a:r>
-                        <a:rPr lang="es-ES" sz="900" dirty="0"/>
-                        <a:t>si</a:t>
-                      </a:r>
-                      <a:endParaRPr lang="es-PY" sz="1400" dirty="0">
-                        <a:latin typeface="Calibri"/>
-                        <a:ea typeface="Times New Roman"/>
-                        <a:cs typeface="Times New Roman"/>
-                      </a:endParaRPr>
-                    </a:p>
-                  </a:txBody>
-                  <a:tcPr marL="67895" marR="67895" marT="0" marB="0" anchor="ctr"/>
-                </a:tc>
-                <a:tc>
-                  <a:txBody>
-                    <a:bodyPr/>
-                    <a:lstStyle/>
-                    <a:p>
-                      <a:pPr algn="ctr">
-                        <a:lnSpc>
-                          <a:spcPct val="115000"/>
-                        </a:lnSpc>
-                        <a:spcAft>
-                          <a:spcPts val="0"/>
-                        </a:spcAft>
-                      </a:pPr>
-                      <a:r>
-                        <a:rPr lang="es-ES" sz="900" dirty="0"/>
-                        <a:t>-</a:t>
-                      </a:r>
-                      <a:endParaRPr lang="es-PY" sz="1400" dirty="0">
-                        <a:latin typeface="Calibri"/>
-                        <a:ea typeface="Times New Roman"/>
-                        <a:cs typeface="Times New Roman"/>
-                      </a:endParaRPr>
-                    </a:p>
-                  </a:txBody>
-                  <a:tcPr marL="67895" marR="67895" marT="0" marB="0" anchor="ctr"/>
-                </a:tc>
-              </a:tr>
-            </a:tbl>
-          </a:graphicData>
-        </a:graphic>
-      </p:graphicFrame>
       <p:sp>
         <p:nvSpPr>
           <p:cNvPr id="4" name="3 Marcador de número de diapositiva"/>
@@ -15544,6 +12751,29 @@
           </a:p>
         </p:txBody>
       </p:sp>
+      <p:pic>
+        <p:nvPicPr>
+          <p:cNvPr id="6" name="5 Marcador de contenido" descr="Tabla comparativa MDD.png"/>
+          <p:cNvPicPr>
+            <a:picLocks noGrp="1" noChangeAspect="1"/>
+          </p:cNvPicPr>
+          <p:nvPr>
+            <p:ph idx="1"/>
+          </p:nvPr>
+        </p:nvPicPr>
+        <p:blipFill>
+          <a:blip r:embed="rId3" cstate="print"/>
+          <a:stretch>
+            <a:fillRect/>
+          </a:stretch>
+        </p:blipFill>
+        <p:spPr>
+          <a:xfrm>
+            <a:off x="683568" y="1556792"/>
+            <a:ext cx="7560840" cy="5068626"/>
+          </a:xfrm>
+        </p:spPr>
+      </p:pic>
     </p:spTree>
   </p:cSld>
   <p:clrMapOvr>
@@ -15680,7 +12910,7 @@
     </p:spTree>
     <p:extLst>
       <p:ext uri="{BB962C8B-B14F-4D97-AF65-F5344CB8AC3E}">
-        <p14:creationId xmlns="" xmlns:p14="http://schemas.microsoft.com/office/powerpoint/2010/main" val="2485615847"/>
+        <p14:creationId xmlns:p14="http://schemas.microsoft.com/office/powerpoint/2010/main" xmlns="" val="2485615847"/>
       </p:ext>
     </p:extLst>
   </p:cSld>
